--- a/3DLv2_2023_vs2019_Game/Plan/ゲームプレゼンテーション.pptx
+++ b/3DLv2_2023_vs2019_Game/Plan/ゲームプレゼンテーション.pptx
@@ -4,11 +4,17 @@
   <p:sldMasterIdLst>
     <p:sldMasterId id="2147483648" r:id="rId1"/>
   </p:sldMasterIdLst>
+  <p:notesMasterIdLst>
+    <p:notesMasterId r:id="rId9"/>
+  </p:notesMasterIdLst>
   <p:sldIdLst>
     <p:sldId id="256" r:id="rId2"/>
     <p:sldId id="257" r:id="rId3"/>
     <p:sldId id="258" r:id="rId4"/>
     <p:sldId id="259" r:id="rId5"/>
+    <p:sldId id="260" r:id="rId6"/>
+    <p:sldId id="261" r:id="rId7"/>
+    <p:sldId id="262" r:id="rId8"/>
   </p:sldIdLst>
   <p:sldSz cx="12192000" cy="6858000"/>
   <p:notesSz cx="6858000" cy="9144000"/>
@@ -115,6 +121,2446 @@
 </p:presentation>
 </file>
 
+<file path=ppt/ink/ink1.xml><?xml version="1.0" encoding="utf-8"?>
+<inkml:ink xmlns:inkml="http://www.w3.org/2003/InkML">
+  <inkml:definitions>
+    <inkml:context xml:id="ctx0">
+      <inkml:inkSource xml:id="inkSrc0">
+        <inkml:traceFormat>
+          <inkml:channel name="X" type="integer" min="-2.14748E9" max="2.14748E9" units="cm"/>
+          <inkml:channel name="Y" type="integer" min="-2.14748E9" max="2.14748E9" units="cm"/>
+        </inkml:traceFormat>
+        <inkml:channelProperties>
+          <inkml:channelProperty channel="X" name="resolution" value="1000" units="1/cm"/>
+          <inkml:channelProperty channel="Y" name="resolution" value="1000" units="1/cm"/>
+        </inkml:channelProperties>
+      </inkml:inkSource>
+      <inkml:timestamp xml:id="ts0" timeString="2023-04-18T04:32:42.499"/>
+    </inkml:context>
+    <inkml:brush xml:id="br0">
+      <inkml:brushProperty name="width" value="0.3" units="cm"/>
+      <inkml:brushProperty name="height" value="0.6" units="cm"/>
+      <inkml:brushProperty name="color" value="#FFFC00"/>
+      <inkml:brushProperty name="tip" value="rectangle"/>
+      <inkml:brushProperty name="rasterOp" value="maskPen"/>
+      <inkml:brushProperty name="ignorePressure" value="1"/>
+    </inkml:brush>
+  </inkml:definitions>
+  <inkml:trace contextRef="#ctx0" brushRef="#br0">1 0,'0'0</inkml:trace>
+</inkml:ink>
+</file>
+
+<file path=ppt/ink/ink10.xml><?xml version="1.0" encoding="utf-8"?>
+<inkml:ink xmlns:inkml="http://www.w3.org/2003/InkML">
+  <inkml:definitions>
+    <inkml:context xml:id="ctx0">
+      <inkml:inkSource xml:id="inkSrc0">
+        <inkml:traceFormat>
+          <inkml:channel name="X" type="integer" min="-2.14748E9" max="2.14748E9" units="cm"/>
+          <inkml:channel name="Y" type="integer" min="-2.14748E9" max="2.14748E9" units="cm"/>
+        </inkml:traceFormat>
+        <inkml:channelProperties>
+          <inkml:channelProperty channel="X" name="resolution" value="1000" units="1/cm"/>
+          <inkml:channelProperty channel="Y" name="resolution" value="1000" units="1/cm"/>
+        </inkml:channelProperties>
+      </inkml:inkSource>
+      <inkml:timestamp xml:id="ts0" timeString="2023-04-18T04:34:09.886"/>
+    </inkml:context>
+    <inkml:brush xml:id="br0">
+      <inkml:brushProperty name="width" value="0.3" units="cm"/>
+      <inkml:brushProperty name="height" value="0.6" units="cm"/>
+      <inkml:brushProperty name="color" value="#FFFC00"/>
+      <inkml:brushProperty name="tip" value="rectangle"/>
+      <inkml:brushProperty name="rasterOp" value="maskPen"/>
+      <inkml:brushProperty name="ignorePressure" value="1"/>
+    </inkml:brush>
+  </inkml:definitions>
+  <inkml:trace contextRef="#ctx0" brushRef="#br0">5938 5469,'-180'314,"-305"534,29-42,383-674</inkml:trace>
+</inkml:ink>
+</file>
+
+<file path=ppt/ink/ink11.xml><?xml version="1.0" encoding="utf-8"?>
+<inkml:ink xmlns:inkml="http://www.w3.org/2003/InkML">
+  <inkml:definitions>
+    <inkml:context xml:id="ctx0">
+      <inkml:inkSource xml:id="inkSrc0">
+        <inkml:traceFormat>
+          <inkml:channel name="X" type="integer" min="-2.14748E9" max="2.14748E9" units="cm"/>
+          <inkml:channel name="Y" type="integer" min="-2.14748E9" max="2.14748E9" units="cm"/>
+        </inkml:traceFormat>
+        <inkml:channelProperties>
+          <inkml:channelProperty channel="X" name="resolution" value="1000" units="1/cm"/>
+          <inkml:channelProperty channel="Y" name="resolution" value="1000" units="1/cm"/>
+        </inkml:channelProperties>
+      </inkml:inkSource>
+      <inkml:timestamp xml:id="ts0" timeString="2023-04-18T04:34:09.888"/>
+    </inkml:context>
+    <inkml:brush xml:id="br0">
+      <inkml:brushProperty name="width" value="0.3" units="cm"/>
+      <inkml:brushProperty name="height" value="0.6" units="cm"/>
+      <inkml:brushProperty name="color" value="#FFFC00"/>
+      <inkml:brushProperty name="tip" value="rectangle"/>
+      <inkml:brushProperty name="rasterOp" value="maskPen"/>
+      <inkml:brushProperty name="ignorePressure" value="1"/>
+    </inkml:brush>
+  </inkml:definitions>
+  <inkml:trace contextRef="#ctx0" brushRef="#br0">4619 7587,'1319'-2152</inkml:trace>
+</inkml:ink>
+</file>
+
+<file path=ppt/ink/ink12.xml><?xml version="1.0" encoding="utf-8"?>
+<inkml:ink xmlns:inkml="http://www.w3.org/2003/InkML">
+  <inkml:definitions>
+    <inkml:context xml:id="ctx0">
+      <inkml:inkSource xml:id="inkSrc0">
+        <inkml:traceFormat>
+          <inkml:channel name="X" type="integer" min="-2.14748E9" max="2.14748E9" units="cm"/>
+          <inkml:channel name="Y" type="integer" min="-2.14748E9" max="2.14748E9" units="cm"/>
+        </inkml:traceFormat>
+        <inkml:channelProperties>
+          <inkml:channelProperty channel="X" name="resolution" value="1000" units="1/cm"/>
+          <inkml:channelProperty channel="Y" name="resolution" value="1000" units="1/cm"/>
+        </inkml:channelProperties>
+      </inkml:inkSource>
+      <inkml:timestamp xml:id="ts0" timeString="2023-04-18T04:34:09.890"/>
+    </inkml:context>
+    <inkml:brush xml:id="br0">
+      <inkml:brushProperty name="width" value="0.3" units="cm"/>
+      <inkml:brushProperty name="height" value="0.6" units="cm"/>
+      <inkml:brushProperty name="color" value="#FFFC00"/>
+      <inkml:brushProperty name="tip" value="rectangle"/>
+      <inkml:brushProperty name="rasterOp" value="maskPen"/>
+      <inkml:brushProperty name="ignorePressure" value="1"/>
+    </inkml:brush>
+  </inkml:definitions>
+  <inkml:trace contextRef="#ctx0" brushRef="#br0">5938 5001,'-269'472,"-119"217,-373 736</inkml:trace>
+</inkml:ink>
+</file>
+
+<file path=ppt/ink/ink13.xml><?xml version="1.0" encoding="utf-8"?>
+<inkml:ink xmlns:inkml="http://www.w3.org/2003/InkML">
+  <inkml:definitions>
+    <inkml:context xml:id="ctx0">
+      <inkml:inkSource xml:id="inkSrc0">
+        <inkml:traceFormat>
+          <inkml:channel name="X" type="integer" min="-2.14748E9" max="2.14748E9" units="cm"/>
+          <inkml:channel name="Y" type="integer" min="-2.14748E9" max="2.14748E9" units="cm"/>
+        </inkml:traceFormat>
+        <inkml:channelProperties>
+          <inkml:channelProperty channel="X" name="resolution" value="1000" units="1/cm"/>
+          <inkml:channelProperty channel="Y" name="resolution" value="1000" units="1/cm"/>
+        </inkml:channelProperties>
+      </inkml:inkSource>
+      <inkml:timestamp xml:id="ts0" timeString="2023-04-18T04:34:09.892"/>
+    </inkml:context>
+    <inkml:brush xml:id="br0">
+      <inkml:brushProperty name="width" value="0.3" units="cm"/>
+      <inkml:brushProperty name="height" value="0.6" units="cm"/>
+      <inkml:brushProperty name="color" value="#FFFC00"/>
+      <inkml:brushProperty name="tip" value="rectangle"/>
+      <inkml:brushProperty name="rasterOp" value="maskPen"/>
+      <inkml:brushProperty name="ignorePressure" value="1"/>
+    </inkml:brush>
+  </inkml:definitions>
+  <inkml:trace contextRef="#ctx0" brushRef="#br0">5982 4727,'5'-7</inkml:trace>
+</inkml:ink>
+</file>
+
+<file path=ppt/ink/ink14.xml><?xml version="1.0" encoding="utf-8"?>
+<inkml:ink xmlns:inkml="http://www.w3.org/2003/InkML">
+  <inkml:definitions>
+    <inkml:context xml:id="ctx0">
+      <inkml:inkSource xml:id="inkSrc0">
+        <inkml:traceFormat>
+          <inkml:channel name="X" type="integer" min="-2.14748E9" max="2.14748E9" units="cm"/>
+          <inkml:channel name="Y" type="integer" min="-2.14748E9" max="2.14748E9" units="cm"/>
+        </inkml:traceFormat>
+        <inkml:channelProperties>
+          <inkml:channelProperty channel="X" name="resolution" value="1000" units="1/cm"/>
+          <inkml:channelProperty channel="Y" name="resolution" value="1000" units="1/cm"/>
+        </inkml:channelProperties>
+      </inkml:inkSource>
+      <inkml:timestamp xml:id="ts0" timeString="2023-04-18T04:34:09.894"/>
+    </inkml:context>
+    <inkml:brush xml:id="br0">
+      <inkml:brushProperty name="width" value="0.3" units="cm"/>
+      <inkml:brushProperty name="height" value="0.6" units="cm"/>
+      <inkml:brushProperty name="color" value="#FFFC00"/>
+      <inkml:brushProperty name="tip" value="rectangle"/>
+      <inkml:brushProperty name="rasterOp" value="maskPen"/>
+      <inkml:brushProperty name="ignorePressure" value="1"/>
+    </inkml:brush>
+  </inkml:definitions>
+  <inkml:trace contextRef="#ctx0" brushRef="#br0">4032 7538,'1683'-2438,"-1460"2126</inkml:trace>
+</inkml:ink>
+</file>
+
+<file path=ppt/ink/ink15.xml><?xml version="1.0" encoding="utf-8"?>
+<inkml:ink xmlns:inkml="http://www.w3.org/2003/InkML">
+  <inkml:definitions>
+    <inkml:context xml:id="ctx0">
+      <inkml:inkSource xml:id="inkSrc0">
+        <inkml:traceFormat>
+          <inkml:channel name="X" type="integer" min="-2.14748E9" max="2.14748E9" units="cm"/>
+          <inkml:channel name="Y" type="integer" min="-2.14748E9" max="2.14748E9" units="cm"/>
+        </inkml:traceFormat>
+        <inkml:channelProperties>
+          <inkml:channelProperty channel="X" name="resolution" value="1000" units="1/cm"/>
+          <inkml:channelProperty channel="Y" name="resolution" value="1000" units="1/cm"/>
+        </inkml:channelProperties>
+      </inkml:inkSource>
+      <inkml:timestamp xml:id="ts0" timeString="2023-04-18T04:34:09.896"/>
+    </inkml:context>
+    <inkml:brush xml:id="br0">
+      <inkml:brushProperty name="width" value="0.3" units="cm"/>
+      <inkml:brushProperty name="height" value="0.6" units="cm"/>
+      <inkml:brushProperty name="color" value="#FFFC00"/>
+      <inkml:brushProperty name="tip" value="rectangle"/>
+      <inkml:brushProperty name="rasterOp" value="maskPen"/>
+      <inkml:brushProperty name="ignorePressure" value="1"/>
+    </inkml:brush>
+  </inkml:definitions>
+  <inkml:trace contextRef="#ctx0" brushRef="#br0">5938 4740,'-135'199,"-236"338,-82 127,-473 734</inkml:trace>
+</inkml:ink>
+</file>
+
+<file path=ppt/ink/ink16.xml><?xml version="1.0" encoding="utf-8"?>
+<inkml:ink xmlns:inkml="http://www.w3.org/2003/InkML">
+  <inkml:definitions>
+    <inkml:context xml:id="ctx0">
+      <inkml:inkSource xml:id="inkSrc0">
+        <inkml:traceFormat>
+          <inkml:channel name="X" type="integer" min="-2.14748E9" max="2.14748E9" units="cm"/>
+          <inkml:channel name="Y" type="integer" min="-2.14748E9" max="2.14748E9" units="cm"/>
+        </inkml:traceFormat>
+        <inkml:channelProperties>
+          <inkml:channelProperty channel="X" name="resolution" value="1000" units="1/cm"/>
+          <inkml:channelProperty channel="Y" name="resolution" value="1000" units="1/cm"/>
+        </inkml:channelProperties>
+      </inkml:inkSource>
+      <inkml:timestamp xml:id="ts0" timeString="2023-04-18T04:34:09.898"/>
+    </inkml:context>
+    <inkml:brush xml:id="br0">
+      <inkml:brushProperty name="width" value="0.3" units="cm"/>
+      <inkml:brushProperty name="height" value="0.6" units="cm"/>
+      <inkml:brushProperty name="color" value="#FFFC00"/>
+      <inkml:brushProperty name="tip" value="rectangle"/>
+      <inkml:brushProperty name="rasterOp" value="maskPen"/>
+      <inkml:brushProperty name="ignorePressure" value="1"/>
+    </inkml:brush>
+  </inkml:definitions>
+  <inkml:trace contextRef="#ctx0" brushRef="#br0">5987 4668,'-40'59</inkml:trace>
+</inkml:ink>
+</file>
+
+<file path=ppt/ink/ink17.xml><?xml version="1.0" encoding="utf-8"?>
+<inkml:ink xmlns:inkml="http://www.w3.org/2003/InkML">
+  <inkml:definitions>
+    <inkml:context xml:id="ctx0">
+      <inkml:inkSource xml:id="inkSrc0">
+        <inkml:traceFormat>
+          <inkml:channel name="X" type="integer" min="-2.14748E9" max="2.14748E9" units="cm"/>
+          <inkml:channel name="Y" type="integer" min="-2.14748E9" max="2.14748E9" units="cm"/>
+        </inkml:traceFormat>
+        <inkml:channelProperties>
+          <inkml:channelProperty channel="X" name="resolution" value="1000" units="1/cm"/>
+          <inkml:channelProperty channel="Y" name="resolution" value="1000" units="1/cm"/>
+        </inkml:channelProperties>
+      </inkml:inkSource>
+      <inkml:timestamp xml:id="ts0" timeString="2023-04-18T04:34:09.900"/>
+    </inkml:context>
+    <inkml:brush xml:id="br0">
+      <inkml:brushProperty name="width" value="0.3" units="cm"/>
+      <inkml:brushProperty name="height" value="0.6" units="cm"/>
+      <inkml:brushProperty name="color" value="#FFFC00"/>
+      <inkml:brushProperty name="tip" value="rectangle"/>
+      <inkml:brushProperty name="rasterOp" value="maskPen"/>
+      <inkml:brushProperty name="ignorePressure" value="1"/>
+    </inkml:brush>
+  </inkml:definitions>
+  <inkml:trace contextRef="#ctx0" brushRef="#br0">3669 7538,'224'-338,"187"-222,933-1112,-1058 1325,-233 282</inkml:trace>
+</inkml:ink>
+</file>
+
+<file path=ppt/ink/ink18.xml><?xml version="1.0" encoding="utf-8"?>
+<inkml:ink xmlns:inkml="http://www.w3.org/2003/InkML">
+  <inkml:definitions>
+    <inkml:context xml:id="ctx0">
+      <inkml:inkSource xml:id="inkSrc0">
+        <inkml:traceFormat>
+          <inkml:channel name="X" type="integer" min="-2.14748E9" max="2.14748E9" units="cm"/>
+          <inkml:channel name="Y" type="integer" min="-2.14748E9" max="2.14748E9" units="cm"/>
+        </inkml:traceFormat>
+        <inkml:channelProperties>
+          <inkml:channelProperty channel="X" name="resolution" value="1000" units="1/cm"/>
+          <inkml:channelProperty channel="Y" name="resolution" value="1000" units="1/cm"/>
+        </inkml:channelProperties>
+      </inkml:inkSource>
+      <inkml:timestamp xml:id="ts0" timeString="2023-04-18T04:34:09.902"/>
+    </inkml:context>
+    <inkml:brush xml:id="br0">
+      <inkml:brushProperty name="width" value="0.3" units="cm"/>
+      <inkml:brushProperty name="height" value="0.6" units="cm"/>
+      <inkml:brushProperty name="color" value="#FFFC00"/>
+      <inkml:brushProperty name="tip" value="rectangle"/>
+      <inkml:brushProperty name="rasterOp" value="maskPen"/>
+      <inkml:brushProperty name="ignorePressure" value="1"/>
+    </inkml:brush>
+  </inkml:definitions>
+  <inkml:trace contextRef="#ctx0" brushRef="#br0">6160 3576,'-221'336,"-171"245,-1486 2464</inkml:trace>
+</inkml:ink>
+</file>
+
+<file path=ppt/ink/ink19.xml><?xml version="1.0" encoding="utf-8"?>
+<inkml:ink xmlns:inkml="http://www.w3.org/2003/InkML">
+  <inkml:definitions>
+    <inkml:context xml:id="ctx0">
+      <inkml:inkSource xml:id="inkSrc0">
+        <inkml:traceFormat>
+          <inkml:channel name="X" type="integer" min="-2.14748E9" max="2.14748E9" units="cm"/>
+          <inkml:channel name="Y" type="integer" min="-2.14748E9" max="2.14748E9" units="cm"/>
+        </inkml:traceFormat>
+        <inkml:channelProperties>
+          <inkml:channelProperty channel="X" name="resolution" value="1000" units="1/cm"/>
+          <inkml:channelProperty channel="Y" name="resolution" value="1000" units="1/cm"/>
+        </inkml:channelProperties>
+      </inkml:inkSource>
+      <inkml:timestamp xml:id="ts0" timeString="2023-04-18T04:34:09.904"/>
+    </inkml:context>
+    <inkml:brush xml:id="br0">
+      <inkml:brushProperty name="width" value="0.3" units="cm"/>
+      <inkml:brushProperty name="height" value="0.6" units="cm"/>
+      <inkml:brushProperty name="color" value="#FFFC00"/>
+      <inkml:brushProperty name="tip" value="rectangle"/>
+      <inkml:brushProperty name="rasterOp" value="maskPen"/>
+      <inkml:brushProperty name="ignorePressure" value="1"/>
+    </inkml:brush>
+  </inkml:definitions>
+  <inkml:trace contextRef="#ctx0" brushRef="#br0">6234 3464,'-68'104</inkml:trace>
+</inkml:ink>
+</file>
+
+<file path=ppt/ink/ink2.xml><?xml version="1.0" encoding="utf-8"?>
+<inkml:ink xmlns:inkml="http://www.w3.org/2003/InkML">
+  <inkml:definitions>
+    <inkml:context xml:id="ctx0">
+      <inkml:inkSource xml:id="inkSrc0">
+        <inkml:traceFormat>
+          <inkml:channel name="X" type="integer" min="-2.14748E9" max="2.14748E9" units="cm"/>
+          <inkml:channel name="Y" type="integer" min="-2.14748E9" max="2.14748E9" units="cm"/>
+        </inkml:traceFormat>
+        <inkml:channelProperties>
+          <inkml:channelProperty channel="X" name="resolution" value="1000" units="1/cm"/>
+          <inkml:channelProperty channel="Y" name="resolution" value="1000" units="1/cm"/>
+        </inkml:channelProperties>
+      </inkml:inkSource>
+      <inkml:timestamp xml:id="ts0" timeString="2023-04-18T04:32:47.364"/>
+    </inkml:context>
+    <inkml:brush xml:id="br0">
+      <inkml:brushProperty name="width" value="0.3" units="cm"/>
+      <inkml:brushProperty name="height" value="0.6" units="cm"/>
+      <inkml:brushProperty name="color" value="#FFFC00"/>
+      <inkml:brushProperty name="tip" value="rectangle"/>
+      <inkml:brushProperty name="rasterOp" value="maskPen"/>
+      <inkml:brushProperty name="ignorePressure" value="1"/>
+    </inkml:brush>
+  </inkml:definitions>
+  <inkml:trace contextRef="#ctx0" brushRef="#br0">748 392,'-690'0,"686"0,3 1,-1 0,1-1,-1 1,1-1,-1 1,1-1,-1 0,1 1,-1-1,1 0,-1 0,1 0,-1 0,1 0,-1 0,0-1,1 1,-1 0,1-1,0 1,-1-1,1 0,-1 1,1-1,0 0,-1 0,1 0,0 0,0 0,0 0,0 0,0 0,0-1,0 1,0 0,0-1,1 1,-1 0,0-1,1 1,-1-1,1 1,0-1,-1 1,1-1,0 1,0-1,0 1,0-2,6-8,1 0,0 0,1 1,0 0,0 0,1 1,1 0,-1 0,1 1,1 0,-1 1,1 1,11-6,156-115,-176 126,6-8,0 0,1 1,0 0,0 0,1 1,0 0,1 1,-1 0,1 1,0 0,1 1,-1 0,1 1,-1 0,1 0,0 2,0-1,0 2,0-1,1 2,-1 0,0 0,0 1,-1 0,1 1,0 0,4 3,64 62,-69-55,0-3</inkml:trace>
+</inkml:ink>
+</file>
+
+<file path=ppt/ink/ink20.xml><?xml version="1.0" encoding="utf-8"?>
+<inkml:ink xmlns:inkml="http://www.w3.org/2003/InkML">
+  <inkml:definitions>
+    <inkml:context xml:id="ctx0">
+      <inkml:inkSource xml:id="inkSrc0">
+        <inkml:traceFormat>
+          <inkml:channel name="X" type="integer" min="-2.14748E9" max="2.14748E9" units="cm"/>
+          <inkml:channel name="Y" type="integer" min="-2.14748E9" max="2.14748E9" units="cm"/>
+        </inkml:traceFormat>
+        <inkml:channelProperties>
+          <inkml:channelProperty channel="X" name="resolution" value="1000" units="1/cm"/>
+          <inkml:channelProperty channel="Y" name="resolution" value="1000" units="1/cm"/>
+        </inkml:channelProperties>
+      </inkml:inkSource>
+      <inkml:timestamp xml:id="ts0" timeString="2023-04-18T04:34:09.906"/>
+    </inkml:context>
+    <inkml:brush xml:id="br0">
+      <inkml:brushProperty name="width" value="0.3" units="cm"/>
+      <inkml:brushProperty name="height" value="0.6" units="cm"/>
+      <inkml:brushProperty name="color" value="#FFFC00"/>
+      <inkml:brushProperty name="tip" value="rectangle"/>
+      <inkml:brushProperty name="rasterOp" value="maskPen"/>
+      <inkml:brushProperty name="ignorePressure" value="1"/>
+    </inkml:brush>
+  </inkml:definitions>
+  <inkml:trace contextRef="#ctx0" brushRef="#br0">3723 7538,'7'-11,"470"-765,-388 633,1675-2747,-1590 2592</inkml:trace>
+</inkml:ink>
+</file>
+
+<file path=ppt/ink/ink21.xml><?xml version="1.0" encoding="utf-8"?>
+<inkml:ink xmlns:inkml="http://www.w3.org/2003/InkML">
+  <inkml:definitions>
+    <inkml:context xml:id="ctx0">
+      <inkml:inkSource xml:id="inkSrc0">
+        <inkml:traceFormat>
+          <inkml:channel name="X" type="integer" min="-2.14748E9" max="2.14748E9" units="cm"/>
+          <inkml:channel name="Y" type="integer" min="-2.14748E9" max="2.14748E9" units="cm"/>
+        </inkml:traceFormat>
+        <inkml:channelProperties>
+          <inkml:channelProperty channel="X" name="resolution" value="1000" units="1/cm"/>
+          <inkml:channelProperty channel="Y" name="resolution" value="1000" units="1/cm"/>
+        </inkml:channelProperties>
+      </inkml:inkSource>
+      <inkml:timestamp xml:id="ts0" timeString="2023-04-18T04:34:09.908"/>
+    </inkml:context>
+    <inkml:brush xml:id="br0">
+      <inkml:brushProperty name="width" value="0.3" units="cm"/>
+      <inkml:brushProperty name="height" value="0.6" units="cm"/>
+      <inkml:brushProperty name="color" value="#FFFC00"/>
+      <inkml:brushProperty name="tip" value="rectangle"/>
+      <inkml:brushProperty name="rasterOp" value="maskPen"/>
+      <inkml:brushProperty name="ignorePressure" value="1"/>
+    </inkml:brush>
+  </inkml:definitions>
+  <inkml:trace contextRef="#ctx0" brushRef="#br0">3069 7316,'335'-731,"1219"-2326,-1303 2592,-83 154,-75 131,-65 104,-51 82,-39 55,3 2,3 2,-47 72,-30 56,-33 83,-40 107,-22 88,-61 186,-177 616,380-980,16 2,68-270,13-50,-3 5,132-264,17 34,94-88,82-87,1001-1271,-1156 1472,-80 109,-76 103,-74 102,-87 129,-110 172,-106 186,-73 157,-745 1488</inkml:trace>
+</inkml:ink>
+</file>
+
+<file path=ppt/ink/ink22.xml><?xml version="1.0" encoding="utf-8"?>
+<inkml:ink xmlns:inkml="http://www.w3.org/2003/InkML">
+  <inkml:definitions>
+    <inkml:context xml:id="ctx0">
+      <inkml:inkSource xml:id="inkSrc0">
+        <inkml:traceFormat>
+          <inkml:channel name="X" type="integer" min="-2.14748E9" max="2.14748E9" units="cm"/>
+          <inkml:channel name="Y" type="integer" min="-2.14748E9" max="2.14748E9" units="cm"/>
+        </inkml:traceFormat>
+        <inkml:channelProperties>
+          <inkml:channelProperty channel="X" name="resolution" value="1000" units="1/cm"/>
+          <inkml:channelProperty channel="Y" name="resolution" value="1000" units="1/cm"/>
+        </inkml:channelProperties>
+      </inkml:inkSource>
+      <inkml:timestamp xml:id="ts0" timeString="2023-04-18T04:34:09.910"/>
+    </inkml:context>
+    <inkml:brush xml:id="br0">
+      <inkml:brushProperty name="width" value="0.3" units="cm"/>
+      <inkml:brushProperty name="height" value="0.6" units="cm"/>
+      <inkml:brushProperty name="color" value="#FFFC00"/>
+      <inkml:brushProperty name="tip" value="rectangle"/>
+      <inkml:brushProperty name="rasterOp" value="maskPen"/>
+      <inkml:brushProperty name="ignorePressure" value="1"/>
+    </inkml:brush>
+  </inkml:definitions>
+  <inkml:trace contextRef="#ctx0" brushRef="#br0">3437 7316,'3'-16,"2"-9,7-22,59-182,76-149,69-166,755-2007,-846 2184,-65 152,-53 137,-17 65,-16 35,-41 81,-44 100,-68 153,-71 182,-69 191,-672 1783</inkml:trace>
+</inkml:ink>
+</file>
+
+<file path=ppt/ink/ink23.xml><?xml version="1.0" encoding="utf-8"?>
+<inkml:ink xmlns:inkml="http://www.w3.org/2003/InkML">
+  <inkml:definitions>
+    <inkml:context xml:id="ctx0">
+      <inkml:inkSource xml:id="inkSrc0">
+        <inkml:traceFormat>
+          <inkml:channel name="X" type="integer" min="-2.14748E9" max="2.14748E9" units="cm"/>
+          <inkml:channel name="Y" type="integer" min="-2.14748E9" max="2.14748E9" units="cm"/>
+        </inkml:traceFormat>
+        <inkml:channelProperties>
+          <inkml:channelProperty channel="X" name="resolution" value="1000" units="1/cm"/>
+          <inkml:channelProperty channel="Y" name="resolution" value="1000" units="1/cm"/>
+        </inkml:channelProperties>
+      </inkml:inkSource>
+      <inkml:timestamp xml:id="ts0" timeString="2023-04-18T04:34:09.912"/>
+    </inkml:context>
+    <inkml:brush xml:id="br0">
+      <inkml:brushProperty name="width" value="0.3" units="cm"/>
+      <inkml:brushProperty name="height" value="0.6" units="cm"/>
+      <inkml:brushProperty name="color" value="#FFFC00"/>
+      <inkml:brushProperty name="tip" value="rectangle"/>
+      <inkml:brushProperty name="rasterOp" value="maskPen"/>
+      <inkml:brushProperty name="ignorePressure" value="1"/>
+    </inkml:brush>
+  </inkml:definitions>
+  <inkml:trace contextRef="#ctx0" brushRef="#br0">3271 7316,'187'-346,"1457"-2694,-1429 2670,-188 352,-37 60,10-42,-207 550,103-279,-51 81,-1061 1991,1090-2127</inkml:trace>
+</inkml:ink>
+</file>
+
+<file path=ppt/ink/ink24.xml><?xml version="1.0" encoding="utf-8"?>
+<inkml:ink xmlns:inkml="http://www.w3.org/2003/InkML">
+  <inkml:definitions>
+    <inkml:context xml:id="ctx0">
+      <inkml:inkSource xml:id="inkSrc0">
+        <inkml:traceFormat>
+          <inkml:channel name="X" type="integer" min="-2.14748E9" max="2.14748E9" units="cm"/>
+          <inkml:channel name="Y" type="integer" min="-2.14748E9" max="2.14748E9" units="cm"/>
+        </inkml:traceFormat>
+        <inkml:channelProperties>
+          <inkml:channelProperty channel="X" name="resolution" value="1000" units="1/cm"/>
+          <inkml:channelProperty channel="Y" name="resolution" value="1000" units="1/cm"/>
+        </inkml:channelProperties>
+      </inkml:inkSource>
+      <inkml:timestamp xml:id="ts0" timeString="2023-04-18T04:34:23.993"/>
+    </inkml:context>
+    <inkml:brush xml:id="br0">
+      <inkml:brushProperty name="width" value="0.3" units="cm"/>
+      <inkml:brushProperty name="height" value="0.6" units="cm"/>
+      <inkml:brushProperty name="color" value="#FFFC00"/>
+      <inkml:brushProperty name="tip" value="rectangle"/>
+      <inkml:brushProperty name="rasterOp" value="maskPen"/>
+      <inkml:brushProperty name="ignorePressure" value="1"/>
+    </inkml:brush>
+  </inkml:definitions>
+  <inkml:trace contextRef="#ctx0" brushRef="#br0">4089 3542,'-129'355,"-567"1519,580-1553,-87 282,191-579,13-57,69-231,-55 220,87-251,397-1168,-419 1207,4 6,-166 466,-17 45,-39 142,-39 162,-28 129,-9 190</inkml:trace>
+</inkml:ink>
+</file>
+
+<file path=ppt/ink/ink25.xml><?xml version="1.0" encoding="utf-8"?>
+<inkml:ink xmlns:inkml="http://www.w3.org/2003/InkML">
+  <inkml:definitions>
+    <inkml:context xml:id="ctx0">
+      <inkml:inkSource xml:id="inkSrc0">
+        <inkml:traceFormat>
+          <inkml:channel name="X" type="integer" min="-2.14748E9" max="2.14748E9" units="cm"/>
+          <inkml:channel name="Y" type="integer" min="-2.14748E9" max="2.14748E9" units="cm"/>
+        </inkml:traceFormat>
+        <inkml:channelProperties>
+          <inkml:channelProperty channel="X" name="resolution" value="1000" units="1/cm"/>
+          <inkml:channelProperty channel="Y" name="resolution" value="1000" units="1/cm"/>
+        </inkml:channelProperties>
+      </inkml:inkSource>
+      <inkml:timestamp xml:id="ts0" timeString="2023-04-18T04:34:23.992"/>
+    </inkml:context>
+    <inkml:brush xml:id="br0">
+      <inkml:brushProperty name="width" value="0.3" units="cm"/>
+      <inkml:brushProperty name="height" value="0.6" units="cm"/>
+      <inkml:brushProperty name="color" value="#FFFC00"/>
+      <inkml:brushProperty name="tip" value="rectangle"/>
+      <inkml:brushProperty name="rasterOp" value="maskPen"/>
+      <inkml:brushProperty name="ignorePressure" value="1"/>
+    </inkml:brush>
+  </inkml:definitions>
+  <inkml:trace contextRef="#ctx0" brushRef="#br0">2720 7119,'99'-252,"199"-495,28-53,-23 60,-53 120,-77 178</inkml:trace>
+</inkml:ink>
+</file>
+
+<file path=ppt/ink/ink26.xml><?xml version="1.0" encoding="utf-8"?>
+<inkml:ink xmlns:inkml="http://www.w3.org/2003/InkML">
+  <inkml:definitions>
+    <inkml:context xml:id="ctx0">
+      <inkml:inkSource xml:id="inkSrc0">
+        <inkml:traceFormat>
+          <inkml:channel name="X" type="integer" min="-2.14748E9" max="2.14748E9" units="cm"/>
+          <inkml:channel name="Y" type="integer" min="-2.14748E9" max="2.14748E9" units="cm"/>
+        </inkml:traceFormat>
+        <inkml:channelProperties>
+          <inkml:channelProperty channel="X" name="resolution" value="1000" units="1/cm"/>
+          <inkml:channelProperty channel="Y" name="resolution" value="1000" units="1/cm"/>
+        </inkml:channelProperties>
+      </inkml:inkSource>
+      <inkml:timestamp xml:id="ts0" timeString="2023-04-18T04:34:09.916"/>
+    </inkml:context>
+    <inkml:brush xml:id="br0">
+      <inkml:brushProperty name="width" value="0.3" units="cm"/>
+      <inkml:brushProperty name="height" value="0.6" units="cm"/>
+      <inkml:brushProperty name="color" value="#FFFC00"/>
+      <inkml:brushProperty name="tip" value="rectangle"/>
+      <inkml:brushProperty name="rasterOp" value="maskPen"/>
+      <inkml:brushProperty name="ignorePressure" value="1"/>
+    </inkml:brush>
+  </inkml:definitions>
+  <inkml:trace contextRef="#ctx0" brushRef="#br0">2461 6872,'3'-5,"173"-477,-15 14,481-1488,-561 1675,-39 99,-39 167,0 8,-1 1,0-1,0 0,-1 1,0-1,0 0,-1 0,0 0,0 0,0 0,-1 1,0-1,-1 0,1 0,-1 1,0-1,-1 1,0 0,-2-5,3 11,-1-1,1 0,0 1,-1-1,1 1,-1 0,1 0,-1 0,1 0,-1 0,1 1,0-1,-1 1,1-1,0 1,-1 0,1 0,0 0,0 0,0 0,-1 1,1-1,1 1,-1-1,0 1,0 0,1 0,-1 0,1 0,-1 0,1 0,0 0,0 0,0 0,-1 2,-11 17,1 1,1 1,2 0,0 1,1 0,1 0,-1 11,-41 160,-30 119,-34 157,-30 130,-277 1361</inkml:trace>
+</inkml:ink>
+</file>
+
+<file path=ppt/ink/ink27.xml><?xml version="1.0" encoding="utf-8"?>
+<inkml:ink xmlns:inkml="http://www.w3.org/2003/InkML">
+  <inkml:definitions>
+    <inkml:context xml:id="ctx0">
+      <inkml:inkSource xml:id="inkSrc0">
+        <inkml:traceFormat>
+          <inkml:channel name="X" type="integer" min="-2.14748E9" max="2.14748E9" units="cm"/>
+          <inkml:channel name="Y" type="integer" min="-2.14748E9" max="2.14748E9" units="cm"/>
+        </inkml:traceFormat>
+        <inkml:channelProperties>
+          <inkml:channelProperty channel="X" name="resolution" value="1000" units="1/cm"/>
+          <inkml:channelProperty channel="Y" name="resolution" value="1000" units="1/cm"/>
+        </inkml:channelProperties>
+      </inkml:inkSource>
+      <inkml:timestamp xml:id="ts0" timeString="2023-04-18T04:34:09.918"/>
+    </inkml:context>
+    <inkml:brush xml:id="br0">
+      <inkml:brushProperty name="width" value="0.3" units="cm"/>
+      <inkml:brushProperty name="height" value="0.6" units="cm"/>
+      <inkml:brushProperty name="color" value="#FFFC00"/>
+      <inkml:brushProperty name="tip" value="rectangle"/>
+      <inkml:brushProperty name="rasterOp" value="maskPen"/>
+      <inkml:brushProperty name="ignorePressure" value="1"/>
+    </inkml:brush>
+  </inkml:definitions>
+  <inkml:trace contextRef="#ctx0" brushRef="#br0">2078 6018,'287'-1125,"-220"786,-64 277,-11 59,-21 152,1 195,15 1,17 72,-2-276,22 599</inkml:trace>
+</inkml:ink>
+</file>
+
+<file path=ppt/ink/ink28.xml><?xml version="1.0" encoding="utf-8"?>
+<inkml:ink xmlns:inkml="http://www.w3.org/2003/InkML">
+  <inkml:definitions>
+    <inkml:context xml:id="ctx0">
+      <inkml:inkSource xml:id="inkSrc0">
+        <inkml:traceFormat>
+          <inkml:channel name="X" type="integer" min="-2.14748E9" max="2.14748E9" units="cm"/>
+          <inkml:channel name="Y" type="integer" min="-2.14748E9" max="2.14748E9" units="cm"/>
+        </inkml:traceFormat>
+        <inkml:channelProperties>
+          <inkml:channelProperty channel="X" name="resolution" value="1000" units="1/cm"/>
+          <inkml:channelProperty channel="Y" name="resolution" value="1000" units="1/cm"/>
+        </inkml:channelProperties>
+      </inkml:inkSource>
+      <inkml:timestamp xml:id="ts0" timeString="2023-04-18T04:34:09.920"/>
+    </inkml:context>
+    <inkml:brush xml:id="br0">
+      <inkml:brushProperty name="width" value="0.3" units="cm"/>
+      <inkml:brushProperty name="height" value="0.6" units="cm"/>
+      <inkml:brushProperty name="color" value="#FFFC00"/>
+      <inkml:brushProperty name="tip" value="rectangle"/>
+      <inkml:brushProperty name="rasterOp" value="maskPen"/>
+      <inkml:brushProperty name="ignorePressure" value="1"/>
+    </inkml:brush>
+  </inkml:definitions>
+  <inkml:trace contextRef="#ctx0" brushRef="#br0">2076 5446,'-72'390</inkml:trace>
+</inkml:ink>
+</file>
+
+<file path=ppt/ink/ink29.xml><?xml version="1.0" encoding="utf-8"?>
+<inkml:ink xmlns:inkml="http://www.w3.org/2003/InkML">
+  <inkml:definitions>
+    <inkml:context xml:id="ctx0">
+      <inkml:inkSource xml:id="inkSrc0">
+        <inkml:traceFormat>
+          <inkml:channel name="X" type="integer" min="-2.14748E9" max="2.14748E9" units="cm"/>
+          <inkml:channel name="Y" type="integer" min="-2.14748E9" max="2.14748E9" units="cm"/>
+        </inkml:traceFormat>
+        <inkml:channelProperties>
+          <inkml:channelProperty channel="X" name="resolution" value="1000" units="1/cm"/>
+          <inkml:channelProperty channel="Y" name="resolution" value="1000" units="1/cm"/>
+        </inkml:channelProperties>
+      </inkml:inkSource>
+      <inkml:timestamp xml:id="ts0" timeString="2023-04-18T04:34:09.922"/>
+    </inkml:context>
+    <inkml:brush xml:id="br0">
+      <inkml:brushProperty name="width" value="0.3" units="cm"/>
+      <inkml:brushProperty name="height" value="0.6" units="cm"/>
+      <inkml:brushProperty name="color" value="#FFFC00"/>
+      <inkml:brushProperty name="tip" value="rectangle"/>
+      <inkml:brushProperty name="rasterOp" value="maskPen"/>
+      <inkml:brushProperty name="ignorePressure" value="1"/>
+    </inkml:brush>
+  </inkml:definitions>
+  <inkml:trace contextRef="#ctx0" brushRef="#br0">2165 4960,'-63'345</inkml:trace>
+</inkml:ink>
+</file>
+
+<file path=ppt/ink/ink3.xml><?xml version="1.0" encoding="utf-8"?>
+<inkml:ink xmlns:inkml="http://www.w3.org/2003/InkML">
+  <inkml:definitions>
+    <inkml:context xml:id="ctx0">
+      <inkml:inkSource xml:id="inkSrc0">
+        <inkml:traceFormat>
+          <inkml:channel name="X" type="integer" min="-2.14748E9" max="2.14748E9" units="cm"/>
+          <inkml:channel name="Y" type="integer" min="-2.14748E9" max="2.14748E9" units="cm"/>
+        </inkml:traceFormat>
+        <inkml:channelProperties>
+          <inkml:channelProperty channel="X" name="resolution" value="1000" units="1/cm"/>
+          <inkml:channelProperty channel="Y" name="resolution" value="1000" units="1/cm"/>
+        </inkml:channelProperties>
+      </inkml:inkSource>
+      <inkml:timestamp xml:id="ts0" timeString="2023-04-18T04:32:52.286"/>
+    </inkml:context>
+    <inkml:brush xml:id="br0">
+      <inkml:brushProperty name="width" value="0.3" units="cm"/>
+      <inkml:brushProperty name="height" value="0.6" units="cm"/>
+      <inkml:brushProperty name="color" value="#FFFC00"/>
+      <inkml:brushProperty name="tip" value="rectangle"/>
+      <inkml:brushProperty name="rasterOp" value="maskPen"/>
+      <inkml:brushProperty name="ignorePressure" value="1"/>
+    </inkml:brush>
+  </inkml:definitions>
+  <inkml:trace contextRef="#ctx0" brushRef="#br0">533 412,'-2'-3,"0"1,-1 0,1 0,0 0,-1 0,1 1,-1-1,0 1,1-1,-1 1,0 0,0 0,0 0,0 0,0 1,0-1,0 1,0 0,0 0,0 0,0 0,0 0,0 1,-2-1,-216-26,46 26,171-2,0 0,0 0,0 0,0 0,1-1,-1 1,1-1,0 0,-1 0,1 0,0-1,1 1,-1-1,1 1,-1-1,1 0,0 0,1 0,-1 0,1 0,-1-1,1 1,1 0,-1-1,0 1,1-1,0 1,0 0,1-1,-1 1,1-1,0 1,0 0,0 0,1-1,-1 1,1 0,0-22,-1 1,-2 20,0 1,0-1,1 0,0 1,0-1,0 0,1 0,0 1,-1-1,2 1,-1-1,0 1,1-1,0 1,0 0,0 0,1 0,-1 0,1 0,0 0,0 1,0-1,1 1,-1 0,1 0,0 0,0 0,1 0,11-4,-1 0,0 0,0 0,0 2,1 0,0 0,0 2,0 0,0 1,1 0,-1 2,1-1,-1 2,232 15,-244-16,0 0,0 0,-1 1,1-1,0 1,-1 0,1 0,0 0,-1 0,1 0,-1 1,0 0,1 0,-1 0,0 0,0 0,0 0,-1 1,1-1,0 1,-1 0,0 0,1 0,-1 0,-1 1,1-1,0 0,-1 1,1-1,-1 1,0-1,0 1,-1 0,1-1,-1 2,5 211,-5-195</inkml:trace>
+</inkml:ink>
+</file>
+
+<file path=ppt/ink/ink30.xml><?xml version="1.0" encoding="utf-8"?>
+<inkml:ink xmlns:inkml="http://www.w3.org/2003/InkML">
+  <inkml:definitions>
+    <inkml:context xml:id="ctx0">
+      <inkml:inkSource xml:id="inkSrc0">
+        <inkml:traceFormat>
+          <inkml:channel name="X" type="integer" min="-2.14748E9" max="2.14748E9" units="cm"/>
+          <inkml:channel name="Y" type="integer" min="-2.14748E9" max="2.14748E9" units="cm"/>
+        </inkml:traceFormat>
+        <inkml:channelProperties>
+          <inkml:channelProperty channel="X" name="resolution" value="1000" units="1/cm"/>
+          <inkml:channelProperty channel="Y" name="resolution" value="1000" units="1/cm"/>
+        </inkml:channelProperties>
+      </inkml:inkSource>
+      <inkml:timestamp xml:id="ts0" timeString="2023-04-18T04:34:09.924"/>
+    </inkml:context>
+    <inkml:brush xml:id="br0">
+      <inkml:brushProperty name="width" value="0.3" units="cm"/>
+      <inkml:brushProperty name="height" value="0.6" units="cm"/>
+      <inkml:brushProperty name="color" value="#FFFC00"/>
+      <inkml:brushProperty name="tip" value="rectangle"/>
+      <inkml:brushProperty name="rasterOp" value="maskPen"/>
+      <inkml:brushProperty name="ignorePressure" value="1"/>
+    </inkml:brush>
+  </inkml:definitions>
+  <inkml:trace contextRef="#ctx0" brushRef="#br0">2226 4767,'75'-205,"-39"105,77-219,-13-4,7-98,-106 416,5-21,-1 1,-1-1,-1 0,-1-1,-1 1,-2 0,-1-9,2 33,1 1,-1-1,0 1,1-1,-1 1,0-1,0 0,0 1,0-1,-1 1,1-1,0 0,-1 1,1-1,-1 1,1-1,-1 1,0-1,0 1,0 0,1-1,-1 1,-1 0,1 0,0 0,0-1,0 1,0 0,-1 0,1 1,-1-1,1 0,0 0,-1 1,1-1,-1 1,0-1,1 1,-1 0,1 0,-1-1,0 1,1 0,-1 0,1 1,-1-1,0 0,1 1,-1-1,1 0,-1 1,1 0,-1-1,1 1,-1 0,1 0,0 0,0 0,-1 0,1 0,0 0,0 0,0 0,0 1,0-1,0 0,0 1,1-1,-1 1,0 0,-70 169,67-156,-54 194,-26 113,-18 105,41-95</inkml:trace>
+</inkml:ink>
+</file>
+
+<file path=ppt/ink/ink31.xml><?xml version="1.0" encoding="utf-8"?>
+<inkml:ink xmlns:inkml="http://www.w3.org/2003/InkML">
+  <inkml:definitions>
+    <inkml:context xml:id="ctx0">
+      <inkml:inkSource xml:id="inkSrc0">
+        <inkml:traceFormat>
+          <inkml:channel name="X" type="integer" min="-2.14748E9" max="2.14748E9" units="cm"/>
+          <inkml:channel name="Y" type="integer" min="-2.14748E9" max="2.14748E9" units="cm"/>
+        </inkml:traceFormat>
+        <inkml:channelProperties>
+          <inkml:channelProperty channel="X" name="resolution" value="1000" units="1/cm"/>
+          <inkml:channelProperty channel="Y" name="resolution" value="1000" units="1/cm"/>
+        </inkml:channelProperties>
+      </inkml:inkSource>
+      <inkml:timestamp xml:id="ts0" timeString="2023-04-18T04:34:09.926"/>
+    </inkml:context>
+    <inkml:brush xml:id="br0">
+      <inkml:brushProperty name="width" value="0.3" units="cm"/>
+      <inkml:brushProperty name="height" value="0.6" units="cm"/>
+      <inkml:brushProperty name="color" value="#FFFC00"/>
+      <inkml:brushProperty name="tip" value="rectangle"/>
+      <inkml:brushProperty name="rasterOp" value="maskPen"/>
+      <inkml:brushProperty name="ignorePressure" value="1"/>
+    </inkml:brush>
+  </inkml:definitions>
+  <inkml:trace contextRef="#ctx0" brushRef="#br0">2102 5161,'15'-59,"28"-83</inkml:trace>
+</inkml:ink>
+</file>
+
+<file path=ppt/ink/ink32.xml><?xml version="1.0" encoding="utf-8"?>
+<inkml:ink xmlns:inkml="http://www.w3.org/2003/InkML">
+  <inkml:definitions>
+    <inkml:context xml:id="ctx0">
+      <inkml:inkSource xml:id="inkSrc0">
+        <inkml:traceFormat>
+          <inkml:channel name="X" type="integer" min="-2.14748E9" max="2.14748E9" units="cm"/>
+          <inkml:channel name="Y" type="integer" min="-2.14748E9" max="2.14748E9" units="cm"/>
+        </inkml:traceFormat>
+        <inkml:channelProperties>
+          <inkml:channelProperty channel="X" name="resolution" value="1000" units="1/cm"/>
+          <inkml:channelProperty channel="Y" name="resolution" value="1000" units="1/cm"/>
+        </inkml:channelProperties>
+      </inkml:inkSource>
+      <inkml:timestamp xml:id="ts0" timeString="2023-04-18T04:34:09.928"/>
+    </inkml:context>
+    <inkml:brush xml:id="br0">
+      <inkml:brushProperty name="width" value="0.3" units="cm"/>
+      <inkml:brushProperty name="height" value="0.6" units="cm"/>
+      <inkml:brushProperty name="color" value="#FFFC00"/>
+      <inkml:brushProperty name="tip" value="rectangle"/>
+      <inkml:brushProperty name="rasterOp" value="maskPen"/>
+      <inkml:brushProperty name="ignorePressure" value="1"/>
+    </inkml:brush>
+  </inkml:definitions>
+  <inkml:trace contextRef="#ctx0" brushRef="#br0">1977 5812,'2'-21,"3"-17,-4 19,34-194,-19 138</inkml:trace>
+</inkml:ink>
+</file>
+
+<file path=ppt/ink/ink33.xml><?xml version="1.0" encoding="utf-8"?>
+<inkml:ink xmlns:inkml="http://www.w3.org/2003/InkML">
+  <inkml:definitions>
+    <inkml:context xml:id="ctx0">
+      <inkml:inkSource xml:id="inkSrc0">
+        <inkml:traceFormat>
+          <inkml:channel name="X" type="integer" min="-2.14748E9" max="2.14748E9" units="cm"/>
+          <inkml:channel name="Y" type="integer" min="-2.14748E9" max="2.14748E9" units="cm"/>
+        </inkml:traceFormat>
+        <inkml:channelProperties>
+          <inkml:channelProperty channel="X" name="resolution" value="1000" units="1/cm"/>
+          <inkml:channelProperty channel="Y" name="resolution" value="1000" units="1/cm"/>
+        </inkml:channelProperties>
+      </inkml:inkSource>
+      <inkml:timestamp xml:id="ts0" timeString="2023-04-18T04:34:09.930"/>
+    </inkml:context>
+    <inkml:brush xml:id="br0">
+      <inkml:brushProperty name="width" value="0.3" units="cm"/>
+      <inkml:brushProperty name="height" value="0.6" units="cm"/>
+      <inkml:brushProperty name="color" value="#FFFC00"/>
+      <inkml:brushProperty name="tip" value="rectangle"/>
+      <inkml:brushProperty name="rasterOp" value="maskPen"/>
+      <inkml:brushProperty name="ignorePressure" value="1"/>
+    </inkml:brush>
+  </inkml:definitions>
+  <inkml:trace contextRef="#ctx0" brushRef="#br0">2298 6354,'48'-228,"-2"10,458-2558,-493 2696,6-164,-18 245,1-1,-1 0,1 1,-1-1,1 0,-1 0,1 0,-1 1,1-1,-1 0,0 0,1 0,-1 0,1 0,-1 0,0 0,1 0,-1 0,1-1,-1 1,1 0,-1 0,1 0,-1-1,1 1,-1 0,1-1,-1 1,1 0,-1-1,1 1,-1 0,1-1,0 1,-1-1,1 1,0-1,-1 1,1-1,0 1,0-1,0 1,-1-1,1 0,0 1,0-1,0 1,0-1,0 1,0-1,0 0,0 1,0-1,0 1,0-1,1 1,-1-1,0 0,0 1,1-1,-1 1,0-1,0 1,1-1,-1 1,1 0,-1-1,0 1,1-1,-21 38,-62 207,15-6,-18 94,-394 1648,382-1673</inkml:trace>
+</inkml:ink>
+</file>
+
+<file path=ppt/ink/ink34.xml><?xml version="1.0" encoding="utf-8"?>
+<inkml:ink xmlns:inkml="http://www.w3.org/2003/InkML">
+  <inkml:definitions>
+    <inkml:context xml:id="ctx0">
+      <inkml:inkSource xml:id="inkSrc0">
+        <inkml:traceFormat>
+          <inkml:channel name="X" type="integer" min="-2.14748E9" max="2.14748E9" units="cm"/>
+          <inkml:channel name="Y" type="integer" min="-2.14748E9" max="2.14748E9" units="cm"/>
+        </inkml:traceFormat>
+        <inkml:channelProperties>
+          <inkml:channelProperty channel="X" name="resolution" value="1000" units="1/cm"/>
+          <inkml:channelProperty channel="Y" name="resolution" value="1000" units="1/cm"/>
+        </inkml:channelProperties>
+      </inkml:inkSource>
+      <inkml:timestamp xml:id="ts0" timeString="2023-04-18T04:34:09.932"/>
+    </inkml:context>
+    <inkml:brush xml:id="br0">
+      <inkml:brushProperty name="width" value="0.3" units="cm"/>
+      <inkml:brushProperty name="height" value="0.6" units="cm"/>
+      <inkml:brushProperty name="color" value="#FFFC00"/>
+      <inkml:brushProperty name="tip" value="rectangle"/>
+      <inkml:brushProperty name="rasterOp" value="maskPen"/>
+      <inkml:brushProperty name="ignorePressure" value="1"/>
+    </inkml:brush>
+  </inkml:definitions>
+  <inkml:trace contextRef="#ctx0" brushRef="#br0">2325 6560,'73'-204,"-34"65,-38 90,-35 109,0 25,3 1,17-40</inkml:trace>
+</inkml:ink>
+</file>
+
+<file path=ppt/ink/ink35.xml><?xml version="1.0" encoding="utf-8"?>
+<inkml:ink xmlns:inkml="http://www.w3.org/2003/InkML">
+  <inkml:definitions>
+    <inkml:context xml:id="ctx0">
+      <inkml:inkSource xml:id="inkSrc0">
+        <inkml:traceFormat>
+          <inkml:channel name="X" type="integer" min="-2.14748E9" max="2.14748E9" units="cm"/>
+          <inkml:channel name="Y" type="integer" min="-2.14748E9" max="2.14748E9" units="cm"/>
+        </inkml:traceFormat>
+        <inkml:channelProperties>
+          <inkml:channelProperty channel="X" name="resolution" value="1000" units="1/cm"/>
+          <inkml:channelProperty channel="Y" name="resolution" value="1000" units="1/cm"/>
+        </inkml:channelProperties>
+      </inkml:inkSource>
+      <inkml:timestamp xml:id="ts0" timeString="2023-04-18T04:34:09.934"/>
+    </inkml:context>
+    <inkml:brush xml:id="br0">
+      <inkml:brushProperty name="width" value="0.3" units="cm"/>
+      <inkml:brushProperty name="height" value="0.6" units="cm"/>
+      <inkml:brushProperty name="color" value="#FFFC00"/>
+      <inkml:brushProperty name="tip" value="rectangle"/>
+      <inkml:brushProperty name="rasterOp" value="maskPen"/>
+      <inkml:brushProperty name="ignorePressure" value="1"/>
+    </inkml:brush>
+  </inkml:definitions>
+  <inkml:trace contextRef="#ctx0" brushRef="#br0">2286 4213,'1337'-164,"-1059"145,40 6,-251 17,-45 3,-38 2,-142 3,-1052 31,1133-42,-35 3,0-5,0-5,-78-15,180 21,-1-1,1 0,6 1</inkml:trace>
+</inkml:ink>
+</file>
+
+<file path=ppt/ink/ink36.xml><?xml version="1.0" encoding="utf-8"?>
+<inkml:ink xmlns:inkml="http://www.w3.org/2003/InkML">
+  <inkml:definitions>
+    <inkml:context xml:id="ctx0">
+      <inkml:inkSource xml:id="inkSrc0">
+        <inkml:traceFormat>
+          <inkml:channel name="X" type="integer" min="-2.14748E9" max="2.14748E9" units="cm"/>
+          <inkml:channel name="Y" type="integer" min="-2.14748E9" max="2.14748E9" units="cm"/>
+        </inkml:traceFormat>
+        <inkml:channelProperties>
+          <inkml:channelProperty channel="X" name="resolution" value="1000" units="1/cm"/>
+          <inkml:channelProperty channel="Y" name="resolution" value="1000" units="1/cm"/>
+        </inkml:channelProperties>
+      </inkml:inkSource>
+      <inkml:timestamp xml:id="ts0" timeString="2023-04-18T04:34:09.936"/>
+    </inkml:context>
+    <inkml:brush xml:id="br0">
+      <inkml:brushProperty name="width" value="0.3" units="cm"/>
+      <inkml:brushProperty name="height" value="0.6" units="cm"/>
+      <inkml:brushProperty name="color" value="#FFFC00"/>
+      <inkml:brushProperty name="tip" value="rectangle"/>
+      <inkml:brushProperty name="rasterOp" value="maskPen"/>
+      <inkml:brushProperty name="ignorePressure" value="1"/>
+    </inkml:brush>
+  </inkml:definitions>
+  <inkml:trace contextRef="#ctx0" brushRef="#br0">6012 4423,'-150'4,"-491"22,-158 10,-1397 24</inkml:trace>
+</inkml:ink>
+</file>
+
+<file path=ppt/ink/ink37.xml><?xml version="1.0" encoding="utf-8"?>
+<inkml:ink xmlns:inkml="http://www.w3.org/2003/InkML">
+  <inkml:definitions>
+    <inkml:context xml:id="ctx0">
+      <inkml:inkSource xml:id="inkSrc0">
+        <inkml:traceFormat>
+          <inkml:channel name="X" type="integer" min="-2.14748E9" max="2.14748E9" units="cm"/>
+          <inkml:channel name="Y" type="integer" min="-2.14748E9" max="2.14748E9" units="cm"/>
+        </inkml:traceFormat>
+        <inkml:channelProperties>
+          <inkml:channelProperty channel="X" name="resolution" value="1000" units="1/cm"/>
+          <inkml:channelProperty channel="Y" name="resolution" value="1000" units="1/cm"/>
+        </inkml:channelProperties>
+      </inkml:inkSource>
+      <inkml:timestamp xml:id="ts0" timeString="2023-04-18T04:34:09.938"/>
+    </inkml:context>
+    <inkml:brush xml:id="br0">
+      <inkml:brushProperty name="width" value="0.3" units="cm"/>
+      <inkml:brushProperty name="height" value="0.6" units="cm"/>
+      <inkml:brushProperty name="color" value="#FFFC00"/>
+      <inkml:brushProperty name="tip" value="rectangle"/>
+      <inkml:brushProperty name="rasterOp" value="maskPen"/>
+      <inkml:brushProperty name="ignorePressure" value="1"/>
+    </inkml:brush>
+  </inkml:definitions>
+  <inkml:trace contextRef="#ctx0" brushRef="#br0">6012 4407,'-742'560,"562"-434,157-128,43-27,163-101,-35 56,3 6,3 7,2 7,-48 24</inkml:trace>
+</inkml:ink>
+</file>
+
+<file path=ppt/ink/ink38.xml><?xml version="1.0" encoding="utf-8"?>
+<inkml:ink xmlns:inkml="http://www.w3.org/2003/InkML">
+  <inkml:definitions>
+    <inkml:context xml:id="ctx0">
+      <inkml:inkSource xml:id="inkSrc0">
+        <inkml:traceFormat>
+          <inkml:channel name="X" type="integer" min="-2.14748E9" max="2.14748E9" units="cm"/>
+          <inkml:channel name="Y" type="integer" min="-2.14748E9" max="2.14748E9" units="cm"/>
+        </inkml:traceFormat>
+        <inkml:channelProperties>
+          <inkml:channelProperty channel="X" name="resolution" value="1000" units="1/cm"/>
+          <inkml:channelProperty channel="Y" name="resolution" value="1000" units="1/cm"/>
+        </inkml:channelProperties>
+      </inkml:inkSource>
+      <inkml:timestamp xml:id="ts0" timeString="2023-04-18T04:34:09.940"/>
+    </inkml:context>
+    <inkml:brush xml:id="br0">
+      <inkml:brushProperty name="width" value="0.3" units="cm"/>
+      <inkml:brushProperty name="height" value="0.6" units="cm"/>
+      <inkml:brushProperty name="color" value="#FFFC00"/>
+      <inkml:brushProperty name="tip" value="rectangle"/>
+      <inkml:brushProperty name="rasterOp" value="maskPen"/>
+      <inkml:brushProperty name="ignorePressure" value="1"/>
+    </inkml:brush>
+  </inkml:definitions>
+  <inkml:trace contextRef="#ctx0" brushRef="#br0">6234 3287,'-369'333,"5"-6,87-67,216-195,62-65,-1 0,1 0,-1 0,1 1,-1-1,1 0,-1 0,1 0,-1 1,1-1,-1 0,0 0,1 1,-1-1,1 0,-1 1,0-1,1 1,-1-1,0 0,0 1,1-1,-1 1,0-1,0 1,1-1,-1 1,0-1,0 1,0-1,0 1,0-1,0 1,0-1,0 1,0-1,0 1,0-1,0 1,0-1,-1 1,1-1,0 1,0-1,0 1,-1-1,1 1,0-1,-1 0,1 1,0-1,-1 0,1 1,0-1,-1 0,1 1,-1-1,1 0,-1 1,1-1,-1 0,1 0,-1 0,1 0,-1 1,50-17,-45 14,599-240,-312 137</inkml:trace>
+</inkml:ink>
+</file>
+
+<file path=ppt/ink/ink39.xml><?xml version="1.0" encoding="utf-8"?>
+<inkml:ink xmlns:inkml="http://www.w3.org/2003/InkML">
+  <inkml:definitions>
+    <inkml:context xml:id="ctx0">
+      <inkml:inkSource xml:id="inkSrc0">
+        <inkml:traceFormat>
+          <inkml:channel name="X" type="integer" min="-2.14748E9" max="2.14748E9" units="cm"/>
+          <inkml:channel name="Y" type="integer" min="-2.14748E9" max="2.14748E9" units="cm"/>
+        </inkml:traceFormat>
+        <inkml:channelProperties>
+          <inkml:channelProperty channel="X" name="resolution" value="1000" units="1/cm"/>
+          <inkml:channelProperty channel="Y" name="resolution" value="1000" units="1/cm"/>
+        </inkml:channelProperties>
+      </inkml:inkSource>
+      <inkml:timestamp xml:id="ts0" timeString="2023-04-18T04:34:09.942"/>
+    </inkml:context>
+    <inkml:brush xml:id="br0">
+      <inkml:brushProperty name="width" value="0.3" units="cm"/>
+      <inkml:brushProperty name="height" value="0.6" units="cm"/>
+      <inkml:brushProperty name="color" value="#FFFC00"/>
+      <inkml:brushProperty name="tip" value="rectangle"/>
+      <inkml:brushProperty name="rasterOp" value="maskPen"/>
+      <inkml:brushProperty name="ignorePressure" value="1"/>
+    </inkml:brush>
+  </inkml:definitions>
+  <inkml:trace contextRef="#ctx0" brushRef="#br0">6086 2929,'-849'637,"638"-481,59-47,76-61,82-69,47-32,3 3,1 2,41-24,-87 65,317-224,11 15,8 15,-266 159</inkml:trace>
+</inkml:ink>
+</file>
+
+<file path=ppt/ink/ink4.xml><?xml version="1.0" encoding="utf-8"?>
+<inkml:ink xmlns:inkml="http://www.w3.org/2003/InkML">
+  <inkml:definitions>
+    <inkml:context xml:id="ctx0">
+      <inkml:inkSource xml:id="inkSrc0">
+        <inkml:traceFormat>
+          <inkml:channel name="X" type="integer" min="-2.14748E9" max="2.14748E9" units="cm"/>
+          <inkml:channel name="Y" type="integer" min="-2.14748E9" max="2.14748E9" units="cm"/>
+        </inkml:traceFormat>
+        <inkml:channelProperties>
+          <inkml:channelProperty channel="X" name="resolution" value="1000" units="1/cm"/>
+          <inkml:channelProperty channel="Y" name="resolution" value="1000" units="1/cm"/>
+        </inkml:channelProperties>
+      </inkml:inkSource>
+      <inkml:timestamp xml:id="ts0" timeString="2023-04-18T04:32:56.559"/>
+    </inkml:context>
+    <inkml:brush xml:id="br0">
+      <inkml:brushProperty name="width" value="0.3" units="cm"/>
+      <inkml:brushProperty name="height" value="0.6" units="cm"/>
+      <inkml:brushProperty name="color" value="#FFFC00"/>
+      <inkml:brushProperty name="tip" value="rectangle"/>
+      <inkml:brushProperty name="rasterOp" value="maskPen"/>
+      <inkml:brushProperty name="ignorePressure" value="1"/>
+    </inkml:brush>
+  </inkml:definitions>
+  <inkml:trace contextRef="#ctx0" brushRef="#br0">26 30,'212'-10,"-178"3,0 2,1 1,0 1,-1 3,1 0,15 4,-46-4,1 0,-1 0,1 1,-1-1,0 1,1 0,-1 1,0-1,0 1,0 0,0 0,0 0,0 0,-1 0,1 1,-1 0,1 0,-1 0,0 0,0 0,0 1,-1 0,1-1,1 4,50 186,-25-68,-25-117,-1 1,1 0,-2 0,1 0,-2 1,1-1,-1 0,0 1,-1-1,0 1,-1-1,0 1,0-1,-2 4,-1-9,-1-1,1 0,-1 0,0-1,0 1,0-1,0 0,0 0,0-1,-1 0,1 0,0 0,-1 0,1-1,-1 0,1 0,-1 0,1-1,0 0,-1 0,1 0,0-1,0 0,-1 0,1 0,1 0,-1-1,0 0,1 0,-1 0,0-1,-86-42,76 40,-1 1,0 0,0 1,0 1,0 0,0 1,-1 1,1 1,-1 0,1 1,0 1,-1 0,1 1,-14 5,-50 5,76-13,0 1,0 0,0-1,0 0,0 0,0 0,1-1,-1 1,0-1,0 0,0 0,1 0,-1-1,0 1,1-1,-1 0,1 0,0 0,0 0,0 0,0-1,0 0,0 1,-1-3,-3-9</inkml:trace>
+</inkml:ink>
+</file>
+
+<file path=ppt/ink/ink40.xml><?xml version="1.0" encoding="utf-8"?>
+<inkml:ink xmlns:inkml="http://www.w3.org/2003/InkML">
+  <inkml:definitions>
+    <inkml:context xml:id="ctx0">
+      <inkml:inkSource xml:id="inkSrc0">
+        <inkml:traceFormat>
+          <inkml:channel name="X" type="integer" min="-2.14748E9" max="2.14748E9" units="cm"/>
+          <inkml:channel name="Y" type="integer" min="-2.14748E9" max="2.14748E9" units="cm"/>
+        </inkml:traceFormat>
+        <inkml:channelProperties>
+          <inkml:channelProperty channel="X" name="resolution" value="1000" units="1/cm"/>
+          <inkml:channelProperty channel="Y" name="resolution" value="1000" units="1/cm"/>
+        </inkml:channelProperties>
+      </inkml:inkSource>
+      <inkml:timestamp xml:id="ts0" timeString="2023-04-18T04:34:09.944"/>
+    </inkml:context>
+    <inkml:brush xml:id="br0">
+      <inkml:brushProperty name="width" value="0.3" units="cm"/>
+      <inkml:brushProperty name="height" value="0.6" units="cm"/>
+      <inkml:brushProperty name="color" value="#FFFC00"/>
+      <inkml:brushProperty name="tip" value="rectangle"/>
+      <inkml:brushProperty name="rasterOp" value="maskPen"/>
+      <inkml:brushProperty name="ignorePressure" value="1"/>
+    </inkml:brush>
+  </inkml:definitions>
+  <inkml:trace contextRef="#ctx0" brushRef="#br0">5913 2252,'-47'38,"-458"388,-2089 1875,2376-2107,141-117,148-109,165-124,168-125,152-113,1791-1238</inkml:trace>
+</inkml:ink>
+</file>
+
+<file path=ppt/ink/ink41.xml><?xml version="1.0" encoding="utf-8"?>
+<inkml:ink xmlns:inkml="http://www.w3.org/2003/InkML">
+  <inkml:definitions>
+    <inkml:context xml:id="ctx0">
+      <inkml:inkSource xml:id="inkSrc0">
+        <inkml:traceFormat>
+          <inkml:channel name="X" type="integer" min="-2.14748E9" max="2.14748E9" units="cm"/>
+          <inkml:channel name="Y" type="integer" min="-2.14748E9" max="2.14748E9" units="cm"/>
+        </inkml:traceFormat>
+        <inkml:channelProperties>
+          <inkml:channelProperty channel="X" name="resolution" value="1000" units="1/cm"/>
+          <inkml:channelProperty channel="Y" name="resolution" value="1000" units="1/cm"/>
+        </inkml:channelProperties>
+      </inkml:inkSource>
+      <inkml:timestamp xml:id="ts0" timeString="2023-04-18T04:34:23.991"/>
+    </inkml:context>
+    <inkml:brush xml:id="br0">
+      <inkml:brushProperty name="width" value="0.3" units="cm"/>
+      <inkml:brushProperty name="height" value="0.6" units="cm"/>
+      <inkml:brushProperty name="color" value="#FFFC00"/>
+      <inkml:brushProperty name="tip" value="rectangle"/>
+      <inkml:brushProperty name="rasterOp" value="maskPen"/>
+      <inkml:brushProperty name="ignorePressure" value="1"/>
+    </inkml:brush>
+  </inkml:definitions>
+  <inkml:trace contextRef="#ctx0" brushRef="#br0">4433 2832,'129'-82,"1074"-613</inkml:trace>
+</inkml:ink>
+</file>
+
+<file path=ppt/ink/ink42.xml><?xml version="1.0" encoding="utf-8"?>
+<inkml:ink xmlns:inkml="http://www.w3.org/2003/InkML">
+  <inkml:definitions>
+    <inkml:context xml:id="ctx0">
+      <inkml:inkSource xml:id="inkSrc0">
+        <inkml:traceFormat>
+          <inkml:channel name="X" type="integer" min="-2.14748E9" max="2.14748E9" units="cm"/>
+          <inkml:channel name="Y" type="integer" min="-2.14748E9" max="2.14748E9" units="cm"/>
+        </inkml:traceFormat>
+        <inkml:channelProperties>
+          <inkml:channelProperty channel="X" name="resolution" value="1000" units="1/cm"/>
+          <inkml:channelProperty channel="Y" name="resolution" value="1000" units="1/cm"/>
+        </inkml:channelProperties>
+      </inkml:inkSource>
+      <inkml:timestamp xml:id="ts0" timeString="2023-04-18T04:34:23.990"/>
+    </inkml:context>
+    <inkml:brush xml:id="br0">
+      <inkml:brushProperty name="width" value="0.3" units="cm"/>
+      <inkml:brushProperty name="height" value="0.6" units="cm"/>
+      <inkml:brushProperty name="color" value="#FFFC00"/>
+      <inkml:brushProperty name="tip" value="rectangle"/>
+      <inkml:brushProperty name="rasterOp" value="maskPen"/>
+      <inkml:brushProperty name="ignorePressure" value="1"/>
+    </inkml:brush>
+  </inkml:definitions>
+  <inkml:trace contextRef="#ctx0" brushRef="#br0">2286 4252,'67'-51,"310"-217,101-52,-4 17</inkml:trace>
+</inkml:ink>
+</file>
+
+<file path=ppt/ink/ink43.xml><?xml version="1.0" encoding="utf-8"?>
+<inkml:ink xmlns:inkml="http://www.w3.org/2003/InkML">
+  <inkml:definitions>
+    <inkml:context xml:id="ctx0">
+      <inkml:inkSource xml:id="inkSrc0">
+        <inkml:traceFormat>
+          <inkml:channel name="X" type="integer" min="-2.14748E9" max="2.14748E9" units="cm"/>
+          <inkml:channel name="Y" type="integer" min="-2.14748E9" max="2.14748E9" units="cm"/>
+        </inkml:traceFormat>
+        <inkml:channelProperties>
+          <inkml:channelProperty channel="X" name="resolution" value="1000" units="1/cm"/>
+          <inkml:channelProperty channel="Y" name="resolution" value="1000" units="1/cm"/>
+        </inkml:channelProperties>
+      </inkml:inkSource>
+      <inkml:timestamp xml:id="ts0" timeString="2023-04-18T04:34:09.948"/>
+    </inkml:context>
+    <inkml:brush xml:id="br0">
+      <inkml:brushProperty name="width" value="0.3" units="cm"/>
+      <inkml:brushProperty name="height" value="0.6" units="cm"/>
+      <inkml:brushProperty name="color" value="#FFFC00"/>
+      <inkml:brushProperty name="tip" value="rectangle"/>
+      <inkml:brushProperty name="rasterOp" value="maskPen"/>
+      <inkml:brushProperty name="ignorePressure" value="1"/>
+    </inkml:brush>
+  </inkml:definitions>
+  <inkml:trace contextRef="#ctx0" brushRef="#br0">2226 4297,'39'-29</inkml:trace>
+</inkml:ink>
+</file>
+
+<file path=ppt/ink/ink44.xml><?xml version="1.0" encoding="utf-8"?>
+<inkml:ink xmlns:inkml="http://www.w3.org/2003/InkML">
+  <inkml:definitions>
+    <inkml:context xml:id="ctx0">
+      <inkml:inkSource xml:id="inkSrc0">
+        <inkml:traceFormat>
+          <inkml:channel name="X" type="integer" min="-2.14748E9" max="2.14748E9" units="cm"/>
+          <inkml:channel name="Y" type="integer" min="-2.14748E9" max="2.14748E9" units="cm"/>
+        </inkml:traceFormat>
+        <inkml:channelProperties>
+          <inkml:channelProperty channel="X" name="resolution" value="1000" units="1/cm"/>
+          <inkml:channelProperty channel="Y" name="resolution" value="1000" units="1/cm"/>
+        </inkml:channelProperties>
+      </inkml:inkSource>
+      <inkml:timestamp xml:id="ts0" timeString="2023-04-18T04:34:23.989"/>
+    </inkml:context>
+    <inkml:brush xml:id="br0">
+      <inkml:brushProperty name="width" value="0.3" units="cm"/>
+      <inkml:brushProperty name="height" value="0.6" units="cm"/>
+      <inkml:brushProperty name="color" value="#FFFC00"/>
+      <inkml:brushProperty name="tip" value="rectangle"/>
+      <inkml:brushProperty name="rasterOp" value="maskPen"/>
+      <inkml:brushProperty name="ignorePressure" value="1"/>
+    </inkml:brush>
+  </inkml:definitions>
+  <inkml:trace contextRef="#ctx0" brushRef="#br0">3731 3494,'-175'120,"-1155"689</inkml:trace>
+</inkml:ink>
+</file>
+
+<file path=ppt/ink/ink45.xml><?xml version="1.0" encoding="utf-8"?>
+<inkml:ink xmlns:inkml="http://www.w3.org/2003/InkML">
+  <inkml:definitions>
+    <inkml:context xml:id="ctx0">
+      <inkml:inkSource xml:id="inkSrc0">
+        <inkml:traceFormat>
+          <inkml:channel name="X" type="integer" min="-2.14748E9" max="2.14748E9" units="cm"/>
+          <inkml:channel name="Y" type="integer" min="-2.14748E9" max="2.14748E9" units="cm"/>
+        </inkml:traceFormat>
+        <inkml:channelProperties>
+          <inkml:channelProperty channel="X" name="resolution" value="1000" units="1/cm"/>
+          <inkml:channelProperty channel="Y" name="resolution" value="1000" units="1/cm"/>
+        </inkml:channelProperties>
+      </inkml:inkSource>
+      <inkml:timestamp xml:id="ts0" timeString="2023-04-18T04:34:23.988"/>
+    </inkml:context>
+    <inkml:brush xml:id="br0">
+      <inkml:brushProperty name="width" value="0.3" units="cm"/>
+      <inkml:brushProperty name="height" value="0.6" units="cm"/>
+      <inkml:brushProperty name="color" value="#FFFC00"/>
+      <inkml:brushProperty name="tip" value="rectangle"/>
+      <inkml:brushProperty name="rasterOp" value="maskPen"/>
+      <inkml:brushProperty name="ignorePressure" value="1"/>
+    </inkml:brush>
+  </inkml:definitions>
+  <inkml:trace contextRef="#ctx0" brushRef="#br0">5765 2096,'-78'53,"-83"48,-72 56,-76 64,-85 60,237-174</inkml:trace>
+</inkml:ink>
+</file>
+
+<file path=ppt/ink/ink46.xml><?xml version="1.0" encoding="utf-8"?>
+<inkml:ink xmlns:inkml="http://www.w3.org/2003/InkML">
+  <inkml:definitions>
+    <inkml:context xml:id="ctx0">
+      <inkml:inkSource xml:id="inkSrc0">
+        <inkml:traceFormat>
+          <inkml:channel name="X" type="integer" min="-2.14748E9" max="2.14748E9" units="cm"/>
+          <inkml:channel name="Y" type="integer" min="-2.14748E9" max="2.14748E9" units="cm"/>
+        </inkml:traceFormat>
+        <inkml:channelProperties>
+          <inkml:channelProperty channel="X" name="resolution" value="1000" units="1/cm"/>
+          <inkml:channelProperty channel="Y" name="resolution" value="1000" units="1/cm"/>
+        </inkml:channelProperties>
+      </inkml:inkSource>
+      <inkml:timestamp xml:id="ts0" timeString="2023-04-18T04:34:23.987"/>
+    </inkml:context>
+    <inkml:brush xml:id="br0">
+      <inkml:brushProperty name="width" value="0.3" units="cm"/>
+      <inkml:brushProperty name="height" value="0.6" units="cm"/>
+      <inkml:brushProperty name="color" value="#FFFC00"/>
+      <inkml:brushProperty name="tip" value="rectangle"/>
+      <inkml:brushProperty name="rasterOp" value="maskPen"/>
+      <inkml:brushProperty name="ignorePressure" value="1"/>
+    </inkml:brush>
+  </inkml:definitions>
+  <inkml:trace contextRef="#ctx0" brushRef="#br0">4433 2732,'390'-217,"-23"34,-84 47,-91 52,-94 51,-99 33,1 1,0-1,0 0,0 1,0-1,-1 0,1 1,0-1,0 1,0-1,0 0,0 1,0-1,0 0,0 1,0-1,0 1,0-1,0 0,0 1,1-1,-1 0,0 1,0-1,0 0,0 1,1-1,-1 0,0 1,0-1,0 0,1 0,-1 1,0-1,1 0</inkml:trace>
+</inkml:ink>
+</file>
+
+<file path=ppt/ink/ink47.xml><?xml version="1.0" encoding="utf-8"?>
+<inkml:ink xmlns:inkml="http://www.w3.org/2003/InkML">
+  <inkml:definitions>
+    <inkml:context xml:id="ctx0">
+      <inkml:inkSource xml:id="inkSrc0">
+        <inkml:traceFormat>
+          <inkml:channel name="X" type="integer" min="-2.14748E9" max="2.14748E9" units="cm"/>
+          <inkml:channel name="Y" type="integer" min="-2.14748E9" max="2.14748E9" units="cm"/>
+        </inkml:traceFormat>
+        <inkml:channelProperties>
+          <inkml:channelProperty channel="X" name="resolution" value="1000" units="1/cm"/>
+          <inkml:channelProperty channel="Y" name="resolution" value="1000" units="1/cm"/>
+        </inkml:channelProperties>
+      </inkml:inkSource>
+      <inkml:timestamp xml:id="ts0" timeString="2023-04-18T04:34:23.986"/>
+    </inkml:context>
+    <inkml:brush xml:id="br0">
+      <inkml:brushProperty name="width" value="0.3" units="cm"/>
+      <inkml:brushProperty name="height" value="0.6" units="cm"/>
+      <inkml:brushProperty name="color" value="#FFFC00"/>
+      <inkml:brushProperty name="tip" value="rectangle"/>
+      <inkml:brushProperty name="rasterOp" value="maskPen"/>
+      <inkml:brushProperty name="ignorePressure" value="1"/>
+    </inkml:brush>
+  </inkml:definitions>
+  <inkml:trace contextRef="#ctx0" brushRef="#br0">2286 3975,'264'-173,"-7"19,75-37,-62 35,3 5</inkml:trace>
+</inkml:ink>
+</file>
+
+<file path=ppt/ink/ink48.xml><?xml version="1.0" encoding="utf-8"?>
+<inkml:ink xmlns:inkml="http://www.w3.org/2003/InkML">
+  <inkml:definitions>
+    <inkml:context xml:id="ctx0">
+      <inkml:inkSource xml:id="inkSrc0">
+        <inkml:traceFormat>
+          <inkml:channel name="X" type="integer" min="-2.14748E9" max="2.14748E9" units="cm"/>
+          <inkml:channel name="Y" type="integer" min="-2.14748E9" max="2.14748E9" units="cm"/>
+        </inkml:traceFormat>
+        <inkml:channelProperties>
+          <inkml:channelProperty channel="X" name="resolution" value="1000" units="1/cm"/>
+          <inkml:channelProperty channel="Y" name="resolution" value="1000" units="1/cm"/>
+        </inkml:channelProperties>
+      </inkml:inkSource>
+      <inkml:timestamp xml:id="ts0" timeString="2023-04-18T04:34:23.985"/>
+    </inkml:context>
+    <inkml:brush xml:id="br0">
+      <inkml:brushProperty name="width" value="0.3" units="cm"/>
+      <inkml:brushProperty name="height" value="0.6" units="cm"/>
+      <inkml:brushProperty name="color" value="#FFFC00"/>
+      <inkml:brushProperty name="tip" value="rectangle"/>
+      <inkml:brushProperty name="rasterOp" value="maskPen"/>
+      <inkml:brushProperty name="ignorePressure" value="1"/>
+    </inkml:brush>
+  </inkml:definitions>
+  <inkml:trace contextRef="#ctx0" brushRef="#br0">3657 3120,'-531'323,"127"-62,133-81,119-82,139-90</inkml:trace>
+</inkml:ink>
+</file>
+
+<file path=ppt/ink/ink49.xml><?xml version="1.0" encoding="utf-8"?>
+<inkml:ink xmlns:inkml="http://www.w3.org/2003/InkML">
+  <inkml:definitions>
+    <inkml:context xml:id="ctx0">
+      <inkml:inkSource xml:id="inkSrc0">
+        <inkml:traceFormat>
+          <inkml:channel name="X" type="integer" min="-2.14748E9" max="2.14748E9" units="cm"/>
+          <inkml:channel name="Y" type="integer" min="-2.14748E9" max="2.14748E9" units="cm"/>
+        </inkml:traceFormat>
+        <inkml:channelProperties>
+          <inkml:channelProperty channel="X" name="resolution" value="1000" units="1/cm"/>
+          <inkml:channelProperty channel="Y" name="resolution" value="1000" units="1/cm"/>
+        </inkml:channelProperties>
+      </inkml:inkSource>
+      <inkml:timestamp xml:id="ts0" timeString="2023-04-18T04:34:23.984"/>
+    </inkml:context>
+    <inkml:brush xml:id="br0">
+      <inkml:brushProperty name="width" value="0.3" units="cm"/>
+      <inkml:brushProperty name="height" value="0.6" units="cm"/>
+      <inkml:brushProperty name="color" value="#FFFC00"/>
+      <inkml:brushProperty name="tip" value="rectangle"/>
+      <inkml:brushProperty name="rasterOp" value="maskPen"/>
+      <inkml:brushProperty name="ignorePressure" value="1"/>
+    </inkml:brush>
+  </inkml:definitions>
+  <inkml:trace contextRef="#ctx0" brushRef="#br0">5741 1855,'-46'26,"-1192"727</inkml:trace>
+</inkml:ink>
+</file>
+
+<file path=ppt/ink/ink5.xml><?xml version="1.0" encoding="utf-8"?>
+<inkml:ink xmlns:inkml="http://www.w3.org/2003/InkML">
+  <inkml:definitions>
+    <inkml:context xml:id="ctx0">
+      <inkml:inkSource xml:id="inkSrc0">
+        <inkml:traceFormat>
+          <inkml:channel name="X" type="integer" min="-2.14748E9" max="2.14748E9" units="cm"/>
+          <inkml:channel name="Y" type="integer" min="-2.14748E9" max="2.14748E9" units="cm"/>
+        </inkml:traceFormat>
+        <inkml:channelProperties>
+          <inkml:channelProperty channel="X" name="resolution" value="1000" units="1/cm"/>
+          <inkml:channelProperty channel="Y" name="resolution" value="1000" units="1/cm"/>
+        </inkml:channelProperties>
+      </inkml:inkSource>
+      <inkml:timestamp xml:id="ts0" timeString="2023-04-18T04:33:00.685"/>
+    </inkml:context>
+    <inkml:brush xml:id="br0">
+      <inkml:brushProperty name="width" value="0.3" units="cm"/>
+      <inkml:brushProperty name="height" value="0.6" units="cm"/>
+      <inkml:brushProperty name="color" value="#FFFC00"/>
+      <inkml:brushProperty name="tip" value="rectangle"/>
+      <inkml:brushProperty name="rasterOp" value="maskPen"/>
+      <inkml:brushProperty name="ignorePressure" value="1"/>
+    </inkml:brush>
+  </inkml:definitions>
+  <inkml:trace contextRef="#ctx0" brushRef="#br0">0 119,'14'0,"1"-1,-1-1,0 0,0-1,0-1,-1 0,1-1,-1 0,0-1,0 0,-1-1,0-1,0 0,0 0,7-9,-13 13,-1 1,1-1,-1 1,1 0,0 0,0 1,0 0,1 0,-1 0,0 1,1 0,-1 0,1 1,0-1,-1 2,1-1,-1 1,1 0,-1 0,0 0,7 3,24 2,-3-2,0-1,1-2,0-2,-1-1,1-2,-1-1,0-1,-31 5,-1 0,1 0,0 0,0 0,0 1,0 0,0-1,-1 1,1 0,0 0,0 1,0-1,0 0,0 1,0 0,-1 0,1 0,0 0,-1 0,1 0,0 1,-1-1,0 1,1 0,-1 0,0 0,0 0,0 0,0 0,0 0,-1 1,1-1,-1 1,1-1,-1 1,0 0,0-1,0 1,0 0,-1 0,1 0,-1 0,0 0,1 2,1 11,-1-1,0 1,-1-1,0 1,-2-1,0 1,0-1,-1 0,-5 11,4-20,0-1,-1 0,0 0,0-1,0 1,-1-1,1 0,-1-1,0 1,0-1,0 0,-1-1,1 1,-1-1,1-1,-1 1,0-1,0 0,0-1,1 0,-1 0,0 0,0-1,0 0,-2 0,-63 5,-86 21,132-17,1 0,-1 2,1 0,1 2,0 1,1 0,-6 7,-72 37,80-48,2-2</inkml:trace>
+</inkml:ink>
+</file>
+
+<file path=ppt/ink/ink50.xml><?xml version="1.0" encoding="utf-8"?>
+<inkml:ink xmlns:inkml="http://www.w3.org/2003/InkML">
+  <inkml:definitions>
+    <inkml:context xml:id="ctx0">
+      <inkml:inkSource xml:id="inkSrc0">
+        <inkml:traceFormat>
+          <inkml:channel name="X" type="integer" min="-2.14748E9" max="2.14748E9" units="cm"/>
+          <inkml:channel name="Y" type="integer" min="-2.14748E9" max="2.14748E9" units="cm"/>
+        </inkml:traceFormat>
+        <inkml:channelProperties>
+          <inkml:channelProperty channel="X" name="resolution" value="1000" units="1/cm"/>
+          <inkml:channelProperty channel="Y" name="resolution" value="1000" units="1/cm"/>
+        </inkml:channelProperties>
+      </inkml:inkSource>
+      <inkml:timestamp xml:id="ts0" timeString="2023-04-18T04:34:23.983"/>
+    </inkml:context>
+    <inkml:brush xml:id="br0">
+      <inkml:brushProperty name="width" value="0.3" units="cm"/>
+      <inkml:brushProperty name="height" value="0.6" units="cm"/>
+      <inkml:brushProperty name="color" value="#FFFC00"/>
+      <inkml:brushProperty name="tip" value="rectangle"/>
+      <inkml:brushProperty name="rasterOp" value="maskPen"/>
+      <inkml:brushProperty name="ignorePressure" value="1"/>
+    </inkml:brush>
+  </inkml:definitions>
+  <inkml:trace contextRef="#ctx0" brushRef="#br0">4433 2861,'1307'-858</inkml:trace>
+</inkml:ink>
+</file>
+
+<file path=ppt/ink/ink51.xml><?xml version="1.0" encoding="utf-8"?>
+<inkml:ink xmlns:inkml="http://www.w3.org/2003/InkML">
+  <inkml:definitions>
+    <inkml:context xml:id="ctx0">
+      <inkml:inkSource xml:id="inkSrc0">
+        <inkml:traceFormat>
+          <inkml:channel name="X" type="integer" min="-2.14748E9" max="2.14748E9" units="cm"/>
+          <inkml:channel name="Y" type="integer" min="-2.14748E9" max="2.14748E9" units="cm"/>
+        </inkml:traceFormat>
+        <inkml:channelProperties>
+          <inkml:channelProperty channel="X" name="resolution" value="1000" units="1/cm"/>
+          <inkml:channelProperty channel="Y" name="resolution" value="1000" units="1/cm"/>
+        </inkml:channelProperties>
+      </inkml:inkSource>
+      <inkml:timestamp xml:id="ts0" timeString="2023-04-18T04:34:23.982"/>
+    </inkml:context>
+    <inkml:brush xml:id="br0">
+      <inkml:brushProperty name="width" value="0.3" units="cm"/>
+      <inkml:brushProperty name="height" value="0.6" units="cm"/>
+      <inkml:brushProperty name="color" value="#FFFC00"/>
+      <inkml:brushProperty name="tip" value="rectangle"/>
+      <inkml:brushProperty name="rasterOp" value="maskPen"/>
+      <inkml:brushProperty name="ignorePressure" value="1"/>
+    </inkml:brush>
+  </inkml:definitions>
+  <inkml:trace contextRef="#ctx0" brushRef="#br0">3706 3388,'-931'697,"837"-631,78-58,21-16,255-193,38-24,131-93,-380 283</inkml:trace>
+</inkml:ink>
+</file>
+
+<file path=ppt/ink/ink52.xml><?xml version="1.0" encoding="utf-8"?>
+<inkml:ink xmlns:inkml="http://www.w3.org/2003/InkML">
+  <inkml:definitions>
+    <inkml:context xml:id="ctx0">
+      <inkml:inkSource xml:id="inkSrc0">
+        <inkml:traceFormat>
+          <inkml:channel name="X" type="integer" min="-2.14748E9" max="2.14748E9" units="cm"/>
+          <inkml:channel name="Y" type="integer" min="-2.14748E9" max="2.14748E9" units="cm"/>
+        </inkml:traceFormat>
+        <inkml:channelProperties>
+          <inkml:channelProperty channel="X" name="resolution" value="1000" units="1/cm"/>
+          <inkml:channelProperty channel="Y" name="resolution" value="1000" units="1/cm"/>
+        </inkml:channelProperties>
+      </inkml:inkSource>
+      <inkml:timestamp xml:id="ts0" timeString="2023-04-18T04:34:23.980"/>
+    </inkml:context>
+    <inkml:brush xml:id="br0">
+      <inkml:brushProperty name="width" value="0.3" units="cm"/>
+      <inkml:brushProperty name="height" value="0.6" units="cm"/>
+      <inkml:brushProperty name="color" value="#FFFC00"/>
+      <inkml:brushProperty name="tip" value="rectangle"/>
+      <inkml:brushProperty name="rasterOp" value="maskPen"/>
+      <inkml:brushProperty name="ignorePressure" value="1"/>
+    </inkml:brush>
+  </inkml:definitions>
+  <inkml:trace contextRef="#ctx0" brushRef="#br0">5741 1918,'-152'98,"-170"121,-80 65,-30 40</inkml:trace>
+</inkml:ink>
+</file>
+
+<file path=ppt/ink/ink53.xml><?xml version="1.0" encoding="utf-8"?>
+<inkml:ink xmlns:inkml="http://www.w3.org/2003/InkML">
+  <inkml:definitions>
+    <inkml:context xml:id="ctx0">
+      <inkml:inkSource xml:id="inkSrc0">
+        <inkml:traceFormat>
+          <inkml:channel name="X" type="integer" min="-2.14748E9" max="2.14748E9" units="cm"/>
+          <inkml:channel name="Y" type="integer" min="-2.14748E9" max="2.14748E9" units="cm"/>
+        </inkml:traceFormat>
+        <inkml:channelProperties>
+          <inkml:channelProperty channel="X" name="resolution" value="1000" units="1/cm"/>
+          <inkml:channelProperty channel="Y" name="resolution" value="1000" units="1/cm"/>
+        </inkml:channelProperties>
+      </inkml:inkSource>
+      <inkml:timestamp xml:id="ts0" timeString="2023-04-18T04:34:23.979"/>
+    </inkml:context>
+    <inkml:brush xml:id="br0">
+      <inkml:brushProperty name="width" value="0.3" units="cm"/>
+      <inkml:brushProperty name="height" value="0.6" units="cm"/>
+      <inkml:brushProperty name="color" value="#FFFC00"/>
+      <inkml:brushProperty name="tip" value="rectangle"/>
+      <inkml:brushProperty name="rasterOp" value="maskPen"/>
+      <inkml:brushProperty name="ignorePressure" value="1"/>
+    </inkml:brush>
+  </inkml:definitions>
+  <inkml:trace contextRef="#ctx0" brushRef="#br0">4605 2314,'506'-259,"-102"77,-178 92</inkml:trace>
+</inkml:ink>
+</file>
+
+<file path=ppt/ink/ink54.xml><?xml version="1.0" encoding="utf-8"?>
+<inkml:ink xmlns:inkml="http://www.w3.org/2003/InkML">
+  <inkml:definitions>
+    <inkml:context xml:id="ctx0">
+      <inkml:inkSource xml:id="inkSrc0">
+        <inkml:traceFormat>
+          <inkml:channel name="X" type="integer" min="-2.14748E9" max="2.14748E9" units="cm"/>
+          <inkml:channel name="Y" type="integer" min="-2.14748E9" max="2.14748E9" units="cm"/>
+        </inkml:traceFormat>
+        <inkml:channelProperties>
+          <inkml:channelProperty channel="X" name="resolution" value="1000" units="1/cm"/>
+          <inkml:channelProperty channel="Y" name="resolution" value="1000" units="1/cm"/>
+        </inkml:channelProperties>
+      </inkml:inkSource>
+      <inkml:timestamp xml:id="ts0" timeString="2023-04-18T04:34:23.978"/>
+    </inkml:context>
+    <inkml:brush xml:id="br0">
+      <inkml:brushProperty name="width" value="0.3" units="cm"/>
+      <inkml:brushProperty name="height" value="0.6" units="cm"/>
+      <inkml:brushProperty name="color" value="#FFFC00"/>
+      <inkml:brushProperty name="tip" value="rectangle"/>
+      <inkml:brushProperty name="rasterOp" value="maskPen"/>
+      <inkml:brushProperty name="ignorePressure" value="1"/>
+    </inkml:brush>
+  </inkml:definitions>
+  <inkml:trace contextRef="#ctx0" brushRef="#br0">2325 3586,'278'-177,"754"-422,-1010 588</inkml:trace>
+</inkml:ink>
+</file>
+
+<file path=ppt/ink/ink55.xml><?xml version="1.0" encoding="utf-8"?>
+<inkml:ink xmlns:inkml="http://www.w3.org/2003/InkML">
+  <inkml:definitions>
+    <inkml:context xml:id="ctx0">
+      <inkml:inkSource xml:id="inkSrc0">
+        <inkml:traceFormat>
+          <inkml:channel name="X" type="integer" min="-2.14748E9" max="2.14748E9" units="cm"/>
+          <inkml:channel name="Y" type="integer" min="-2.14748E9" max="2.14748E9" units="cm"/>
+        </inkml:traceFormat>
+        <inkml:channelProperties>
+          <inkml:channelProperty channel="X" name="resolution" value="1000" units="1/cm"/>
+          <inkml:channelProperty channel="Y" name="resolution" value="1000" units="1/cm"/>
+        </inkml:channelProperties>
+      </inkml:inkSource>
+      <inkml:timestamp xml:id="ts0" timeString="2023-04-18T04:34:23.977"/>
+    </inkml:context>
+    <inkml:brush xml:id="br0">
+      <inkml:brushProperty name="width" value="0.3" units="cm"/>
+      <inkml:brushProperty name="height" value="0.6" units="cm"/>
+      <inkml:brushProperty name="color" value="#FFFC00"/>
+      <inkml:brushProperty name="tip" value="rectangle"/>
+      <inkml:brushProperty name="rasterOp" value="maskPen"/>
+      <inkml:brushProperty name="ignorePressure" value="1"/>
+    </inkml:brush>
+  </inkml:definitions>
+  <inkml:trace contextRef="#ctx0" brushRef="#br0">3657 2693,'-34'22,"-848"588,466-311</inkml:trace>
+</inkml:ink>
+</file>
+
+<file path=ppt/ink/ink56.xml><?xml version="1.0" encoding="utf-8"?>
+<inkml:ink xmlns:inkml="http://www.w3.org/2003/InkML">
+  <inkml:definitions>
+    <inkml:context xml:id="ctx0">
+      <inkml:inkSource xml:id="inkSrc0">
+        <inkml:traceFormat>
+          <inkml:channel name="X" type="integer" min="-2.14748E9" max="2.14748E9" units="cm"/>
+          <inkml:channel name="Y" type="integer" min="-2.14748E9" max="2.14748E9" units="cm"/>
+        </inkml:traceFormat>
+        <inkml:channelProperties>
+          <inkml:channelProperty channel="X" name="resolution" value="1000" units="1/cm"/>
+          <inkml:channelProperty channel="Y" name="resolution" value="1000" units="1/cm"/>
+        </inkml:channelProperties>
+      </inkml:inkSource>
+      <inkml:timestamp xml:id="ts0" timeString="2023-04-18T04:34:23.976"/>
+    </inkml:context>
+    <inkml:brush xml:id="br0">
+      <inkml:brushProperty name="width" value="0.3" units="cm"/>
+      <inkml:brushProperty name="height" value="0.6" units="cm"/>
+      <inkml:brushProperty name="color" value="#FFFC00"/>
+      <inkml:brushProperty name="tip" value="rectangle"/>
+      <inkml:brushProperty name="rasterOp" value="maskPen"/>
+      <inkml:brushProperty name="ignorePressure" value="1"/>
+    </inkml:brush>
+  </inkml:definitions>
+  <inkml:trace contextRef="#ctx0" brushRef="#br0">5342 1631,'-187'109,"-363"229</inkml:trace>
+</inkml:ink>
+</file>
+
+<file path=ppt/ink/ink57.xml><?xml version="1.0" encoding="utf-8"?>
+<inkml:ink xmlns:inkml="http://www.w3.org/2003/InkML">
+  <inkml:definitions>
+    <inkml:context xml:id="ctx0">
+      <inkml:inkSource xml:id="inkSrc0">
+        <inkml:traceFormat>
+          <inkml:channel name="X" type="integer" min="-2.14748E9" max="2.14748E9" units="cm"/>
+          <inkml:channel name="Y" type="integer" min="-2.14748E9" max="2.14748E9" units="cm"/>
+        </inkml:traceFormat>
+        <inkml:channelProperties>
+          <inkml:channelProperty channel="X" name="resolution" value="1000" units="1/cm"/>
+          <inkml:channelProperty channel="Y" name="resolution" value="1000" units="1/cm"/>
+        </inkml:channelProperties>
+      </inkml:inkSource>
+      <inkml:timestamp xml:id="ts0" timeString="2023-04-18T04:34:23.975"/>
+    </inkml:context>
+    <inkml:brush xml:id="br0">
+      <inkml:brushProperty name="width" value="0.3" units="cm"/>
+      <inkml:brushProperty name="height" value="0.6" units="cm"/>
+      <inkml:brushProperty name="color" value="#FFFC00"/>
+      <inkml:brushProperty name="tip" value="rectangle"/>
+      <inkml:brushProperty name="rasterOp" value="maskPen"/>
+      <inkml:brushProperty name="ignorePressure" value="1"/>
+    </inkml:brush>
+  </inkml:definitions>
+  <inkml:trace contextRef="#ctx0" brushRef="#br0">4605 1829,'469'-223</inkml:trace>
+</inkml:ink>
+</file>
+
+<file path=ppt/ink/ink58.xml><?xml version="1.0" encoding="utf-8"?>
+<inkml:ink xmlns:inkml="http://www.w3.org/2003/InkML">
+  <inkml:definitions>
+    <inkml:context xml:id="ctx0">
+      <inkml:inkSource xml:id="inkSrc0">
+        <inkml:traceFormat>
+          <inkml:channel name="X" type="integer" min="-2.14748E9" max="2.14748E9" units="cm"/>
+          <inkml:channel name="Y" type="integer" min="-2.14748E9" max="2.14748E9" units="cm"/>
+        </inkml:traceFormat>
+        <inkml:channelProperties>
+          <inkml:channelProperty channel="X" name="resolution" value="1000" units="1/cm"/>
+          <inkml:channelProperty channel="Y" name="resolution" value="1000" units="1/cm"/>
+        </inkml:channelProperties>
+      </inkml:inkSource>
+      <inkml:timestamp xml:id="ts0" timeString="2023-04-18T04:34:19.321"/>
+    </inkml:context>
+    <inkml:brush xml:id="br0">
+      <inkml:brushProperty name="width" value="0.3" units="cm"/>
+      <inkml:brushProperty name="height" value="0.6" units="cm"/>
+      <inkml:brushProperty name="color" value="#FFFC00"/>
+      <inkml:brushProperty name="tip" value="rectangle"/>
+      <inkml:brushProperty name="rasterOp" value="maskPen"/>
+      <inkml:brushProperty name="ignorePressure" value="1"/>
+    </inkml:brush>
+  </inkml:definitions>
+  <inkml:trace contextRef="#ctx0" brushRef="#br0">2325 2997,'31'-22,"46"-28,38-16,-99 57,366-202,135-56,-224 128</inkml:trace>
+</inkml:ink>
+</file>
+
+<file path=ppt/ink/ink59.xml><?xml version="1.0" encoding="utf-8"?>
+<inkml:ink xmlns:inkml="http://www.w3.org/2003/InkML">
+  <inkml:definitions>
+    <inkml:context xml:id="ctx0">
+      <inkml:inkSource xml:id="inkSrc0">
+        <inkml:traceFormat>
+          <inkml:channel name="X" type="integer" min="-2.14748E9" max="2.14748E9" units="cm"/>
+          <inkml:channel name="Y" type="integer" min="-2.14748E9" max="2.14748E9" units="cm"/>
+        </inkml:traceFormat>
+        <inkml:channelProperties>
+          <inkml:channelProperty channel="X" name="resolution" value="1000" units="1/cm"/>
+          <inkml:channelProperty channel="Y" name="resolution" value="1000" units="1/cm"/>
+        </inkml:channelProperties>
+      </inkml:inkSource>
+      <inkml:timestamp xml:id="ts0" timeString="2023-04-18T04:34:19.318"/>
+    </inkml:context>
+    <inkml:brush xml:id="br0">
+      <inkml:brushProperty name="width" value="0.3" units="cm"/>
+      <inkml:brushProperty name="height" value="0.6" units="cm"/>
+      <inkml:brushProperty name="color" value="#FFFC00"/>
+      <inkml:brushProperty name="tip" value="rectangle"/>
+      <inkml:brushProperty name="rasterOp" value="maskPen"/>
+      <inkml:brushProperty name="ignorePressure" value="1"/>
+    </inkml:brush>
+  </inkml:definitions>
+  <inkml:trace contextRef="#ctx0" brushRef="#br0">3780 1891,'-1356'1043,"1257"-966</inkml:trace>
+</inkml:ink>
+</file>
+
+<file path=ppt/ink/ink6.xml><?xml version="1.0" encoding="utf-8"?>
+<inkml:ink xmlns:inkml="http://www.w3.org/2003/InkML">
+  <inkml:definitions>
+    <inkml:context xml:id="ctx0">
+      <inkml:inkSource xml:id="inkSrc0">
+        <inkml:traceFormat>
+          <inkml:channel name="X" type="integer" min="-2.14748E9" max="2.14748E9" units="cm"/>
+          <inkml:channel name="Y" type="integer" min="-2.14748E9" max="2.14748E9" units="cm"/>
+        </inkml:traceFormat>
+        <inkml:channelProperties>
+          <inkml:channelProperty channel="X" name="resolution" value="1000" units="1/cm"/>
+          <inkml:channelProperty channel="Y" name="resolution" value="1000" units="1/cm"/>
+        </inkml:channelProperties>
+      </inkml:inkSource>
+      <inkml:timestamp xml:id="ts0" timeString="2023-04-18T04:33:14.947"/>
+    </inkml:context>
+    <inkml:brush xml:id="br0">
+      <inkml:brushProperty name="width" value="0.3" units="cm"/>
+      <inkml:brushProperty name="height" value="0.6" units="cm"/>
+      <inkml:brushProperty name="color" value="#FFFC00"/>
+      <inkml:brushProperty name="tip" value="rectangle"/>
+      <inkml:brushProperty name="rasterOp" value="maskPen"/>
+      <inkml:brushProperty name="ignorePressure" value="1"/>
+    </inkml:brush>
+  </inkml:definitions>
+  <inkml:trace contextRef="#ctx0" brushRef="#br0">1 31,'208'-15,"-167"8,1 3,-1 1,1 2,40 4,8-1,2178-2,-2135 23,-130-23,0 1,0-1,0 1,0 0,0 0,0 0,0 0,-1 0,1 1,-1-1,1 1,-1 0,1 0,-1 0,0 0,0 0,0 0,0 1,0-1,-1 1,1-1,-1 1,1-1,-1 1,0 0,0 0,0 0,0 0,-1 0,1 0,-1-1,0 1,0 0,0 0,0 0,0 0,-1 0,1 0,-1 0,0 0,0 0,0 0,0 0,-1-1,1 1,-1-1,1 1,-1-1,0 1,-93 168,89-163,-1 0,0 0,0-1,-1-1,0 1,0-1,0 0,-1-1,0 0,0 0,0-1,-1 0,1-1,-1 0,0-1,0 0,0 0,0-1,0 0,0-1,-1 0,1 0,-7-2,-196-17,-66 7,177 14,-344-2,208-25,76-18,-100 38,27 30,-44-34,72 25,47 2,84-39,65 22</inkml:trace>
+</inkml:ink>
+</file>
+
+<file path=ppt/ink/ink60.xml><?xml version="1.0" encoding="utf-8"?>
+<inkml:ink xmlns:inkml="http://www.w3.org/2003/InkML">
+  <inkml:definitions>
+    <inkml:context xml:id="ctx0">
+      <inkml:inkSource xml:id="inkSrc0">
+        <inkml:traceFormat>
+          <inkml:channel name="X" type="integer" min="-2.14748E9" max="2.14748E9" units="cm"/>
+          <inkml:channel name="Y" type="integer" min="-2.14748E9" max="2.14748E9" units="cm"/>
+        </inkml:traceFormat>
+        <inkml:channelProperties>
+          <inkml:channelProperty channel="X" name="resolution" value="1000" units="1/cm"/>
+          <inkml:channelProperty channel="Y" name="resolution" value="1000" units="1/cm"/>
+        </inkml:channelProperties>
+      </inkml:inkSource>
+      <inkml:timestamp xml:id="ts0" timeString="2023-04-18T04:34:19.320"/>
+    </inkml:context>
+    <inkml:brush xml:id="br0">
+      <inkml:brushProperty name="width" value="0.3" units="cm"/>
+      <inkml:brushProperty name="height" value="0.6" units="cm"/>
+      <inkml:brushProperty name="color" value="#FFFC00"/>
+      <inkml:brushProperty name="tip" value="rectangle"/>
+      <inkml:brushProperty name="rasterOp" value="maskPen"/>
+      <inkml:brushProperty name="ignorePressure" value="1"/>
+    </inkml:brush>
+  </inkml:definitions>
+  <inkml:trace contextRef="#ctx0" brushRef="#br0">3805 1872,'-7'6</inkml:trace>
+</inkml:ink>
+</file>
+
+<file path=ppt/ink/ink61.xml><?xml version="1.0" encoding="utf-8"?>
+<inkml:ink xmlns:inkml="http://www.w3.org/2003/InkML">
+  <inkml:definitions>
+    <inkml:context xml:id="ctx0">
+      <inkml:inkSource xml:id="inkSrc0">
+        <inkml:traceFormat>
+          <inkml:channel name="X" type="integer" min="-2.14748E9" max="2.14748E9" units="cm"/>
+          <inkml:channel name="Y" type="integer" min="-2.14748E9" max="2.14748E9" units="cm"/>
+        </inkml:traceFormat>
+        <inkml:channelProperties>
+          <inkml:channelProperty channel="X" name="resolution" value="1000" units="1/cm"/>
+          <inkml:channelProperty channel="Y" name="resolution" value="1000" units="1/cm"/>
+        </inkml:channelProperties>
+      </inkml:inkSource>
+      <inkml:timestamp xml:id="ts0" timeString="2023-04-18T04:34:23.974"/>
+    </inkml:context>
+    <inkml:brush xml:id="br0">
+      <inkml:brushProperty name="width" value="0.3" units="cm"/>
+      <inkml:brushProperty name="height" value="0.6" units="cm"/>
+      <inkml:brushProperty name="color" value="#FFFC00"/>
+      <inkml:brushProperty name="tip" value="rectangle"/>
+      <inkml:brushProperty name="rasterOp" value="maskPen"/>
+      <inkml:brushProperty name="ignorePressure" value="1"/>
+    </inkml:brush>
+  </inkml:definitions>
+  <inkml:trace contextRef="#ctx0" brushRef="#br0">4440 1384,'-34'26</inkml:trace>
+</inkml:ink>
+</file>
+
+<file path=ppt/ink/ink62.xml><?xml version="1.0" encoding="utf-8"?>
+<inkml:ink xmlns:inkml="http://www.w3.org/2003/InkML">
+  <inkml:definitions>
+    <inkml:context xml:id="ctx0">
+      <inkml:inkSource xml:id="inkSrc0">
+        <inkml:traceFormat>
+          <inkml:channel name="X" type="integer" min="-2.14748E9" max="2.14748E9" units="cm"/>
+          <inkml:channel name="Y" type="integer" min="-2.14748E9" max="2.14748E9" units="cm"/>
+        </inkml:traceFormat>
+        <inkml:channelProperties>
+          <inkml:channelProperty channel="X" name="resolution" value="1000" units="1/cm"/>
+          <inkml:channelProperty channel="Y" name="resolution" value="1000" units="1/cm"/>
+        </inkml:channelProperties>
+      </inkml:inkSource>
+      <inkml:timestamp xml:id="ts0" timeString="2023-04-18T04:34:11.922"/>
+    </inkml:context>
+    <inkml:brush xml:id="br0">
+      <inkml:brushProperty name="width" value="0.3" units="cm"/>
+      <inkml:brushProperty name="height" value="0.6" units="cm"/>
+      <inkml:brushProperty name="color" value="#FFFC00"/>
+      <inkml:brushProperty name="tip" value="rectangle"/>
+      <inkml:brushProperty name="rasterOp" value="maskPen"/>
+      <inkml:brushProperty name="ignorePressure" value="1"/>
+    </inkml:brush>
+  </inkml:definitions>
+  <inkml:trace contextRef="#ctx0" brushRef="#br0">2300 1877,'273'-136,"887"-492</inkml:trace>
+</inkml:ink>
+</file>
+
+<file path=ppt/ink/ink63.xml><?xml version="1.0" encoding="utf-8"?>
+<inkml:ink xmlns:inkml="http://www.w3.org/2003/InkML">
+  <inkml:definitions>
+    <inkml:context xml:id="ctx0">
+      <inkml:inkSource xml:id="inkSrc0">
+        <inkml:traceFormat>
+          <inkml:channel name="X" type="integer" min="-2.14748E9" max="2.14748E9" units="cm"/>
+          <inkml:channel name="Y" type="integer" min="-2.14748E9" max="2.14748E9" units="cm"/>
+        </inkml:traceFormat>
+        <inkml:channelProperties>
+          <inkml:channelProperty channel="X" name="resolution" value="1000" units="1/cm"/>
+          <inkml:channelProperty channel="Y" name="resolution" value="1000" units="1/cm"/>
+        </inkml:channelProperties>
+      </inkml:inkSource>
+      <inkml:timestamp xml:id="ts0" timeString="2023-04-18T04:34:23.974"/>
+    </inkml:context>
+    <inkml:brush xml:id="br0">
+      <inkml:brushProperty name="width" value="0.3" units="cm"/>
+      <inkml:brushProperty name="height" value="0.6" units="cm"/>
+      <inkml:brushProperty name="color" value="#FFFC00"/>
+      <inkml:brushProperty name="tip" value="rectangle"/>
+      <inkml:brushProperty name="rasterOp" value="maskPen"/>
+      <inkml:brushProperty name="ignorePressure" value="1"/>
+    </inkml:brush>
+  </inkml:definitions>
+  <inkml:trace contextRef="#ctx0" brushRef="#br0">3854 1494,'-1554'511</inkml:trace>
+</inkml:ink>
+</file>
+
+<file path=ppt/ink/ink64.xml><?xml version="1.0" encoding="utf-8"?>
+<inkml:ink xmlns:inkml="http://www.w3.org/2003/InkML">
+  <inkml:definitions>
+    <inkml:context xml:id="ctx0">
+      <inkml:inkSource xml:id="inkSrc0">
+        <inkml:traceFormat>
+          <inkml:channel name="X" type="integer" min="-2.14748E9" max="2.14748E9" units="cm"/>
+          <inkml:channel name="Y" type="integer" min="-2.14748E9" max="2.14748E9" units="cm"/>
+        </inkml:traceFormat>
+        <inkml:channelProperties>
+          <inkml:channelProperty channel="X" name="resolution" value="1000" units="1/cm"/>
+          <inkml:channelProperty channel="Y" name="resolution" value="1000" units="1/cm"/>
+        </inkml:channelProperties>
+      </inkml:inkSource>
+      <inkml:timestamp xml:id="ts0" timeString="2023-04-18T04:34:23.973"/>
+    </inkml:context>
+    <inkml:brush xml:id="br0">
+      <inkml:brushProperty name="width" value="0.3" units="cm"/>
+      <inkml:brushProperty name="height" value="0.6" units="cm"/>
+      <inkml:brushProperty name="color" value="#FFFC00"/>
+      <inkml:brushProperty name="tip" value="rectangle"/>
+      <inkml:brushProperty name="rasterOp" value="maskPen"/>
+      <inkml:brushProperty name="ignorePressure" value="1"/>
+    </inkml:brush>
+  </inkml:definitions>
+  <inkml:trace contextRef="#ctx0" brushRef="#br0">2300 1963,'332'-168,"964"-327</inkml:trace>
+</inkml:ink>
+</file>
+
+<file path=ppt/ink/ink65.xml><?xml version="1.0" encoding="utf-8"?>
+<inkml:ink xmlns:inkml="http://www.w3.org/2003/InkML">
+  <inkml:definitions>
+    <inkml:context xml:id="ctx0">
+      <inkml:inkSource xml:id="inkSrc0">
+        <inkml:traceFormat>
+          <inkml:channel name="X" type="integer" min="-2.14748E9" max="2.14748E9" units="cm"/>
+          <inkml:channel name="Y" type="integer" min="-2.14748E9" max="2.14748E9" units="cm"/>
+        </inkml:traceFormat>
+        <inkml:channelProperties>
+          <inkml:channelProperty channel="X" name="resolution" value="1000" units="1/cm"/>
+          <inkml:channelProperty channel="Y" name="resolution" value="1000" units="1/cm"/>
+        </inkml:channelProperties>
+      </inkml:inkSource>
+      <inkml:timestamp xml:id="ts0" timeString="2023-04-18T04:34:23.972"/>
+    </inkml:context>
+    <inkml:brush xml:id="br0">
+      <inkml:brushProperty name="width" value="0.3" units="cm"/>
+      <inkml:brushProperty name="height" value="0.6" units="cm"/>
+      <inkml:brushProperty name="color" value="#FFFC00"/>
+      <inkml:brushProperty name="tip" value="rectangle"/>
+      <inkml:brushProperty name="rasterOp" value="maskPen"/>
+      <inkml:brushProperty name="ignorePressure" value="1"/>
+    </inkml:brush>
+  </inkml:definitions>
+  <inkml:trace contextRef="#ctx0" brushRef="#br0">3854 1527,'-3'2,"-7"3,-6 2,11-3,-117 74,-2-5,-3-6,-55 18,-598 232,602-243</inkml:trace>
+</inkml:ink>
+</file>
+
+<file path=ppt/ink/ink66.xml><?xml version="1.0" encoding="utf-8"?>
+<inkml:ink xmlns:inkml="http://www.w3.org/2003/InkML">
+  <inkml:definitions>
+    <inkml:context xml:id="ctx0">
+      <inkml:inkSource xml:id="inkSrc0">
+        <inkml:traceFormat>
+          <inkml:channel name="X" type="integer" min="-2.14748E9" max="2.14748E9" units="cm"/>
+          <inkml:channel name="Y" type="integer" min="-2.14748E9" max="2.14748E9" units="cm"/>
+        </inkml:traceFormat>
+        <inkml:channelProperties>
+          <inkml:channelProperty channel="X" name="resolution" value="1000" units="1/cm"/>
+          <inkml:channelProperty channel="Y" name="resolution" value="1000" units="1/cm"/>
+        </inkml:channelProperties>
+      </inkml:inkSource>
+      <inkml:timestamp xml:id="ts0" timeString="2023-04-18T04:34:23.971"/>
+    </inkml:context>
+    <inkml:brush xml:id="br0">
+      <inkml:brushProperty name="width" value="0.3" units="cm"/>
+      <inkml:brushProperty name="height" value="0.6" units="cm"/>
+      <inkml:brushProperty name="color" value="#FFFC00"/>
+      <inkml:brushProperty name="tip" value="rectangle"/>
+      <inkml:brushProperty name="rasterOp" value="maskPen"/>
+      <inkml:brushProperty name="ignorePressure" value="1"/>
+    </inkml:brush>
+  </inkml:definitions>
+  <inkml:trace contextRef="#ctx0" brushRef="#br0">2325 3554,'36'-65,"-31"53,0 0,-1-1,-1 1,0-1,-1 0,0 0,-1 0,0 0,-1 0,-1-1,0 1,-1-7,-1-25,3-305,1 338,2 0,0-1,0 1,1 0,0 1,1-1,1 1,0 0,0 0,4-4,2-4,70-156,-29-22,-53-298,6 462,1 0,1 1,2 0,1 0,2 1,1 1,1 0,2 1,4-5,-15 27,0 0,1 0,-1 1,1-1,1 2,-1-1,1 1,0 0,0 1,0-1,1 2,4-2,36-20,82-16,73 23,-76-33,-114 43,0 1,0 0,1 0,-1 2,1 0,1 0,-1 2,1-1,8 1,60-16,124-22,-46 9,-158 33</inkml:trace>
+</inkml:ink>
+</file>
+
+<file path=ppt/ink/ink67.xml><?xml version="1.0" encoding="utf-8"?>
+<inkml:ink xmlns:inkml="http://www.w3.org/2003/InkML">
+  <inkml:definitions>
+    <inkml:context xml:id="ctx0">
+      <inkml:inkSource xml:id="inkSrc0">
+        <inkml:traceFormat>
+          <inkml:channel name="X" type="integer" min="-2.14748E9" max="2.14748E9" units="cm"/>
+          <inkml:channel name="Y" type="integer" min="-2.14748E9" max="2.14748E9" units="cm"/>
+        </inkml:traceFormat>
+        <inkml:channelProperties>
+          <inkml:channelProperty channel="X" name="resolution" value="1000" units="1/cm"/>
+          <inkml:channelProperty channel="Y" name="resolution" value="1000" units="1/cm"/>
+        </inkml:channelProperties>
+      </inkml:inkSource>
+      <inkml:timestamp xml:id="ts0" timeString="2023-04-18T06:31:37.295"/>
+    </inkml:context>
+    <inkml:brush xml:id="br0">
+      <inkml:brushProperty name="width" value="0.3" units="cm"/>
+      <inkml:brushProperty name="height" value="0.6" units="cm"/>
+      <inkml:brushProperty name="color" value="#FFFC00"/>
+      <inkml:brushProperty name="tip" value="rectangle"/>
+      <inkml:brushProperty name="rasterOp" value="maskPen"/>
+      <inkml:brushProperty name="ignorePressure" value="1"/>
+    </inkml:brush>
+  </inkml:definitions>
+  <inkml:trace contextRef="#ctx0" brushRef="#br0">47 540,'252'-25,"357"26,-441-25,92 14,-42-21,2 21,-217 10,0-1,1 1,-1-1,0 0,0 0,1 0,-1 0,0-1,0 1,0-1,-1 0,1 0,0 0,-1 0,1 0,-1 0,1-1,-1 1,0-1,0 0,-1 0,1 0,0 0,-1 0,0 0,0 0,0 0,0 0,0-1,0 0,4-107,-6 91,-30-75,16 68,-41-42,42 62,-1 1,1 1,-1 0,0 1,0 1,0 0,-1 1,1 1,-1 0,1 1,0 1,-1 0,-9 3,-123 22,-189-27,105-45,87 67,-141 5,-70-27,335 1</inkml:trace>
+</inkml:ink>
+</file>
+
+<file path=ppt/ink/ink68.xml><?xml version="1.0" encoding="utf-8"?>
+<inkml:ink xmlns:inkml="http://www.w3.org/2003/InkML">
+  <inkml:definitions>
+    <inkml:context xml:id="ctx0">
+      <inkml:inkSource xml:id="inkSrc0">
+        <inkml:traceFormat>
+          <inkml:channel name="X" type="integer" min="-2.14748E9" max="2.14748E9" units="cm"/>
+          <inkml:channel name="Y" type="integer" min="-2.14748E9" max="2.14748E9" units="cm"/>
+        </inkml:traceFormat>
+        <inkml:channelProperties>
+          <inkml:channelProperty channel="X" name="resolution" value="1000" units="1/cm"/>
+          <inkml:channelProperty channel="Y" name="resolution" value="1000" units="1/cm"/>
+        </inkml:channelProperties>
+      </inkml:inkSource>
+      <inkml:timestamp xml:id="ts0" timeString="2023-04-18T06:31:47.092"/>
+    </inkml:context>
+    <inkml:brush xml:id="br0">
+      <inkml:brushProperty name="width" value="0.3" units="cm"/>
+      <inkml:brushProperty name="height" value="0.6" units="cm"/>
+      <inkml:brushProperty name="color" value="#FFFC00"/>
+      <inkml:brushProperty name="tip" value="rectangle"/>
+      <inkml:brushProperty name="rasterOp" value="maskPen"/>
+      <inkml:brushProperty name="ignorePressure" value="1"/>
+    </inkml:brush>
+  </inkml:definitions>
+  <inkml:trace contextRef="#ctx0" brushRef="#br0">1 50,'539'0,"-338"-25,-52 0,22 26,-170-1,1 0,-1 0,0 0,1-1,-1 1,1 1,-1-1,1 0,-1 0,0 0,1 1,-1-1,0 1,1-1,-1 1,0-1,0 1,1 0,-1 0,0-1,0 1,0 0,0 0,0 0,0 0,0 1,0-1,-1 0,1 0,0 0,-1 1,1-1,-1 0,1 1,-1-1,0 0,1 1,-1-1,0 1,0-1,0 0,0 1,0-1,0 1,-1-1,1 0,0 1,-1-1,1 0,-1 1,1-1,-1 0,0 0,1 1,-2-1,-51 70,49-67,-89 102,84-95,-1-1,0 0,-1-1,0 0,-1 0,1-1,-2-1,1 0,-1 0,0-2,0 1,-1-2,0 0,-13 3,8-1,-478 136,488-140,3 1,-1 0,1-1,-1 0,0-1,0 1,0-1,0-1,0 1,0-1,0 0,0-1,0 0,0 0,0 0,0-1,1 0,-1-1,1 1,-4-3,-52-46,61 50,0 0,-1 0,1 0,0 0,0 0,0 0,0-1,0 1,0 0,0-1,0 1,1-1,-1 1,0-1,1 1,0-1,-1 1,1-1,0 0,-1 1,1-1,0 0,0 1,1-1,-1 1,0-1,0 0,1 1,-1-1,1 1,-1-1,1 1,0-1,0 1,-1-1,1 1,0 0,0-1,0 1,1 0,-1 0,0 0,0 0,1 0,0-1,8-1,0 0,0 0,0 1,1 0,-1 0,0 1,1 1,-1 0,1 0,-1 1,8 2,15-1,106-1,-82-3,0 2,0 3,-1 3,0 2,35 10,-85-17,-1-1,0 1,1 1,-1-1,0 1,0 0,1 0,-1 0,-1 1,1 0,0 0,-1 0,1 0,-1 1,0 0,0 0,-1 0,1 0,-1 0,0 1,0 0,0-1,-1 1,1 0,-1 0,-1 1,1-1,-1 0,1 1,-2-1,1 0,0 1,-1-1,0 1,-1-1,1 1,-1-1,0 1,-1 3,-97 121,60-62,-78 107,97-152,19-20,-1 0,1 0,0 0,-1-1,0 1,1-1,-1 1,0-1,0 0,0 0,-1 0,1 0,-1 0,1 0,-1 0,1-1,-1 1,0-1,0 0,0 0,1 0,-1 0,0-1,0 1,-1-1,1 1,0-1,0 0,0-1,0 1,0 0,0-1,0 1,0-1,0 0,0 0,1 0,-1-1,0 1,-1-2,-62-56,65 60,-1-1,0 1,1-1,-1 1,0 0,1-1,-1 1,1 0,0 0,-1 0,1 1,0-1,-1 0,1 0,0 1,0-1,0 0,0 1,0-1,0 1,1 0,-1-1,0 1,1 0,-1-1,1 1,0 0,0-1,-1 1,1 0,0 0,0-1,1 1,-1 0,0 0,1 1,-3 11,-35 186,29-162,-2-1,-1-1,-2 0,-1 0,-6 7,11-17,26-27,23-30,-23 17,-1 1,2 0,-1 2,2 0,-1 1,2 0,-1 2,9-2,8 3,0 1,0 3,0 0,1 3,0 0,4 3,45 0,-44-1,-33 0,1-1,-1 0,0 0,1 0,-1-1,0-1,1 0,-1 0,0-1,1 0,-1 0,0-1,-1 0,1-1,-1 0,1 0,-1-1,0 0,-1 0,4-4,-6-1,-1-1,-1 0,1 0,-2 0,0 0,0 0,-1 0,0-1,-1 1,-1 0,1-1,-2 1,0-2,0-29,2 26,0-1,-1 1,-1-1,-1 1,0 0,-1-1,-1 1,0 1,-5-11,-13-47,13 74,-2 11</inkml:trace>
+</inkml:ink>
+</file>
+
+<file path=ppt/ink/ink69.xml><?xml version="1.0" encoding="utf-8"?>
+<inkml:ink xmlns:inkml="http://www.w3.org/2003/InkML">
+  <inkml:definitions>
+    <inkml:context xml:id="ctx0">
+      <inkml:inkSource xml:id="inkSrc0">
+        <inkml:traceFormat>
+          <inkml:channel name="X" type="integer" min="-2.14748E9" max="2.14748E9" units="cm"/>
+          <inkml:channel name="Y" type="integer" min="-2.14748E9" max="2.14748E9" units="cm"/>
+        </inkml:traceFormat>
+        <inkml:channelProperties>
+          <inkml:channelProperty channel="X" name="resolution" value="1000" units="1/cm"/>
+          <inkml:channelProperty channel="Y" name="resolution" value="1000" units="1/cm"/>
+        </inkml:channelProperties>
+      </inkml:inkSource>
+      <inkml:timestamp xml:id="ts0" timeString="2023-04-18T06:32:04.457"/>
+    </inkml:context>
+    <inkml:brush xml:id="br0">
+      <inkml:brushProperty name="width" value="0.3" units="cm"/>
+      <inkml:brushProperty name="height" value="0.6" units="cm"/>
+      <inkml:brushProperty name="color" value="#FFFC00"/>
+      <inkml:brushProperty name="tip" value="rectangle"/>
+      <inkml:brushProperty name="rasterOp" value="maskPen"/>
+      <inkml:brushProperty name="ignorePressure" value="1"/>
+    </inkml:brush>
+  </inkml:definitions>
+  <inkml:trace contextRef="#ctx0" brushRef="#br0">2493 71,'67'-29,"-38"21,0 2,1 1,-1 1,1 2,0 0,0 3,0 0,7 3,131 43,-42-5,40-6,-165-36,1 0,-1 0,1 0,-1 1,1-1,-1 0,1 1,-1-1,0 1,1-1,-1 1,0 0,1 0,-1-1,0 1,0 0,0 0,1 0,-1 0,0 1,-1-1,1 0,0 0,0 0,0 1,-1-1,1 1,-1-1,1 0,-1 1,1-1,-1 1,0-1,0 1,0-1,0 1,0-1,0 1,0-1,0 1,0-1,-1 1,1-1,-1 0,1 1,-1-1,1 1,-1-1,0 0,0 0,0 1,0-1,0 0,0 0,0 0,0 0,0 0,0 0,-1 0,1-1,0 1,-1 0,-20 3,0 0,0-2,0-1,-1 0,1-2,-1 0,1-2,0-1,0 0,-20-7,-521-112,493 113,52 8,-1 0,1-1,0 0,0-2,0 0,1-1,-1-1,-11-7,30 15,-1-1,1 1,0-1,-1 1,1-1,-1 0,1 1,0-1,-1 0,1 1,0-1,-1 0,1 0,0 1,0-1,-1 0,1 0,0 0,0 0,-1 0,1 0,0 0,0-1,-1 1,1 0,0 0,-1 0,1-1,0 1,-1 0,1-1,0 1,-1-1,1 1,0 0,-1-1,1 0,-1 1,1-1,-1 1,0-1,1 0,-1 1,1-1,-1 0,0 1,0-1,1 0,-1 1,0-1,0 0,0 0,0 1,0-1,0 0,0 0,0 1,0-1,0 0,0 0,0 1,-1-1,1 0,0 1,-1-1,329 105,-275-87,-2-2,-1 2,-1 3,-1 1,0 2,-2 3,43 30,-69-34,-2 1,0 0,-1 1,-2 0,0 2,-2 0,-1 0,-1 1,-1 1,-1 0,-2 0,-1 0,1 17,3-3,19 80,-6 0,-5 1,-5 1,-4 78,-10-26,1 219,22 71,21 184,-34 354,-9-989,0-14,5-21,9 0,0 0,2 0,0 2,1 0,1 1,0 1,2 0,0 2,0 0,1 1,1 1,4-1,-4 0,13-7,-3 3,-1-1,0-2,-2-1,0-1,-2-1,0-2,20-25,-41 44,0 0,1 0,-1 1,1 0,1 0,-1 0,1 1,-1 0,1 1,0-1,0 2,1-1,-1 1,1 0,-1 1,1 0,0 0,-1 1,1 0,6 1,93-18,-106 17,0 0,-1-1,1 1,0-1,-1 1,1-1,0 0,-1 0,1 0,-1 0,1 0,-1 0,0 0,0-1,1 1,-1 0,0-1,0 1,0-1,0 1,0-1,-1 1,1-1,0 0,-1 1,1-1,-1 0,0 1,1-1,-1 0,0 0,0 0,0 1,0-1,-1 0,1 0,0 1,-1-1,1 0,-1 1,0-1,1 0,-1 1,0-1,0 1,0-1,0 1,0-1,0 1,-1 0,1 0,0-1,-1 1,1 0,-1 0,1 1,-1-1,1 0,-1 0,-178-102,171 94,0-1,0 0,0-1,2 0,-1 0,1-1,1 0,0 0,1-1,0 1,1-1,1 0,0 0,-1-8,-4-8,-43-187,51 215,0-1,0 1,-1 0,1-1,0 1,-1 0,0-1,1 1,-1 0,1 0,-1 0,0 0,0 0,0 0,0 0,0 0,0 0,0 0,0 0,0 0,0 1,0-1,0 0,-1 1,1-1,0 1,0 0,-1-1,1 1,0 0,-1 0,1 0,0-1,-1 2,1-1,0 0,-1 0,1 0,0 0,-1 1,0 0,-49 35,-320 346,121-169,-10-11,-266 155,165-130,348-219,9-4,0-1,-1 0,1 0,0-1,-1 1,0-1,0 0,1 0,-1-1,0 1,0-1,-1 0,1-1,0 1,0-1,0 0,-1 0,-1-1,-28-77,28 68,-1 0,0 1,0 0,-1 0,-1 1,1 0,-1 1,0 0,-1 0,0 1,0 1,0 0,-1 0,1 1,-1 1,0 0,-12-2,-30-12,-158-73,69 3,65 49,50 27,1-2,0-1,1-1,0-2,1 0,1-2,1 0,-17-19,30 27,0 0,1 0,0-1,1 0,0-1,1 1,0-2,1 1,1-1,0 0,1 0,0 0,1 0,1-1,0 0,1-3,-5-146,-7 0,-7 1,-33-125,-42-121,31 70,38 10,-55-244,79 561,1 0,0 0,-2-1,1 1,-1 0,-1 0,0 0,-1 1,0-1,-1 1,0 0,-5-5,10 15,0-1,-1 1,1 0,-1-1,1 1,-1 0,1 0,-1 0,1 0,-1 1,0-1,0 0,1 1,-1-1,0 1,0 0,0-1,0 1,0 0,0 0,1 0,-1 0,0 1,0-1,0 1,0-1,1 1,-1-1,0 1,0 0,1 0,-1 0,1 0,-1 0,1 0,-1 0,1 0,-1 1,1-1,0 1,-47 64,46-63,-10 25,1 1,1-1,2 2,0-1,2 1,2 0,0 0,2 1,1-1,2 1,2 11,-5-18,0-1,-2 1,-1-1,-1 0,-1 0,-7 17,-8 26,-46 157,4-36,46-134,2 0,3 2,1-1,4 2,1-1,3 14,5 359,49-109,-9-67,-9-94,1 5,-20-113,-2 0,-3 0,-2 1,-2 21,44 392,-39-422,2 0,1-1,3 0,1-2,1 1,3-2,20 30,9 22,-42-73,2-1,0 1,1-2,0 1,1-1,1-1,1 0,0 0,0-2,1 0,7 5,31 16,187 143,-226-164,-6-7,0 0,-1 0,0 1,0 0,0 0,-1 1,0 0,0 0,0 0,-1 0,0 1,-1-1,0 1,0 0,-1 0,1 0,-2 1,1-1,-1 3,20 231,10-53,35-47,-50-107,2-1,1-1,2-1,1 0,13 12,-27-38,-1-1,1 0,0 0,0-1,1 0,0-1,-1 1,1-2,0 1,0-1,1-1,-1 0,6 0,47 12,-31-6,1-1,-1-1,1-1,0-2,27-3,79 8,154 35,-229-47,1-2,-1-3,-1-3,38-13,86-59,-117 48,-58 30,-1 0,0-1,-1 0,0 0,0-1,-1 0,0-1,0 0,-1 0,0-1,0-2,70-80,-2 30,37 9,129-95,-207 128,-4 5,-1-2,-1 0,0-2,-2-1,0-1,-2-2,13-15,7-99,113-238,-72 98,-75 256,1 1,2 1,0 0,1 0,1 1,17-16,-20 19,0 0,-1 0,0-1,-1 0,-1-1,-1 0,-1-1,0 1,-1-2,-1 1,-1 0,-1-2,0 11,6-46,-2 0,-3 0,-1-1,-4 1,-2-9,0-47,-12-251,5 19,-24 185,-71-427,96 166,5 401,-1 4</inkml:trace>
+</inkml:ink>
+</file>
+
+<file path=ppt/ink/ink7.xml><?xml version="1.0" encoding="utf-8"?>
+<inkml:ink xmlns:inkml="http://www.w3.org/2003/InkML">
+  <inkml:definitions>
+    <inkml:context xml:id="ctx0">
+      <inkml:inkSource xml:id="inkSrc0">
+        <inkml:traceFormat>
+          <inkml:channel name="X" type="integer" min="-2.14748E9" max="2.14748E9" units="cm"/>
+          <inkml:channel name="Y" type="integer" min="-2.14748E9" max="2.14748E9" units="cm"/>
+        </inkml:traceFormat>
+        <inkml:channelProperties>
+          <inkml:channelProperty channel="X" name="resolution" value="1000" units="1/cm"/>
+          <inkml:channelProperty channel="Y" name="resolution" value="1000" units="1/cm"/>
+        </inkml:channelProperties>
+      </inkml:inkSource>
+      <inkml:timestamp xml:id="ts0" timeString="2023-04-18T04:34:09.880"/>
+    </inkml:context>
+    <inkml:brush xml:id="br0">
+      <inkml:brushProperty name="width" value="0.3" units="cm"/>
+      <inkml:brushProperty name="height" value="0.6" units="cm"/>
+      <inkml:brushProperty name="color" value="#FFFC00"/>
+      <inkml:brushProperty name="tip" value="rectangle"/>
+      <inkml:brushProperty name="rasterOp" value="maskPen"/>
+      <inkml:brushProperty name="ignorePressure" value="1"/>
+    </inkml:brush>
+  </inkml:definitions>
+  <inkml:trace contextRef="#ctx0" brushRef="#br0">5790 6615,'-58'18,"-3"5,1 2,1 2,-45 30,74-40,20-13,2 0,-1 1,0 0,1 0,0 1,0 1,0-1,1 1,0 0,0 1,1-1,-3 6,-2 17</inkml:trace>
+</inkml:ink>
+</file>
+
+<file path=ppt/ink/ink70.xml><?xml version="1.0" encoding="utf-8"?>
+<inkml:ink xmlns:inkml="http://www.w3.org/2003/InkML">
+  <inkml:definitions>
+    <inkml:context xml:id="ctx0">
+      <inkml:inkSource xml:id="inkSrc0">
+        <inkml:traceFormat>
+          <inkml:channel name="X" type="integer" min="-2.14748E9" max="2.14748E9" units="cm"/>
+          <inkml:channel name="Y" type="integer" min="-2.14748E9" max="2.14748E9" units="cm"/>
+        </inkml:traceFormat>
+        <inkml:channelProperties>
+          <inkml:channelProperty channel="X" name="resolution" value="1000" units="1/cm"/>
+          <inkml:channelProperty channel="Y" name="resolution" value="1000" units="1/cm"/>
+        </inkml:channelProperties>
+      </inkml:inkSource>
+      <inkml:timestamp xml:id="ts0" timeString="2023-04-18T06:36:13.406"/>
+    </inkml:context>
+    <inkml:brush xml:id="br0">
+      <inkml:brushProperty name="width" value="0.3" units="cm"/>
+      <inkml:brushProperty name="height" value="0.6" units="cm"/>
+      <inkml:brushProperty name="color" value="#FFFC00"/>
+      <inkml:brushProperty name="tip" value="rectangle"/>
+      <inkml:brushProperty name="rasterOp" value="maskPen"/>
+      <inkml:brushProperty name="ignorePressure" value="1"/>
+    </inkml:brush>
+  </inkml:definitions>
+  <inkml:trace contextRef="#ctx0" brushRef="#br0">151 218,'105'2,"183"-14,-284 12,0 0,1 0,-1 0,0-1,1 0,-1 0,0 0,1 0,-1-1,0 0,0 0,0 0,-1 0,1 0,0-1,-1 0,0 0,1 0,-1 0,0 0,-1-1,1 1,-1-1,1 0,-1 1,0-1,0 0,-1 0,1-1,-1 1,0 0,0 0,0-2,3-20,-3 24,0 0,0 0,0 0,-1 0,1 0,0 0,-1 0,1 0,-1 0,0 0,0-1,0 1,0 0,0 0,0 0,0 0,-1 0,1 0,-1 0,1 0,-1 0,0 0,0 0,0 0,0 0,0 0,0 1,-1-1,1 0,-1 1,1-1,-1 1,1 0,-1-1,0 1,0 0,0 0,1 0,-1 0,0 0,0 1,0-1,-2 0,-194 27,24 0,-75-27,311 1,29 2,-1-5,0-3,61-13,79-23,-228 41,0 1,0 0,1 0,-1 0,0 0,0 0,1 1,-1-1,0 1,0-1,0 1,1 0,-1 0,0 0,0 0,0 0,0 0,-1 0,1 1,0-1,-1 1,1 0,0-1,-1 1,0 0,1 0,-1 0,0 0,0 0,0 0,0 0,-1 0,1 0,0 0,-1 3,0 87,-3-62,3-26,0 0,0 1,-1-1,1 0,-1 0,0 0,-1 0,1 0,-1 0,1-1,-1 1,0 0,-1-1,1 1,0-1,-1 0,0 0,0 0,0 0,0 0,0-1,-1 0,1 1,-1-1,0 0,1-1,-1 1,0 0,0-1,-1 0,-25 8,1-2,-1 0,0-2,0-2,-1-1,1-1,0-1,-14-3,-24 2,33-4,31 0</inkml:trace>
+</inkml:ink>
+</file>
+
+<file path=ppt/ink/ink71.xml><?xml version="1.0" encoding="utf-8"?>
+<inkml:ink xmlns:inkml="http://www.w3.org/2003/InkML">
+  <inkml:definitions>
+    <inkml:context xml:id="ctx0">
+      <inkml:inkSource xml:id="inkSrc0">
+        <inkml:traceFormat>
+          <inkml:channel name="X" type="integer" min="-2.14748E9" max="2.14748E9" units="cm"/>
+          <inkml:channel name="Y" type="integer" min="-2.14748E9" max="2.14748E9" units="cm"/>
+        </inkml:traceFormat>
+        <inkml:channelProperties>
+          <inkml:channelProperty channel="X" name="resolution" value="1000" units="1/cm"/>
+          <inkml:channelProperty channel="Y" name="resolution" value="1000" units="1/cm"/>
+        </inkml:channelProperties>
+      </inkml:inkSource>
+      <inkml:timestamp xml:id="ts0" timeString="2023-04-18T06:36:32.756"/>
+    </inkml:context>
+    <inkml:brush xml:id="br0">
+      <inkml:brushProperty name="width" value="0.3" units="cm"/>
+      <inkml:brushProperty name="height" value="0.6" units="cm"/>
+      <inkml:brushProperty name="color" value="#FFFC00"/>
+      <inkml:brushProperty name="tip" value="rectangle"/>
+      <inkml:brushProperty name="rasterOp" value="maskPen"/>
+      <inkml:brushProperty name="ignorePressure" value="1"/>
+    </inkml:brush>
+  </inkml:definitions>
+  <inkml:trace contextRef="#ctx0" brushRef="#br0">38 28,'7'-4,"0"0,1 1,0 0,0 0,0 0,0 1,0 0,0 1,1 0,-1 0,0 1,1 0,-1 0,7 2,4-2,86-1,390 13,-482-11,-8-2,-1 1,1-1,0 1,-1 0,1 1,0-1,-1 1,1 0,-1 0,1 1,-1-1,1 1,-1 0,0 0,0 1,0-1,0 1,0 0,-1 0,1 0,-1 0,0 0,3 5,-7-4,-1 1,0-1,0 1,0-1,0 0,-1 0,0 0,0 0,0-1,0 1,0-1,-1 0,1 1,-1-2,0 1,0 0,0-1,-1 0,-1 1,1 1,-23 13,-1-1,-1-1,0-2,-1 0,-1-3,0 0,0-2,-1-1,1-2,-19 0,-175 36,212-39,0 0,-1 0,1-1,-1-1,1-1,0 0,-1-1,1 0,-6-3,-76-5,124 26,204-10,-192-15,-25 4</inkml:trace>
+</inkml:ink>
+</file>
+
+<file path=ppt/ink/ink8.xml><?xml version="1.0" encoding="utf-8"?>
+<inkml:ink xmlns:inkml="http://www.w3.org/2003/InkML">
+  <inkml:definitions>
+    <inkml:context xml:id="ctx0">
+      <inkml:inkSource xml:id="inkSrc0">
+        <inkml:traceFormat>
+          <inkml:channel name="X" type="integer" min="-2.14748E9" max="2.14748E9" units="cm"/>
+          <inkml:channel name="Y" type="integer" min="-2.14748E9" max="2.14748E9" units="cm"/>
+        </inkml:traceFormat>
+        <inkml:channelProperties>
+          <inkml:channelProperty channel="X" name="resolution" value="1000" units="1/cm"/>
+          <inkml:channelProperty channel="Y" name="resolution" value="1000" units="1/cm"/>
+        </inkml:channelProperties>
+      </inkml:inkSource>
+      <inkml:timestamp xml:id="ts0" timeString="2023-04-18T04:34:09.882"/>
+    </inkml:context>
+    <inkml:brush xml:id="br0">
+      <inkml:brushProperty name="width" value="0.3" units="cm"/>
+      <inkml:brushProperty name="height" value="0.6" units="cm"/>
+      <inkml:brushProperty name="color" value="#FFFC00"/>
+      <inkml:brushProperty name="tip" value="rectangle"/>
+      <inkml:brushProperty name="rasterOp" value="maskPen"/>
+      <inkml:brushProperty name="ignorePressure" value="1"/>
+    </inkml:brush>
+  </inkml:definitions>
+  <inkml:trace contextRef="#ctx0" brushRef="#br0">5339 7020,'599'-884</inkml:trace>
+</inkml:ink>
+</file>
+
+<file path=ppt/ink/ink9.xml><?xml version="1.0" encoding="utf-8"?>
+<inkml:ink xmlns:inkml="http://www.w3.org/2003/InkML">
+  <inkml:definitions>
+    <inkml:context xml:id="ctx0">
+      <inkml:inkSource xml:id="inkSrc0">
+        <inkml:traceFormat>
+          <inkml:channel name="X" type="integer" min="-2.14748E9" max="2.14748E9" units="cm"/>
+          <inkml:channel name="Y" type="integer" min="-2.14748E9" max="2.14748E9" units="cm"/>
+        </inkml:traceFormat>
+        <inkml:channelProperties>
+          <inkml:channelProperty channel="X" name="resolution" value="1000" units="1/cm"/>
+          <inkml:channelProperty channel="Y" name="resolution" value="1000" units="1/cm"/>
+        </inkml:channelProperties>
+      </inkml:inkSource>
+      <inkml:timestamp xml:id="ts0" timeString="2023-04-18T04:34:09.884"/>
+    </inkml:context>
+    <inkml:brush xml:id="br0">
+      <inkml:brushProperty name="width" value="0.3" units="cm"/>
+      <inkml:brushProperty name="height" value="0.6" units="cm"/>
+      <inkml:brushProperty name="color" value="#FFFC00"/>
+      <inkml:brushProperty name="tip" value="rectangle"/>
+      <inkml:brushProperty name="rasterOp" value="maskPen"/>
+      <inkml:brushProperty name="ignorePressure" value="1"/>
+    </inkml:brush>
+  </inkml:definitions>
+  <inkml:trace contextRef="#ctx0" brushRef="#br0">5172 7267,'100'-148</inkml:trace>
+</inkml:ink>
+</file>
+
+<file path=ppt/notesMasters/notesMaster1.xml><?xml version="1.0" encoding="utf-8"?>
+<p:notesMaster xmlns:a="http://schemas.openxmlformats.org/drawingml/2006/main" xmlns:r="http://schemas.openxmlformats.org/officeDocument/2006/relationships" xmlns:p="http://schemas.openxmlformats.org/presentationml/2006/main">
+  <p:cSld>
+    <p:bg>
+      <p:bgRef idx="1001">
+        <a:schemeClr val="bg1"/>
+      </p:bgRef>
+    </p:bg>
+    <p:spTree>
+      <p:nvGrpSpPr>
+        <p:cNvPr id="1" name=""/>
+        <p:cNvGrpSpPr/>
+        <p:nvPr/>
+      </p:nvGrpSpPr>
+      <p:grpSpPr>
+        <a:xfrm>
+          <a:off x="0" y="0"/>
+          <a:ext cx="0" cy="0"/>
+          <a:chOff x="0" y="0"/>
+          <a:chExt cx="0" cy="0"/>
+        </a:xfrm>
+      </p:grpSpPr>
+      <p:sp>
+        <p:nvSpPr>
+          <p:cNvPr id="2" name="ヘッダー プレースホルダー 1"/>
+          <p:cNvSpPr>
+            <a:spLocks noGrp="1"/>
+          </p:cNvSpPr>
+          <p:nvPr>
+            <p:ph type="hdr" sz="quarter"/>
+          </p:nvPr>
+        </p:nvSpPr>
+        <p:spPr>
+          <a:xfrm>
+            <a:off x="0" y="0"/>
+            <a:ext cx="2971800" cy="458788"/>
+          </a:xfrm>
+          <a:prstGeom prst="rect">
+            <a:avLst/>
+          </a:prstGeom>
+        </p:spPr>
+        <p:txBody>
+          <a:bodyPr vert="horz" lIns="91440" tIns="45720" rIns="91440" bIns="45720" rtlCol="0"/>
+          <a:lstStyle>
+            <a:lvl1pPr algn="l">
+              <a:defRPr sz="1200"/>
+            </a:lvl1pPr>
+          </a:lstStyle>
+          <a:p>
+            <a:endParaRPr kumimoji="1" lang="ja-JP" altLang="en-US"/>
+          </a:p>
+        </p:txBody>
+      </p:sp>
+      <p:sp>
+        <p:nvSpPr>
+          <p:cNvPr id="3" name="日付プレースホルダー 2"/>
+          <p:cNvSpPr>
+            <a:spLocks noGrp="1"/>
+          </p:cNvSpPr>
+          <p:nvPr>
+            <p:ph type="dt" idx="1"/>
+          </p:nvPr>
+        </p:nvSpPr>
+        <p:spPr>
+          <a:xfrm>
+            <a:off x="3884613" y="0"/>
+            <a:ext cx="2971800" cy="458788"/>
+          </a:xfrm>
+          <a:prstGeom prst="rect">
+            <a:avLst/>
+          </a:prstGeom>
+        </p:spPr>
+        <p:txBody>
+          <a:bodyPr vert="horz" lIns="91440" tIns="45720" rIns="91440" bIns="45720" rtlCol="0"/>
+          <a:lstStyle>
+            <a:lvl1pPr algn="r">
+              <a:defRPr sz="1200"/>
+            </a:lvl1pPr>
+          </a:lstStyle>
+          <a:p>
+            <a:fld id="{2990996B-5B3E-4730-9B55-A581D2B5E3C7}" type="datetimeFigureOut">
+              <a:rPr kumimoji="1" lang="ja-JP" altLang="en-US" smtClean="0"/>
+              <a:t>2023/4/18</a:t>
+            </a:fld>
+            <a:endParaRPr kumimoji="1" lang="ja-JP" altLang="en-US"/>
+          </a:p>
+        </p:txBody>
+      </p:sp>
+      <p:sp>
+        <p:nvSpPr>
+          <p:cNvPr id="4" name="スライド イメージ プレースホルダー 3"/>
+          <p:cNvSpPr>
+            <a:spLocks noGrp="1" noRot="1" noChangeAspect="1"/>
+          </p:cNvSpPr>
+          <p:nvPr>
+            <p:ph type="sldImg" idx="2"/>
+          </p:nvPr>
+        </p:nvSpPr>
+        <p:spPr>
+          <a:xfrm>
+            <a:off x="685800" y="1143000"/>
+            <a:ext cx="5486400" cy="3086100"/>
+          </a:xfrm>
+          <a:prstGeom prst="rect">
+            <a:avLst/>
+          </a:prstGeom>
+          <a:noFill/>
+          <a:ln w="12700">
+            <a:solidFill>
+              <a:prstClr val="black"/>
+            </a:solidFill>
+          </a:ln>
+        </p:spPr>
+        <p:txBody>
+          <a:bodyPr vert="horz" lIns="91440" tIns="45720" rIns="91440" bIns="45720" rtlCol="0" anchor="ctr"/>
+          <a:lstStyle/>
+          <a:p>
+            <a:endParaRPr lang="ja-JP" altLang="en-US"/>
+          </a:p>
+        </p:txBody>
+      </p:sp>
+      <p:sp>
+        <p:nvSpPr>
+          <p:cNvPr id="5" name="ノート プレースホルダー 4"/>
+          <p:cNvSpPr>
+            <a:spLocks noGrp="1"/>
+          </p:cNvSpPr>
+          <p:nvPr>
+            <p:ph type="body" sz="quarter" idx="3"/>
+          </p:nvPr>
+        </p:nvSpPr>
+        <p:spPr>
+          <a:xfrm>
+            <a:off x="685800" y="4400550"/>
+            <a:ext cx="5486400" cy="3600450"/>
+          </a:xfrm>
+          <a:prstGeom prst="rect">
+            <a:avLst/>
+          </a:prstGeom>
+        </p:spPr>
+        <p:txBody>
+          <a:bodyPr vert="horz" lIns="91440" tIns="45720" rIns="91440" bIns="45720" rtlCol="0"/>
+          <a:lstStyle/>
+          <a:p>
+            <a:pPr lvl="0"/>
+            <a:r>
+              <a:rPr kumimoji="1" lang="ja-JP" altLang="en-US"/>
+              <a:t>マスター テキストの書式設定</a:t>
+            </a:r>
+          </a:p>
+          <a:p>
+            <a:pPr lvl="1"/>
+            <a:r>
+              <a:rPr kumimoji="1" lang="ja-JP" altLang="en-US"/>
+              <a:t>第 </a:t>
+            </a:r>
+            <a:r>
+              <a:rPr kumimoji="1" lang="en-US" altLang="ja-JP"/>
+              <a:t>2 </a:t>
+            </a:r>
+            <a:r>
+              <a:rPr kumimoji="1" lang="ja-JP" altLang="en-US"/>
+              <a:t>レベル</a:t>
+            </a:r>
+          </a:p>
+          <a:p>
+            <a:pPr lvl="2"/>
+            <a:r>
+              <a:rPr kumimoji="1" lang="ja-JP" altLang="en-US"/>
+              <a:t>第 </a:t>
+            </a:r>
+            <a:r>
+              <a:rPr kumimoji="1" lang="en-US" altLang="ja-JP"/>
+              <a:t>3 </a:t>
+            </a:r>
+            <a:r>
+              <a:rPr kumimoji="1" lang="ja-JP" altLang="en-US"/>
+              <a:t>レベル</a:t>
+            </a:r>
+          </a:p>
+          <a:p>
+            <a:pPr lvl="3"/>
+            <a:r>
+              <a:rPr kumimoji="1" lang="ja-JP" altLang="en-US"/>
+              <a:t>第 </a:t>
+            </a:r>
+            <a:r>
+              <a:rPr kumimoji="1" lang="en-US" altLang="ja-JP"/>
+              <a:t>4 </a:t>
+            </a:r>
+            <a:r>
+              <a:rPr kumimoji="1" lang="ja-JP" altLang="en-US"/>
+              <a:t>レベル</a:t>
+            </a:r>
+          </a:p>
+          <a:p>
+            <a:pPr lvl="4"/>
+            <a:r>
+              <a:rPr kumimoji="1" lang="ja-JP" altLang="en-US"/>
+              <a:t>第 </a:t>
+            </a:r>
+            <a:r>
+              <a:rPr kumimoji="1" lang="en-US" altLang="ja-JP"/>
+              <a:t>5 </a:t>
+            </a:r>
+            <a:r>
+              <a:rPr kumimoji="1" lang="ja-JP" altLang="en-US"/>
+              <a:t>レベル</a:t>
+            </a:r>
+          </a:p>
+        </p:txBody>
+      </p:sp>
+      <p:sp>
+        <p:nvSpPr>
+          <p:cNvPr id="6" name="フッター プレースホルダー 5"/>
+          <p:cNvSpPr>
+            <a:spLocks noGrp="1"/>
+          </p:cNvSpPr>
+          <p:nvPr>
+            <p:ph type="ftr" sz="quarter" idx="4"/>
+          </p:nvPr>
+        </p:nvSpPr>
+        <p:spPr>
+          <a:xfrm>
+            <a:off x="0" y="8685213"/>
+            <a:ext cx="2971800" cy="458787"/>
+          </a:xfrm>
+          <a:prstGeom prst="rect">
+            <a:avLst/>
+          </a:prstGeom>
+        </p:spPr>
+        <p:txBody>
+          <a:bodyPr vert="horz" lIns="91440" tIns="45720" rIns="91440" bIns="45720" rtlCol="0" anchor="b"/>
+          <a:lstStyle>
+            <a:lvl1pPr algn="l">
+              <a:defRPr sz="1200"/>
+            </a:lvl1pPr>
+          </a:lstStyle>
+          <a:p>
+            <a:endParaRPr kumimoji="1" lang="ja-JP" altLang="en-US"/>
+          </a:p>
+        </p:txBody>
+      </p:sp>
+      <p:sp>
+        <p:nvSpPr>
+          <p:cNvPr id="7" name="スライド番号プレースホルダー 6"/>
+          <p:cNvSpPr>
+            <a:spLocks noGrp="1"/>
+          </p:cNvSpPr>
+          <p:nvPr>
+            <p:ph type="sldNum" sz="quarter" idx="5"/>
+          </p:nvPr>
+        </p:nvSpPr>
+        <p:spPr>
+          <a:xfrm>
+            <a:off x="3884613" y="8685213"/>
+            <a:ext cx="2971800" cy="458787"/>
+          </a:xfrm>
+          <a:prstGeom prst="rect">
+            <a:avLst/>
+          </a:prstGeom>
+        </p:spPr>
+        <p:txBody>
+          <a:bodyPr vert="horz" lIns="91440" tIns="45720" rIns="91440" bIns="45720" rtlCol="0" anchor="b"/>
+          <a:lstStyle>
+            <a:lvl1pPr algn="r">
+              <a:defRPr sz="1200"/>
+            </a:lvl1pPr>
+          </a:lstStyle>
+          <a:p>
+            <a:fld id="{54660399-A729-49BC-90CD-04929AC6C0F5}" type="slidenum">
+              <a:rPr kumimoji="1" lang="ja-JP" altLang="en-US" smtClean="0"/>
+              <a:t>‹#›</a:t>
+            </a:fld>
+            <a:endParaRPr kumimoji="1" lang="ja-JP" altLang="en-US"/>
+          </a:p>
+        </p:txBody>
+      </p:sp>
+    </p:spTree>
+    <p:extLst>
+      <p:ext uri="{BB962C8B-B14F-4D97-AF65-F5344CB8AC3E}">
+        <p14:creationId xmlns:p14="http://schemas.microsoft.com/office/powerpoint/2010/main" val="3567533566"/>
+      </p:ext>
+    </p:extLst>
+  </p:cSld>
+  <p:clrMap bg1="lt1" tx1="dk1" bg2="lt2" tx2="dk2" accent1="accent1" accent2="accent2" accent3="accent3" accent4="accent4" accent5="accent5" accent6="accent6" hlink="hlink" folHlink="folHlink"/>
+  <p:notesStyle>
+    <a:lvl1pPr marL="0" algn="l" defTabSz="914400" rtl="0" eaLnBrk="1" latinLnBrk="0" hangingPunct="1">
+      <a:defRPr kumimoji="1" sz="1200" kern="1200">
+        <a:solidFill>
+          <a:schemeClr val="tx1"/>
+        </a:solidFill>
+        <a:latin typeface="+mn-lt"/>
+        <a:ea typeface="+mn-ea"/>
+        <a:cs typeface="+mn-cs"/>
+      </a:defRPr>
+    </a:lvl1pPr>
+    <a:lvl2pPr marL="457200" algn="l" defTabSz="914400" rtl="0" eaLnBrk="1" latinLnBrk="0" hangingPunct="1">
+      <a:defRPr kumimoji="1" sz="1200" kern="1200">
+        <a:solidFill>
+          <a:schemeClr val="tx1"/>
+        </a:solidFill>
+        <a:latin typeface="+mn-lt"/>
+        <a:ea typeface="+mn-ea"/>
+        <a:cs typeface="+mn-cs"/>
+      </a:defRPr>
+    </a:lvl2pPr>
+    <a:lvl3pPr marL="914400" algn="l" defTabSz="914400" rtl="0" eaLnBrk="1" latinLnBrk="0" hangingPunct="1">
+      <a:defRPr kumimoji="1" sz="1200" kern="1200">
+        <a:solidFill>
+          <a:schemeClr val="tx1"/>
+        </a:solidFill>
+        <a:latin typeface="+mn-lt"/>
+        <a:ea typeface="+mn-ea"/>
+        <a:cs typeface="+mn-cs"/>
+      </a:defRPr>
+    </a:lvl3pPr>
+    <a:lvl4pPr marL="1371600" algn="l" defTabSz="914400" rtl="0" eaLnBrk="1" latinLnBrk="0" hangingPunct="1">
+      <a:defRPr kumimoji="1" sz="1200" kern="1200">
+        <a:solidFill>
+          <a:schemeClr val="tx1"/>
+        </a:solidFill>
+        <a:latin typeface="+mn-lt"/>
+        <a:ea typeface="+mn-ea"/>
+        <a:cs typeface="+mn-cs"/>
+      </a:defRPr>
+    </a:lvl4pPr>
+    <a:lvl5pPr marL="1828800" algn="l" defTabSz="914400" rtl="0" eaLnBrk="1" latinLnBrk="0" hangingPunct="1">
+      <a:defRPr kumimoji="1" sz="1200" kern="1200">
+        <a:solidFill>
+          <a:schemeClr val="tx1"/>
+        </a:solidFill>
+        <a:latin typeface="+mn-lt"/>
+        <a:ea typeface="+mn-ea"/>
+        <a:cs typeface="+mn-cs"/>
+      </a:defRPr>
+    </a:lvl5pPr>
+    <a:lvl6pPr marL="2286000" algn="l" defTabSz="914400" rtl="0" eaLnBrk="1" latinLnBrk="0" hangingPunct="1">
+      <a:defRPr kumimoji="1" sz="1200" kern="1200">
+        <a:solidFill>
+          <a:schemeClr val="tx1"/>
+        </a:solidFill>
+        <a:latin typeface="+mn-lt"/>
+        <a:ea typeface="+mn-ea"/>
+        <a:cs typeface="+mn-cs"/>
+      </a:defRPr>
+    </a:lvl6pPr>
+    <a:lvl7pPr marL="2743200" algn="l" defTabSz="914400" rtl="0" eaLnBrk="1" latinLnBrk="0" hangingPunct="1">
+      <a:defRPr kumimoji="1" sz="1200" kern="1200">
+        <a:solidFill>
+          <a:schemeClr val="tx1"/>
+        </a:solidFill>
+        <a:latin typeface="+mn-lt"/>
+        <a:ea typeface="+mn-ea"/>
+        <a:cs typeface="+mn-cs"/>
+      </a:defRPr>
+    </a:lvl7pPr>
+    <a:lvl8pPr marL="3200400" algn="l" defTabSz="914400" rtl="0" eaLnBrk="1" latinLnBrk="0" hangingPunct="1">
+      <a:defRPr kumimoji="1" sz="1200" kern="1200">
+        <a:solidFill>
+          <a:schemeClr val="tx1"/>
+        </a:solidFill>
+        <a:latin typeface="+mn-lt"/>
+        <a:ea typeface="+mn-ea"/>
+        <a:cs typeface="+mn-cs"/>
+      </a:defRPr>
+    </a:lvl8pPr>
+    <a:lvl9pPr marL="3657600" algn="l" defTabSz="914400" rtl="0" eaLnBrk="1" latinLnBrk="0" hangingPunct="1">
+      <a:defRPr kumimoji="1" sz="1200" kern="1200">
+        <a:solidFill>
+          <a:schemeClr val="tx1"/>
+        </a:solidFill>
+        <a:latin typeface="+mn-lt"/>
+        <a:ea typeface="+mn-ea"/>
+        <a:cs typeface="+mn-cs"/>
+      </a:defRPr>
+    </a:lvl9pPr>
+  </p:notesStyle>
+</p:notesMaster>
+</file>
+
 <file path=ppt/slideLayouts/slideLayout1.xml><?xml version="1.0" encoding="utf-8"?>
 <p:sldLayout xmlns:a="http://schemas.openxmlformats.org/drawingml/2006/main" xmlns:r="http://schemas.openxmlformats.org/officeDocument/2006/relationships" xmlns:p="http://schemas.openxmlformats.org/presentationml/2006/main" type="title" preserve="1">
   <p:cSld name="タイトル スライド">
@@ -262,7 +2708,7 @@
           <a:p>
             <a:fld id="{EA89FD3E-0F01-4BFE-BB42-E527571D36AC}" type="datetimeFigureOut">
               <a:rPr kumimoji="1" lang="ja-JP" altLang="en-US" smtClean="0"/>
-              <a:t>2023/4/12</a:t>
+              <a:t>2023/4/18</a:t>
             </a:fld>
             <a:endParaRPr kumimoji="1" lang="ja-JP" altLang="en-US"/>
           </a:p>
@@ -492,7 +2938,7 @@
           <a:p>
             <a:fld id="{EA89FD3E-0F01-4BFE-BB42-E527571D36AC}" type="datetimeFigureOut">
               <a:rPr kumimoji="1" lang="ja-JP" altLang="en-US" smtClean="0"/>
-              <a:t>2023/4/12</a:t>
+              <a:t>2023/4/18</a:t>
             </a:fld>
             <a:endParaRPr kumimoji="1" lang="ja-JP" altLang="en-US"/>
           </a:p>
@@ -732,7 +3178,7 @@
           <a:p>
             <a:fld id="{EA89FD3E-0F01-4BFE-BB42-E527571D36AC}" type="datetimeFigureOut">
               <a:rPr kumimoji="1" lang="ja-JP" altLang="en-US" smtClean="0"/>
-              <a:t>2023/4/12</a:t>
+              <a:t>2023/4/18</a:t>
             </a:fld>
             <a:endParaRPr kumimoji="1" lang="ja-JP" altLang="en-US"/>
           </a:p>
@@ -962,7 +3408,7 @@
           <a:p>
             <a:fld id="{EA89FD3E-0F01-4BFE-BB42-E527571D36AC}" type="datetimeFigureOut">
               <a:rPr kumimoji="1" lang="ja-JP" altLang="en-US" smtClean="0"/>
-              <a:t>2023/4/12</a:t>
+              <a:t>2023/4/18</a:t>
             </a:fld>
             <a:endParaRPr kumimoji="1" lang="ja-JP" altLang="en-US"/>
           </a:p>
@@ -1237,7 +3683,7 @@
           <a:p>
             <a:fld id="{EA89FD3E-0F01-4BFE-BB42-E527571D36AC}" type="datetimeFigureOut">
               <a:rPr kumimoji="1" lang="ja-JP" altLang="en-US" smtClean="0"/>
-              <a:t>2023/4/12</a:t>
+              <a:t>2023/4/18</a:t>
             </a:fld>
             <a:endParaRPr kumimoji="1" lang="ja-JP" altLang="en-US"/>
           </a:p>
@@ -1566,7 +4012,7 @@
           <a:p>
             <a:fld id="{EA89FD3E-0F01-4BFE-BB42-E527571D36AC}" type="datetimeFigureOut">
               <a:rPr kumimoji="1" lang="ja-JP" altLang="en-US" smtClean="0"/>
-              <a:t>2023/4/12</a:t>
+              <a:t>2023/4/18</a:t>
             </a:fld>
             <a:endParaRPr kumimoji="1" lang="ja-JP" altLang="en-US"/>
           </a:p>
@@ -2042,7 +4488,7 @@
           <a:p>
             <a:fld id="{EA89FD3E-0F01-4BFE-BB42-E527571D36AC}" type="datetimeFigureOut">
               <a:rPr kumimoji="1" lang="ja-JP" altLang="en-US" smtClean="0"/>
-              <a:t>2023/4/12</a:t>
+              <a:t>2023/4/18</a:t>
             </a:fld>
             <a:endParaRPr kumimoji="1" lang="ja-JP" altLang="en-US"/>
           </a:p>
@@ -2183,7 +4629,7 @@
           <a:p>
             <a:fld id="{EA89FD3E-0F01-4BFE-BB42-E527571D36AC}" type="datetimeFigureOut">
               <a:rPr kumimoji="1" lang="ja-JP" altLang="en-US" smtClean="0"/>
-              <a:t>2023/4/12</a:t>
+              <a:t>2023/4/18</a:t>
             </a:fld>
             <a:endParaRPr kumimoji="1" lang="ja-JP" altLang="en-US"/>
           </a:p>
@@ -2296,7 +4742,7 @@
           <a:p>
             <a:fld id="{EA89FD3E-0F01-4BFE-BB42-E527571D36AC}" type="datetimeFigureOut">
               <a:rPr kumimoji="1" lang="ja-JP" altLang="en-US" smtClean="0"/>
-              <a:t>2023/4/12</a:t>
+              <a:t>2023/4/18</a:t>
             </a:fld>
             <a:endParaRPr kumimoji="1" lang="ja-JP" altLang="en-US"/>
           </a:p>
@@ -2639,7 +5085,7 @@
           <a:p>
             <a:fld id="{EA89FD3E-0F01-4BFE-BB42-E527571D36AC}" type="datetimeFigureOut">
               <a:rPr kumimoji="1" lang="ja-JP" altLang="en-US" smtClean="0"/>
-              <a:t>2023/4/12</a:t>
+              <a:t>2023/4/18</a:t>
             </a:fld>
             <a:endParaRPr kumimoji="1" lang="ja-JP" altLang="en-US"/>
           </a:p>
@@ -2927,7 +5373,7 @@
           <a:p>
             <a:fld id="{EA89FD3E-0F01-4BFE-BB42-E527571D36AC}" type="datetimeFigureOut">
               <a:rPr kumimoji="1" lang="ja-JP" altLang="en-US" smtClean="0"/>
-              <a:t>2023/4/12</a:t>
+              <a:t>2023/4/18</a:t>
             </a:fld>
             <a:endParaRPr kumimoji="1" lang="ja-JP" altLang="en-US"/>
           </a:p>
@@ -3200,7 +5646,7 @@
           <a:p>
             <a:fld id="{EA89FD3E-0F01-4BFE-BB42-E527571D36AC}" type="datetimeFigureOut">
               <a:rPr kumimoji="1" lang="ja-JP" altLang="en-US" smtClean="0"/>
-              <a:t>2023/4/12</a:t>
+              <a:t>2023/4/18</a:t>
             </a:fld>
             <a:endParaRPr kumimoji="1" lang="ja-JP" altLang="en-US"/>
           </a:p>
@@ -3645,6 +6091,26 @@
           </a:bodyPr>
           <a:lstStyle/>
           <a:p>
+            <a:r>
+              <a:rPr kumimoji="1" lang="en-US" altLang="ja-JP" dirty="0"/>
+              <a:t>(</a:t>
+            </a:r>
+            <a:r>
+              <a:rPr kumimoji="1" lang="ja-JP" altLang="en-US" dirty="0"/>
+              <a:t>仮</a:t>
+            </a:r>
+            <a:r>
+              <a:rPr kumimoji="1" lang="en-US" altLang="ja-JP" dirty="0"/>
+              <a:t>)</a:t>
+            </a:r>
+            <a:r>
+              <a:rPr lang="ja-JP" altLang="en-US" dirty="0"/>
+              <a:t>でーもん</a:t>
+            </a:r>
+            <a:r>
+              <a:rPr lang="en-US" altLang="ja-JP" dirty="0"/>
+              <a:t>Advance</a:t>
+            </a:r>
             <a:endParaRPr kumimoji="1" lang="ja-JP" altLang="en-US" dirty="0"/>
           </a:p>
         </p:txBody>
@@ -3774,7 +6240,7 @@
             </a:r>
             <a:r>
               <a:rPr lang="ja-JP" altLang="en-US" dirty="0"/>
-              <a:t>、部下であるモンスターたちがすこし</a:t>
+              <a:t>、部下であるモンスターたちがすこしづつ拠点を取り戻していく物語</a:t>
             </a:r>
             <a:endParaRPr kumimoji="1" lang="en-US" altLang="ja-JP" dirty="0"/>
           </a:p>
@@ -3945,7 +6411,7 @@
         </p:nvSpPr>
         <p:spPr>
           <a:xfrm>
-            <a:off x="838200" y="365126"/>
+            <a:off x="199893" y="263165"/>
             <a:ext cx="10515600" cy="575908"/>
           </a:xfrm>
         </p:spPr>
@@ -4033,10 +6499,4051 @@
           </a:prstGeom>
         </p:spPr>
       </p:pic>
+      <mc:AlternateContent xmlns:mc="http://schemas.openxmlformats.org/markup-compatibility/2006" xmlns:p14="http://schemas.microsoft.com/office/powerpoint/2010/main">
+        <mc:Choice Requires="p14">
+          <p:contentPart p14:bwMode="auto" r:id="rId4">
+            <p14:nvContentPartPr>
+              <p14:cNvPr id="7" name="インク 6">
+                <a:extLst>
+                  <a:ext uri="{FF2B5EF4-FFF2-40B4-BE49-F238E27FC236}">
+                    <a16:creationId xmlns:a16="http://schemas.microsoft.com/office/drawing/2014/main" id="{E02A6776-445B-4D2C-8431-836C8A591EA7}"/>
+                  </a:ext>
+                </a:extLst>
+              </p14:cNvPr>
+              <p14:cNvContentPartPr/>
+              <p14:nvPr/>
+            </p14:nvContentPartPr>
+            <p14:xfrm>
+              <a:off x="1686513" y="3834633"/>
+              <a:ext cx="360" cy="360"/>
+            </p14:xfrm>
+          </p:contentPart>
+        </mc:Choice>
+        <mc:Fallback xmlns="">
+          <p:pic>
+            <p:nvPicPr>
+              <p:cNvPr id="7" name="インク 6">
+                <a:extLst>
+                  <a:ext uri="{FF2B5EF4-FFF2-40B4-BE49-F238E27FC236}">
+                    <a16:creationId xmlns:a16="http://schemas.microsoft.com/office/drawing/2014/main" id="{E02A6776-445B-4D2C-8431-836C8A591EA7}"/>
+                  </a:ext>
+                </a:extLst>
+              </p:cNvPr>
+              <p:cNvPicPr/>
+              <p:nvPr/>
+            </p:nvPicPr>
+            <p:blipFill>
+              <a:blip r:embed="rId5"/>
+              <a:stretch>
+                <a:fillRect/>
+              </a:stretch>
+            </p:blipFill>
+            <p:spPr>
+              <a:xfrm>
+                <a:off x="1632873" y="3726633"/>
+                <a:ext cx="108000" cy="216000"/>
+              </a:xfrm>
+              <a:prstGeom prst="rect">
+                <a:avLst/>
+              </a:prstGeom>
+            </p:spPr>
+          </p:pic>
+        </mc:Fallback>
+      </mc:AlternateContent>
+      <mc:AlternateContent xmlns:mc="http://schemas.openxmlformats.org/markup-compatibility/2006" xmlns:p14="http://schemas.microsoft.com/office/powerpoint/2010/main">
+        <mc:Choice Requires="p14">
+          <p:contentPart p14:bwMode="auto" r:id="rId6">
+            <p14:nvContentPartPr>
+              <p14:cNvPr id="8" name="インク 7">
+                <a:extLst>
+                  <a:ext uri="{FF2B5EF4-FFF2-40B4-BE49-F238E27FC236}">
+                    <a16:creationId xmlns:a16="http://schemas.microsoft.com/office/drawing/2014/main" id="{5193510F-E50F-4EC5-B00D-36C37EABAEF4}"/>
+                  </a:ext>
+                </a:extLst>
+              </p14:cNvPr>
+              <p14:cNvContentPartPr/>
+              <p14:nvPr/>
+            </p14:nvContentPartPr>
+            <p14:xfrm>
+              <a:off x="1524153" y="3684873"/>
+              <a:ext cx="269640" cy="143280"/>
+            </p14:xfrm>
+          </p:contentPart>
+        </mc:Choice>
+        <mc:Fallback xmlns="">
+          <p:pic>
+            <p:nvPicPr>
+              <p:cNvPr id="8" name="インク 7">
+                <a:extLst>
+                  <a:ext uri="{FF2B5EF4-FFF2-40B4-BE49-F238E27FC236}">
+                    <a16:creationId xmlns:a16="http://schemas.microsoft.com/office/drawing/2014/main" id="{5193510F-E50F-4EC5-B00D-36C37EABAEF4}"/>
+                  </a:ext>
+                </a:extLst>
+              </p:cNvPr>
+              <p:cNvPicPr/>
+              <p:nvPr/>
+            </p:nvPicPr>
+            <p:blipFill>
+              <a:blip r:embed="rId7"/>
+              <a:stretch>
+                <a:fillRect/>
+              </a:stretch>
+            </p:blipFill>
+            <p:spPr>
+              <a:xfrm>
+                <a:off x="1470153" y="3576873"/>
+                <a:ext cx="377280" cy="358920"/>
+              </a:xfrm>
+              <a:prstGeom prst="rect">
+                <a:avLst/>
+              </a:prstGeom>
+            </p:spPr>
+          </p:pic>
+        </mc:Fallback>
+      </mc:AlternateContent>
+      <mc:AlternateContent xmlns:mc="http://schemas.openxmlformats.org/markup-compatibility/2006" xmlns:p14="http://schemas.microsoft.com/office/powerpoint/2010/main">
+        <mc:Choice Requires="p14">
+          <p:contentPart p14:bwMode="auto" r:id="rId8">
+            <p14:nvContentPartPr>
+              <p14:cNvPr id="10" name="インク 9">
+                <a:extLst>
+                  <a:ext uri="{FF2B5EF4-FFF2-40B4-BE49-F238E27FC236}">
+                    <a16:creationId xmlns:a16="http://schemas.microsoft.com/office/drawing/2014/main" id="{F37AE29E-356D-428D-81BB-EBE568577F58}"/>
+                  </a:ext>
+                </a:extLst>
+              </p14:cNvPr>
+              <p14:cNvContentPartPr/>
+              <p14:nvPr/>
+            </p14:nvContentPartPr>
+            <p14:xfrm>
+              <a:off x="1805313" y="3402633"/>
+              <a:ext cx="227880" cy="148320"/>
+            </p14:xfrm>
+          </p:contentPart>
+        </mc:Choice>
+        <mc:Fallback xmlns="">
+          <p:pic>
+            <p:nvPicPr>
+              <p:cNvPr id="10" name="インク 9">
+                <a:extLst>
+                  <a:ext uri="{FF2B5EF4-FFF2-40B4-BE49-F238E27FC236}">
+                    <a16:creationId xmlns:a16="http://schemas.microsoft.com/office/drawing/2014/main" id="{F37AE29E-356D-428D-81BB-EBE568577F58}"/>
+                  </a:ext>
+                </a:extLst>
+              </p:cNvPr>
+              <p:cNvPicPr/>
+              <p:nvPr/>
+            </p:nvPicPr>
+            <p:blipFill>
+              <a:blip r:embed="rId9"/>
+              <a:stretch>
+                <a:fillRect/>
+              </a:stretch>
+            </p:blipFill>
+            <p:spPr>
+              <a:xfrm>
+                <a:off x="1751313" y="3294633"/>
+                <a:ext cx="335520" cy="363960"/>
+              </a:xfrm>
+              <a:prstGeom prst="rect">
+                <a:avLst/>
+              </a:prstGeom>
+            </p:spPr>
+          </p:pic>
+        </mc:Fallback>
+      </mc:AlternateContent>
+      <mc:AlternateContent xmlns:mc="http://schemas.openxmlformats.org/markup-compatibility/2006" xmlns:p14="http://schemas.microsoft.com/office/powerpoint/2010/main">
+        <mc:Choice Requires="p14">
+          <p:contentPart p14:bwMode="auto" r:id="rId10">
+            <p14:nvContentPartPr>
+              <p14:cNvPr id="13" name="インク 12">
+                <a:extLst>
+                  <a:ext uri="{FF2B5EF4-FFF2-40B4-BE49-F238E27FC236}">
+                    <a16:creationId xmlns:a16="http://schemas.microsoft.com/office/drawing/2014/main" id="{4230C164-5723-47D2-B755-0E497B26A218}"/>
+                  </a:ext>
+                </a:extLst>
+              </p14:cNvPr>
+              <p14:cNvContentPartPr/>
+              <p14:nvPr/>
+            </p14:nvContentPartPr>
+            <p14:xfrm>
+              <a:off x="1890633" y="3726633"/>
+              <a:ext cx="249480" cy="197640"/>
+            </p14:xfrm>
+          </p:contentPart>
+        </mc:Choice>
+        <mc:Fallback xmlns="">
+          <p:pic>
+            <p:nvPicPr>
+              <p:cNvPr id="13" name="インク 12">
+                <a:extLst>
+                  <a:ext uri="{FF2B5EF4-FFF2-40B4-BE49-F238E27FC236}">
+                    <a16:creationId xmlns:a16="http://schemas.microsoft.com/office/drawing/2014/main" id="{4230C164-5723-47D2-B755-0E497B26A218}"/>
+                  </a:ext>
+                </a:extLst>
+              </p:cNvPr>
+              <p:cNvPicPr/>
+              <p:nvPr/>
+            </p:nvPicPr>
+            <p:blipFill>
+              <a:blip r:embed="rId11"/>
+              <a:stretch>
+                <a:fillRect/>
+              </a:stretch>
+            </p:blipFill>
+            <p:spPr>
+              <a:xfrm>
+                <a:off x="1836993" y="3618993"/>
+                <a:ext cx="357120" cy="413280"/>
+              </a:xfrm>
+              <a:prstGeom prst="rect">
+                <a:avLst/>
+              </a:prstGeom>
+            </p:spPr>
+          </p:pic>
+        </mc:Fallback>
+      </mc:AlternateContent>
+      <mc:AlternateContent xmlns:mc="http://schemas.openxmlformats.org/markup-compatibility/2006" xmlns:p14="http://schemas.microsoft.com/office/powerpoint/2010/main">
+        <mc:Choice Requires="p14">
+          <p:contentPart p14:bwMode="auto" r:id="rId12">
+            <p14:nvContentPartPr>
+              <p14:cNvPr id="14" name="インク 13">
+                <a:extLst>
+                  <a:ext uri="{FF2B5EF4-FFF2-40B4-BE49-F238E27FC236}">
+                    <a16:creationId xmlns:a16="http://schemas.microsoft.com/office/drawing/2014/main" id="{0ACCEA17-874A-488E-83E3-0D2FF8D6177C}"/>
+                  </a:ext>
+                </a:extLst>
+              </p14:cNvPr>
+              <p14:cNvContentPartPr/>
+              <p14:nvPr/>
+            </p14:nvContentPartPr>
+            <p14:xfrm>
+              <a:off x="2201313" y="3729873"/>
+              <a:ext cx="277920" cy="176400"/>
+            </p14:xfrm>
+          </p:contentPart>
+        </mc:Choice>
+        <mc:Fallback xmlns="">
+          <p:pic>
+            <p:nvPicPr>
+              <p:cNvPr id="14" name="インク 13">
+                <a:extLst>
+                  <a:ext uri="{FF2B5EF4-FFF2-40B4-BE49-F238E27FC236}">
+                    <a16:creationId xmlns:a16="http://schemas.microsoft.com/office/drawing/2014/main" id="{0ACCEA17-874A-488E-83E3-0D2FF8D6177C}"/>
+                  </a:ext>
+                </a:extLst>
+              </p:cNvPr>
+              <p:cNvPicPr/>
+              <p:nvPr/>
+            </p:nvPicPr>
+            <p:blipFill>
+              <a:blip r:embed="rId13"/>
+              <a:stretch>
+                <a:fillRect/>
+              </a:stretch>
+            </p:blipFill>
+            <p:spPr>
+              <a:xfrm>
+                <a:off x="2147313" y="3621873"/>
+                <a:ext cx="385560" cy="392040"/>
+              </a:xfrm>
+              <a:prstGeom prst="rect">
+                <a:avLst/>
+              </a:prstGeom>
+            </p:spPr>
+          </p:pic>
+        </mc:Fallback>
+      </mc:AlternateContent>
+      <mc:AlternateContent xmlns:mc="http://schemas.openxmlformats.org/markup-compatibility/2006" xmlns:p14="http://schemas.microsoft.com/office/powerpoint/2010/main">
+        <mc:Choice Requires="p14">
+          <p:contentPart p14:bwMode="auto" r:id="rId14">
+            <p14:nvContentPartPr>
+              <p14:cNvPr id="16" name="インク 15">
+                <a:extLst>
+                  <a:ext uri="{FF2B5EF4-FFF2-40B4-BE49-F238E27FC236}">
+                    <a16:creationId xmlns:a16="http://schemas.microsoft.com/office/drawing/2014/main" id="{E882083E-EFF9-464B-94C6-9C387F66133C}"/>
+                  </a:ext>
+                </a:extLst>
+              </p14:cNvPr>
+              <p14:cNvContentPartPr/>
+              <p14:nvPr/>
+            </p14:nvContentPartPr>
+            <p14:xfrm>
+              <a:off x="3000153" y="4436553"/>
+              <a:ext cx="1084320" cy="146520"/>
+            </p14:xfrm>
+          </p:contentPart>
+        </mc:Choice>
+        <mc:Fallback xmlns="">
+          <p:pic>
+            <p:nvPicPr>
+              <p:cNvPr id="16" name="インク 15">
+                <a:extLst>
+                  <a:ext uri="{FF2B5EF4-FFF2-40B4-BE49-F238E27FC236}">
+                    <a16:creationId xmlns:a16="http://schemas.microsoft.com/office/drawing/2014/main" id="{E882083E-EFF9-464B-94C6-9C387F66133C}"/>
+                  </a:ext>
+                </a:extLst>
+              </p:cNvPr>
+              <p:cNvPicPr/>
+              <p:nvPr/>
+            </p:nvPicPr>
+            <p:blipFill>
+              <a:blip r:embed="rId17"/>
+              <a:stretch>
+                <a:fillRect/>
+              </a:stretch>
+            </p:blipFill>
+            <p:spPr>
+              <a:xfrm>
+                <a:off x="2946513" y="4328913"/>
+                <a:ext cx="1191960" cy="362160"/>
+              </a:xfrm>
+              <a:prstGeom prst="rect">
+                <a:avLst/>
+              </a:prstGeom>
+            </p:spPr>
+          </p:pic>
+        </mc:Fallback>
+      </mc:AlternateContent>
+      <mc:AlternateContent xmlns:mc="http://schemas.openxmlformats.org/markup-compatibility/2006" xmlns:p14="http://schemas.microsoft.com/office/powerpoint/2010/main">
+        <mc:Choice Requires="p14">
+          <p:contentPart p14:bwMode="auto" r:id="rId18">
+            <p14:nvContentPartPr>
+              <p14:cNvPr id="66" name="インク 65">
+                <a:extLst>
+                  <a:ext uri="{FF2B5EF4-FFF2-40B4-BE49-F238E27FC236}">
+                    <a16:creationId xmlns:a16="http://schemas.microsoft.com/office/drawing/2014/main" id="{4919A50A-42D1-456B-A1BD-6A7577AEFEBD}"/>
+                  </a:ext>
+                </a:extLst>
+              </p14:cNvPr>
+              <p14:cNvContentPartPr/>
+              <p14:nvPr/>
+            </p14:nvContentPartPr>
+            <p14:xfrm>
+              <a:off x="10977393" y="4374993"/>
+              <a:ext cx="175320" cy="101880"/>
+            </p14:xfrm>
+          </p:contentPart>
+        </mc:Choice>
+        <mc:Fallback xmlns="">
+          <p:pic>
+            <p:nvPicPr>
+              <p:cNvPr id="66" name="インク 65">
+                <a:extLst>
+                  <a:ext uri="{FF2B5EF4-FFF2-40B4-BE49-F238E27FC236}">
+                    <a16:creationId xmlns:a16="http://schemas.microsoft.com/office/drawing/2014/main" id="{4919A50A-42D1-456B-A1BD-6A7577AEFEBD}"/>
+                  </a:ext>
+                </a:extLst>
+              </p:cNvPr>
+              <p:cNvPicPr/>
+              <p:nvPr/>
+            </p:nvPicPr>
+            <p:blipFill>
+              <a:blip r:embed="rId19"/>
+              <a:stretch>
+                <a:fillRect/>
+              </a:stretch>
+            </p:blipFill>
+            <p:spPr>
+              <a:xfrm>
+                <a:off x="10923393" y="4267353"/>
+                <a:ext cx="282960" cy="317520"/>
+              </a:xfrm>
+              <a:prstGeom prst="rect">
+                <a:avLst/>
+              </a:prstGeom>
+            </p:spPr>
+          </p:pic>
+        </mc:Fallback>
+      </mc:AlternateContent>
+      <mc:AlternateContent xmlns:mc="http://schemas.openxmlformats.org/markup-compatibility/2006" xmlns:p14="http://schemas.microsoft.com/office/powerpoint/2010/main">
+        <mc:Choice Requires="p14">
+          <p:contentPart p14:bwMode="auto" r:id="rId20">
+            <p14:nvContentPartPr>
+              <p14:cNvPr id="65" name="インク 64">
+                <a:extLst>
+                  <a:ext uri="{FF2B5EF4-FFF2-40B4-BE49-F238E27FC236}">
+                    <a16:creationId xmlns:a16="http://schemas.microsoft.com/office/drawing/2014/main" id="{17FA8B78-5308-483C-AB73-5EB3DC0F2B96}"/>
+                  </a:ext>
+                </a:extLst>
+              </p14:cNvPr>
+              <p14:cNvContentPartPr/>
+              <p14:nvPr/>
+            </p14:nvContentPartPr>
+            <p14:xfrm>
+              <a:off x="10989993" y="4202553"/>
+              <a:ext cx="216000" cy="318960"/>
+            </p14:xfrm>
+          </p:contentPart>
+        </mc:Choice>
+        <mc:Fallback xmlns="">
+          <p:pic>
+            <p:nvPicPr>
+              <p:cNvPr id="65" name="インク 64">
+                <a:extLst>
+                  <a:ext uri="{FF2B5EF4-FFF2-40B4-BE49-F238E27FC236}">
+                    <a16:creationId xmlns:a16="http://schemas.microsoft.com/office/drawing/2014/main" id="{17FA8B78-5308-483C-AB73-5EB3DC0F2B96}"/>
+                  </a:ext>
+                </a:extLst>
+              </p:cNvPr>
+              <p:cNvPicPr/>
+              <p:nvPr/>
+            </p:nvPicPr>
+            <p:blipFill>
+              <a:blip r:embed="rId21"/>
+              <a:stretch>
+                <a:fillRect/>
+              </a:stretch>
+            </p:blipFill>
+            <p:spPr>
+              <a:xfrm>
+                <a:off x="10936353" y="4094913"/>
+                <a:ext cx="323640" cy="534600"/>
+              </a:xfrm>
+              <a:prstGeom prst="rect">
+                <a:avLst/>
+              </a:prstGeom>
+            </p:spPr>
+          </p:pic>
+        </mc:Fallback>
+      </mc:AlternateContent>
+      <mc:AlternateContent xmlns:mc="http://schemas.openxmlformats.org/markup-compatibility/2006" xmlns:p14="http://schemas.microsoft.com/office/powerpoint/2010/main">
+        <mc:Choice Requires="p14">
+          <p:contentPart p14:bwMode="auto" r:id="rId22">
+            <p14:nvContentPartPr>
+              <p14:cNvPr id="64" name="インク 63">
+                <a:extLst>
+                  <a:ext uri="{FF2B5EF4-FFF2-40B4-BE49-F238E27FC236}">
+                    <a16:creationId xmlns:a16="http://schemas.microsoft.com/office/drawing/2014/main" id="{3CA2038F-E37F-4F61-9D6D-31376FBE3F2F}"/>
+                  </a:ext>
+                </a:extLst>
+              </p14:cNvPr>
+              <p14:cNvContentPartPr/>
+              <p14:nvPr/>
+            </p14:nvContentPartPr>
+            <p14:xfrm>
+              <a:off x="10929873" y="4556793"/>
+              <a:ext cx="36360" cy="53640"/>
+            </p14:xfrm>
+          </p:contentPart>
+        </mc:Choice>
+        <mc:Fallback xmlns="">
+          <p:pic>
+            <p:nvPicPr>
+              <p:cNvPr id="64" name="インク 63">
+                <a:extLst>
+                  <a:ext uri="{FF2B5EF4-FFF2-40B4-BE49-F238E27FC236}">
+                    <a16:creationId xmlns:a16="http://schemas.microsoft.com/office/drawing/2014/main" id="{3CA2038F-E37F-4F61-9D6D-31376FBE3F2F}"/>
+                  </a:ext>
+                </a:extLst>
+              </p:cNvPr>
+              <p:cNvPicPr/>
+              <p:nvPr/>
+            </p:nvPicPr>
+            <p:blipFill>
+              <a:blip r:embed="rId23"/>
+              <a:stretch>
+                <a:fillRect/>
+              </a:stretch>
+            </p:blipFill>
+            <p:spPr>
+              <a:xfrm>
+                <a:off x="10876233" y="4448793"/>
+                <a:ext cx="144000" cy="269280"/>
+              </a:xfrm>
+              <a:prstGeom prst="rect">
+                <a:avLst/>
+              </a:prstGeom>
+            </p:spPr>
+          </p:pic>
+        </mc:Fallback>
+      </mc:AlternateContent>
+      <mc:AlternateContent xmlns:mc="http://schemas.openxmlformats.org/markup-compatibility/2006" xmlns:p14="http://schemas.microsoft.com/office/powerpoint/2010/main">
+        <mc:Choice Requires="p14">
+          <p:contentPart p14:bwMode="auto" r:id="rId24">
+            <p14:nvContentPartPr>
+              <p14:cNvPr id="63" name="インク 62">
+                <a:extLst>
+                  <a:ext uri="{FF2B5EF4-FFF2-40B4-BE49-F238E27FC236}">
+                    <a16:creationId xmlns:a16="http://schemas.microsoft.com/office/drawing/2014/main" id="{8861B0AF-F626-4311-B002-6CC2E1FDF970}"/>
+                  </a:ext>
+                </a:extLst>
+              </p14:cNvPr>
+              <p14:cNvContentPartPr/>
+              <p14:nvPr/>
+            </p14:nvContentPartPr>
+            <p14:xfrm>
+              <a:off x="10776153" y="3962433"/>
+              <a:ext cx="430200" cy="756360"/>
+            </p14:xfrm>
+          </p:contentPart>
+        </mc:Choice>
+        <mc:Fallback xmlns="">
+          <p:pic>
+            <p:nvPicPr>
+              <p:cNvPr id="63" name="インク 62">
+                <a:extLst>
+                  <a:ext uri="{FF2B5EF4-FFF2-40B4-BE49-F238E27FC236}">
+                    <a16:creationId xmlns:a16="http://schemas.microsoft.com/office/drawing/2014/main" id="{8861B0AF-F626-4311-B002-6CC2E1FDF970}"/>
+                  </a:ext>
+                </a:extLst>
+              </p:cNvPr>
+              <p:cNvPicPr/>
+              <p:nvPr/>
+            </p:nvPicPr>
+            <p:blipFill>
+              <a:blip r:embed="rId25"/>
+              <a:stretch>
+                <a:fillRect/>
+              </a:stretch>
+            </p:blipFill>
+            <p:spPr>
+              <a:xfrm>
+                <a:off x="10722153" y="3854793"/>
+                <a:ext cx="537840" cy="972000"/>
+              </a:xfrm>
+              <a:prstGeom prst="rect">
+                <a:avLst/>
+              </a:prstGeom>
+            </p:spPr>
+          </p:pic>
+        </mc:Fallback>
+      </mc:AlternateContent>
+      <mc:AlternateContent xmlns:mc="http://schemas.openxmlformats.org/markup-compatibility/2006" xmlns:p14="http://schemas.microsoft.com/office/powerpoint/2010/main">
+        <mc:Choice Requires="p14">
+          <p:contentPart p14:bwMode="auto" r:id="rId26">
+            <p14:nvContentPartPr>
+              <p14:cNvPr id="62" name="インク 61">
+                <a:extLst>
+                  <a:ext uri="{FF2B5EF4-FFF2-40B4-BE49-F238E27FC236}">
+                    <a16:creationId xmlns:a16="http://schemas.microsoft.com/office/drawing/2014/main" id="{76C6052F-0434-449A-A3B4-C273978F143F}"/>
+                  </a:ext>
+                </a:extLst>
+              </p14:cNvPr>
+              <p14:cNvContentPartPr/>
+              <p14:nvPr/>
+            </p14:nvContentPartPr>
+            <p14:xfrm>
+              <a:off x="10731153" y="3950193"/>
+              <a:ext cx="475200" cy="775080"/>
+            </p14:xfrm>
+          </p:contentPart>
+        </mc:Choice>
+        <mc:Fallback xmlns="">
+          <p:pic>
+            <p:nvPicPr>
+              <p:cNvPr id="62" name="インク 61">
+                <a:extLst>
+                  <a:ext uri="{FF2B5EF4-FFF2-40B4-BE49-F238E27FC236}">
+                    <a16:creationId xmlns:a16="http://schemas.microsoft.com/office/drawing/2014/main" id="{76C6052F-0434-449A-A3B4-C273978F143F}"/>
+                  </a:ext>
+                </a:extLst>
+              </p:cNvPr>
+              <p:cNvPicPr/>
+              <p:nvPr/>
+            </p:nvPicPr>
+            <p:blipFill>
+              <a:blip r:embed="rId27"/>
+              <a:stretch>
+                <a:fillRect/>
+              </a:stretch>
+            </p:blipFill>
+            <p:spPr>
+              <a:xfrm>
+                <a:off x="10677153" y="3842553"/>
+                <a:ext cx="582840" cy="990720"/>
+              </a:xfrm>
+              <a:prstGeom prst="rect">
+                <a:avLst/>
+              </a:prstGeom>
+            </p:spPr>
+          </p:pic>
+        </mc:Fallback>
+      </mc:AlternateContent>
+      <mc:AlternateContent xmlns:mc="http://schemas.openxmlformats.org/markup-compatibility/2006" xmlns:p14="http://schemas.microsoft.com/office/powerpoint/2010/main">
+        <mc:Choice Requires="p14">
+          <p:contentPart p14:bwMode="auto" r:id="rId28">
+            <p14:nvContentPartPr>
+              <p14:cNvPr id="61" name="インク 60">
+                <a:extLst>
+                  <a:ext uri="{FF2B5EF4-FFF2-40B4-BE49-F238E27FC236}">
+                    <a16:creationId xmlns:a16="http://schemas.microsoft.com/office/drawing/2014/main" id="{3813DA16-E7FF-432B-8220-AAF64B92BAB8}"/>
+                  </a:ext>
+                </a:extLst>
+              </p14:cNvPr>
+              <p14:cNvContentPartPr/>
+              <p14:nvPr/>
+            </p14:nvContentPartPr>
+            <p14:xfrm>
+              <a:off x="10695153" y="3793953"/>
+              <a:ext cx="510840" cy="931320"/>
+            </p14:xfrm>
+          </p:contentPart>
+        </mc:Choice>
+        <mc:Fallback xmlns="">
+          <p:pic>
+            <p:nvPicPr>
+              <p:cNvPr id="61" name="インク 60">
+                <a:extLst>
+                  <a:ext uri="{FF2B5EF4-FFF2-40B4-BE49-F238E27FC236}">
+                    <a16:creationId xmlns:a16="http://schemas.microsoft.com/office/drawing/2014/main" id="{3813DA16-E7FF-432B-8220-AAF64B92BAB8}"/>
+                  </a:ext>
+                </a:extLst>
+              </p:cNvPr>
+              <p:cNvPicPr/>
+              <p:nvPr/>
+            </p:nvPicPr>
+            <p:blipFill>
+              <a:blip r:embed="rId29"/>
+              <a:stretch>
+                <a:fillRect/>
+              </a:stretch>
+            </p:blipFill>
+            <p:spPr>
+              <a:xfrm>
+                <a:off x="10641513" y="3686313"/>
+                <a:ext cx="618480" cy="1146960"/>
+              </a:xfrm>
+              <a:prstGeom prst="rect">
+                <a:avLst/>
+              </a:prstGeom>
+            </p:spPr>
+          </p:pic>
+        </mc:Fallback>
+      </mc:AlternateContent>
+      <mc:AlternateContent xmlns:mc="http://schemas.openxmlformats.org/markup-compatibility/2006" xmlns:p14="http://schemas.microsoft.com/office/powerpoint/2010/main">
+        <mc:Choice Requires="p14">
+          <p:contentPart p14:bwMode="auto" r:id="rId30">
+            <p14:nvContentPartPr>
+              <p14:cNvPr id="60" name="インク 59">
+                <a:extLst>
+                  <a:ext uri="{FF2B5EF4-FFF2-40B4-BE49-F238E27FC236}">
+                    <a16:creationId xmlns:a16="http://schemas.microsoft.com/office/drawing/2014/main" id="{63E4536E-A70E-46B6-BD76-C2AF54B0BABE}"/>
+                  </a:ext>
+                </a:extLst>
+              </p14:cNvPr>
+              <p14:cNvContentPartPr/>
+              <p14:nvPr/>
+            </p14:nvContentPartPr>
+            <p14:xfrm>
+              <a:off x="11221473" y="3692793"/>
+              <a:ext cx="2160" cy="3240"/>
+            </p14:xfrm>
+          </p:contentPart>
+        </mc:Choice>
+        <mc:Fallback xmlns="">
+          <p:pic>
+            <p:nvPicPr>
+              <p:cNvPr id="60" name="インク 59">
+                <a:extLst>
+                  <a:ext uri="{FF2B5EF4-FFF2-40B4-BE49-F238E27FC236}">
+                    <a16:creationId xmlns:a16="http://schemas.microsoft.com/office/drawing/2014/main" id="{63E4536E-A70E-46B6-BD76-C2AF54B0BABE}"/>
+                  </a:ext>
+                </a:extLst>
+              </p:cNvPr>
+              <p:cNvPicPr/>
+              <p:nvPr/>
+            </p:nvPicPr>
+            <p:blipFill>
+              <a:blip r:embed="rId31"/>
+              <a:stretch>
+                <a:fillRect/>
+              </a:stretch>
+            </p:blipFill>
+            <p:spPr>
+              <a:xfrm>
+                <a:off x="11167833" y="3585153"/>
+                <a:ext cx="109800" cy="218880"/>
+              </a:xfrm>
+              <a:prstGeom prst="rect">
+                <a:avLst/>
+              </a:prstGeom>
+            </p:spPr>
+          </p:pic>
+        </mc:Fallback>
+      </mc:AlternateContent>
+      <mc:AlternateContent xmlns:mc="http://schemas.openxmlformats.org/markup-compatibility/2006" xmlns:p14="http://schemas.microsoft.com/office/powerpoint/2010/main">
+        <mc:Choice Requires="p14">
+          <p:contentPart p14:bwMode="auto" r:id="rId32">
+            <p14:nvContentPartPr>
+              <p14:cNvPr id="59" name="インク 58">
+                <a:extLst>
+                  <a:ext uri="{FF2B5EF4-FFF2-40B4-BE49-F238E27FC236}">
+                    <a16:creationId xmlns:a16="http://schemas.microsoft.com/office/drawing/2014/main" id="{27F12D7E-7FB6-460F-ADEE-86937897F853}"/>
+                  </a:ext>
+                </a:extLst>
+              </p14:cNvPr>
+              <p14:cNvContentPartPr/>
+              <p14:nvPr/>
+            </p14:nvContentPartPr>
+            <p14:xfrm>
+              <a:off x="10519833" y="3717633"/>
+              <a:ext cx="686520" cy="990360"/>
+            </p14:xfrm>
+          </p:contentPart>
+        </mc:Choice>
+        <mc:Fallback xmlns="">
+          <p:pic>
+            <p:nvPicPr>
+              <p:cNvPr id="59" name="インク 58">
+                <a:extLst>
+                  <a:ext uri="{FF2B5EF4-FFF2-40B4-BE49-F238E27FC236}">
+                    <a16:creationId xmlns:a16="http://schemas.microsoft.com/office/drawing/2014/main" id="{27F12D7E-7FB6-460F-ADEE-86937897F853}"/>
+                  </a:ext>
+                </a:extLst>
+              </p:cNvPr>
+              <p:cNvPicPr/>
+              <p:nvPr/>
+            </p:nvPicPr>
+            <p:blipFill>
+              <a:blip r:embed="rId33"/>
+              <a:stretch>
+                <a:fillRect/>
+              </a:stretch>
+            </p:blipFill>
+            <p:spPr>
+              <a:xfrm>
+                <a:off x="10465833" y="3609633"/>
+                <a:ext cx="794160" cy="1206000"/>
+              </a:xfrm>
+              <a:prstGeom prst="rect">
+                <a:avLst/>
+              </a:prstGeom>
+            </p:spPr>
+          </p:pic>
+        </mc:Fallback>
+      </mc:AlternateContent>
+      <mc:AlternateContent xmlns:mc="http://schemas.openxmlformats.org/markup-compatibility/2006" xmlns:p14="http://schemas.microsoft.com/office/powerpoint/2010/main">
+        <mc:Choice Requires="p14">
+          <p:contentPart p14:bwMode="auto" r:id="rId34">
+            <p14:nvContentPartPr>
+              <p14:cNvPr id="58" name="インク 57">
+                <a:extLst>
+                  <a:ext uri="{FF2B5EF4-FFF2-40B4-BE49-F238E27FC236}">
+                    <a16:creationId xmlns:a16="http://schemas.microsoft.com/office/drawing/2014/main" id="{27A56DBF-B62C-499B-B666-647B5785789F}"/>
+                  </a:ext>
+                </a:extLst>
+              </p14:cNvPr>
+              <p14:cNvContentPartPr/>
+              <p14:nvPr/>
+            </p14:nvContentPartPr>
+            <p14:xfrm>
+              <a:off x="10527393" y="3699993"/>
+              <a:ext cx="678960" cy="1007640"/>
+            </p14:xfrm>
+          </p:contentPart>
+        </mc:Choice>
+        <mc:Fallback xmlns="">
+          <p:pic>
+            <p:nvPicPr>
+              <p:cNvPr id="58" name="インク 57">
+                <a:extLst>
+                  <a:ext uri="{FF2B5EF4-FFF2-40B4-BE49-F238E27FC236}">
+                    <a16:creationId xmlns:a16="http://schemas.microsoft.com/office/drawing/2014/main" id="{27A56DBF-B62C-499B-B666-647B5785789F}"/>
+                  </a:ext>
+                </a:extLst>
+              </p:cNvPr>
+              <p:cNvPicPr/>
+              <p:nvPr/>
+            </p:nvPicPr>
+            <p:blipFill>
+              <a:blip r:embed="rId35"/>
+              <a:stretch>
+                <a:fillRect/>
+              </a:stretch>
+            </p:blipFill>
+            <p:spPr>
+              <a:xfrm>
+                <a:off x="10473393" y="3592353"/>
+                <a:ext cx="786600" cy="1223280"/>
+              </a:xfrm>
+              <a:prstGeom prst="rect">
+                <a:avLst/>
+              </a:prstGeom>
+            </p:spPr>
+          </p:pic>
+        </mc:Fallback>
+      </mc:AlternateContent>
+      <mc:AlternateContent xmlns:mc="http://schemas.openxmlformats.org/markup-compatibility/2006" xmlns:p14="http://schemas.microsoft.com/office/powerpoint/2010/main">
+        <mc:Choice Requires="p14">
+          <p:contentPart p14:bwMode="auto" r:id="rId36">
+            <p14:nvContentPartPr>
+              <p14:cNvPr id="57" name="インク 56">
+                <a:extLst>
+                  <a:ext uri="{FF2B5EF4-FFF2-40B4-BE49-F238E27FC236}">
+                    <a16:creationId xmlns:a16="http://schemas.microsoft.com/office/drawing/2014/main" id="{E1374F10-33AD-4CC3-8FC0-EF6578459229}"/>
+                  </a:ext>
+                </a:extLst>
+              </p14:cNvPr>
+              <p14:cNvContentPartPr/>
+              <p14:nvPr/>
+            </p14:nvContentPartPr>
+            <p14:xfrm>
+              <a:off x="11209233" y="3674073"/>
+              <a:ext cx="14760" cy="21600"/>
+            </p14:xfrm>
+          </p:contentPart>
+        </mc:Choice>
+        <mc:Fallback xmlns="">
+          <p:pic>
+            <p:nvPicPr>
+              <p:cNvPr id="57" name="インク 56">
+                <a:extLst>
+                  <a:ext uri="{FF2B5EF4-FFF2-40B4-BE49-F238E27FC236}">
+                    <a16:creationId xmlns:a16="http://schemas.microsoft.com/office/drawing/2014/main" id="{E1374F10-33AD-4CC3-8FC0-EF6578459229}"/>
+                  </a:ext>
+                </a:extLst>
+              </p:cNvPr>
+              <p:cNvPicPr/>
+              <p:nvPr/>
+            </p:nvPicPr>
+            <p:blipFill>
+              <a:blip r:embed="rId37"/>
+              <a:stretch>
+                <a:fillRect/>
+              </a:stretch>
+            </p:blipFill>
+            <p:spPr>
+              <a:xfrm>
+                <a:off x="11155233" y="3566433"/>
+                <a:ext cx="122400" cy="237240"/>
+              </a:xfrm>
+              <a:prstGeom prst="rect">
+                <a:avLst/>
+              </a:prstGeom>
+            </p:spPr>
+          </p:pic>
+        </mc:Fallback>
+      </mc:AlternateContent>
+      <mc:AlternateContent xmlns:mc="http://schemas.openxmlformats.org/markup-compatibility/2006" xmlns:p14="http://schemas.microsoft.com/office/powerpoint/2010/main">
+        <mc:Choice Requires="p14">
+          <p:contentPart p14:bwMode="auto" r:id="rId38">
+            <p14:nvContentPartPr>
+              <p14:cNvPr id="56" name="インク 55">
+                <a:extLst>
+                  <a:ext uri="{FF2B5EF4-FFF2-40B4-BE49-F238E27FC236}">
+                    <a16:creationId xmlns:a16="http://schemas.microsoft.com/office/drawing/2014/main" id="{FBC9A63A-87F4-44BE-AE45-6798EB797B93}"/>
+                  </a:ext>
+                </a:extLst>
+              </p14:cNvPr>
+              <p14:cNvContentPartPr/>
+              <p14:nvPr/>
+            </p14:nvContentPartPr>
+            <p14:xfrm>
+              <a:off x="10389153" y="3633753"/>
+              <a:ext cx="834840" cy="1073880"/>
+            </p14:xfrm>
+          </p:contentPart>
+        </mc:Choice>
+        <mc:Fallback xmlns="">
+          <p:pic>
+            <p:nvPicPr>
+              <p:cNvPr id="56" name="インク 55">
+                <a:extLst>
+                  <a:ext uri="{FF2B5EF4-FFF2-40B4-BE49-F238E27FC236}">
+                    <a16:creationId xmlns:a16="http://schemas.microsoft.com/office/drawing/2014/main" id="{FBC9A63A-87F4-44BE-AE45-6798EB797B93}"/>
+                  </a:ext>
+                </a:extLst>
+              </p:cNvPr>
+              <p:cNvPicPr/>
+              <p:nvPr/>
+            </p:nvPicPr>
+            <p:blipFill>
+              <a:blip r:embed="rId39"/>
+              <a:stretch>
+                <a:fillRect/>
+              </a:stretch>
+            </p:blipFill>
+            <p:spPr>
+              <a:xfrm>
+                <a:off x="10335153" y="3526113"/>
+                <a:ext cx="942480" cy="1289520"/>
+              </a:xfrm>
+              <a:prstGeom prst="rect">
+                <a:avLst/>
+              </a:prstGeom>
+            </p:spPr>
+          </p:pic>
+        </mc:Fallback>
+      </mc:AlternateContent>
+      <mc:AlternateContent xmlns:mc="http://schemas.openxmlformats.org/markup-compatibility/2006" xmlns:p14="http://schemas.microsoft.com/office/powerpoint/2010/main">
+        <mc:Choice Requires="p14">
+          <p:contentPart p14:bwMode="auto" r:id="rId40">
+            <p14:nvContentPartPr>
+              <p14:cNvPr id="55" name="インク 54">
+                <a:extLst>
+                  <a:ext uri="{FF2B5EF4-FFF2-40B4-BE49-F238E27FC236}">
+                    <a16:creationId xmlns:a16="http://schemas.microsoft.com/office/drawing/2014/main" id="{E14C420B-A087-490E-953A-82E5778155F3}"/>
+                  </a:ext>
+                </a:extLst>
+              </p14:cNvPr>
+              <p14:cNvContentPartPr/>
+              <p14:nvPr/>
+            </p14:nvContentPartPr>
+            <p14:xfrm>
+              <a:off x="10389153" y="3281313"/>
+              <a:ext cx="897120" cy="1426680"/>
+            </p14:xfrm>
+          </p:contentPart>
+        </mc:Choice>
+        <mc:Fallback xmlns="">
+          <p:pic>
+            <p:nvPicPr>
+              <p:cNvPr id="55" name="インク 54">
+                <a:extLst>
+                  <a:ext uri="{FF2B5EF4-FFF2-40B4-BE49-F238E27FC236}">
+                    <a16:creationId xmlns:a16="http://schemas.microsoft.com/office/drawing/2014/main" id="{E14C420B-A087-490E-953A-82E5778155F3}"/>
+                  </a:ext>
+                </a:extLst>
+              </p:cNvPr>
+              <p:cNvPicPr/>
+              <p:nvPr/>
+            </p:nvPicPr>
+            <p:blipFill>
+              <a:blip r:embed="rId41"/>
+              <a:stretch>
+                <a:fillRect/>
+              </a:stretch>
+            </p:blipFill>
+            <p:spPr>
+              <a:xfrm>
+                <a:off x="10335153" y="3173313"/>
+                <a:ext cx="1004760" cy="1642320"/>
+              </a:xfrm>
+              <a:prstGeom prst="rect">
+                <a:avLst/>
+              </a:prstGeom>
+            </p:spPr>
+          </p:pic>
+        </mc:Fallback>
+      </mc:AlternateContent>
+      <mc:AlternateContent xmlns:mc="http://schemas.openxmlformats.org/markup-compatibility/2006" xmlns:p14="http://schemas.microsoft.com/office/powerpoint/2010/main">
+        <mc:Choice Requires="p14">
+          <p:contentPart p14:bwMode="auto" r:id="rId42">
+            <p14:nvContentPartPr>
+              <p14:cNvPr id="54" name="インク 53">
+                <a:extLst>
+                  <a:ext uri="{FF2B5EF4-FFF2-40B4-BE49-F238E27FC236}">
+                    <a16:creationId xmlns:a16="http://schemas.microsoft.com/office/drawing/2014/main" id="{CEC980A0-47D0-4A42-A154-3EE3B763C83C}"/>
+                  </a:ext>
+                </a:extLst>
+              </p14:cNvPr>
+              <p14:cNvContentPartPr/>
+              <p14:nvPr/>
+            </p14:nvContentPartPr>
+            <p14:xfrm>
+              <a:off x="11287713" y="3240633"/>
+              <a:ext cx="24840" cy="37800"/>
+            </p14:xfrm>
+          </p:contentPart>
+        </mc:Choice>
+        <mc:Fallback xmlns="">
+          <p:pic>
+            <p:nvPicPr>
+              <p:cNvPr id="54" name="インク 53">
+                <a:extLst>
+                  <a:ext uri="{FF2B5EF4-FFF2-40B4-BE49-F238E27FC236}">
+                    <a16:creationId xmlns:a16="http://schemas.microsoft.com/office/drawing/2014/main" id="{CEC980A0-47D0-4A42-A154-3EE3B763C83C}"/>
+                  </a:ext>
+                </a:extLst>
+              </p:cNvPr>
+              <p:cNvPicPr/>
+              <p:nvPr/>
+            </p:nvPicPr>
+            <p:blipFill>
+              <a:blip r:embed="rId43"/>
+              <a:stretch>
+                <a:fillRect/>
+              </a:stretch>
+            </p:blipFill>
+            <p:spPr>
+              <a:xfrm>
+                <a:off x="11234073" y="3132993"/>
+                <a:ext cx="132480" cy="253440"/>
+              </a:xfrm>
+              <a:prstGeom prst="rect">
+                <a:avLst/>
+              </a:prstGeom>
+            </p:spPr>
+          </p:pic>
+        </mc:Fallback>
+      </mc:AlternateContent>
+      <mc:AlternateContent xmlns:mc="http://schemas.openxmlformats.org/markup-compatibility/2006" xmlns:p14="http://schemas.microsoft.com/office/powerpoint/2010/main">
+        <mc:Choice Requires="p14">
+          <p:contentPart p14:bwMode="auto" r:id="rId44">
+            <p14:nvContentPartPr>
+              <p14:cNvPr id="53" name="インク 52">
+                <a:extLst>
+                  <a:ext uri="{FF2B5EF4-FFF2-40B4-BE49-F238E27FC236}">
+                    <a16:creationId xmlns:a16="http://schemas.microsoft.com/office/drawing/2014/main" id="{0594B305-2026-4ED0-AB73-3B0131800E42}"/>
+                  </a:ext>
+                </a:extLst>
+              </p14:cNvPr>
+              <p14:cNvContentPartPr/>
+              <p14:nvPr/>
+            </p14:nvContentPartPr>
+            <p14:xfrm>
+              <a:off x="10408593" y="3225153"/>
+              <a:ext cx="903960" cy="1482840"/>
+            </p14:xfrm>
+          </p:contentPart>
+        </mc:Choice>
+        <mc:Fallback xmlns="">
+          <p:pic>
+            <p:nvPicPr>
+              <p:cNvPr id="53" name="インク 52">
+                <a:extLst>
+                  <a:ext uri="{FF2B5EF4-FFF2-40B4-BE49-F238E27FC236}">
+                    <a16:creationId xmlns:a16="http://schemas.microsoft.com/office/drawing/2014/main" id="{0594B305-2026-4ED0-AB73-3B0131800E42}"/>
+                  </a:ext>
+                </a:extLst>
+              </p:cNvPr>
+              <p:cNvPicPr/>
+              <p:nvPr/>
+            </p:nvPicPr>
+            <p:blipFill>
+              <a:blip r:embed="rId45"/>
+              <a:stretch>
+                <a:fillRect/>
+              </a:stretch>
+            </p:blipFill>
+            <p:spPr>
+              <a:xfrm>
+                <a:off x="10354593" y="3117153"/>
+                <a:ext cx="1011600" cy="1698480"/>
+              </a:xfrm>
+              <a:prstGeom prst="rect">
+                <a:avLst/>
+              </a:prstGeom>
+            </p:spPr>
+          </p:pic>
+        </mc:Fallback>
+      </mc:AlternateContent>
+      <mc:AlternateContent xmlns:mc="http://schemas.openxmlformats.org/markup-compatibility/2006" xmlns:p14="http://schemas.microsoft.com/office/powerpoint/2010/main">
+        <mc:Choice Requires="p14">
+          <p:contentPart p14:bwMode="auto" r:id="rId46">
+            <p14:nvContentPartPr>
+              <p14:cNvPr id="52" name="インク 51">
+                <a:extLst>
+                  <a:ext uri="{FF2B5EF4-FFF2-40B4-BE49-F238E27FC236}">
+                    <a16:creationId xmlns:a16="http://schemas.microsoft.com/office/drawing/2014/main" id="{4DBAB247-8D7F-4C32-99E0-71D9EE757B49}"/>
+                  </a:ext>
+                </a:extLst>
+              </p14:cNvPr>
+              <p14:cNvContentPartPr/>
+              <p14:nvPr/>
+            </p14:nvContentPartPr>
+            <p14:xfrm>
+              <a:off x="10173153" y="2892153"/>
+              <a:ext cx="1084680" cy="1815480"/>
+            </p14:xfrm>
+          </p:contentPart>
+        </mc:Choice>
+        <mc:Fallback xmlns="">
+          <p:pic>
+            <p:nvPicPr>
+              <p:cNvPr id="52" name="インク 51">
+                <a:extLst>
+                  <a:ext uri="{FF2B5EF4-FFF2-40B4-BE49-F238E27FC236}">
+                    <a16:creationId xmlns:a16="http://schemas.microsoft.com/office/drawing/2014/main" id="{4DBAB247-8D7F-4C32-99E0-71D9EE757B49}"/>
+                  </a:ext>
+                </a:extLst>
+              </p:cNvPr>
+              <p:cNvPicPr/>
+              <p:nvPr/>
+            </p:nvPicPr>
+            <p:blipFill>
+              <a:blip r:embed="rId47"/>
+              <a:stretch>
+                <a:fillRect/>
+              </a:stretch>
+            </p:blipFill>
+            <p:spPr>
+              <a:xfrm>
+                <a:off x="10119153" y="2784513"/>
+                <a:ext cx="1192320" cy="2031120"/>
+              </a:xfrm>
+              <a:prstGeom prst="rect">
+                <a:avLst/>
+              </a:prstGeom>
+            </p:spPr>
+          </p:pic>
+        </mc:Fallback>
+      </mc:AlternateContent>
+      <mc:AlternateContent xmlns:mc="http://schemas.openxmlformats.org/markup-compatibility/2006" xmlns:p14="http://schemas.microsoft.com/office/powerpoint/2010/main">
+        <mc:Choice Requires="p14">
+          <p:contentPart p14:bwMode="auto" r:id="rId48">
+            <p14:nvContentPartPr>
+              <p14:cNvPr id="51" name="インク 50">
+                <a:extLst>
+                  <a:ext uri="{FF2B5EF4-FFF2-40B4-BE49-F238E27FC236}">
+                    <a16:creationId xmlns:a16="http://schemas.microsoft.com/office/drawing/2014/main" id="{C9FF7923-4E5F-42A1-B35A-1452ACECB266}"/>
+                  </a:ext>
+                </a:extLst>
+              </p14:cNvPr>
+              <p14:cNvContentPartPr/>
+              <p14:nvPr/>
+            </p14:nvContentPartPr>
+            <p14:xfrm>
+              <a:off x="10184313" y="3020673"/>
+              <a:ext cx="703800" cy="1607040"/>
+            </p14:xfrm>
+          </p:contentPart>
+        </mc:Choice>
+        <mc:Fallback xmlns="">
+          <p:pic>
+            <p:nvPicPr>
+              <p:cNvPr id="51" name="インク 50">
+                <a:extLst>
+                  <a:ext uri="{FF2B5EF4-FFF2-40B4-BE49-F238E27FC236}">
+                    <a16:creationId xmlns:a16="http://schemas.microsoft.com/office/drawing/2014/main" id="{C9FF7923-4E5F-42A1-B35A-1452ACECB266}"/>
+                  </a:ext>
+                </a:extLst>
+              </p:cNvPr>
+              <p:cNvPicPr/>
+              <p:nvPr/>
+            </p:nvPicPr>
+            <p:blipFill>
+              <a:blip r:embed="rId49"/>
+              <a:stretch>
+                <a:fillRect/>
+              </a:stretch>
+            </p:blipFill>
+            <p:spPr>
+              <a:xfrm>
+                <a:off x="10130673" y="2913033"/>
+                <a:ext cx="811440" cy="1822680"/>
+              </a:xfrm>
+              <a:prstGeom prst="rect">
+                <a:avLst/>
+              </a:prstGeom>
+            </p:spPr>
+          </p:pic>
+        </mc:Fallback>
+      </mc:AlternateContent>
+      <mc:AlternateContent xmlns:mc="http://schemas.openxmlformats.org/markup-compatibility/2006" xmlns:p14="http://schemas.microsoft.com/office/powerpoint/2010/main">
+        <mc:Choice Requires="p14">
+          <p:contentPart p14:bwMode="auto" r:id="rId50">
+            <p14:nvContentPartPr>
+              <p14:cNvPr id="50" name="インク 49">
+                <a:extLst>
+                  <a:ext uri="{FF2B5EF4-FFF2-40B4-BE49-F238E27FC236}">
+                    <a16:creationId xmlns:a16="http://schemas.microsoft.com/office/drawing/2014/main" id="{93104239-7259-4069-9C62-886F139F2D08}"/>
+                  </a:ext>
+                </a:extLst>
+              </p14:cNvPr>
+              <p14:cNvContentPartPr/>
+              <p14:nvPr/>
+            </p14:nvContentPartPr>
+            <p14:xfrm>
+              <a:off x="10245873" y="3269073"/>
+              <a:ext cx="746280" cy="1359000"/>
+            </p14:xfrm>
+          </p:contentPart>
+        </mc:Choice>
+        <mc:Fallback xmlns="">
+          <p:pic>
+            <p:nvPicPr>
+              <p:cNvPr id="50" name="インク 49">
+                <a:extLst>
+                  <a:ext uri="{FF2B5EF4-FFF2-40B4-BE49-F238E27FC236}">
+                    <a16:creationId xmlns:a16="http://schemas.microsoft.com/office/drawing/2014/main" id="{93104239-7259-4069-9C62-886F139F2D08}"/>
+                  </a:ext>
+                </a:extLst>
+              </p:cNvPr>
+              <p:cNvPicPr/>
+              <p:nvPr/>
+            </p:nvPicPr>
+            <p:blipFill>
+              <a:blip r:embed="rId51"/>
+              <a:stretch>
+                <a:fillRect/>
+              </a:stretch>
+            </p:blipFill>
+            <p:spPr>
+              <a:xfrm>
+                <a:off x="10191873" y="3161073"/>
+                <a:ext cx="853920" cy="1574640"/>
+              </a:xfrm>
+              <a:prstGeom prst="rect">
+                <a:avLst/>
+              </a:prstGeom>
+            </p:spPr>
+          </p:pic>
+        </mc:Fallback>
+      </mc:AlternateContent>
+      <mc:AlternateContent xmlns:mc="http://schemas.openxmlformats.org/markup-compatibility/2006" xmlns:p14="http://schemas.microsoft.com/office/powerpoint/2010/main">
+        <mc:Choice Requires="p14">
+          <p:contentPart p14:bwMode="auto" r:id="rId52">
+            <p14:nvContentPartPr>
+              <p14:cNvPr id="116" name="インク 115">
+                <a:extLst>
+                  <a:ext uri="{FF2B5EF4-FFF2-40B4-BE49-F238E27FC236}">
+                    <a16:creationId xmlns:a16="http://schemas.microsoft.com/office/drawing/2014/main" id="{785AFAAC-5FC3-4CB8-8882-CC52804F5D74}"/>
+                  </a:ext>
+                </a:extLst>
+              </p14:cNvPr>
+              <p14:cNvContentPartPr/>
+              <p14:nvPr/>
+            </p14:nvContentPartPr>
+            <p14:xfrm>
+              <a:off x="10100793" y="3269073"/>
+              <a:ext cx="439560" cy="1294200"/>
+            </p14:xfrm>
+          </p:contentPart>
+        </mc:Choice>
+        <mc:Fallback xmlns="">
+          <p:pic>
+            <p:nvPicPr>
+              <p:cNvPr id="116" name="インク 115">
+                <a:extLst>
+                  <a:ext uri="{FF2B5EF4-FFF2-40B4-BE49-F238E27FC236}">
+                    <a16:creationId xmlns:a16="http://schemas.microsoft.com/office/drawing/2014/main" id="{785AFAAC-5FC3-4CB8-8882-CC52804F5D74}"/>
+                  </a:ext>
+                </a:extLst>
+              </p:cNvPr>
+              <p:cNvPicPr/>
+              <p:nvPr/>
+            </p:nvPicPr>
+            <p:blipFill>
+              <a:blip r:embed="rId53"/>
+              <a:stretch>
+                <a:fillRect/>
+              </a:stretch>
+            </p:blipFill>
+            <p:spPr>
+              <a:xfrm>
+                <a:off x="10047153" y="3161073"/>
+                <a:ext cx="547200" cy="1509840"/>
+              </a:xfrm>
+              <a:prstGeom prst="rect">
+                <a:avLst/>
+              </a:prstGeom>
+            </p:spPr>
+          </p:pic>
+        </mc:Fallback>
+      </mc:AlternateContent>
+      <mc:AlternateContent xmlns:mc="http://schemas.openxmlformats.org/markup-compatibility/2006" xmlns:p14="http://schemas.microsoft.com/office/powerpoint/2010/main">
+        <mc:Choice Requires="p14">
+          <p:contentPart p14:bwMode="auto" r:id="rId54">
+            <p14:nvContentPartPr>
+              <p14:cNvPr id="115" name="インク 114">
+                <a:extLst>
+                  <a:ext uri="{FF2B5EF4-FFF2-40B4-BE49-F238E27FC236}">
+                    <a16:creationId xmlns:a16="http://schemas.microsoft.com/office/drawing/2014/main" id="{5BC45033-B4AC-4341-868E-CE4753A61C46}"/>
+                  </a:ext>
+                </a:extLst>
+              </p14:cNvPr>
+              <p14:cNvContentPartPr/>
+              <p14:nvPr/>
+            </p14:nvContentPartPr>
+            <p14:xfrm>
+              <a:off x="10047513" y="3260433"/>
+              <a:ext cx="521640" cy="1296720"/>
+            </p14:xfrm>
+          </p:contentPart>
+        </mc:Choice>
+        <mc:Fallback xmlns="">
+          <p:pic>
+            <p:nvPicPr>
+              <p:cNvPr id="115" name="インク 114">
+                <a:extLst>
+                  <a:ext uri="{FF2B5EF4-FFF2-40B4-BE49-F238E27FC236}">
+                    <a16:creationId xmlns:a16="http://schemas.microsoft.com/office/drawing/2014/main" id="{5BC45033-B4AC-4341-868E-CE4753A61C46}"/>
+                  </a:ext>
+                </a:extLst>
+              </p:cNvPr>
+              <p:cNvPicPr/>
+              <p:nvPr/>
+            </p:nvPicPr>
+            <p:blipFill>
+              <a:blip r:embed="rId55"/>
+              <a:stretch>
+                <a:fillRect/>
+              </a:stretch>
+            </p:blipFill>
+            <p:spPr>
+              <a:xfrm>
+                <a:off x="9993513" y="3152433"/>
+                <a:ext cx="629280" cy="1512360"/>
+              </a:xfrm>
+              <a:prstGeom prst="rect">
+                <a:avLst/>
+              </a:prstGeom>
+            </p:spPr>
+          </p:pic>
+        </mc:Fallback>
+      </mc:AlternateContent>
+      <mc:AlternateContent xmlns:mc="http://schemas.openxmlformats.org/markup-compatibility/2006" xmlns:p14="http://schemas.microsoft.com/office/powerpoint/2010/main">
+        <mc:Choice Requires="p14">
+          <p:contentPart p14:bwMode="auto" r:id="rId56">
+            <p14:nvContentPartPr>
+              <p14:cNvPr id="48" name="インク 47">
+                <a:extLst>
+                  <a:ext uri="{FF2B5EF4-FFF2-40B4-BE49-F238E27FC236}">
+                    <a16:creationId xmlns:a16="http://schemas.microsoft.com/office/drawing/2014/main" id="{105F5A68-BDFD-45BD-8072-751EEAF199BE}"/>
+                  </a:ext>
+                </a:extLst>
+              </p14:cNvPr>
+              <p14:cNvContentPartPr/>
+              <p14:nvPr/>
+            </p14:nvContentPartPr>
+            <p14:xfrm>
+              <a:off x="9954273" y="3196713"/>
+              <a:ext cx="403560" cy="1360440"/>
+            </p14:xfrm>
+          </p:contentPart>
+        </mc:Choice>
+        <mc:Fallback xmlns="">
+          <p:pic>
+            <p:nvPicPr>
+              <p:cNvPr id="48" name="インク 47">
+                <a:extLst>
+                  <a:ext uri="{FF2B5EF4-FFF2-40B4-BE49-F238E27FC236}">
+                    <a16:creationId xmlns:a16="http://schemas.microsoft.com/office/drawing/2014/main" id="{105F5A68-BDFD-45BD-8072-751EEAF199BE}"/>
+                  </a:ext>
+                </a:extLst>
+              </p:cNvPr>
+              <p:cNvPicPr/>
+              <p:nvPr/>
+            </p:nvPicPr>
+            <p:blipFill>
+              <a:blip r:embed="rId57"/>
+              <a:stretch>
+                <a:fillRect/>
+              </a:stretch>
+            </p:blipFill>
+            <p:spPr>
+              <a:xfrm>
+                <a:off x="9900273" y="3089073"/>
+                <a:ext cx="511200" cy="1576080"/>
+              </a:xfrm>
+              <a:prstGeom prst="rect">
+                <a:avLst/>
+              </a:prstGeom>
+            </p:spPr>
+          </p:pic>
+        </mc:Fallback>
+      </mc:AlternateContent>
+      <mc:AlternateContent xmlns:mc="http://schemas.openxmlformats.org/markup-compatibility/2006" xmlns:p14="http://schemas.microsoft.com/office/powerpoint/2010/main">
+        <mc:Choice Requires="p14">
+          <p:contentPart p14:bwMode="auto" r:id="rId58">
+            <p14:nvContentPartPr>
+              <p14:cNvPr id="47" name="インク 46">
+                <a:extLst>
+                  <a:ext uri="{FF2B5EF4-FFF2-40B4-BE49-F238E27FC236}">
+                    <a16:creationId xmlns:a16="http://schemas.microsoft.com/office/drawing/2014/main" id="{6A969703-143C-4E10-BC90-D3BEFBA44CE1}"/>
+                  </a:ext>
+                </a:extLst>
+              </p14:cNvPr>
+              <p14:cNvContentPartPr/>
+              <p14:nvPr/>
+            </p14:nvContentPartPr>
+            <p14:xfrm>
+              <a:off x="9816393" y="3609633"/>
+              <a:ext cx="128880" cy="769320"/>
+            </p14:xfrm>
+          </p:contentPart>
+        </mc:Choice>
+        <mc:Fallback xmlns="">
+          <p:pic>
+            <p:nvPicPr>
+              <p:cNvPr id="47" name="インク 46">
+                <a:extLst>
+                  <a:ext uri="{FF2B5EF4-FFF2-40B4-BE49-F238E27FC236}">
+                    <a16:creationId xmlns:a16="http://schemas.microsoft.com/office/drawing/2014/main" id="{6A969703-143C-4E10-BC90-D3BEFBA44CE1}"/>
+                  </a:ext>
+                </a:extLst>
+              </p:cNvPr>
+              <p:cNvPicPr/>
+              <p:nvPr/>
+            </p:nvPicPr>
+            <p:blipFill>
+              <a:blip r:embed="rId59"/>
+              <a:stretch>
+                <a:fillRect/>
+              </a:stretch>
+            </p:blipFill>
+            <p:spPr>
+              <a:xfrm>
+                <a:off x="9762393" y="3501993"/>
+                <a:ext cx="236520" cy="984960"/>
+              </a:xfrm>
+              <a:prstGeom prst="rect">
+                <a:avLst/>
+              </a:prstGeom>
+            </p:spPr>
+          </p:pic>
+        </mc:Fallback>
+      </mc:AlternateContent>
+      <mc:AlternateContent xmlns:mc="http://schemas.openxmlformats.org/markup-compatibility/2006" xmlns:p14="http://schemas.microsoft.com/office/powerpoint/2010/main">
+        <mc:Choice Requires="p14">
+          <p:contentPart p14:bwMode="auto" r:id="rId60">
+            <p14:nvContentPartPr>
+              <p14:cNvPr id="46" name="インク 45">
+                <a:extLst>
+                  <a:ext uri="{FF2B5EF4-FFF2-40B4-BE49-F238E27FC236}">
+                    <a16:creationId xmlns:a16="http://schemas.microsoft.com/office/drawing/2014/main" id="{B05DBC30-C20A-4680-AB51-642626AE1EE9}"/>
+                  </a:ext>
+                </a:extLst>
+              </p14:cNvPr>
+              <p14:cNvContentPartPr/>
+              <p14:nvPr/>
+            </p14:nvContentPartPr>
+            <p14:xfrm>
+              <a:off x="9789753" y="3954153"/>
+              <a:ext cx="26280" cy="140760"/>
+            </p14:xfrm>
+          </p:contentPart>
+        </mc:Choice>
+        <mc:Fallback xmlns="">
+          <p:pic>
+            <p:nvPicPr>
+              <p:cNvPr id="46" name="インク 45">
+                <a:extLst>
+                  <a:ext uri="{FF2B5EF4-FFF2-40B4-BE49-F238E27FC236}">
+                    <a16:creationId xmlns:a16="http://schemas.microsoft.com/office/drawing/2014/main" id="{B05DBC30-C20A-4680-AB51-642626AE1EE9}"/>
+                  </a:ext>
+                </a:extLst>
+              </p:cNvPr>
+              <p:cNvPicPr/>
+              <p:nvPr/>
+            </p:nvPicPr>
+            <p:blipFill>
+              <a:blip r:embed="rId61"/>
+              <a:stretch>
+                <a:fillRect/>
+              </a:stretch>
+            </p:blipFill>
+            <p:spPr>
+              <a:xfrm>
+                <a:off x="9735753" y="3846513"/>
+                <a:ext cx="133920" cy="356400"/>
+              </a:xfrm>
+              <a:prstGeom prst="rect">
+                <a:avLst/>
+              </a:prstGeom>
+            </p:spPr>
+          </p:pic>
+        </mc:Fallback>
+      </mc:AlternateContent>
+      <mc:AlternateContent xmlns:mc="http://schemas.openxmlformats.org/markup-compatibility/2006" xmlns:p14="http://schemas.microsoft.com/office/powerpoint/2010/main">
+        <mc:Choice Requires="p14">
+          <p:contentPart p14:bwMode="auto" r:id="rId62">
+            <p14:nvContentPartPr>
+              <p14:cNvPr id="45" name="インク 44">
+                <a:extLst>
+                  <a:ext uri="{FF2B5EF4-FFF2-40B4-BE49-F238E27FC236}">
+                    <a16:creationId xmlns:a16="http://schemas.microsoft.com/office/drawing/2014/main" id="{09900F7F-F6B3-4A87-A1F2-73B43FF4107E}"/>
+                  </a:ext>
+                </a:extLst>
+              </p14:cNvPr>
+              <p14:cNvContentPartPr/>
+              <p14:nvPr/>
+            </p14:nvContentPartPr>
+            <p14:xfrm>
+              <a:off x="9824673" y="3779193"/>
+              <a:ext cx="23040" cy="124560"/>
+            </p14:xfrm>
+          </p:contentPart>
+        </mc:Choice>
+        <mc:Fallback xmlns="">
+          <p:pic>
+            <p:nvPicPr>
+              <p:cNvPr id="45" name="インク 44">
+                <a:extLst>
+                  <a:ext uri="{FF2B5EF4-FFF2-40B4-BE49-F238E27FC236}">
+                    <a16:creationId xmlns:a16="http://schemas.microsoft.com/office/drawing/2014/main" id="{09900F7F-F6B3-4A87-A1F2-73B43FF4107E}"/>
+                  </a:ext>
+                </a:extLst>
+              </p:cNvPr>
+              <p:cNvPicPr/>
+              <p:nvPr/>
+            </p:nvPicPr>
+            <p:blipFill>
+              <a:blip r:embed="rId63"/>
+              <a:stretch>
+                <a:fillRect/>
+              </a:stretch>
+            </p:blipFill>
+            <p:spPr>
+              <a:xfrm>
+                <a:off x="9771033" y="3671553"/>
+                <a:ext cx="130680" cy="340200"/>
+              </a:xfrm>
+              <a:prstGeom prst="rect">
+                <a:avLst/>
+              </a:prstGeom>
+            </p:spPr>
+          </p:pic>
+        </mc:Fallback>
+      </mc:AlternateContent>
+      <mc:AlternateContent xmlns:mc="http://schemas.openxmlformats.org/markup-compatibility/2006" xmlns:p14="http://schemas.microsoft.com/office/powerpoint/2010/main">
+        <mc:Choice Requires="p14">
+          <p:contentPart p14:bwMode="auto" r:id="rId64">
+            <p14:nvContentPartPr>
+              <p14:cNvPr id="44" name="インク 43">
+                <a:extLst>
+                  <a:ext uri="{FF2B5EF4-FFF2-40B4-BE49-F238E27FC236}">
+                    <a16:creationId xmlns:a16="http://schemas.microsoft.com/office/drawing/2014/main" id="{F46D7F7F-561F-473E-A257-6E3B84D98B17}"/>
+                  </a:ext>
+                </a:extLst>
+              </p14:cNvPr>
+              <p14:cNvContentPartPr/>
+              <p14:nvPr/>
+            </p14:nvContentPartPr>
+            <p14:xfrm>
+              <a:off x="9869313" y="3120033"/>
+              <a:ext cx="163440" cy="590400"/>
+            </p14:xfrm>
+          </p:contentPart>
+        </mc:Choice>
+        <mc:Fallback xmlns="">
+          <p:pic>
+            <p:nvPicPr>
+              <p:cNvPr id="44" name="インク 43">
+                <a:extLst>
+                  <a:ext uri="{FF2B5EF4-FFF2-40B4-BE49-F238E27FC236}">
+                    <a16:creationId xmlns:a16="http://schemas.microsoft.com/office/drawing/2014/main" id="{F46D7F7F-561F-473E-A257-6E3B84D98B17}"/>
+                  </a:ext>
+                </a:extLst>
+              </p:cNvPr>
+              <p:cNvPicPr/>
+              <p:nvPr/>
+            </p:nvPicPr>
+            <p:blipFill>
+              <a:blip r:embed="rId65"/>
+              <a:stretch>
+                <a:fillRect/>
+              </a:stretch>
+            </p:blipFill>
+            <p:spPr>
+              <a:xfrm>
+                <a:off x="9815673" y="3012033"/>
+                <a:ext cx="271080" cy="806040"/>
+              </a:xfrm>
+              <a:prstGeom prst="rect">
+                <a:avLst/>
+              </a:prstGeom>
+            </p:spPr>
+          </p:pic>
+        </mc:Fallback>
+      </mc:AlternateContent>
+      <mc:AlternateContent xmlns:mc="http://schemas.openxmlformats.org/markup-compatibility/2006" xmlns:p14="http://schemas.microsoft.com/office/powerpoint/2010/main">
+        <mc:Choice Requires="p14">
+          <p:contentPart p14:bwMode="auto" r:id="rId66">
+            <p14:nvContentPartPr>
+              <p14:cNvPr id="43" name="インク 42">
+                <a:extLst>
+                  <a:ext uri="{FF2B5EF4-FFF2-40B4-BE49-F238E27FC236}">
+                    <a16:creationId xmlns:a16="http://schemas.microsoft.com/office/drawing/2014/main" id="{E919C48B-61DB-4929-943D-8EA3CF22817B}"/>
+                  </a:ext>
+                </a:extLst>
+              </p14:cNvPr>
+              <p14:cNvContentPartPr/>
+              <p14:nvPr/>
+            </p14:nvContentPartPr>
+            <p14:xfrm>
+              <a:off x="9824673" y="3779553"/>
+              <a:ext cx="21240" cy="72720"/>
+            </p14:xfrm>
+          </p:contentPart>
+        </mc:Choice>
+        <mc:Fallback xmlns="">
+          <p:pic>
+            <p:nvPicPr>
+              <p:cNvPr id="43" name="インク 42">
+                <a:extLst>
+                  <a:ext uri="{FF2B5EF4-FFF2-40B4-BE49-F238E27FC236}">
+                    <a16:creationId xmlns:a16="http://schemas.microsoft.com/office/drawing/2014/main" id="{E919C48B-61DB-4929-943D-8EA3CF22817B}"/>
+                  </a:ext>
+                </a:extLst>
+              </p:cNvPr>
+              <p:cNvPicPr/>
+              <p:nvPr/>
+            </p:nvPicPr>
+            <p:blipFill>
+              <a:blip r:embed="rId67"/>
+              <a:stretch>
+                <a:fillRect/>
+              </a:stretch>
+            </p:blipFill>
+            <p:spPr>
+              <a:xfrm>
+                <a:off x="9771033" y="3671553"/>
+                <a:ext cx="128880" cy="288360"/>
+              </a:xfrm>
+              <a:prstGeom prst="rect">
+                <a:avLst/>
+              </a:prstGeom>
+            </p:spPr>
+          </p:pic>
+        </mc:Fallback>
+      </mc:AlternateContent>
+      <mc:AlternateContent xmlns:mc="http://schemas.openxmlformats.org/markup-compatibility/2006" xmlns:p14="http://schemas.microsoft.com/office/powerpoint/2010/main">
+        <mc:Choice Requires="p14">
+          <p:contentPart p14:bwMode="auto" r:id="rId68">
+            <p14:nvContentPartPr>
+              <p14:cNvPr id="42" name="インク 41">
+                <a:extLst>
+                  <a:ext uri="{FF2B5EF4-FFF2-40B4-BE49-F238E27FC236}">
+                    <a16:creationId xmlns:a16="http://schemas.microsoft.com/office/drawing/2014/main" id="{23CC0C39-36CB-4BB0-9127-DDAB4BFB736E}"/>
+                  </a:ext>
+                </a:extLst>
+              </p14:cNvPr>
+              <p14:cNvContentPartPr/>
+              <p14:nvPr/>
+            </p14:nvContentPartPr>
+            <p14:xfrm>
+              <a:off x="9780033" y="3954153"/>
+              <a:ext cx="21600" cy="132120"/>
+            </p14:xfrm>
+          </p:contentPart>
+        </mc:Choice>
+        <mc:Fallback xmlns="">
+          <p:pic>
+            <p:nvPicPr>
+              <p:cNvPr id="42" name="インク 41">
+                <a:extLst>
+                  <a:ext uri="{FF2B5EF4-FFF2-40B4-BE49-F238E27FC236}">
+                    <a16:creationId xmlns:a16="http://schemas.microsoft.com/office/drawing/2014/main" id="{23CC0C39-36CB-4BB0-9127-DDAB4BFB736E}"/>
+                  </a:ext>
+                </a:extLst>
+              </p:cNvPr>
+              <p:cNvPicPr/>
+              <p:nvPr/>
+            </p:nvPicPr>
+            <p:blipFill>
+              <a:blip r:embed="rId69"/>
+              <a:stretch>
+                <a:fillRect/>
+              </a:stretch>
+            </p:blipFill>
+            <p:spPr>
+              <a:xfrm>
+                <a:off x="9726033" y="3846513"/>
+                <a:ext cx="129240" cy="347760"/>
+              </a:xfrm>
+              <a:prstGeom prst="rect">
+                <a:avLst/>
+              </a:prstGeom>
+            </p:spPr>
+          </p:pic>
+        </mc:Fallback>
+      </mc:AlternateContent>
+      <mc:AlternateContent xmlns:mc="http://schemas.openxmlformats.org/markup-compatibility/2006" xmlns:p14="http://schemas.microsoft.com/office/powerpoint/2010/main">
+        <mc:Choice Requires="p14">
+          <p:contentPart p14:bwMode="auto" r:id="rId70">
+            <p14:nvContentPartPr>
+              <p14:cNvPr id="41" name="インク 40">
+                <a:extLst>
+                  <a:ext uri="{FF2B5EF4-FFF2-40B4-BE49-F238E27FC236}">
+                    <a16:creationId xmlns:a16="http://schemas.microsoft.com/office/drawing/2014/main" id="{3B4452AC-C5E3-4639-B06C-D2B18391341B}"/>
+                  </a:ext>
+                </a:extLst>
+              </p14:cNvPr>
+              <p14:cNvContentPartPr/>
+              <p14:nvPr/>
+            </p14:nvContentPartPr>
+            <p14:xfrm>
+              <a:off x="9816033" y="2997273"/>
+              <a:ext cx="304920" cy="1284480"/>
+            </p14:xfrm>
+          </p:contentPart>
+        </mc:Choice>
+        <mc:Fallback xmlns="">
+          <p:pic>
+            <p:nvPicPr>
+              <p:cNvPr id="41" name="インク 40">
+                <a:extLst>
+                  <a:ext uri="{FF2B5EF4-FFF2-40B4-BE49-F238E27FC236}">
+                    <a16:creationId xmlns:a16="http://schemas.microsoft.com/office/drawing/2014/main" id="{3B4452AC-C5E3-4639-B06C-D2B18391341B}"/>
+                  </a:ext>
+                </a:extLst>
+              </p:cNvPr>
+              <p:cNvPicPr/>
+              <p:nvPr/>
+            </p:nvPicPr>
+            <p:blipFill>
+              <a:blip r:embed="rId71"/>
+              <a:stretch>
+                <a:fillRect/>
+              </a:stretch>
+            </p:blipFill>
+            <p:spPr>
+              <a:xfrm>
+                <a:off x="9762393" y="2889273"/>
+                <a:ext cx="412560" cy="1500120"/>
+              </a:xfrm>
+              <a:prstGeom prst="rect">
+                <a:avLst/>
+              </a:prstGeom>
+            </p:spPr>
+          </p:pic>
+        </mc:Fallback>
+      </mc:AlternateContent>
+      <mc:AlternateContent xmlns:mc="http://schemas.openxmlformats.org/markup-compatibility/2006" xmlns:p14="http://schemas.microsoft.com/office/powerpoint/2010/main">
+        <mc:Choice Requires="p14">
+          <p:contentPart p14:bwMode="auto" r:id="rId72">
+            <p14:nvContentPartPr>
+              <p14:cNvPr id="40" name="インク 39">
+                <a:extLst>
+                  <a:ext uri="{FF2B5EF4-FFF2-40B4-BE49-F238E27FC236}">
+                    <a16:creationId xmlns:a16="http://schemas.microsoft.com/office/drawing/2014/main" id="{DB0671FB-AED4-4653-939B-198EC2D9E392}"/>
+                  </a:ext>
+                </a:extLst>
+              </p14:cNvPr>
+              <p14:cNvContentPartPr/>
+              <p14:nvPr/>
+            </p14:nvContentPartPr>
+            <p14:xfrm>
+              <a:off x="9904953" y="4214073"/>
+              <a:ext cx="41400" cy="141840"/>
+            </p14:xfrm>
+          </p:contentPart>
+        </mc:Choice>
+        <mc:Fallback xmlns="">
+          <p:pic>
+            <p:nvPicPr>
+              <p:cNvPr id="40" name="インク 39">
+                <a:extLst>
+                  <a:ext uri="{FF2B5EF4-FFF2-40B4-BE49-F238E27FC236}">
+                    <a16:creationId xmlns:a16="http://schemas.microsoft.com/office/drawing/2014/main" id="{DB0671FB-AED4-4653-939B-198EC2D9E392}"/>
+                  </a:ext>
+                </a:extLst>
+              </p:cNvPr>
+              <p:cNvPicPr/>
+              <p:nvPr/>
+            </p:nvPicPr>
+            <p:blipFill>
+              <a:blip r:embed="rId73"/>
+              <a:stretch>
+                <a:fillRect/>
+              </a:stretch>
+            </p:blipFill>
+            <p:spPr>
+              <a:xfrm>
+                <a:off x="9851313" y="4106433"/>
+                <a:ext cx="149040" cy="357480"/>
+              </a:xfrm>
+              <a:prstGeom prst="rect">
+                <a:avLst/>
+              </a:prstGeom>
+            </p:spPr>
+          </p:pic>
+        </mc:Fallback>
+      </mc:AlternateContent>
+      <mc:AlternateContent xmlns:mc="http://schemas.openxmlformats.org/markup-compatibility/2006" xmlns:p14="http://schemas.microsoft.com/office/powerpoint/2010/main">
+        <mc:Choice Requires="p14">
+          <p:contentPart p14:bwMode="auto" r:id="rId74">
+            <p14:nvContentPartPr>
+              <p14:cNvPr id="39" name="インク 38">
+                <a:extLst>
+                  <a:ext uri="{FF2B5EF4-FFF2-40B4-BE49-F238E27FC236}">
+                    <a16:creationId xmlns:a16="http://schemas.microsoft.com/office/drawing/2014/main" id="{6EDA15A5-852E-4E61-9074-48A4DDABAD03}"/>
+                  </a:ext>
+                </a:extLst>
+              </p14:cNvPr>
+              <p14:cNvContentPartPr/>
+              <p14:nvPr/>
+            </p14:nvContentPartPr>
+            <p14:xfrm>
+              <a:off x="9890913" y="3439713"/>
+              <a:ext cx="728280" cy="70920"/>
+            </p14:xfrm>
+          </p:contentPart>
+        </mc:Choice>
+        <mc:Fallback xmlns="">
+          <p:pic>
+            <p:nvPicPr>
+              <p:cNvPr id="39" name="インク 38">
+                <a:extLst>
+                  <a:ext uri="{FF2B5EF4-FFF2-40B4-BE49-F238E27FC236}">
+                    <a16:creationId xmlns:a16="http://schemas.microsoft.com/office/drawing/2014/main" id="{6EDA15A5-852E-4E61-9074-48A4DDABAD03}"/>
+                  </a:ext>
+                </a:extLst>
+              </p:cNvPr>
+              <p:cNvPicPr/>
+              <p:nvPr/>
+            </p:nvPicPr>
+            <p:blipFill>
+              <a:blip r:embed="rId75"/>
+              <a:stretch>
+                <a:fillRect/>
+              </a:stretch>
+            </p:blipFill>
+            <p:spPr>
+              <a:xfrm>
+                <a:off x="9837273" y="3332073"/>
+                <a:ext cx="835920" cy="286560"/>
+              </a:xfrm>
+              <a:prstGeom prst="rect">
+                <a:avLst/>
+              </a:prstGeom>
+            </p:spPr>
+          </p:pic>
+        </mc:Fallback>
+      </mc:AlternateContent>
+      <mc:AlternateContent xmlns:mc="http://schemas.openxmlformats.org/markup-compatibility/2006" xmlns:p14="http://schemas.microsoft.com/office/powerpoint/2010/main">
+        <mc:Choice Requires="p14">
+          <p:contentPart p14:bwMode="auto" r:id="rId76">
+            <p14:nvContentPartPr>
+              <p14:cNvPr id="38" name="インク 37">
+                <a:extLst>
+                  <a:ext uri="{FF2B5EF4-FFF2-40B4-BE49-F238E27FC236}">
+                    <a16:creationId xmlns:a16="http://schemas.microsoft.com/office/drawing/2014/main" id="{7BB4674C-1624-4998-959B-F95EFC0585F5}"/>
+                  </a:ext>
+                </a:extLst>
+              </p14:cNvPr>
+              <p14:cNvContentPartPr/>
+              <p14:nvPr/>
+            </p14:nvContentPartPr>
+            <p14:xfrm>
+              <a:off x="9869673" y="3586233"/>
+              <a:ext cx="1363320" cy="45360"/>
+            </p14:xfrm>
+          </p:contentPart>
+        </mc:Choice>
+        <mc:Fallback xmlns="">
+          <p:pic>
+            <p:nvPicPr>
+              <p:cNvPr id="38" name="インク 37">
+                <a:extLst>
+                  <a:ext uri="{FF2B5EF4-FFF2-40B4-BE49-F238E27FC236}">
+                    <a16:creationId xmlns:a16="http://schemas.microsoft.com/office/drawing/2014/main" id="{7BB4674C-1624-4998-959B-F95EFC0585F5}"/>
+                  </a:ext>
+                </a:extLst>
+              </p:cNvPr>
+              <p:cNvPicPr/>
+              <p:nvPr/>
+            </p:nvPicPr>
+            <p:blipFill>
+              <a:blip r:embed="rId77"/>
+              <a:stretch>
+                <a:fillRect/>
+              </a:stretch>
+            </p:blipFill>
+            <p:spPr>
+              <a:xfrm>
+                <a:off x="9815673" y="3478233"/>
+                <a:ext cx="1470960" cy="261000"/>
+              </a:xfrm>
+              <a:prstGeom prst="rect">
+                <a:avLst/>
+              </a:prstGeom>
+            </p:spPr>
+          </p:pic>
+        </mc:Fallback>
+      </mc:AlternateContent>
+      <mc:AlternateContent xmlns:mc="http://schemas.openxmlformats.org/markup-compatibility/2006" xmlns:p14="http://schemas.microsoft.com/office/powerpoint/2010/main">
+        <mc:Choice Requires="p14">
+          <p:contentPart p14:bwMode="auto" r:id="rId78">
+            <p14:nvContentPartPr>
+              <p14:cNvPr id="37" name="インク 36">
+                <a:extLst>
+                  <a:ext uri="{FF2B5EF4-FFF2-40B4-BE49-F238E27FC236}">
+                    <a16:creationId xmlns:a16="http://schemas.microsoft.com/office/drawing/2014/main" id="{63A2FFD3-F4CB-48AC-9398-16EA560DB350}"/>
+                  </a:ext>
+                </a:extLst>
+              </p14:cNvPr>
+              <p14:cNvContentPartPr/>
+              <p14:nvPr/>
+            </p14:nvContentPartPr>
+            <p14:xfrm>
+              <a:off x="10892433" y="3580113"/>
+              <a:ext cx="340560" cy="247320"/>
+            </p14:xfrm>
+          </p:contentPart>
+        </mc:Choice>
+        <mc:Fallback xmlns="">
+          <p:pic>
+            <p:nvPicPr>
+              <p:cNvPr id="37" name="インク 36">
+                <a:extLst>
+                  <a:ext uri="{FF2B5EF4-FFF2-40B4-BE49-F238E27FC236}">
+                    <a16:creationId xmlns:a16="http://schemas.microsoft.com/office/drawing/2014/main" id="{63A2FFD3-F4CB-48AC-9398-16EA560DB350}"/>
+                  </a:ext>
+                </a:extLst>
+              </p:cNvPr>
+              <p:cNvPicPr/>
+              <p:nvPr/>
+            </p:nvPicPr>
+            <p:blipFill>
+              <a:blip r:embed="rId79"/>
+              <a:stretch>
+                <a:fillRect/>
+              </a:stretch>
+            </p:blipFill>
+            <p:spPr>
+              <a:xfrm>
+                <a:off x="10838433" y="3472473"/>
+                <a:ext cx="448200" cy="462960"/>
+              </a:xfrm>
+              <a:prstGeom prst="rect">
+                <a:avLst/>
+              </a:prstGeom>
+            </p:spPr>
+          </p:pic>
+        </mc:Fallback>
+      </mc:AlternateContent>
+      <mc:AlternateContent xmlns:mc="http://schemas.openxmlformats.org/markup-compatibility/2006" xmlns:p14="http://schemas.microsoft.com/office/powerpoint/2010/main">
+        <mc:Choice Requires="p14">
+          <p:contentPart p14:bwMode="auto" r:id="rId80">
+            <p14:nvContentPartPr>
+              <p14:cNvPr id="36" name="インク 35">
+                <a:extLst>
+                  <a:ext uri="{FF2B5EF4-FFF2-40B4-BE49-F238E27FC236}">
+                    <a16:creationId xmlns:a16="http://schemas.microsoft.com/office/drawing/2014/main" id="{CBECB6F7-D6D3-4E5B-A7E6-236703494713}"/>
+                  </a:ext>
+                </a:extLst>
+              </p14:cNvPr>
+              <p14:cNvContentPartPr/>
+              <p14:nvPr/>
+            </p14:nvContentPartPr>
+            <p14:xfrm>
+              <a:off x="10926993" y="3176913"/>
+              <a:ext cx="385920" cy="363600"/>
+            </p14:xfrm>
+          </p:contentPart>
+        </mc:Choice>
+        <mc:Fallback xmlns="">
+          <p:pic>
+            <p:nvPicPr>
+              <p:cNvPr id="36" name="インク 35">
+                <a:extLst>
+                  <a:ext uri="{FF2B5EF4-FFF2-40B4-BE49-F238E27FC236}">
+                    <a16:creationId xmlns:a16="http://schemas.microsoft.com/office/drawing/2014/main" id="{CBECB6F7-D6D3-4E5B-A7E6-236703494713}"/>
+                  </a:ext>
+                </a:extLst>
+              </p:cNvPr>
+              <p:cNvPicPr/>
+              <p:nvPr/>
+            </p:nvPicPr>
+            <p:blipFill>
+              <a:blip r:embed="rId81"/>
+              <a:stretch>
+                <a:fillRect/>
+              </a:stretch>
+            </p:blipFill>
+            <p:spPr>
+              <a:xfrm>
+                <a:off x="10872993" y="3069273"/>
+                <a:ext cx="493560" cy="579240"/>
+              </a:xfrm>
+              <a:prstGeom prst="rect">
+                <a:avLst/>
+              </a:prstGeom>
+            </p:spPr>
+          </p:pic>
+        </mc:Fallback>
+      </mc:AlternateContent>
+      <mc:AlternateContent xmlns:mc="http://schemas.openxmlformats.org/markup-compatibility/2006" xmlns:p14="http://schemas.microsoft.com/office/powerpoint/2010/main">
+        <mc:Choice Requires="p14">
+          <p:contentPart p14:bwMode="auto" r:id="rId82">
+            <p14:nvContentPartPr>
+              <p14:cNvPr id="35" name="インク 34">
+                <a:extLst>
+                  <a:ext uri="{FF2B5EF4-FFF2-40B4-BE49-F238E27FC236}">
+                    <a16:creationId xmlns:a16="http://schemas.microsoft.com/office/drawing/2014/main" id="{3754EB03-2B27-4B33-9B86-3BCECD5F8683}"/>
+                  </a:ext>
+                </a:extLst>
+              </p14:cNvPr>
+              <p14:cNvContentPartPr/>
+              <p14:nvPr/>
+            </p14:nvContentPartPr>
+            <p14:xfrm>
+              <a:off x="10795233" y="3048033"/>
+              <a:ext cx="496080" cy="342720"/>
+            </p14:xfrm>
+          </p:contentPart>
+        </mc:Choice>
+        <mc:Fallback xmlns="">
+          <p:pic>
+            <p:nvPicPr>
+              <p:cNvPr id="35" name="インク 34">
+                <a:extLst>
+                  <a:ext uri="{FF2B5EF4-FFF2-40B4-BE49-F238E27FC236}">
+                    <a16:creationId xmlns:a16="http://schemas.microsoft.com/office/drawing/2014/main" id="{3754EB03-2B27-4B33-9B86-3BCECD5F8683}"/>
+                  </a:ext>
+                </a:extLst>
+              </p:cNvPr>
+              <p:cNvPicPr/>
+              <p:nvPr/>
+            </p:nvPicPr>
+            <p:blipFill>
+              <a:blip r:embed="rId83"/>
+              <a:stretch>
+                <a:fillRect/>
+              </a:stretch>
+            </p:blipFill>
+            <p:spPr>
+              <a:xfrm>
+                <a:off x="10741593" y="2940393"/>
+                <a:ext cx="603720" cy="558360"/>
+              </a:xfrm>
+              <a:prstGeom prst="rect">
+                <a:avLst/>
+              </a:prstGeom>
+            </p:spPr>
+          </p:pic>
+        </mc:Fallback>
+      </mc:AlternateContent>
+      <mc:AlternateContent xmlns:mc="http://schemas.openxmlformats.org/markup-compatibility/2006" xmlns:p14="http://schemas.microsoft.com/office/powerpoint/2010/main">
+        <mc:Choice Requires="p14">
+          <p:contentPart p14:bwMode="auto" r:id="rId84">
+            <p14:nvContentPartPr>
+              <p14:cNvPr id="34" name="インク 33">
+                <a:extLst>
+                  <a:ext uri="{FF2B5EF4-FFF2-40B4-BE49-F238E27FC236}">
+                    <a16:creationId xmlns:a16="http://schemas.microsoft.com/office/drawing/2014/main" id="{F2E6FA7F-9E19-403E-AB46-9C0E0A5C2754}"/>
+                  </a:ext>
+                </a:extLst>
+              </p14:cNvPr>
+              <p14:cNvContentPartPr/>
+              <p14:nvPr/>
+            </p14:nvContentPartPr>
+            <p14:xfrm>
+              <a:off x="9957873" y="2804313"/>
+              <a:ext cx="1301400" cy="1093320"/>
+            </p14:xfrm>
+          </p:contentPart>
+        </mc:Choice>
+        <mc:Fallback xmlns="">
+          <p:pic>
+            <p:nvPicPr>
+              <p:cNvPr id="34" name="インク 33">
+                <a:extLst>
+                  <a:ext uri="{FF2B5EF4-FFF2-40B4-BE49-F238E27FC236}">
+                    <a16:creationId xmlns:a16="http://schemas.microsoft.com/office/drawing/2014/main" id="{F2E6FA7F-9E19-403E-AB46-9C0E0A5C2754}"/>
+                  </a:ext>
+                </a:extLst>
+              </p:cNvPr>
+              <p:cNvPicPr/>
+              <p:nvPr/>
+            </p:nvPicPr>
+            <p:blipFill>
+              <a:blip r:embed="rId85"/>
+              <a:stretch>
+                <a:fillRect/>
+              </a:stretch>
+            </p:blipFill>
+            <p:spPr>
+              <a:xfrm>
+                <a:off x="9904233" y="2696673"/>
+                <a:ext cx="1409040" cy="1308960"/>
+              </a:xfrm>
+              <a:prstGeom prst="rect">
+                <a:avLst/>
+              </a:prstGeom>
+            </p:spPr>
+          </p:pic>
+        </mc:Fallback>
+      </mc:AlternateContent>
+      <mc:AlternateContent xmlns:mc="http://schemas.openxmlformats.org/markup-compatibility/2006" xmlns:p14="http://schemas.microsoft.com/office/powerpoint/2010/main">
+        <mc:Choice Requires="p14">
+          <p:contentPart p14:bwMode="auto" r:id="rId86">
+            <p14:nvContentPartPr>
+              <p14:cNvPr id="114" name="インク 113">
+                <a:extLst>
+                  <a:ext uri="{FF2B5EF4-FFF2-40B4-BE49-F238E27FC236}">
+                    <a16:creationId xmlns:a16="http://schemas.microsoft.com/office/drawing/2014/main" id="{2A81F18C-0F32-43D3-AF4E-D76D37C39C12}"/>
+                  </a:ext>
+                </a:extLst>
+              </p14:cNvPr>
+              <p14:cNvContentPartPr/>
+              <p14:nvPr/>
+            </p14:nvContentPartPr>
+            <p14:xfrm>
+              <a:off x="10663833" y="2733753"/>
+              <a:ext cx="480240" cy="280080"/>
+            </p14:xfrm>
+          </p:contentPart>
+        </mc:Choice>
+        <mc:Fallback xmlns="">
+          <p:pic>
+            <p:nvPicPr>
+              <p:cNvPr id="114" name="インク 113">
+                <a:extLst>
+                  <a:ext uri="{FF2B5EF4-FFF2-40B4-BE49-F238E27FC236}">
+                    <a16:creationId xmlns:a16="http://schemas.microsoft.com/office/drawing/2014/main" id="{2A81F18C-0F32-43D3-AF4E-D76D37C39C12}"/>
+                  </a:ext>
+                </a:extLst>
+              </p:cNvPr>
+              <p:cNvPicPr/>
+              <p:nvPr/>
+            </p:nvPicPr>
+            <p:blipFill>
+              <a:blip r:embed="rId87"/>
+              <a:stretch>
+                <a:fillRect/>
+              </a:stretch>
+            </p:blipFill>
+            <p:spPr>
+              <a:xfrm>
+                <a:off x="10610193" y="2625753"/>
+                <a:ext cx="587880" cy="495720"/>
+              </a:xfrm>
+              <a:prstGeom prst="rect">
+                <a:avLst/>
+              </a:prstGeom>
+            </p:spPr>
+          </p:pic>
+        </mc:Fallback>
+      </mc:AlternateContent>
+      <mc:AlternateContent xmlns:mc="http://schemas.openxmlformats.org/markup-compatibility/2006" xmlns:p14="http://schemas.microsoft.com/office/powerpoint/2010/main">
+        <mc:Choice Requires="p14">
+          <p:contentPart p14:bwMode="auto" r:id="rId88">
+            <p14:nvContentPartPr>
+              <p14:cNvPr id="113" name="インク 112">
+                <a:extLst>
+                  <a:ext uri="{FF2B5EF4-FFF2-40B4-BE49-F238E27FC236}">
+                    <a16:creationId xmlns:a16="http://schemas.microsoft.com/office/drawing/2014/main" id="{790F1156-D7C7-4B5A-9255-2EC7D4E58A20}"/>
+                  </a:ext>
+                </a:extLst>
+              </p14:cNvPr>
+              <p14:cNvContentPartPr/>
+              <p14:nvPr/>
+            </p14:nvContentPartPr>
+            <p14:xfrm>
+              <a:off x="9891273" y="3185553"/>
+              <a:ext cx="502920" cy="339120"/>
+            </p14:xfrm>
+          </p:contentPart>
+        </mc:Choice>
+        <mc:Fallback xmlns="">
+          <p:pic>
+            <p:nvPicPr>
+              <p:cNvPr id="113" name="インク 112">
+                <a:extLst>
+                  <a:ext uri="{FF2B5EF4-FFF2-40B4-BE49-F238E27FC236}">
+                    <a16:creationId xmlns:a16="http://schemas.microsoft.com/office/drawing/2014/main" id="{790F1156-D7C7-4B5A-9255-2EC7D4E58A20}"/>
+                  </a:ext>
+                </a:extLst>
+              </p:cNvPr>
+              <p:cNvPicPr/>
+              <p:nvPr/>
+            </p:nvPicPr>
+            <p:blipFill>
+              <a:blip r:embed="rId89"/>
+              <a:stretch>
+                <a:fillRect/>
+              </a:stretch>
+            </p:blipFill>
+            <p:spPr>
+              <a:xfrm>
+                <a:off x="9837273" y="3077553"/>
+                <a:ext cx="610560" cy="554760"/>
+              </a:xfrm>
+              <a:prstGeom prst="rect">
+                <a:avLst/>
+              </a:prstGeom>
+            </p:spPr>
+          </p:pic>
+        </mc:Fallback>
+      </mc:AlternateContent>
+      <mc:AlternateContent xmlns:mc="http://schemas.openxmlformats.org/markup-compatibility/2006" xmlns:p14="http://schemas.microsoft.com/office/powerpoint/2010/main">
+        <mc:Choice Requires="p14">
+          <p:contentPart p14:bwMode="auto" r:id="rId90">
+            <p14:nvContentPartPr>
+              <p14:cNvPr id="32" name="インク 31">
+                <a:extLst>
+                  <a:ext uri="{FF2B5EF4-FFF2-40B4-BE49-F238E27FC236}">
+                    <a16:creationId xmlns:a16="http://schemas.microsoft.com/office/drawing/2014/main" id="{7FC0FAB4-D2E6-422B-801E-AC121AA9B106}"/>
+                  </a:ext>
+                </a:extLst>
+              </p14:cNvPr>
+              <p14:cNvContentPartPr/>
+              <p14:nvPr/>
+            </p14:nvContentPartPr>
+            <p14:xfrm>
+              <a:off x="9869673" y="3530073"/>
+              <a:ext cx="14400" cy="10800"/>
+            </p14:xfrm>
+          </p:contentPart>
+        </mc:Choice>
+        <mc:Fallback xmlns="">
+          <p:pic>
+            <p:nvPicPr>
+              <p:cNvPr id="32" name="インク 31">
+                <a:extLst>
+                  <a:ext uri="{FF2B5EF4-FFF2-40B4-BE49-F238E27FC236}">
+                    <a16:creationId xmlns:a16="http://schemas.microsoft.com/office/drawing/2014/main" id="{7FC0FAB4-D2E6-422B-801E-AC121AA9B106}"/>
+                  </a:ext>
+                </a:extLst>
+              </p:cNvPr>
+              <p:cNvPicPr/>
+              <p:nvPr/>
+            </p:nvPicPr>
+            <p:blipFill>
+              <a:blip r:embed="rId91"/>
+              <a:stretch>
+                <a:fillRect/>
+              </a:stretch>
+            </p:blipFill>
+            <p:spPr>
+              <a:xfrm>
+                <a:off x="9815673" y="3422433"/>
+                <a:ext cx="122040" cy="226440"/>
+              </a:xfrm>
+              <a:prstGeom prst="rect">
+                <a:avLst/>
+              </a:prstGeom>
+            </p:spPr>
+          </p:pic>
+        </mc:Fallback>
+      </mc:AlternateContent>
+      <mc:AlternateContent xmlns:mc="http://schemas.openxmlformats.org/markup-compatibility/2006" xmlns:p14="http://schemas.microsoft.com/office/powerpoint/2010/main">
+        <mc:Choice Requires="p14">
+          <p:contentPart p14:bwMode="auto" r:id="rId92">
+            <p14:nvContentPartPr>
+              <p14:cNvPr id="112" name="インク 111">
+                <a:extLst>
+                  <a:ext uri="{FF2B5EF4-FFF2-40B4-BE49-F238E27FC236}">
+                    <a16:creationId xmlns:a16="http://schemas.microsoft.com/office/drawing/2014/main" id="{A6DDA5B1-D25A-4D4E-9683-229C88212214}"/>
+                  </a:ext>
+                </a:extLst>
+              </p14:cNvPr>
+              <p14:cNvContentPartPr/>
+              <p14:nvPr/>
+            </p14:nvContentPartPr>
+            <p14:xfrm>
+              <a:off x="9869673" y="3251793"/>
+              <a:ext cx="542160" cy="334800"/>
+            </p14:xfrm>
+          </p:contentPart>
+        </mc:Choice>
+        <mc:Fallback xmlns="">
+          <p:pic>
+            <p:nvPicPr>
+              <p:cNvPr id="112" name="インク 111">
+                <a:extLst>
+                  <a:ext uri="{FF2B5EF4-FFF2-40B4-BE49-F238E27FC236}">
+                    <a16:creationId xmlns:a16="http://schemas.microsoft.com/office/drawing/2014/main" id="{A6DDA5B1-D25A-4D4E-9683-229C88212214}"/>
+                  </a:ext>
+                </a:extLst>
+              </p:cNvPr>
+              <p:cNvPicPr/>
+              <p:nvPr/>
+            </p:nvPicPr>
+            <p:blipFill>
+              <a:blip r:embed="rId93"/>
+              <a:stretch>
+                <a:fillRect/>
+              </a:stretch>
+            </p:blipFill>
+            <p:spPr>
+              <a:xfrm>
+                <a:off x="9815673" y="3143793"/>
+                <a:ext cx="649800" cy="550440"/>
+              </a:xfrm>
+              <a:prstGeom prst="rect">
+                <a:avLst/>
+              </a:prstGeom>
+            </p:spPr>
+          </p:pic>
+        </mc:Fallback>
+      </mc:AlternateContent>
+      <mc:AlternateContent xmlns:mc="http://schemas.openxmlformats.org/markup-compatibility/2006" xmlns:p14="http://schemas.microsoft.com/office/powerpoint/2010/main">
+        <mc:Choice Requires="p14">
+          <p:contentPart p14:bwMode="auto" r:id="rId94">
+            <p14:nvContentPartPr>
+              <p14:cNvPr id="111" name="インク 110">
+                <a:extLst>
+                  <a:ext uri="{FF2B5EF4-FFF2-40B4-BE49-F238E27FC236}">
+                    <a16:creationId xmlns:a16="http://schemas.microsoft.com/office/drawing/2014/main" id="{BEED27E0-D26E-47F1-9F68-DE2596E37B35}"/>
+                  </a:ext>
+                </a:extLst>
+              </p14:cNvPr>
+              <p14:cNvContentPartPr/>
+              <p14:nvPr/>
+            </p14:nvContentPartPr>
+            <p14:xfrm>
+              <a:off x="10664193" y="2748513"/>
+              <a:ext cx="479520" cy="331560"/>
+            </p14:xfrm>
+          </p:contentPart>
+        </mc:Choice>
+        <mc:Fallback xmlns="">
+          <p:pic>
+            <p:nvPicPr>
+              <p:cNvPr id="111" name="インク 110">
+                <a:extLst>
+                  <a:ext uri="{FF2B5EF4-FFF2-40B4-BE49-F238E27FC236}">
+                    <a16:creationId xmlns:a16="http://schemas.microsoft.com/office/drawing/2014/main" id="{BEED27E0-D26E-47F1-9F68-DE2596E37B35}"/>
+                  </a:ext>
+                </a:extLst>
+              </p:cNvPr>
+              <p:cNvPicPr/>
+              <p:nvPr/>
+            </p:nvPicPr>
+            <p:blipFill>
+              <a:blip r:embed="rId95"/>
+              <a:stretch>
+                <a:fillRect/>
+              </a:stretch>
+            </p:blipFill>
+            <p:spPr>
+              <a:xfrm>
+                <a:off x="10610193" y="2640513"/>
+                <a:ext cx="587160" cy="547200"/>
+              </a:xfrm>
+              <a:prstGeom prst="rect">
+                <a:avLst/>
+              </a:prstGeom>
+            </p:spPr>
+          </p:pic>
+        </mc:Fallback>
+      </mc:AlternateContent>
+      <mc:AlternateContent xmlns:mc="http://schemas.openxmlformats.org/markup-compatibility/2006" xmlns:p14="http://schemas.microsoft.com/office/powerpoint/2010/main">
+        <mc:Choice Requires="p14">
+          <p:contentPart p14:bwMode="auto" r:id="rId96">
+            <p14:nvContentPartPr>
+              <p14:cNvPr id="110" name="インク 109">
+                <a:extLst>
+                  <a:ext uri="{FF2B5EF4-FFF2-40B4-BE49-F238E27FC236}">
+                    <a16:creationId xmlns:a16="http://schemas.microsoft.com/office/drawing/2014/main" id="{7B18EDD1-FBB9-4866-A2FD-B2C19D76300C}"/>
+                  </a:ext>
+                </a:extLst>
+              </p14:cNvPr>
+              <p14:cNvContentPartPr/>
+              <p14:nvPr/>
+            </p14:nvContentPartPr>
+            <p14:xfrm>
+              <a:off x="10663833" y="2742393"/>
+              <a:ext cx="479880" cy="235440"/>
+            </p14:xfrm>
+          </p:contentPart>
+        </mc:Choice>
+        <mc:Fallback xmlns="">
+          <p:pic>
+            <p:nvPicPr>
+              <p:cNvPr id="110" name="インク 109">
+                <a:extLst>
+                  <a:ext uri="{FF2B5EF4-FFF2-40B4-BE49-F238E27FC236}">
+                    <a16:creationId xmlns:a16="http://schemas.microsoft.com/office/drawing/2014/main" id="{7B18EDD1-FBB9-4866-A2FD-B2C19D76300C}"/>
+                  </a:ext>
+                </a:extLst>
+              </p:cNvPr>
+              <p:cNvPicPr/>
+              <p:nvPr/>
+            </p:nvPicPr>
+            <p:blipFill>
+              <a:blip r:embed="rId97"/>
+              <a:stretch>
+                <a:fillRect/>
+              </a:stretch>
+            </p:blipFill>
+            <p:spPr>
+              <a:xfrm>
+                <a:off x="10610193" y="2634393"/>
+                <a:ext cx="587520" cy="451080"/>
+              </a:xfrm>
+              <a:prstGeom prst="rect">
+                <a:avLst/>
+              </a:prstGeom>
+            </p:spPr>
+          </p:pic>
+        </mc:Fallback>
+      </mc:AlternateContent>
+      <mc:AlternateContent xmlns:mc="http://schemas.openxmlformats.org/markup-compatibility/2006" xmlns:p14="http://schemas.microsoft.com/office/powerpoint/2010/main">
+        <mc:Choice Requires="p14">
+          <p:contentPart p14:bwMode="auto" r:id="rId98">
+            <p14:nvContentPartPr>
+              <p14:cNvPr id="109" name="インク 108">
+                <a:extLst>
+                  <a:ext uri="{FF2B5EF4-FFF2-40B4-BE49-F238E27FC236}">
+                    <a16:creationId xmlns:a16="http://schemas.microsoft.com/office/drawing/2014/main" id="{6A55F120-F9A6-4E19-A31A-7F374C42D027}"/>
+                  </a:ext>
+                </a:extLst>
+              </p14:cNvPr>
+              <p14:cNvContentPartPr/>
+              <p14:nvPr/>
+            </p14:nvContentPartPr>
+            <p14:xfrm>
+              <a:off x="9890913" y="3127593"/>
+              <a:ext cx="502920" cy="297360"/>
+            </p14:xfrm>
+          </p:contentPart>
+        </mc:Choice>
+        <mc:Fallback xmlns="">
+          <p:pic>
+            <p:nvPicPr>
+              <p:cNvPr id="109" name="インク 108">
+                <a:extLst>
+                  <a:ext uri="{FF2B5EF4-FFF2-40B4-BE49-F238E27FC236}">
+                    <a16:creationId xmlns:a16="http://schemas.microsoft.com/office/drawing/2014/main" id="{6A55F120-F9A6-4E19-A31A-7F374C42D027}"/>
+                  </a:ext>
+                </a:extLst>
+              </p:cNvPr>
+              <p:cNvPicPr/>
+              <p:nvPr/>
+            </p:nvPicPr>
+            <p:blipFill>
+              <a:blip r:embed="rId99"/>
+              <a:stretch>
+                <a:fillRect/>
+              </a:stretch>
+            </p:blipFill>
+            <p:spPr>
+              <a:xfrm>
+                <a:off x="9837273" y="3019953"/>
+                <a:ext cx="610560" cy="513000"/>
+              </a:xfrm>
+              <a:prstGeom prst="rect">
+                <a:avLst/>
+              </a:prstGeom>
+            </p:spPr>
+          </p:pic>
+        </mc:Fallback>
+      </mc:AlternateContent>
+      <mc:AlternateContent xmlns:mc="http://schemas.openxmlformats.org/markup-compatibility/2006" xmlns:p14="http://schemas.microsoft.com/office/powerpoint/2010/main">
+        <mc:Choice Requires="p14">
+          <p:contentPart p14:bwMode="auto" r:id="rId100">
+            <p14:nvContentPartPr>
+              <p14:cNvPr id="108" name="インク 107">
+                <a:extLst>
+                  <a:ext uri="{FF2B5EF4-FFF2-40B4-BE49-F238E27FC236}">
+                    <a16:creationId xmlns:a16="http://schemas.microsoft.com/office/drawing/2014/main" id="{069B7055-0FCC-4278-A590-68C8D6C1A158}"/>
+                  </a:ext>
+                </a:extLst>
+              </p14:cNvPr>
+              <p14:cNvContentPartPr/>
+              <p14:nvPr/>
+            </p14:nvContentPartPr>
+            <p14:xfrm>
+              <a:off x="9891273" y="3116793"/>
+              <a:ext cx="493920" cy="313560"/>
+            </p14:xfrm>
+          </p:contentPart>
+        </mc:Choice>
+        <mc:Fallback xmlns="">
+          <p:pic>
+            <p:nvPicPr>
+              <p:cNvPr id="108" name="インク 107">
+                <a:extLst>
+                  <a:ext uri="{FF2B5EF4-FFF2-40B4-BE49-F238E27FC236}">
+                    <a16:creationId xmlns:a16="http://schemas.microsoft.com/office/drawing/2014/main" id="{069B7055-0FCC-4278-A590-68C8D6C1A158}"/>
+                  </a:ext>
+                </a:extLst>
+              </p:cNvPr>
+              <p:cNvPicPr/>
+              <p:nvPr/>
+            </p:nvPicPr>
+            <p:blipFill>
+              <a:blip r:embed="rId101"/>
+              <a:stretch>
+                <a:fillRect/>
+              </a:stretch>
+            </p:blipFill>
+            <p:spPr>
+              <a:xfrm>
+                <a:off x="9837273" y="3009153"/>
+                <a:ext cx="601560" cy="529200"/>
+              </a:xfrm>
+              <a:prstGeom prst="rect">
+                <a:avLst/>
+              </a:prstGeom>
+            </p:spPr>
+          </p:pic>
+        </mc:Fallback>
+      </mc:AlternateContent>
+      <mc:AlternateContent xmlns:mc="http://schemas.openxmlformats.org/markup-compatibility/2006" xmlns:p14="http://schemas.microsoft.com/office/powerpoint/2010/main">
+        <mc:Choice Requires="p14">
+          <p:contentPart p14:bwMode="auto" r:id="rId102">
+            <p14:nvContentPartPr>
+              <p14:cNvPr id="107" name="インク 106">
+                <a:extLst>
+                  <a:ext uri="{FF2B5EF4-FFF2-40B4-BE49-F238E27FC236}">
+                    <a16:creationId xmlns:a16="http://schemas.microsoft.com/office/drawing/2014/main" id="{2F57E28E-D1D6-4A8D-8580-B6CF3F9B4A08}"/>
+                  </a:ext>
+                </a:extLst>
+              </p14:cNvPr>
+              <p14:cNvContentPartPr/>
+              <p14:nvPr/>
+            </p14:nvContentPartPr>
+            <p14:xfrm>
+              <a:off x="10672833" y="2661393"/>
+              <a:ext cx="462600" cy="280800"/>
+            </p14:xfrm>
+          </p:contentPart>
+        </mc:Choice>
+        <mc:Fallback xmlns="">
+          <p:pic>
+            <p:nvPicPr>
+              <p:cNvPr id="107" name="インク 106">
+                <a:extLst>
+                  <a:ext uri="{FF2B5EF4-FFF2-40B4-BE49-F238E27FC236}">
+                    <a16:creationId xmlns:a16="http://schemas.microsoft.com/office/drawing/2014/main" id="{2F57E28E-D1D6-4A8D-8580-B6CF3F9B4A08}"/>
+                  </a:ext>
+                </a:extLst>
+              </p:cNvPr>
+              <p:cNvPicPr/>
+              <p:nvPr/>
+            </p:nvPicPr>
+            <p:blipFill>
+              <a:blip r:embed="rId103"/>
+              <a:stretch>
+                <a:fillRect/>
+              </a:stretch>
+            </p:blipFill>
+            <p:spPr>
+              <a:xfrm>
+                <a:off x="10618833" y="2553753"/>
+                <a:ext cx="570240" cy="496440"/>
+              </a:xfrm>
+              <a:prstGeom prst="rect">
+                <a:avLst/>
+              </a:prstGeom>
+            </p:spPr>
+          </p:pic>
+        </mc:Fallback>
+      </mc:AlternateContent>
+      <mc:AlternateContent xmlns:mc="http://schemas.openxmlformats.org/markup-compatibility/2006" xmlns:p14="http://schemas.microsoft.com/office/powerpoint/2010/main">
+        <mc:Choice Requires="p14">
+          <p:contentPart p14:bwMode="auto" r:id="rId104">
+            <p14:nvContentPartPr>
+              <p14:cNvPr id="106" name="インク 105">
+                <a:extLst>
+                  <a:ext uri="{FF2B5EF4-FFF2-40B4-BE49-F238E27FC236}">
+                    <a16:creationId xmlns:a16="http://schemas.microsoft.com/office/drawing/2014/main" id="{8F2C9E1A-88E5-48CA-9E66-9CA055BEFABE}"/>
+                  </a:ext>
+                </a:extLst>
+              </p14:cNvPr>
+              <p14:cNvContentPartPr/>
+              <p14:nvPr/>
+            </p14:nvContentPartPr>
+            <p14:xfrm>
+              <a:off x="10663833" y="2714673"/>
+              <a:ext cx="471240" cy="309600"/>
+            </p14:xfrm>
+          </p:contentPart>
+        </mc:Choice>
+        <mc:Fallback xmlns="">
+          <p:pic>
+            <p:nvPicPr>
+              <p:cNvPr id="106" name="インク 105">
+                <a:extLst>
+                  <a:ext uri="{FF2B5EF4-FFF2-40B4-BE49-F238E27FC236}">
+                    <a16:creationId xmlns:a16="http://schemas.microsoft.com/office/drawing/2014/main" id="{8F2C9E1A-88E5-48CA-9E66-9CA055BEFABE}"/>
+                  </a:ext>
+                </a:extLst>
+              </p:cNvPr>
+              <p:cNvPicPr/>
+              <p:nvPr/>
+            </p:nvPicPr>
+            <p:blipFill>
+              <a:blip r:embed="rId105"/>
+              <a:stretch>
+                <a:fillRect/>
+              </a:stretch>
+            </p:blipFill>
+            <p:spPr>
+              <a:xfrm>
+                <a:off x="10610193" y="2607033"/>
+                <a:ext cx="578880" cy="525240"/>
+              </a:xfrm>
+              <a:prstGeom prst="rect">
+                <a:avLst/>
+              </a:prstGeom>
+            </p:spPr>
+          </p:pic>
+        </mc:Fallback>
+      </mc:AlternateContent>
+      <mc:AlternateContent xmlns:mc="http://schemas.openxmlformats.org/markup-compatibility/2006" xmlns:p14="http://schemas.microsoft.com/office/powerpoint/2010/main">
+        <mc:Choice Requires="p14">
+          <p:contentPart p14:bwMode="auto" r:id="rId106">
+            <p14:nvContentPartPr>
+              <p14:cNvPr id="105" name="インク 104">
+                <a:extLst>
+                  <a:ext uri="{FF2B5EF4-FFF2-40B4-BE49-F238E27FC236}">
+                    <a16:creationId xmlns:a16="http://schemas.microsoft.com/office/drawing/2014/main" id="{60D6EEBB-A249-499D-8777-FF597141757D}"/>
+                  </a:ext>
+                </a:extLst>
+              </p14:cNvPr>
+              <p14:cNvContentPartPr/>
+              <p14:nvPr/>
+            </p14:nvContentPartPr>
+            <p14:xfrm>
+              <a:off x="10027713" y="3207873"/>
+              <a:ext cx="374760" cy="283680"/>
+            </p14:xfrm>
+          </p:contentPart>
+        </mc:Choice>
+        <mc:Fallback xmlns="">
+          <p:pic>
+            <p:nvPicPr>
+              <p:cNvPr id="105" name="インク 104">
+                <a:extLst>
+                  <a:ext uri="{FF2B5EF4-FFF2-40B4-BE49-F238E27FC236}">
+                    <a16:creationId xmlns:a16="http://schemas.microsoft.com/office/drawing/2014/main" id="{60D6EEBB-A249-499D-8777-FF597141757D}"/>
+                  </a:ext>
+                </a:extLst>
+              </p:cNvPr>
+              <p:cNvPicPr/>
+              <p:nvPr/>
+            </p:nvPicPr>
+            <p:blipFill>
+              <a:blip r:embed="rId107"/>
+              <a:stretch>
+                <a:fillRect/>
+              </a:stretch>
+            </p:blipFill>
+            <p:spPr>
+              <a:xfrm>
+                <a:off x="9973713" y="3099873"/>
+                <a:ext cx="482400" cy="499320"/>
+              </a:xfrm>
+              <a:prstGeom prst="rect">
+                <a:avLst/>
+              </a:prstGeom>
+            </p:spPr>
+          </p:pic>
+        </mc:Fallback>
+      </mc:AlternateContent>
+      <mc:AlternateContent xmlns:mc="http://schemas.openxmlformats.org/markup-compatibility/2006" xmlns:p14="http://schemas.microsoft.com/office/powerpoint/2010/main">
+        <mc:Choice Requires="p14">
+          <p:contentPart p14:bwMode="auto" r:id="rId108">
+            <p14:nvContentPartPr>
+              <p14:cNvPr id="104" name="インク 103">
+                <a:extLst>
+                  <a:ext uri="{FF2B5EF4-FFF2-40B4-BE49-F238E27FC236}">
+                    <a16:creationId xmlns:a16="http://schemas.microsoft.com/office/drawing/2014/main" id="{11E2BD49-3CC8-4B01-B537-72FF307DFB0D}"/>
+                  </a:ext>
+                </a:extLst>
+              </p14:cNvPr>
+              <p14:cNvContentPartPr/>
+              <p14:nvPr/>
+            </p14:nvContentPartPr>
+            <p14:xfrm>
+              <a:off x="10663833" y="2684433"/>
+              <a:ext cx="471240" cy="333000"/>
+            </p14:xfrm>
+          </p:contentPart>
+        </mc:Choice>
+        <mc:Fallback xmlns="">
+          <p:pic>
+            <p:nvPicPr>
+              <p:cNvPr id="104" name="インク 103">
+                <a:extLst>
+                  <a:ext uri="{FF2B5EF4-FFF2-40B4-BE49-F238E27FC236}">
+                    <a16:creationId xmlns:a16="http://schemas.microsoft.com/office/drawing/2014/main" id="{11E2BD49-3CC8-4B01-B537-72FF307DFB0D}"/>
+                  </a:ext>
+                </a:extLst>
+              </p:cNvPr>
+              <p:cNvPicPr/>
+              <p:nvPr/>
+            </p:nvPicPr>
+            <p:blipFill>
+              <a:blip r:embed="rId109"/>
+              <a:stretch>
+                <a:fillRect/>
+              </a:stretch>
+            </p:blipFill>
+            <p:spPr>
+              <a:xfrm>
+                <a:off x="10610193" y="2576433"/>
+                <a:ext cx="578880" cy="548640"/>
+              </a:xfrm>
+              <a:prstGeom prst="rect">
+                <a:avLst/>
+              </a:prstGeom>
+            </p:spPr>
+          </p:pic>
+        </mc:Fallback>
+      </mc:AlternateContent>
+      <mc:AlternateContent xmlns:mc="http://schemas.openxmlformats.org/markup-compatibility/2006" xmlns:p14="http://schemas.microsoft.com/office/powerpoint/2010/main">
+        <mc:Choice Requires="p14">
+          <p:contentPart p14:bwMode="auto" r:id="rId110">
+            <p14:nvContentPartPr>
+              <p14:cNvPr id="103" name="インク 102">
+                <a:extLst>
+                  <a:ext uri="{FF2B5EF4-FFF2-40B4-BE49-F238E27FC236}">
+                    <a16:creationId xmlns:a16="http://schemas.microsoft.com/office/drawing/2014/main" id="{7B5DADE5-B8A7-4F1B-9249-65CA2FD61947}"/>
+                  </a:ext>
+                </a:extLst>
+              </p14:cNvPr>
+              <p14:cNvContentPartPr/>
+              <p14:nvPr/>
+            </p14:nvContentPartPr>
+            <p14:xfrm>
+              <a:off x="10725753" y="2635473"/>
+              <a:ext cx="409320" cy="191520"/>
+            </p14:xfrm>
+          </p:contentPart>
+        </mc:Choice>
+        <mc:Fallback xmlns="">
+          <p:pic>
+            <p:nvPicPr>
+              <p:cNvPr id="103" name="インク 102">
+                <a:extLst>
+                  <a:ext uri="{FF2B5EF4-FFF2-40B4-BE49-F238E27FC236}">
+                    <a16:creationId xmlns:a16="http://schemas.microsoft.com/office/drawing/2014/main" id="{7B5DADE5-B8A7-4F1B-9249-65CA2FD61947}"/>
+                  </a:ext>
+                </a:extLst>
+              </p:cNvPr>
+              <p:cNvPicPr/>
+              <p:nvPr/>
+            </p:nvPicPr>
+            <p:blipFill>
+              <a:blip r:embed="rId111"/>
+              <a:stretch>
+                <a:fillRect/>
+              </a:stretch>
+            </p:blipFill>
+            <p:spPr>
+              <a:xfrm>
+                <a:off x="10672113" y="2527833"/>
+                <a:ext cx="516960" cy="407160"/>
+              </a:xfrm>
+              <a:prstGeom prst="rect">
+                <a:avLst/>
+              </a:prstGeom>
+            </p:spPr>
+          </p:pic>
+        </mc:Fallback>
+      </mc:AlternateContent>
+      <mc:AlternateContent xmlns:mc="http://schemas.openxmlformats.org/markup-compatibility/2006" xmlns:p14="http://schemas.microsoft.com/office/powerpoint/2010/main">
+        <mc:Choice Requires="p14">
+          <p:contentPart p14:bwMode="auto" r:id="rId112">
+            <p14:nvContentPartPr>
+              <p14:cNvPr id="102" name="インク 101">
+                <a:extLst>
+                  <a:ext uri="{FF2B5EF4-FFF2-40B4-BE49-F238E27FC236}">
+                    <a16:creationId xmlns:a16="http://schemas.microsoft.com/office/drawing/2014/main" id="{5F833BA8-BCC2-49A3-9B4B-22B963912CFB}"/>
+                  </a:ext>
+                </a:extLst>
+              </p14:cNvPr>
+              <p14:cNvContentPartPr/>
+              <p14:nvPr/>
+            </p14:nvContentPartPr>
+            <p14:xfrm>
+              <a:off x="9905313" y="3001593"/>
+              <a:ext cx="479880" cy="283680"/>
+            </p14:xfrm>
+          </p:contentPart>
+        </mc:Choice>
+        <mc:Fallback xmlns="">
+          <p:pic>
+            <p:nvPicPr>
+              <p:cNvPr id="102" name="インク 101">
+                <a:extLst>
+                  <a:ext uri="{FF2B5EF4-FFF2-40B4-BE49-F238E27FC236}">
+                    <a16:creationId xmlns:a16="http://schemas.microsoft.com/office/drawing/2014/main" id="{5F833BA8-BCC2-49A3-9B4B-22B963912CFB}"/>
+                  </a:ext>
+                </a:extLst>
+              </p:cNvPr>
+              <p:cNvPicPr/>
+              <p:nvPr/>
+            </p:nvPicPr>
+            <p:blipFill>
+              <a:blip r:embed="rId113"/>
+              <a:stretch>
+                <a:fillRect/>
+              </a:stretch>
+            </p:blipFill>
+            <p:spPr>
+              <a:xfrm>
+                <a:off x="9851313" y="2893593"/>
+                <a:ext cx="587520" cy="499320"/>
+              </a:xfrm>
+              <a:prstGeom prst="rect">
+                <a:avLst/>
+              </a:prstGeom>
+            </p:spPr>
+          </p:pic>
+        </mc:Fallback>
+      </mc:AlternateContent>
+      <mc:AlternateContent xmlns:mc="http://schemas.openxmlformats.org/markup-compatibility/2006" xmlns:p14="http://schemas.microsoft.com/office/powerpoint/2010/main">
+        <mc:Choice Requires="p14">
+          <p:contentPart p14:bwMode="auto" r:id="rId114">
+            <p14:nvContentPartPr>
+              <p14:cNvPr id="101" name="インク 100">
+                <a:extLst>
+                  <a:ext uri="{FF2B5EF4-FFF2-40B4-BE49-F238E27FC236}">
+                    <a16:creationId xmlns:a16="http://schemas.microsoft.com/office/drawing/2014/main" id="{ED11A887-22EE-4B39-8695-21A14AA83FEC}"/>
+                  </a:ext>
+                </a:extLst>
+              </p14:cNvPr>
+              <p14:cNvContentPartPr/>
+              <p14:nvPr/>
+            </p14:nvContentPartPr>
+            <p14:xfrm>
+              <a:off x="9904953" y="2963073"/>
+              <a:ext cx="479880" cy="335520"/>
+            </p14:xfrm>
+          </p:contentPart>
+        </mc:Choice>
+        <mc:Fallback xmlns="">
+          <p:pic>
+            <p:nvPicPr>
+              <p:cNvPr id="101" name="インク 100">
+                <a:extLst>
+                  <a:ext uri="{FF2B5EF4-FFF2-40B4-BE49-F238E27FC236}">
+                    <a16:creationId xmlns:a16="http://schemas.microsoft.com/office/drawing/2014/main" id="{ED11A887-22EE-4B39-8695-21A14AA83FEC}"/>
+                  </a:ext>
+                </a:extLst>
+              </p:cNvPr>
+              <p:cNvPicPr/>
+              <p:nvPr/>
+            </p:nvPicPr>
+            <p:blipFill>
+              <a:blip r:embed="rId115"/>
+              <a:stretch>
+                <a:fillRect/>
+              </a:stretch>
+            </p:blipFill>
+            <p:spPr>
+              <a:xfrm>
+                <a:off x="9851313" y="2855433"/>
+                <a:ext cx="587520" cy="551160"/>
+              </a:xfrm>
+              <a:prstGeom prst="rect">
+                <a:avLst/>
+              </a:prstGeom>
+            </p:spPr>
+          </p:pic>
+        </mc:Fallback>
+      </mc:AlternateContent>
+      <mc:AlternateContent xmlns:mc="http://schemas.openxmlformats.org/markup-compatibility/2006" xmlns:p14="http://schemas.microsoft.com/office/powerpoint/2010/main">
+        <mc:Choice Requires="p14">
+          <p:contentPart p14:bwMode="auto" r:id="rId116">
+            <p14:nvContentPartPr>
+              <p14:cNvPr id="100" name="インク 99">
+                <a:extLst>
+                  <a:ext uri="{FF2B5EF4-FFF2-40B4-BE49-F238E27FC236}">
+                    <a16:creationId xmlns:a16="http://schemas.microsoft.com/office/drawing/2014/main" id="{6723B7D4-29B2-47B4-A9AF-4049362E9B35}"/>
+                  </a:ext>
+                </a:extLst>
+              </p14:cNvPr>
+              <p14:cNvContentPartPr/>
+              <p14:nvPr/>
+            </p14:nvContentPartPr>
+            <p14:xfrm>
+              <a:off x="10726113" y="2581113"/>
+              <a:ext cx="265680" cy="161280"/>
+            </p14:xfrm>
+          </p:contentPart>
+        </mc:Choice>
+        <mc:Fallback xmlns="">
+          <p:pic>
+            <p:nvPicPr>
+              <p:cNvPr id="100" name="インク 99">
+                <a:extLst>
+                  <a:ext uri="{FF2B5EF4-FFF2-40B4-BE49-F238E27FC236}">
+                    <a16:creationId xmlns:a16="http://schemas.microsoft.com/office/drawing/2014/main" id="{6723B7D4-29B2-47B4-A9AF-4049362E9B35}"/>
+                  </a:ext>
+                </a:extLst>
+              </p:cNvPr>
+              <p:cNvPicPr/>
+              <p:nvPr/>
+            </p:nvPicPr>
+            <p:blipFill>
+              <a:blip r:embed="rId117"/>
+              <a:stretch>
+                <a:fillRect/>
+              </a:stretch>
+            </p:blipFill>
+            <p:spPr>
+              <a:xfrm>
+                <a:off x="10672113" y="2473113"/>
+                <a:ext cx="373320" cy="376920"/>
+              </a:xfrm>
+              <a:prstGeom prst="rect">
+                <a:avLst/>
+              </a:prstGeom>
+            </p:spPr>
+          </p:pic>
+        </mc:Fallback>
+      </mc:AlternateContent>
+      <mc:AlternateContent xmlns:mc="http://schemas.openxmlformats.org/markup-compatibility/2006" xmlns:p14="http://schemas.microsoft.com/office/powerpoint/2010/main">
+        <mc:Choice Requires="p14">
+          <p:contentPart p14:bwMode="auto" r:id="rId118">
+            <p14:nvContentPartPr>
+              <p14:cNvPr id="99" name="インク 98">
+                <a:extLst>
+                  <a:ext uri="{FF2B5EF4-FFF2-40B4-BE49-F238E27FC236}">
+                    <a16:creationId xmlns:a16="http://schemas.microsoft.com/office/drawing/2014/main" id="{9868C320-C05A-4ACC-8BAE-968ED0FB6E7D}"/>
+                  </a:ext>
+                </a:extLst>
+              </p14:cNvPr>
+              <p14:cNvContentPartPr/>
+              <p14:nvPr/>
+            </p14:nvContentPartPr>
+            <p14:xfrm>
+              <a:off x="10725753" y="2571753"/>
+              <a:ext cx="169560" cy="80640"/>
+            </p14:xfrm>
+          </p:contentPart>
+        </mc:Choice>
+        <mc:Fallback xmlns="">
+          <p:pic>
+            <p:nvPicPr>
+              <p:cNvPr id="99" name="インク 98">
+                <a:extLst>
+                  <a:ext uri="{FF2B5EF4-FFF2-40B4-BE49-F238E27FC236}">
+                    <a16:creationId xmlns:a16="http://schemas.microsoft.com/office/drawing/2014/main" id="{9868C320-C05A-4ACC-8BAE-968ED0FB6E7D}"/>
+                  </a:ext>
+                </a:extLst>
+              </p:cNvPr>
+              <p:cNvPicPr/>
+              <p:nvPr/>
+            </p:nvPicPr>
+            <p:blipFill>
+              <a:blip r:embed="rId119"/>
+              <a:stretch>
+                <a:fillRect/>
+              </a:stretch>
+            </p:blipFill>
+            <p:spPr>
+              <a:xfrm>
+                <a:off x="10672113" y="2464113"/>
+                <a:ext cx="277200" cy="296280"/>
+              </a:xfrm>
+              <a:prstGeom prst="rect">
+                <a:avLst/>
+              </a:prstGeom>
+            </p:spPr>
+          </p:pic>
+        </mc:Fallback>
+      </mc:AlternateContent>
+      <mc:AlternateContent xmlns:mc="http://schemas.openxmlformats.org/markup-compatibility/2006" xmlns:p14="http://schemas.microsoft.com/office/powerpoint/2010/main">
+        <mc:Choice Requires="p14">
+          <p:contentPart p14:bwMode="auto" r:id="rId120">
+            <p14:nvContentPartPr>
+              <p14:cNvPr id="76" name="インク 75">
+                <a:extLst>
+                  <a:ext uri="{FF2B5EF4-FFF2-40B4-BE49-F238E27FC236}">
+                    <a16:creationId xmlns:a16="http://schemas.microsoft.com/office/drawing/2014/main" id="{78346EA6-68C1-4871-BE7C-D52AEF893820}"/>
+                  </a:ext>
+                </a:extLst>
+              </p14:cNvPr>
+              <p14:cNvContentPartPr/>
+              <p14:nvPr/>
+            </p14:nvContentPartPr>
+            <p14:xfrm>
+              <a:off x="9904953" y="2797473"/>
+              <a:ext cx="515520" cy="275760"/>
+            </p14:xfrm>
+          </p:contentPart>
+        </mc:Choice>
+        <mc:Fallback xmlns="">
+          <p:pic>
+            <p:nvPicPr>
+              <p:cNvPr id="76" name="インク 75">
+                <a:extLst>
+                  <a:ext uri="{FF2B5EF4-FFF2-40B4-BE49-F238E27FC236}">
+                    <a16:creationId xmlns:a16="http://schemas.microsoft.com/office/drawing/2014/main" id="{78346EA6-68C1-4871-BE7C-D52AEF893820}"/>
+                  </a:ext>
+                </a:extLst>
+              </p:cNvPr>
+              <p:cNvPicPr/>
+              <p:nvPr/>
+            </p:nvPicPr>
+            <p:blipFill>
+              <a:blip r:embed="rId121"/>
+              <a:stretch>
+                <a:fillRect/>
+              </a:stretch>
+            </p:blipFill>
+            <p:spPr>
+              <a:xfrm>
+                <a:off x="9851313" y="2689833"/>
+                <a:ext cx="623160" cy="491400"/>
+              </a:xfrm>
+              <a:prstGeom prst="rect">
+                <a:avLst/>
+              </a:prstGeom>
+            </p:spPr>
+          </p:pic>
+        </mc:Fallback>
+      </mc:AlternateContent>
+      <mc:AlternateContent xmlns:mc="http://schemas.openxmlformats.org/markup-compatibility/2006" xmlns:p14="http://schemas.microsoft.com/office/powerpoint/2010/main">
+        <mc:Choice Requires="p14">
+          <p:contentPart p14:bwMode="auto" r:id="rId122">
+            <p14:nvContentPartPr>
+              <p14:cNvPr id="75" name="インク 74">
+                <a:extLst>
+                  <a:ext uri="{FF2B5EF4-FFF2-40B4-BE49-F238E27FC236}">
+                    <a16:creationId xmlns:a16="http://schemas.microsoft.com/office/drawing/2014/main" id="{25BBF035-8B29-4BE4-9291-BD4E0DEA2111}"/>
+                  </a:ext>
+                </a:extLst>
+              </p14:cNvPr>
+              <p14:cNvContentPartPr/>
+              <p14:nvPr/>
+            </p14:nvContentPartPr>
+            <p14:xfrm>
+              <a:off x="9905313" y="2674713"/>
+              <a:ext cx="524160" cy="403200"/>
+            </p14:xfrm>
+          </p:contentPart>
+        </mc:Choice>
+        <mc:Fallback xmlns="">
+          <p:pic>
+            <p:nvPicPr>
+              <p:cNvPr id="75" name="インク 74">
+                <a:extLst>
+                  <a:ext uri="{FF2B5EF4-FFF2-40B4-BE49-F238E27FC236}">
+                    <a16:creationId xmlns:a16="http://schemas.microsoft.com/office/drawing/2014/main" id="{25BBF035-8B29-4BE4-9291-BD4E0DEA2111}"/>
+                  </a:ext>
+                </a:extLst>
+              </p:cNvPr>
+              <p:cNvPicPr/>
+              <p:nvPr/>
+            </p:nvPicPr>
+            <p:blipFill>
+              <a:blip r:embed="rId123"/>
+              <a:stretch>
+                <a:fillRect/>
+              </a:stretch>
+            </p:blipFill>
+            <p:spPr>
+              <a:xfrm>
+                <a:off x="9851313" y="2566713"/>
+                <a:ext cx="631800" cy="618840"/>
+              </a:xfrm>
+              <a:prstGeom prst="rect">
+                <a:avLst/>
+              </a:prstGeom>
+            </p:spPr>
+          </p:pic>
+        </mc:Fallback>
+      </mc:AlternateContent>
+      <mc:AlternateContent xmlns:mc="http://schemas.openxmlformats.org/markup-compatibility/2006" xmlns:p14="http://schemas.microsoft.com/office/powerpoint/2010/main">
+        <mc:Choice Requires="p14">
+          <p:contentPart p14:bwMode="auto" r:id="rId124">
+            <p14:nvContentPartPr>
+              <p14:cNvPr id="74" name="インク 73">
+                <a:extLst>
+                  <a:ext uri="{FF2B5EF4-FFF2-40B4-BE49-F238E27FC236}">
+                    <a16:creationId xmlns:a16="http://schemas.microsoft.com/office/drawing/2014/main" id="{5C478004-B187-4C80-9C5C-1C780C820302}"/>
+                  </a:ext>
+                </a:extLst>
+              </p14:cNvPr>
+              <p14:cNvContentPartPr/>
+              <p14:nvPr/>
+            </p14:nvContentPartPr>
+            <p14:xfrm>
+              <a:off x="10435233" y="2667873"/>
+              <a:ext cx="3240" cy="2520"/>
+            </p14:xfrm>
+          </p:contentPart>
+        </mc:Choice>
+        <mc:Fallback xmlns="">
+          <p:pic>
+            <p:nvPicPr>
+              <p:cNvPr id="74" name="インク 73">
+                <a:extLst>
+                  <a:ext uri="{FF2B5EF4-FFF2-40B4-BE49-F238E27FC236}">
+                    <a16:creationId xmlns:a16="http://schemas.microsoft.com/office/drawing/2014/main" id="{5C478004-B187-4C80-9C5C-1C780C820302}"/>
+                  </a:ext>
+                </a:extLst>
+              </p:cNvPr>
+              <p:cNvPicPr/>
+              <p:nvPr/>
+            </p:nvPicPr>
+            <p:blipFill>
+              <a:blip r:embed="rId125"/>
+              <a:stretch>
+                <a:fillRect/>
+              </a:stretch>
+            </p:blipFill>
+            <p:spPr>
+              <a:xfrm>
+                <a:off x="10381593" y="2559873"/>
+                <a:ext cx="110880" cy="218160"/>
+              </a:xfrm>
+              <a:prstGeom prst="rect">
+                <a:avLst/>
+              </a:prstGeom>
+            </p:spPr>
+          </p:pic>
+        </mc:Fallback>
+      </mc:AlternateContent>
+      <mc:AlternateContent xmlns:mc="http://schemas.openxmlformats.org/markup-compatibility/2006" xmlns:p14="http://schemas.microsoft.com/office/powerpoint/2010/main">
+        <mc:Choice Requires="p14">
+          <p:contentPart p14:bwMode="auto" r:id="rId126">
+            <p14:nvContentPartPr>
+              <p14:cNvPr id="98" name="インク 97">
+                <a:extLst>
+                  <a:ext uri="{FF2B5EF4-FFF2-40B4-BE49-F238E27FC236}">
+                    <a16:creationId xmlns:a16="http://schemas.microsoft.com/office/drawing/2014/main" id="{B71C4C8F-1645-4C3C-9ED6-E4ABA2F4A540}"/>
+                  </a:ext>
+                </a:extLst>
+              </p14:cNvPr>
+              <p14:cNvContentPartPr/>
+              <p14:nvPr/>
+            </p14:nvContentPartPr>
+            <p14:xfrm>
+              <a:off x="10654473" y="2491833"/>
+              <a:ext cx="12600" cy="9720"/>
+            </p14:xfrm>
+          </p:contentPart>
+        </mc:Choice>
+        <mc:Fallback xmlns="">
+          <p:pic>
+            <p:nvPicPr>
+              <p:cNvPr id="98" name="インク 97">
+                <a:extLst>
+                  <a:ext uri="{FF2B5EF4-FFF2-40B4-BE49-F238E27FC236}">
+                    <a16:creationId xmlns:a16="http://schemas.microsoft.com/office/drawing/2014/main" id="{B71C4C8F-1645-4C3C-9ED6-E4ABA2F4A540}"/>
+                  </a:ext>
+                </a:extLst>
+              </p:cNvPr>
+              <p:cNvPicPr/>
+              <p:nvPr/>
+            </p:nvPicPr>
+            <p:blipFill>
+              <a:blip r:embed="rId127"/>
+              <a:stretch>
+                <a:fillRect/>
+              </a:stretch>
+            </p:blipFill>
+            <p:spPr>
+              <a:xfrm>
+                <a:off x="10600473" y="2384193"/>
+                <a:ext cx="120240" cy="225360"/>
+              </a:xfrm>
+              <a:prstGeom prst="rect">
+                <a:avLst/>
+              </a:prstGeom>
+            </p:spPr>
+          </p:pic>
+        </mc:Fallback>
+      </mc:AlternateContent>
+      <mc:AlternateContent xmlns:mc="http://schemas.openxmlformats.org/markup-compatibility/2006" xmlns:p14="http://schemas.microsoft.com/office/powerpoint/2010/main">
+        <mc:Choice Requires="p14">
+          <p:contentPart p14:bwMode="auto" r:id="rId128">
+            <p14:nvContentPartPr>
+              <p14:cNvPr id="69" name="インク 68">
+                <a:extLst>
+                  <a:ext uri="{FF2B5EF4-FFF2-40B4-BE49-F238E27FC236}">
+                    <a16:creationId xmlns:a16="http://schemas.microsoft.com/office/drawing/2014/main" id="{B3D3A2B8-1AE1-4F64-B8AB-372EED20D465}"/>
+                  </a:ext>
+                </a:extLst>
+              </p14:cNvPr>
+              <p14:cNvContentPartPr/>
+              <p14:nvPr/>
+            </p14:nvContentPartPr>
+            <p14:xfrm>
+              <a:off x="9895953" y="2394633"/>
+              <a:ext cx="516600" cy="275400"/>
+            </p14:xfrm>
+          </p:contentPart>
+        </mc:Choice>
+        <mc:Fallback xmlns="">
+          <p:pic>
+            <p:nvPicPr>
+              <p:cNvPr id="69" name="インク 68">
+                <a:extLst>
+                  <a:ext uri="{FF2B5EF4-FFF2-40B4-BE49-F238E27FC236}">
+                    <a16:creationId xmlns:a16="http://schemas.microsoft.com/office/drawing/2014/main" id="{B3D3A2B8-1AE1-4F64-B8AB-372EED20D465}"/>
+                  </a:ext>
+                </a:extLst>
+              </p:cNvPr>
+              <p:cNvPicPr/>
+              <p:nvPr/>
+            </p:nvPicPr>
+            <p:blipFill>
+              <a:blip r:embed="rId129"/>
+              <a:stretch>
+                <a:fillRect/>
+              </a:stretch>
+            </p:blipFill>
+            <p:spPr>
+              <a:xfrm>
+                <a:off x="9842313" y="2286633"/>
+                <a:ext cx="624240" cy="491040"/>
+              </a:xfrm>
+              <a:prstGeom prst="rect">
+                <a:avLst/>
+              </a:prstGeom>
+            </p:spPr>
+          </p:pic>
+        </mc:Fallback>
+      </mc:AlternateContent>
+      <mc:AlternateContent xmlns:mc="http://schemas.openxmlformats.org/markup-compatibility/2006" xmlns:p14="http://schemas.microsoft.com/office/powerpoint/2010/main">
+        <mc:Choice Requires="p14">
+          <p:contentPart p14:bwMode="auto" r:id="rId130">
+            <p14:nvContentPartPr>
+              <p14:cNvPr id="97" name="インク 96">
+                <a:extLst>
+                  <a:ext uri="{FF2B5EF4-FFF2-40B4-BE49-F238E27FC236}">
+                    <a16:creationId xmlns:a16="http://schemas.microsoft.com/office/drawing/2014/main" id="{E1186C81-719E-49C7-B927-81B0411836A7}"/>
+                  </a:ext>
+                </a:extLst>
+              </p14:cNvPr>
+              <p14:cNvContentPartPr/>
+              <p14:nvPr/>
+            </p14:nvContentPartPr>
+            <p14:xfrm>
+              <a:off x="9896313" y="2531793"/>
+              <a:ext cx="559800" cy="183960"/>
+            </p14:xfrm>
+          </p:contentPart>
+        </mc:Choice>
+        <mc:Fallback xmlns="">
+          <p:pic>
+            <p:nvPicPr>
+              <p:cNvPr id="97" name="インク 96">
+                <a:extLst>
+                  <a:ext uri="{FF2B5EF4-FFF2-40B4-BE49-F238E27FC236}">
+                    <a16:creationId xmlns:a16="http://schemas.microsoft.com/office/drawing/2014/main" id="{E1186C81-719E-49C7-B927-81B0411836A7}"/>
+                  </a:ext>
+                </a:extLst>
+              </p:cNvPr>
+              <p:cNvPicPr/>
+              <p:nvPr/>
+            </p:nvPicPr>
+            <p:blipFill>
+              <a:blip r:embed="rId131"/>
+              <a:stretch>
+                <a:fillRect/>
+              </a:stretch>
+            </p:blipFill>
+            <p:spPr>
+              <a:xfrm>
+                <a:off x="9842313" y="2423793"/>
+                <a:ext cx="667440" cy="399600"/>
+              </a:xfrm>
+              <a:prstGeom prst="rect">
+                <a:avLst/>
+              </a:prstGeom>
+            </p:spPr>
+          </p:pic>
+        </mc:Fallback>
+      </mc:AlternateContent>
+      <mc:AlternateContent xmlns:mc="http://schemas.openxmlformats.org/markup-compatibility/2006" xmlns:p14="http://schemas.microsoft.com/office/powerpoint/2010/main">
+        <mc:Choice Requires="p14">
+          <p:contentPart p14:bwMode="auto" r:id="rId132">
+            <p14:nvContentPartPr>
+              <p14:cNvPr id="96" name="インク 95">
+                <a:extLst>
+                  <a:ext uri="{FF2B5EF4-FFF2-40B4-BE49-F238E27FC236}">
+                    <a16:creationId xmlns:a16="http://schemas.microsoft.com/office/drawing/2014/main" id="{E582AFEB-D9CD-479C-B473-45870761626A}"/>
+                  </a:ext>
+                </a:extLst>
+              </p14:cNvPr>
+              <p14:cNvContentPartPr/>
+              <p14:nvPr/>
+            </p14:nvContentPartPr>
+            <p14:xfrm>
+              <a:off x="9896313" y="2461593"/>
+              <a:ext cx="586080" cy="239400"/>
+            </p14:xfrm>
+          </p:contentPart>
+        </mc:Choice>
+        <mc:Fallback xmlns="">
+          <p:pic>
+            <p:nvPicPr>
+              <p:cNvPr id="96" name="インク 95">
+                <a:extLst>
+                  <a:ext uri="{FF2B5EF4-FFF2-40B4-BE49-F238E27FC236}">
+                    <a16:creationId xmlns:a16="http://schemas.microsoft.com/office/drawing/2014/main" id="{E582AFEB-D9CD-479C-B473-45870761626A}"/>
+                  </a:ext>
+                </a:extLst>
+              </p:cNvPr>
+              <p:cNvPicPr/>
+              <p:nvPr/>
+            </p:nvPicPr>
+            <p:blipFill>
+              <a:blip r:embed="rId133"/>
+              <a:stretch>
+                <a:fillRect/>
+              </a:stretch>
+            </p:blipFill>
+            <p:spPr>
+              <a:xfrm>
+                <a:off x="9842313" y="2353953"/>
+                <a:ext cx="693720" cy="455040"/>
+              </a:xfrm>
+              <a:prstGeom prst="rect">
+                <a:avLst/>
+              </a:prstGeom>
+            </p:spPr>
+          </p:pic>
+        </mc:Fallback>
+      </mc:AlternateContent>
+      <mc:AlternateContent xmlns:mc="http://schemas.openxmlformats.org/markup-compatibility/2006" xmlns:p14="http://schemas.microsoft.com/office/powerpoint/2010/main">
+        <mc:Choice Requires="p14">
+          <p:contentPart p14:bwMode="auto" r:id="rId134">
+            <p14:nvContentPartPr>
+              <p14:cNvPr id="95" name="インク 94">
+                <a:extLst>
+                  <a:ext uri="{FF2B5EF4-FFF2-40B4-BE49-F238E27FC236}">
+                    <a16:creationId xmlns:a16="http://schemas.microsoft.com/office/drawing/2014/main" id="{D5722AFC-1D36-4F41-ADD3-DD0F16563341}"/>
+                  </a:ext>
+                </a:extLst>
+              </p14:cNvPr>
+              <p14:cNvContentPartPr/>
+              <p14:nvPr/>
+            </p14:nvContentPartPr>
+            <p14:xfrm>
+              <a:off x="9898833" y="2543673"/>
+              <a:ext cx="557280" cy="256680"/>
+            </p14:xfrm>
+          </p:contentPart>
+        </mc:Choice>
+        <mc:Fallback xmlns="">
+          <p:pic>
+            <p:nvPicPr>
+              <p:cNvPr id="95" name="インク 94">
+                <a:extLst>
+                  <a:ext uri="{FF2B5EF4-FFF2-40B4-BE49-F238E27FC236}">
+                    <a16:creationId xmlns:a16="http://schemas.microsoft.com/office/drawing/2014/main" id="{D5722AFC-1D36-4F41-ADD3-DD0F16563341}"/>
+                  </a:ext>
+                </a:extLst>
+              </p:cNvPr>
+              <p:cNvPicPr/>
+              <p:nvPr/>
+            </p:nvPicPr>
+            <p:blipFill>
+              <a:blip r:embed="rId135"/>
+              <a:stretch>
+                <a:fillRect/>
+              </a:stretch>
+            </p:blipFill>
+            <p:spPr>
+              <a:xfrm>
+                <a:off x="9844833" y="2435673"/>
+                <a:ext cx="664920" cy="472320"/>
+              </a:xfrm>
+              <a:prstGeom prst="rect">
+                <a:avLst/>
+              </a:prstGeom>
+            </p:spPr>
+          </p:pic>
+        </mc:Fallback>
+      </mc:AlternateContent>
+      <mc:AlternateContent xmlns:mc="http://schemas.openxmlformats.org/markup-compatibility/2006" xmlns:p14="http://schemas.microsoft.com/office/powerpoint/2010/main">
+        <mc:Choice Requires="p14">
+          <p:contentPart p14:bwMode="auto" r:id="rId136">
+            <p14:nvContentPartPr>
+              <p14:cNvPr id="94" name="インク 93">
+                <a:extLst>
+                  <a:ext uri="{FF2B5EF4-FFF2-40B4-BE49-F238E27FC236}">
+                    <a16:creationId xmlns:a16="http://schemas.microsoft.com/office/drawing/2014/main" id="{03ABCB51-7D88-401F-98FD-AC4EA7550B91}"/>
+                  </a:ext>
+                </a:extLst>
+              </p14:cNvPr>
+              <p14:cNvContentPartPr/>
+              <p14:nvPr/>
+            </p14:nvContentPartPr>
+            <p14:xfrm>
+              <a:off x="9905313" y="2437473"/>
+              <a:ext cx="577440" cy="835920"/>
+            </p14:xfrm>
+          </p:contentPart>
+        </mc:Choice>
+        <mc:Fallback xmlns="">
+          <p:pic>
+            <p:nvPicPr>
+              <p:cNvPr id="94" name="インク 93">
+                <a:extLst>
+                  <a:ext uri="{FF2B5EF4-FFF2-40B4-BE49-F238E27FC236}">
+                    <a16:creationId xmlns:a16="http://schemas.microsoft.com/office/drawing/2014/main" id="{03ABCB51-7D88-401F-98FD-AC4EA7550B91}"/>
+                  </a:ext>
+                </a:extLst>
+              </p:cNvPr>
+              <p:cNvPicPr/>
+              <p:nvPr/>
+            </p:nvPicPr>
+            <p:blipFill>
+              <a:blip r:embed="rId137"/>
+              <a:stretch>
+                <a:fillRect/>
+              </a:stretch>
+            </p:blipFill>
+            <p:spPr>
+              <a:xfrm>
+                <a:off x="9851313" y="2329833"/>
+                <a:ext cx="685080" cy="1051560"/>
+              </a:xfrm>
+              <a:prstGeom prst="rect">
+                <a:avLst/>
+              </a:prstGeom>
+            </p:spPr>
+          </p:pic>
+        </mc:Fallback>
+      </mc:AlternateContent>
+      <mc:AlternateContent xmlns:mc="http://schemas.openxmlformats.org/markup-compatibility/2006">
+        <mc:Choice xmlns:p14="http://schemas.microsoft.com/office/powerpoint/2010/main" Requires="p14">
+          <p:contentPart p14:bwMode="auto" r:id="rId138">
+            <p14:nvContentPartPr>
+              <p14:cNvPr id="3" name="インク 2">
+                <a:extLst>
+                  <a:ext uri="{FF2B5EF4-FFF2-40B4-BE49-F238E27FC236}">
+                    <a16:creationId xmlns:a16="http://schemas.microsoft.com/office/drawing/2014/main" id="{732519AB-E690-4C4A-A56C-05444A83422E}"/>
+                  </a:ext>
+                </a:extLst>
+              </p14:cNvPr>
+              <p14:cNvContentPartPr/>
+              <p14:nvPr/>
+            </p14:nvContentPartPr>
+            <p14:xfrm>
+              <a:off x="844113" y="4066473"/>
+              <a:ext cx="666000" cy="194760"/>
+            </p14:xfrm>
+          </p:contentPart>
+        </mc:Choice>
+        <mc:Fallback>
+          <p:pic>
+            <p:nvPicPr>
+              <p:cNvPr id="3" name="インク 2">
+                <a:extLst>
+                  <a:ext uri="{FF2B5EF4-FFF2-40B4-BE49-F238E27FC236}">
+                    <a16:creationId xmlns:a16="http://schemas.microsoft.com/office/drawing/2014/main" id="{732519AB-E690-4C4A-A56C-05444A83422E}"/>
+                  </a:ext>
+                </a:extLst>
+              </p:cNvPr>
+              <p:cNvPicPr/>
+              <p:nvPr/>
+            </p:nvPicPr>
+            <p:blipFill>
+              <a:blip r:embed="rId139"/>
+              <a:stretch>
+                <a:fillRect/>
+              </a:stretch>
+            </p:blipFill>
+            <p:spPr>
+              <a:xfrm>
+                <a:off x="790473" y="3958833"/>
+                <a:ext cx="773640" cy="410400"/>
+              </a:xfrm>
+              <a:prstGeom prst="rect">
+                <a:avLst/>
+              </a:prstGeom>
+            </p:spPr>
+          </p:pic>
+        </mc:Fallback>
+      </mc:AlternateContent>
+      <mc:AlternateContent xmlns:mc="http://schemas.openxmlformats.org/markup-compatibility/2006">
+        <mc:Choice xmlns:p14="http://schemas.microsoft.com/office/powerpoint/2010/main" Requires="p14">
+          <p:contentPart p14:bwMode="auto" r:id="rId140">
+            <p14:nvContentPartPr>
+              <p14:cNvPr id="4" name="インク 3">
+                <a:extLst>
+                  <a:ext uri="{FF2B5EF4-FFF2-40B4-BE49-F238E27FC236}">
+                    <a16:creationId xmlns:a16="http://schemas.microsoft.com/office/drawing/2014/main" id="{3152B62D-D68B-4F46-99EC-7739EE928F35}"/>
+                  </a:ext>
+                </a:extLst>
+              </p14:cNvPr>
+              <p14:cNvContentPartPr/>
+              <p14:nvPr/>
+            </p14:nvContentPartPr>
+            <p14:xfrm>
+              <a:off x="5645793" y="3373113"/>
+              <a:ext cx="396360" cy="523440"/>
+            </p14:xfrm>
+          </p:contentPart>
+        </mc:Choice>
+        <mc:Fallback>
+          <p:pic>
+            <p:nvPicPr>
+              <p:cNvPr id="4" name="インク 3">
+                <a:extLst>
+                  <a:ext uri="{FF2B5EF4-FFF2-40B4-BE49-F238E27FC236}">
+                    <a16:creationId xmlns:a16="http://schemas.microsoft.com/office/drawing/2014/main" id="{3152B62D-D68B-4F46-99EC-7739EE928F35}"/>
+                  </a:ext>
+                </a:extLst>
+              </p:cNvPr>
+              <p:cNvPicPr/>
+              <p:nvPr/>
+            </p:nvPicPr>
+            <p:blipFill>
+              <a:blip r:embed="rId141"/>
+              <a:stretch>
+                <a:fillRect/>
+              </a:stretch>
+            </p:blipFill>
+            <p:spPr>
+              <a:xfrm>
+                <a:off x="5592153" y="3265113"/>
+                <a:ext cx="504000" cy="739080"/>
+              </a:xfrm>
+              <a:prstGeom prst="rect">
+                <a:avLst/>
+              </a:prstGeom>
+            </p:spPr>
+          </p:pic>
+        </mc:Fallback>
+      </mc:AlternateContent>
+      <mc:AlternateContent xmlns:mc="http://schemas.openxmlformats.org/markup-compatibility/2006">
+        <mc:Choice xmlns:p14="http://schemas.microsoft.com/office/powerpoint/2010/main" Requires="p14">
+          <p:contentPart p14:bwMode="auto" r:id="rId142">
+            <p14:nvContentPartPr>
+              <p14:cNvPr id="5" name="インク 4">
+                <a:extLst>
+                  <a:ext uri="{FF2B5EF4-FFF2-40B4-BE49-F238E27FC236}">
+                    <a16:creationId xmlns:a16="http://schemas.microsoft.com/office/drawing/2014/main" id="{2754704C-EFC0-42C2-8A69-137D5B5B46DC}"/>
+                  </a:ext>
+                </a:extLst>
+              </p14:cNvPr>
+              <p14:cNvContentPartPr/>
+              <p14:nvPr/>
+            </p14:nvContentPartPr>
+            <p14:xfrm>
+              <a:off x="9808833" y="2486793"/>
+              <a:ext cx="1530720" cy="2316600"/>
+            </p14:xfrm>
+          </p:contentPart>
+        </mc:Choice>
+        <mc:Fallback>
+          <p:pic>
+            <p:nvPicPr>
+              <p:cNvPr id="5" name="インク 4">
+                <a:extLst>
+                  <a:ext uri="{FF2B5EF4-FFF2-40B4-BE49-F238E27FC236}">
+                    <a16:creationId xmlns:a16="http://schemas.microsoft.com/office/drawing/2014/main" id="{2754704C-EFC0-42C2-8A69-137D5B5B46DC}"/>
+                  </a:ext>
+                </a:extLst>
+              </p:cNvPr>
+              <p:cNvPicPr/>
+              <p:nvPr/>
+            </p:nvPicPr>
+            <p:blipFill>
+              <a:blip r:embed="rId143"/>
+              <a:stretch>
+                <a:fillRect/>
+              </a:stretch>
+            </p:blipFill>
+            <p:spPr>
+              <a:xfrm>
+                <a:off x="9755193" y="2379153"/>
+                <a:ext cx="1638360" cy="2532240"/>
+              </a:xfrm>
+              <a:prstGeom prst="rect">
+                <a:avLst/>
+              </a:prstGeom>
+            </p:spPr>
+          </p:pic>
+        </mc:Fallback>
+      </mc:AlternateContent>
+      <p:sp>
+        <p:nvSpPr>
+          <p:cNvPr id="9" name="テキスト ボックス 8">
+            <a:extLst>
+              <a:ext uri="{FF2B5EF4-FFF2-40B4-BE49-F238E27FC236}">
+                <a16:creationId xmlns:a16="http://schemas.microsoft.com/office/drawing/2014/main" id="{F93F2CC7-5515-4FA2-B272-F4E4B2D93883}"/>
+              </a:ext>
+            </a:extLst>
+          </p:cNvPr>
+          <p:cNvSpPr txBox="1"/>
+          <p:nvPr/>
+        </p:nvSpPr>
+        <p:spPr>
+          <a:xfrm>
+            <a:off x="459564" y="935250"/>
+            <a:ext cx="8480249" cy="923330"/>
+          </a:xfrm>
+          <a:prstGeom prst="rect">
+            <a:avLst/>
+          </a:prstGeom>
+          <a:noFill/>
+        </p:spPr>
+        <p:txBody>
+          <a:bodyPr wrap="square" rtlCol="0">
+            <a:spAutoFit/>
+          </a:bodyPr>
+          <a:lstStyle/>
+          <a:p>
+            <a:r>
+              <a:rPr kumimoji="1" lang="en-US" altLang="ja-JP" dirty="0"/>
+              <a:t>WASD</a:t>
+            </a:r>
+            <a:r>
+              <a:rPr kumimoji="1" lang="ja-JP" altLang="en-US" dirty="0"/>
+              <a:t>　移動</a:t>
+            </a:r>
+            <a:r>
+              <a:rPr kumimoji="1" lang="en-US" altLang="ja-JP" dirty="0"/>
+              <a:t>	E</a:t>
+            </a:r>
+            <a:r>
+              <a:rPr kumimoji="1" lang="ja-JP" altLang="en-US" dirty="0"/>
+              <a:t>　アイテム使用　　</a:t>
+            </a:r>
+            <a:r>
+              <a:rPr kumimoji="1" lang="en-US" altLang="ja-JP" dirty="0"/>
+              <a:t>SHIFT</a:t>
+            </a:r>
+            <a:r>
+              <a:rPr kumimoji="1" lang="ja-JP" altLang="en-US" dirty="0"/>
+              <a:t>　ダッシュ　　</a:t>
+            </a:r>
+            <a:r>
+              <a:rPr kumimoji="1" lang="en-US" altLang="ja-JP" dirty="0"/>
+              <a:t>SPACE</a:t>
+            </a:r>
+            <a:r>
+              <a:rPr kumimoji="1" lang="ja-JP" altLang="en-US" dirty="0"/>
+              <a:t>　ジャンプ</a:t>
+            </a:r>
+            <a:endParaRPr kumimoji="1" lang="en-US" altLang="ja-JP" dirty="0"/>
+          </a:p>
+          <a:p>
+            <a:endParaRPr lang="en-US" altLang="ja-JP" dirty="0"/>
+          </a:p>
+          <a:p>
+            <a:r>
+              <a:rPr kumimoji="1" lang="en-US" altLang="ja-JP" dirty="0"/>
+              <a:t>ENTER</a:t>
+            </a:r>
+            <a:r>
+              <a:rPr kumimoji="1" lang="ja-JP" altLang="en-US" dirty="0"/>
+              <a:t>　決定　　</a:t>
+            </a:r>
+            <a:r>
+              <a:rPr kumimoji="1" lang="en-US" altLang="ja-JP" dirty="0"/>
+              <a:t>F</a:t>
+            </a:r>
+            <a:r>
+              <a:rPr kumimoji="1" lang="ja-JP" altLang="en-US" dirty="0"/>
+              <a:t>　回避行動　　マウス左　弱攻撃　　マウス右　特殊攻撃</a:t>
+            </a:r>
+          </a:p>
+        </p:txBody>
+      </p:sp>
+      <mc:AlternateContent xmlns:mc="http://schemas.openxmlformats.org/markup-compatibility/2006">
+        <mc:Choice xmlns:p14="http://schemas.microsoft.com/office/powerpoint/2010/main" Requires="p14">
+          <p:contentPart p14:bwMode="auto" r:id="rId144">
+            <p14:nvContentPartPr>
+              <p14:cNvPr id="11" name="インク 10">
+                <a:extLst>
+                  <a:ext uri="{FF2B5EF4-FFF2-40B4-BE49-F238E27FC236}">
+                    <a16:creationId xmlns:a16="http://schemas.microsoft.com/office/drawing/2014/main" id="{3E37CBFB-2411-4C0F-A607-62C63D0E1DF0}"/>
+                  </a:ext>
+                </a:extLst>
+              </p14:cNvPr>
+              <p14:cNvContentPartPr/>
+              <p14:nvPr/>
+            </p14:nvContentPartPr>
+            <p14:xfrm>
+              <a:off x="2528553" y="3747513"/>
+              <a:ext cx="279000" cy="107280"/>
+            </p14:xfrm>
+          </p:contentPart>
+        </mc:Choice>
+        <mc:Fallback>
+          <p:pic>
+            <p:nvPicPr>
+              <p:cNvPr id="11" name="インク 10">
+                <a:extLst>
+                  <a:ext uri="{FF2B5EF4-FFF2-40B4-BE49-F238E27FC236}">
+                    <a16:creationId xmlns:a16="http://schemas.microsoft.com/office/drawing/2014/main" id="{3E37CBFB-2411-4C0F-A607-62C63D0E1DF0}"/>
+                  </a:ext>
+                </a:extLst>
+              </p:cNvPr>
+              <p:cNvPicPr/>
+              <p:nvPr/>
+            </p:nvPicPr>
+            <p:blipFill>
+              <a:blip r:embed="rId145"/>
+              <a:stretch>
+                <a:fillRect/>
+              </a:stretch>
+            </p:blipFill>
+            <p:spPr>
+              <a:xfrm>
+                <a:off x="2474553" y="3639873"/>
+                <a:ext cx="386640" cy="322920"/>
+              </a:xfrm>
+              <a:prstGeom prst="rect">
+                <a:avLst/>
+              </a:prstGeom>
+            </p:spPr>
+          </p:pic>
+        </mc:Fallback>
+      </mc:AlternateContent>
+      <mc:AlternateContent xmlns:mc="http://schemas.openxmlformats.org/markup-compatibility/2006">
+        <mc:Choice xmlns:p14="http://schemas.microsoft.com/office/powerpoint/2010/main" Requires="p14">
+          <p:contentPart p14:bwMode="auto" r:id="rId146">
+            <p14:nvContentPartPr>
+              <p14:cNvPr id="12" name="インク 11">
+                <a:extLst>
+                  <a:ext uri="{FF2B5EF4-FFF2-40B4-BE49-F238E27FC236}">
+                    <a16:creationId xmlns:a16="http://schemas.microsoft.com/office/drawing/2014/main" id="{FFDF1EBE-1B32-4532-87AB-83B649A461BA}"/>
+                  </a:ext>
+                </a:extLst>
+              </p14:cNvPr>
+              <p14:cNvContentPartPr/>
+              <p14:nvPr/>
+            </p14:nvContentPartPr>
+            <p14:xfrm>
+              <a:off x="2178993" y="3425313"/>
+              <a:ext cx="324000" cy="108000"/>
+            </p14:xfrm>
+          </p:contentPart>
+        </mc:Choice>
+        <mc:Fallback>
+          <p:pic>
+            <p:nvPicPr>
+              <p:cNvPr id="12" name="インク 11">
+                <a:extLst>
+                  <a:ext uri="{FF2B5EF4-FFF2-40B4-BE49-F238E27FC236}">
+                    <a16:creationId xmlns:a16="http://schemas.microsoft.com/office/drawing/2014/main" id="{FFDF1EBE-1B32-4532-87AB-83B649A461BA}"/>
+                  </a:ext>
+                </a:extLst>
+              </p:cNvPr>
+              <p:cNvPicPr/>
+              <p:nvPr/>
+            </p:nvPicPr>
+            <p:blipFill>
+              <a:blip r:embed="rId147"/>
+              <a:stretch>
+                <a:fillRect/>
+              </a:stretch>
+            </p:blipFill>
+            <p:spPr>
+              <a:xfrm>
+                <a:off x="2125353" y="3317673"/>
+                <a:ext cx="431640" cy="323640"/>
+              </a:xfrm>
+              <a:prstGeom prst="rect">
+                <a:avLst/>
+              </a:prstGeom>
+            </p:spPr>
+          </p:pic>
+        </mc:Fallback>
+      </mc:AlternateContent>
     </p:spTree>
     <p:extLst>
       <p:ext uri="{BB962C8B-B14F-4D97-AF65-F5344CB8AC3E}">
         <p14:creationId xmlns:p14="http://schemas.microsoft.com/office/powerpoint/2010/main" val="2397894308"/>
+      </p:ext>
+    </p:extLst>
+  </p:cSld>
+  <p:clrMapOvr>
+    <a:masterClrMapping/>
+  </p:clrMapOvr>
+</p:sld>
+</file>
+
+<file path=ppt/slides/slide5.xml><?xml version="1.0" encoding="utf-8"?>
+<p:sld xmlns:a="http://schemas.openxmlformats.org/drawingml/2006/main" xmlns:r="http://schemas.openxmlformats.org/officeDocument/2006/relationships" xmlns:p="http://schemas.openxmlformats.org/presentationml/2006/main">
+  <p:cSld>
+    <p:spTree>
+      <p:nvGrpSpPr>
+        <p:cNvPr id="1" name=""/>
+        <p:cNvGrpSpPr/>
+        <p:nvPr/>
+      </p:nvGrpSpPr>
+      <p:grpSpPr>
+        <a:xfrm>
+          <a:off x="0" y="0"/>
+          <a:ext cx="0" cy="0"/>
+          <a:chOff x="0" y="0"/>
+          <a:chExt cx="0" cy="0"/>
+        </a:xfrm>
+      </p:grpSpPr>
+      <p:sp>
+        <p:nvSpPr>
+          <p:cNvPr id="2" name="タイトル 1">
+            <a:extLst>
+              <a:ext uri="{FF2B5EF4-FFF2-40B4-BE49-F238E27FC236}">
+                <a16:creationId xmlns:a16="http://schemas.microsoft.com/office/drawing/2014/main" id="{09DD5D70-F0B3-4C5C-A7EF-EE1D155C2022}"/>
+              </a:ext>
+            </a:extLst>
+          </p:cNvPr>
+          <p:cNvSpPr>
+            <a:spLocks noGrp="1"/>
+          </p:cNvSpPr>
+          <p:nvPr>
+            <p:ph type="title"/>
+          </p:nvPr>
+        </p:nvSpPr>
+        <p:spPr>
+          <a:xfrm>
+            <a:off x="225641" y="231960"/>
+            <a:ext cx="10515600" cy="602541"/>
+          </a:xfrm>
+        </p:spPr>
+        <p:txBody>
+          <a:bodyPr>
+            <a:normAutofit fontScale="90000"/>
+          </a:bodyPr>
+          <a:lstStyle/>
+          <a:p>
+            <a:r>
+              <a:rPr kumimoji="1" lang="ja-JP" altLang="en-US" dirty="0"/>
+              <a:t>ゲームシステム</a:t>
+            </a:r>
+            <a:r>
+              <a:rPr kumimoji="1" lang="en-US" altLang="ja-JP" dirty="0"/>
+              <a:t>1</a:t>
+            </a:r>
+            <a:endParaRPr kumimoji="1" lang="ja-JP" altLang="en-US" dirty="0"/>
+          </a:p>
+        </p:txBody>
+      </p:sp>
+      <p:sp>
+        <p:nvSpPr>
+          <p:cNvPr id="3" name="コンテンツ プレースホルダー 2">
+            <a:extLst>
+              <a:ext uri="{FF2B5EF4-FFF2-40B4-BE49-F238E27FC236}">
+                <a16:creationId xmlns:a16="http://schemas.microsoft.com/office/drawing/2014/main" id="{C7FAFC51-123D-47EB-A09F-275F18249E74}"/>
+              </a:ext>
+            </a:extLst>
+          </p:cNvPr>
+          <p:cNvSpPr>
+            <a:spLocks noGrp="1"/>
+          </p:cNvSpPr>
+          <p:nvPr>
+            <p:ph idx="1"/>
+          </p:nvPr>
+        </p:nvSpPr>
+        <p:spPr>
+          <a:xfrm>
+            <a:off x="225641" y="834501"/>
+            <a:ext cx="10515600" cy="4351338"/>
+          </a:xfrm>
+        </p:spPr>
+        <p:txBody>
+          <a:bodyPr/>
+          <a:lstStyle/>
+          <a:p>
+            <a:r>
+              <a:rPr kumimoji="1" lang="ja-JP" altLang="en-US" dirty="0"/>
+              <a:t>ステージを選択して、敵を倒しながら進んでゴール地点を目指すゲーム。</a:t>
+            </a:r>
+            <a:endParaRPr kumimoji="1" lang="en-US" altLang="ja-JP" dirty="0"/>
+          </a:p>
+          <a:p>
+            <a:endParaRPr kumimoji="1" lang="ja-JP" altLang="en-US" dirty="0"/>
+          </a:p>
+        </p:txBody>
+      </p:sp>
+    </p:spTree>
+    <p:extLst>
+      <p:ext uri="{BB962C8B-B14F-4D97-AF65-F5344CB8AC3E}">
+        <p14:creationId xmlns:p14="http://schemas.microsoft.com/office/powerpoint/2010/main" val="1054650129"/>
+      </p:ext>
+    </p:extLst>
+  </p:cSld>
+  <p:clrMapOvr>
+    <a:masterClrMapping/>
+  </p:clrMapOvr>
+</p:sld>
+</file>
+
+<file path=ppt/slides/slide6.xml><?xml version="1.0" encoding="utf-8"?>
+<p:sld xmlns:a="http://schemas.openxmlformats.org/drawingml/2006/main" xmlns:r="http://schemas.openxmlformats.org/officeDocument/2006/relationships" xmlns:p="http://schemas.openxmlformats.org/presentationml/2006/main">
+  <p:cSld>
+    <p:spTree>
+      <p:nvGrpSpPr>
+        <p:cNvPr id="1" name=""/>
+        <p:cNvGrpSpPr/>
+        <p:nvPr/>
+      </p:nvGrpSpPr>
+      <p:grpSpPr>
+        <a:xfrm>
+          <a:off x="0" y="0"/>
+          <a:ext cx="0" cy="0"/>
+          <a:chOff x="0" y="0"/>
+          <a:chExt cx="0" cy="0"/>
+        </a:xfrm>
+      </p:grpSpPr>
+      <p:sp>
+        <p:nvSpPr>
+          <p:cNvPr id="2" name="タイトル 1">
+            <a:extLst>
+              <a:ext uri="{FF2B5EF4-FFF2-40B4-BE49-F238E27FC236}">
+                <a16:creationId xmlns:a16="http://schemas.microsoft.com/office/drawing/2014/main" id="{78893C16-4CBC-4C09-944D-9E12F5ED2862}"/>
+              </a:ext>
+            </a:extLst>
+          </p:cNvPr>
+          <p:cNvSpPr>
+            <a:spLocks noGrp="1"/>
+          </p:cNvSpPr>
+          <p:nvPr>
+            <p:ph type="title"/>
+          </p:nvPr>
+        </p:nvSpPr>
+        <p:spPr>
+          <a:xfrm>
+            <a:off x="261151" y="276350"/>
+            <a:ext cx="10515600" cy="469376"/>
+          </a:xfrm>
+        </p:spPr>
+        <p:txBody>
+          <a:bodyPr>
+            <a:normAutofit fontScale="90000"/>
+          </a:bodyPr>
+          <a:lstStyle/>
+          <a:p>
+            <a:r>
+              <a:rPr kumimoji="1" lang="ja-JP" altLang="en-US" dirty="0"/>
+              <a:t>ゲームシステム</a:t>
+            </a:r>
+            <a:r>
+              <a:rPr kumimoji="1" lang="en-US" altLang="ja-JP" dirty="0"/>
+              <a:t>2</a:t>
+            </a:r>
+            <a:endParaRPr kumimoji="1" lang="ja-JP" altLang="en-US" dirty="0"/>
+          </a:p>
+        </p:txBody>
+      </p:sp>
+      <p:sp>
+        <p:nvSpPr>
+          <p:cNvPr id="3" name="コンテンツ プレースホルダー 2">
+            <a:extLst>
+              <a:ext uri="{FF2B5EF4-FFF2-40B4-BE49-F238E27FC236}">
+                <a16:creationId xmlns:a16="http://schemas.microsoft.com/office/drawing/2014/main" id="{50A17134-0AFF-4D23-A254-DB2F6FE75698}"/>
+              </a:ext>
+            </a:extLst>
+          </p:cNvPr>
+          <p:cNvSpPr>
+            <a:spLocks noGrp="1"/>
+          </p:cNvSpPr>
+          <p:nvPr>
+            <p:ph idx="1"/>
+          </p:nvPr>
+        </p:nvSpPr>
+        <p:spPr>
+          <a:xfrm>
+            <a:off x="261151" y="804695"/>
+            <a:ext cx="10515600" cy="4351338"/>
+          </a:xfrm>
+        </p:spPr>
+        <p:txBody>
+          <a:bodyPr/>
+          <a:lstStyle/>
+          <a:p>
+            <a:r>
+              <a:rPr kumimoji="1" lang="ja-JP" altLang="en-US" dirty="0"/>
+              <a:t>敵の攻撃を受けると、ダメージを受ける。</a:t>
+            </a:r>
+            <a:endParaRPr kumimoji="1" lang="en-US" altLang="ja-JP" dirty="0"/>
+          </a:p>
+          <a:p>
+            <a:r>
+              <a:rPr lang="ja-JP" altLang="en-US" dirty="0"/>
+              <a:t>ステージ内には、プレイヤーを強化する様々なアイテムがある。</a:t>
+            </a:r>
+            <a:endParaRPr lang="en-US" altLang="ja-JP" dirty="0"/>
+          </a:p>
+          <a:p>
+            <a:r>
+              <a:rPr lang="en-US" altLang="ja-JP" dirty="0"/>
+              <a:t>HP</a:t>
+            </a:r>
+            <a:r>
+              <a:rPr lang="ja-JP" altLang="en-US" dirty="0"/>
+              <a:t>がすべて無くなると、ゲームオーバー。</a:t>
+            </a:r>
+            <a:endParaRPr lang="en-US" altLang="ja-JP" dirty="0"/>
+          </a:p>
+          <a:p>
+            <a:endParaRPr lang="en-US" altLang="ja-JP" dirty="0"/>
+          </a:p>
+        </p:txBody>
+      </p:sp>
+    </p:spTree>
+    <p:extLst>
+      <p:ext uri="{BB962C8B-B14F-4D97-AF65-F5344CB8AC3E}">
+        <p14:creationId xmlns:p14="http://schemas.microsoft.com/office/powerpoint/2010/main" val="1350682829"/>
+      </p:ext>
+    </p:extLst>
+  </p:cSld>
+  <p:clrMapOvr>
+    <a:masterClrMapping/>
+  </p:clrMapOvr>
+</p:sld>
+</file>
+
+<file path=ppt/slides/slide7.xml><?xml version="1.0" encoding="utf-8"?>
+<p:sld xmlns:a="http://schemas.openxmlformats.org/drawingml/2006/main" xmlns:r="http://schemas.openxmlformats.org/officeDocument/2006/relationships" xmlns:p="http://schemas.openxmlformats.org/presentationml/2006/main">
+  <p:cSld>
+    <p:spTree>
+      <p:nvGrpSpPr>
+        <p:cNvPr id="1" name=""/>
+        <p:cNvGrpSpPr/>
+        <p:nvPr/>
+      </p:nvGrpSpPr>
+      <p:grpSpPr>
+        <a:xfrm>
+          <a:off x="0" y="0"/>
+          <a:ext cx="0" cy="0"/>
+          <a:chOff x="0" y="0"/>
+          <a:chExt cx="0" cy="0"/>
+        </a:xfrm>
+      </p:grpSpPr>
+      <p:sp>
+        <p:nvSpPr>
+          <p:cNvPr id="2" name="タイトル 1">
+            <a:extLst>
+              <a:ext uri="{FF2B5EF4-FFF2-40B4-BE49-F238E27FC236}">
+                <a16:creationId xmlns:a16="http://schemas.microsoft.com/office/drawing/2014/main" id="{F2EA8252-6F74-44AA-8DC8-71E7C64651DB}"/>
+              </a:ext>
+            </a:extLst>
+          </p:cNvPr>
+          <p:cNvSpPr>
+            <a:spLocks noGrp="1"/>
+          </p:cNvSpPr>
+          <p:nvPr>
+            <p:ph type="title"/>
+          </p:nvPr>
+        </p:nvSpPr>
+        <p:spPr>
+          <a:xfrm>
+            <a:off x="181252" y="178695"/>
+            <a:ext cx="10515600" cy="584786"/>
+          </a:xfrm>
+        </p:spPr>
+        <p:txBody>
+          <a:bodyPr>
+            <a:normAutofit fontScale="90000"/>
+          </a:bodyPr>
+          <a:lstStyle/>
+          <a:p>
+            <a:r>
+              <a:rPr kumimoji="1" lang="ja-JP" altLang="en-US" dirty="0"/>
+              <a:t>ゲームシステム</a:t>
+            </a:r>
+            <a:r>
+              <a:rPr kumimoji="1" lang="en-US" altLang="ja-JP" dirty="0"/>
+              <a:t>3</a:t>
+            </a:r>
+            <a:endParaRPr kumimoji="1" lang="ja-JP" altLang="en-US" dirty="0"/>
+          </a:p>
+        </p:txBody>
+      </p:sp>
+      <p:sp>
+        <p:nvSpPr>
+          <p:cNvPr id="3" name="コンテンツ プレースホルダー 2">
+            <a:extLst>
+              <a:ext uri="{FF2B5EF4-FFF2-40B4-BE49-F238E27FC236}">
+                <a16:creationId xmlns:a16="http://schemas.microsoft.com/office/drawing/2014/main" id="{F038D0DE-105C-4674-B8E9-68ED06CBB31A}"/>
+              </a:ext>
+            </a:extLst>
+          </p:cNvPr>
+          <p:cNvSpPr>
+            <a:spLocks noGrp="1"/>
+          </p:cNvSpPr>
+          <p:nvPr>
+            <p:ph idx="1"/>
+          </p:nvPr>
+        </p:nvSpPr>
+        <p:spPr>
+          <a:xfrm>
+            <a:off x="181252" y="795817"/>
+            <a:ext cx="11066756" cy="4351338"/>
+          </a:xfrm>
+        </p:spPr>
+        <p:txBody>
+          <a:bodyPr/>
+          <a:lstStyle/>
+          <a:p>
+            <a:r>
+              <a:rPr kumimoji="1" lang="ja-JP" altLang="en-US" dirty="0"/>
+              <a:t>各ステージの勇者を倒して、かつての魔族の拠点を取り戻そう！</a:t>
+            </a:r>
+          </a:p>
+        </p:txBody>
+      </p:sp>
+    </p:spTree>
+    <p:extLst>
+      <p:ext uri="{BB962C8B-B14F-4D97-AF65-F5344CB8AC3E}">
+        <p14:creationId xmlns:p14="http://schemas.microsoft.com/office/powerpoint/2010/main" val="2686566993"/>
       </p:ext>
     </p:extLst>
   </p:cSld>
@@ -4339,4 +10846,299 @@
     </a:ext>
   </a:extLst>
 </a:theme>
+</file>
+
+<file path=ppt/theme/theme2.xml><?xml version="1.0" encoding="utf-8"?>
+<a:theme xmlns:a="http://schemas.openxmlformats.org/drawingml/2006/main" name="Office テーマ">
+  <a:themeElements>
+    <a:clrScheme name="Office">
+      <a:dk1>
+        <a:sysClr val="windowText" lastClr="000000"/>
+      </a:dk1>
+      <a:lt1>
+        <a:sysClr val="window" lastClr="FFFFFF"/>
+      </a:lt1>
+      <a:dk2>
+        <a:srgbClr val="44546A"/>
+      </a:dk2>
+      <a:lt2>
+        <a:srgbClr val="E7E6E6"/>
+      </a:lt2>
+      <a:accent1>
+        <a:srgbClr val="4472C4"/>
+      </a:accent1>
+      <a:accent2>
+        <a:srgbClr val="ED7D31"/>
+      </a:accent2>
+      <a:accent3>
+        <a:srgbClr val="A5A5A5"/>
+      </a:accent3>
+      <a:accent4>
+        <a:srgbClr val="FFC000"/>
+      </a:accent4>
+      <a:accent5>
+        <a:srgbClr val="5B9BD5"/>
+      </a:accent5>
+      <a:accent6>
+        <a:srgbClr val="70AD47"/>
+      </a:accent6>
+      <a:hlink>
+        <a:srgbClr val="0563C1"/>
+      </a:hlink>
+      <a:folHlink>
+        <a:srgbClr val="954F72"/>
+      </a:folHlink>
+    </a:clrScheme>
+    <a:fontScheme name="Office">
+      <a:majorFont>
+        <a:latin typeface="游ゴシック Light" panose="020F0302020204030204"/>
+        <a:ea typeface=""/>
+        <a:cs typeface=""/>
+        <a:font script="Jpan" typeface="游ゴシック Light"/>
+        <a:font script="Hang" typeface="맑은 고딕"/>
+        <a:font script="Hans" typeface="等线 Light"/>
+        <a:font script="Hant" typeface="新細明體"/>
+        <a:font script="Arab" typeface="Times New Roman"/>
+        <a:font script="Hebr" typeface="Times New Roman"/>
+        <a:font script="Thai" typeface="Angsana New"/>
+        <a:font script="Ethi" typeface="Nyala"/>
+        <a:font script="Beng" typeface="Vrinda"/>
+        <a:font script="Gujr" typeface="Shruti"/>
+        <a:font script="Khmr" typeface="MoolBoran"/>
+        <a:font script="Knda" typeface="Tunga"/>
+        <a:font script="Guru" typeface="Raavi"/>
+        <a:font script="Cans" typeface="Euphemia"/>
+        <a:font script="Cher" typeface="Plantagenet Cherokee"/>
+        <a:font script="Yiii" typeface="Microsoft Yi Baiti"/>
+        <a:font script="Tibt" typeface="Microsoft Himalaya"/>
+        <a:font script="Thaa" typeface="MV Boli"/>
+        <a:font script="Deva" typeface="Mangal"/>
+        <a:font script="Telu" typeface="Gautami"/>
+        <a:font script="Taml" typeface="Latha"/>
+        <a:font script="Syrc" typeface="Estrangelo Edessa"/>
+        <a:font script="Orya" typeface="Kalinga"/>
+        <a:font script="Mlym" typeface="Kartika"/>
+        <a:font script="Laoo" typeface="DokChampa"/>
+        <a:font script="Sinh" typeface="Iskoola Pota"/>
+        <a:font script="Mong" typeface="Mongolian Baiti"/>
+        <a:font script="Viet" typeface="Times New Roman"/>
+        <a:font script="Uigh" typeface="Microsoft Uighur"/>
+        <a:font script="Geor" typeface="Sylfaen"/>
+        <a:font script="Armn" typeface="Arial"/>
+        <a:font script="Bugi" typeface="Leelawadee UI"/>
+        <a:font script="Bopo" typeface="Microsoft JhengHei"/>
+        <a:font script="Java" typeface="Javanese Text"/>
+        <a:font script="Lisu" typeface="Segoe UI"/>
+        <a:font script="Mymr" typeface="Myanmar Text"/>
+        <a:font script="Nkoo" typeface="Ebrima"/>
+        <a:font script="Olck" typeface="Nirmala UI"/>
+        <a:font script="Osma" typeface="Ebrima"/>
+        <a:font script="Phag" typeface="Phagspa"/>
+        <a:font script="Syrn" typeface="Estrangelo Edessa"/>
+        <a:font script="Syrj" typeface="Estrangelo Edessa"/>
+        <a:font script="Syre" typeface="Estrangelo Edessa"/>
+        <a:font script="Sora" typeface="Nirmala UI"/>
+        <a:font script="Tale" typeface="Microsoft Tai Le"/>
+        <a:font script="Talu" typeface="Microsoft New Tai Lue"/>
+        <a:font script="Tfng" typeface="Ebrima"/>
+      </a:majorFont>
+      <a:minorFont>
+        <a:latin typeface="游ゴシック" panose="020F0502020204030204"/>
+        <a:ea typeface=""/>
+        <a:cs typeface=""/>
+        <a:font script="Jpan" typeface="游ゴシック"/>
+        <a:font script="Hang" typeface="맑은 고딕"/>
+        <a:font script="Hans" typeface="等线"/>
+        <a:font script="Hant" typeface="新細明體"/>
+        <a:font script="Arab" typeface="Arial"/>
+        <a:font script="Hebr" typeface="Arial"/>
+        <a:font script="Thai" typeface="Cordia New"/>
+        <a:font script="Ethi" typeface="Nyala"/>
+        <a:font script="Beng" typeface="Vrinda"/>
+        <a:font script="Gujr" typeface="Shruti"/>
+        <a:font script="Khmr" typeface="DaunPenh"/>
+        <a:font script="Knda" typeface="Tunga"/>
+        <a:font script="Guru" typeface="Raavi"/>
+        <a:font script="Cans" typeface="Euphemia"/>
+        <a:font script="Cher" typeface="Plantagenet Cherokee"/>
+        <a:font script="Yiii" typeface="Microsoft Yi Baiti"/>
+        <a:font script="Tibt" typeface="Microsoft Himalaya"/>
+        <a:font script="Thaa" typeface="MV Boli"/>
+        <a:font script="Deva" typeface="Mangal"/>
+        <a:font script="Telu" typeface="Gautami"/>
+        <a:font script="Taml" typeface="Latha"/>
+        <a:font script="Syrc" typeface="Estrangelo Edessa"/>
+        <a:font script="Orya" typeface="Kalinga"/>
+        <a:font script="Mlym" typeface="Kartika"/>
+        <a:font script="Laoo" typeface="DokChampa"/>
+        <a:font script="Sinh" typeface="Iskoola Pota"/>
+        <a:font script="Mong" typeface="Mongolian Baiti"/>
+        <a:font script="Viet" typeface="Arial"/>
+        <a:font script="Uigh" typeface="Microsoft Uighur"/>
+        <a:font script="Geor" typeface="Sylfaen"/>
+        <a:font script="Armn" typeface="Arial"/>
+        <a:font script="Bugi" typeface="Leelawadee UI"/>
+        <a:font script="Bopo" typeface="Microsoft JhengHei"/>
+        <a:font script="Java" typeface="Javanese Text"/>
+        <a:font script="Lisu" typeface="Segoe UI"/>
+        <a:font script="Mymr" typeface="Myanmar Text"/>
+        <a:font script="Nkoo" typeface="Ebrima"/>
+        <a:font script="Olck" typeface="Nirmala UI"/>
+        <a:font script="Osma" typeface="Ebrima"/>
+        <a:font script="Phag" typeface="Phagspa"/>
+        <a:font script="Syrn" typeface="Estrangelo Edessa"/>
+        <a:font script="Syrj" typeface="Estrangelo Edessa"/>
+        <a:font script="Syre" typeface="Estrangelo Edessa"/>
+        <a:font script="Sora" typeface="Nirmala UI"/>
+        <a:font script="Tale" typeface="Microsoft Tai Le"/>
+        <a:font script="Talu" typeface="Microsoft New Tai Lue"/>
+        <a:font script="Tfng" typeface="Ebrima"/>
+      </a:minorFont>
+    </a:fontScheme>
+    <a:fmtScheme name="Office">
+      <a:fillStyleLst>
+        <a:solidFill>
+          <a:schemeClr val="phClr"/>
+        </a:solidFill>
+        <a:gradFill rotWithShape="1">
+          <a:gsLst>
+            <a:gs pos="0">
+              <a:schemeClr val="phClr">
+                <a:lumMod val="110000"/>
+                <a:satMod val="105000"/>
+                <a:tint val="67000"/>
+              </a:schemeClr>
+            </a:gs>
+            <a:gs pos="50000">
+              <a:schemeClr val="phClr">
+                <a:lumMod val="105000"/>
+                <a:satMod val="103000"/>
+                <a:tint val="73000"/>
+              </a:schemeClr>
+            </a:gs>
+            <a:gs pos="100000">
+              <a:schemeClr val="phClr">
+                <a:lumMod val="105000"/>
+                <a:satMod val="109000"/>
+                <a:tint val="81000"/>
+              </a:schemeClr>
+            </a:gs>
+          </a:gsLst>
+          <a:lin ang="5400000" scaled="0"/>
+        </a:gradFill>
+        <a:gradFill rotWithShape="1">
+          <a:gsLst>
+            <a:gs pos="0">
+              <a:schemeClr val="phClr">
+                <a:satMod val="103000"/>
+                <a:lumMod val="102000"/>
+                <a:tint val="94000"/>
+              </a:schemeClr>
+            </a:gs>
+            <a:gs pos="50000">
+              <a:schemeClr val="phClr">
+                <a:satMod val="110000"/>
+                <a:lumMod val="100000"/>
+                <a:shade val="100000"/>
+              </a:schemeClr>
+            </a:gs>
+            <a:gs pos="100000">
+              <a:schemeClr val="phClr">
+                <a:lumMod val="99000"/>
+                <a:satMod val="120000"/>
+                <a:shade val="78000"/>
+              </a:schemeClr>
+            </a:gs>
+          </a:gsLst>
+          <a:lin ang="5400000" scaled="0"/>
+        </a:gradFill>
+      </a:fillStyleLst>
+      <a:lnStyleLst>
+        <a:ln w="6350" cap="flat" cmpd="sng" algn="ctr">
+          <a:solidFill>
+            <a:schemeClr val="phClr"/>
+          </a:solidFill>
+          <a:prstDash val="solid"/>
+          <a:miter lim="800000"/>
+        </a:ln>
+        <a:ln w="12700" cap="flat" cmpd="sng" algn="ctr">
+          <a:solidFill>
+            <a:schemeClr val="phClr"/>
+          </a:solidFill>
+          <a:prstDash val="solid"/>
+          <a:miter lim="800000"/>
+        </a:ln>
+        <a:ln w="19050" cap="flat" cmpd="sng" algn="ctr">
+          <a:solidFill>
+            <a:schemeClr val="phClr"/>
+          </a:solidFill>
+          <a:prstDash val="solid"/>
+          <a:miter lim="800000"/>
+        </a:ln>
+      </a:lnStyleLst>
+      <a:effectStyleLst>
+        <a:effectStyle>
+          <a:effectLst/>
+        </a:effectStyle>
+        <a:effectStyle>
+          <a:effectLst/>
+        </a:effectStyle>
+        <a:effectStyle>
+          <a:effectLst>
+            <a:outerShdw blurRad="57150" dist="19050" dir="5400000" algn="ctr" rotWithShape="0">
+              <a:srgbClr val="000000">
+                <a:alpha val="63000"/>
+              </a:srgbClr>
+            </a:outerShdw>
+          </a:effectLst>
+        </a:effectStyle>
+      </a:effectStyleLst>
+      <a:bgFillStyleLst>
+        <a:solidFill>
+          <a:schemeClr val="phClr"/>
+        </a:solidFill>
+        <a:solidFill>
+          <a:schemeClr val="phClr">
+            <a:tint val="95000"/>
+            <a:satMod val="170000"/>
+          </a:schemeClr>
+        </a:solidFill>
+        <a:gradFill rotWithShape="1">
+          <a:gsLst>
+            <a:gs pos="0">
+              <a:schemeClr val="phClr">
+                <a:tint val="93000"/>
+                <a:satMod val="150000"/>
+                <a:shade val="98000"/>
+                <a:lumMod val="102000"/>
+              </a:schemeClr>
+            </a:gs>
+            <a:gs pos="50000">
+              <a:schemeClr val="phClr">
+                <a:tint val="98000"/>
+                <a:satMod val="130000"/>
+                <a:shade val="90000"/>
+                <a:lumMod val="103000"/>
+              </a:schemeClr>
+            </a:gs>
+            <a:gs pos="100000">
+              <a:schemeClr val="phClr">
+                <a:shade val="63000"/>
+                <a:satMod val="120000"/>
+              </a:schemeClr>
+            </a:gs>
+          </a:gsLst>
+          <a:lin ang="5400000" scaled="0"/>
+        </a:gradFill>
+      </a:bgFillStyleLst>
+    </a:fmtScheme>
+  </a:themeElements>
+  <a:objectDefaults/>
+  <a:extraClrSchemeLst/>
+  <a:extLst>
+    <a:ext uri="{05A4C25C-085E-4340-85A3-A5531E510DB2}">
+      <thm15:themeFamily xmlns:thm15="http://schemas.microsoft.com/office/thememl/2012/main" name="Office Theme" id="{62F939B6-93AF-4DB8-9C6B-D6C7DFDC589F}" vid="{4A3C46E8-61CC-4603-A589-7422A47A8E4A}"/>
+    </a:ext>
+  </a:extLst>
+</a:theme>
 </file>
--- a/3DLv2_2023_vs2019_Game/Plan/ゲームプレゼンテーション.pptx
+++ b/3DLv2_2023_vs2019_Game/Plan/ゲームプレゼンテーション.pptx
@@ -5,16 +5,15 @@
     <p:sldMasterId id="2147483648" r:id="rId1"/>
   </p:sldMasterIdLst>
   <p:notesMasterIdLst>
-    <p:notesMasterId r:id="rId9"/>
+    <p:notesMasterId r:id="rId8"/>
   </p:notesMasterIdLst>
   <p:sldIdLst>
     <p:sldId id="256" r:id="rId2"/>
     <p:sldId id="257" r:id="rId3"/>
     <p:sldId id="258" r:id="rId4"/>
     <p:sldId id="259" r:id="rId5"/>
-    <p:sldId id="260" r:id="rId6"/>
-    <p:sldId id="261" r:id="rId7"/>
-    <p:sldId id="262" r:id="rId8"/>
+    <p:sldId id="261" r:id="rId6"/>
+    <p:sldId id="260" r:id="rId7"/>
   </p:sldIdLst>
   <p:sldSz cx="12192000" cy="6858000"/>
   <p:notesSz cx="6858000" cy="9144000"/>
@@ -164,7 +163,7 @@
           <inkml:channelProperty channel="Y" name="resolution" value="1000" units="1/cm"/>
         </inkml:channelProperties>
       </inkml:inkSource>
-      <inkml:timestamp xml:id="ts0" timeString="2023-04-18T04:34:09.886"/>
+      <inkml:timestamp xml:id="ts0" timeString="2023-04-18T04:34:23.990"/>
     </inkml:context>
     <inkml:brush xml:id="br0">
       <inkml:brushProperty name="width" value="0.3" units="cm"/>
@@ -175,7 +174,7 @@
       <inkml:brushProperty name="ignorePressure" value="1"/>
     </inkml:brush>
   </inkml:definitions>
-  <inkml:trace contextRef="#ctx0" brushRef="#br0">5938 5469,'-180'314,"-305"534,29-42,383-674</inkml:trace>
+  <inkml:trace contextRef="#ctx0" brushRef="#br0">2286 4252,'67'-51,"310"-217,101-52,-4 17</inkml:trace>
 </inkml:ink>
 </file>
 
@@ -193,7 +192,7 @@
           <inkml:channelProperty channel="Y" name="resolution" value="1000" units="1/cm"/>
         </inkml:channelProperties>
       </inkml:inkSource>
-      <inkml:timestamp xml:id="ts0" timeString="2023-04-18T04:34:09.888"/>
+      <inkml:timestamp xml:id="ts0" timeString="2023-04-18T04:34:09.948"/>
     </inkml:context>
     <inkml:brush xml:id="br0">
       <inkml:brushProperty name="width" value="0.3" units="cm"/>
@@ -204,7 +203,7 @@
       <inkml:brushProperty name="ignorePressure" value="1"/>
     </inkml:brush>
   </inkml:definitions>
-  <inkml:trace contextRef="#ctx0" brushRef="#br0">4619 7587,'1319'-2152</inkml:trace>
+  <inkml:trace contextRef="#ctx0" brushRef="#br0">2226 4297,'39'-29</inkml:trace>
 </inkml:ink>
 </file>
 
@@ -222,7 +221,7 @@
           <inkml:channelProperty channel="Y" name="resolution" value="1000" units="1/cm"/>
         </inkml:channelProperties>
       </inkml:inkSource>
-      <inkml:timestamp xml:id="ts0" timeString="2023-04-18T04:34:09.890"/>
+      <inkml:timestamp xml:id="ts0" timeString="2023-04-18T04:34:23.989"/>
     </inkml:context>
     <inkml:brush xml:id="br0">
       <inkml:brushProperty name="width" value="0.3" units="cm"/>
@@ -233,7 +232,7 @@
       <inkml:brushProperty name="ignorePressure" value="1"/>
     </inkml:brush>
   </inkml:definitions>
-  <inkml:trace contextRef="#ctx0" brushRef="#br0">5938 5001,'-269'472,"-119"217,-373 736</inkml:trace>
+  <inkml:trace contextRef="#ctx0" brushRef="#br0">3731 3494,'-175'120,"-1155"689</inkml:trace>
 </inkml:ink>
 </file>
 
@@ -251,7 +250,7 @@
           <inkml:channelProperty channel="Y" name="resolution" value="1000" units="1/cm"/>
         </inkml:channelProperties>
       </inkml:inkSource>
-      <inkml:timestamp xml:id="ts0" timeString="2023-04-18T04:34:09.892"/>
+      <inkml:timestamp xml:id="ts0" timeString="2023-04-18T04:34:23.988"/>
     </inkml:context>
     <inkml:brush xml:id="br0">
       <inkml:brushProperty name="width" value="0.3" units="cm"/>
@@ -262,7 +261,7 @@
       <inkml:brushProperty name="ignorePressure" value="1"/>
     </inkml:brush>
   </inkml:definitions>
-  <inkml:trace contextRef="#ctx0" brushRef="#br0">5982 4727,'5'-7</inkml:trace>
+  <inkml:trace contextRef="#ctx0" brushRef="#br0">5765 2096,'-78'53,"-83"48,-72 56,-76 64,-85 60,237-174</inkml:trace>
 </inkml:ink>
 </file>
 
@@ -280,7 +279,7 @@
           <inkml:channelProperty channel="Y" name="resolution" value="1000" units="1/cm"/>
         </inkml:channelProperties>
       </inkml:inkSource>
-      <inkml:timestamp xml:id="ts0" timeString="2023-04-18T04:34:09.894"/>
+      <inkml:timestamp xml:id="ts0" timeString="2023-04-18T04:34:23.987"/>
     </inkml:context>
     <inkml:brush xml:id="br0">
       <inkml:brushProperty name="width" value="0.3" units="cm"/>
@@ -291,7 +290,7 @@
       <inkml:brushProperty name="ignorePressure" value="1"/>
     </inkml:brush>
   </inkml:definitions>
-  <inkml:trace contextRef="#ctx0" brushRef="#br0">4032 7538,'1683'-2438,"-1460"2126</inkml:trace>
+  <inkml:trace contextRef="#ctx0" brushRef="#br0">4433 2732,'390'-217,"-23"34,-84 47,-91 52,-94 51,-99 33,1 1,0-1,0 0,0 1,0-1,-1 0,1 1,0-1,0 1,0-1,0 0,0 1,0-1,0 0,0 1,0-1,0 1,0-1,0 0,0 1,1-1,-1 0,0 1,0-1,0 0,0 1,1-1,-1 0,0 1,0-1,0 0,1 0,-1 1,0-1,1 0</inkml:trace>
 </inkml:ink>
 </file>
 
@@ -309,7 +308,7 @@
           <inkml:channelProperty channel="Y" name="resolution" value="1000" units="1/cm"/>
         </inkml:channelProperties>
       </inkml:inkSource>
-      <inkml:timestamp xml:id="ts0" timeString="2023-04-18T04:34:09.896"/>
+      <inkml:timestamp xml:id="ts0" timeString="2023-04-18T04:34:23.986"/>
     </inkml:context>
     <inkml:brush xml:id="br0">
       <inkml:brushProperty name="width" value="0.3" units="cm"/>
@@ -320,7 +319,7 @@
       <inkml:brushProperty name="ignorePressure" value="1"/>
     </inkml:brush>
   </inkml:definitions>
-  <inkml:trace contextRef="#ctx0" brushRef="#br0">5938 4740,'-135'199,"-236"338,-82 127,-473 734</inkml:trace>
+  <inkml:trace contextRef="#ctx0" brushRef="#br0">2286 3975,'264'-173,"-7"19,75-37,-62 35,3 5</inkml:trace>
 </inkml:ink>
 </file>
 
@@ -338,7 +337,7 @@
           <inkml:channelProperty channel="Y" name="resolution" value="1000" units="1/cm"/>
         </inkml:channelProperties>
       </inkml:inkSource>
-      <inkml:timestamp xml:id="ts0" timeString="2023-04-18T04:34:09.898"/>
+      <inkml:timestamp xml:id="ts0" timeString="2023-04-18T04:34:23.985"/>
     </inkml:context>
     <inkml:brush xml:id="br0">
       <inkml:brushProperty name="width" value="0.3" units="cm"/>
@@ -349,7 +348,7 @@
       <inkml:brushProperty name="ignorePressure" value="1"/>
     </inkml:brush>
   </inkml:definitions>
-  <inkml:trace contextRef="#ctx0" brushRef="#br0">5987 4668,'-40'59</inkml:trace>
+  <inkml:trace contextRef="#ctx0" brushRef="#br0">3657 3120,'-531'323,"127"-62,133-81,119-82,139-90</inkml:trace>
 </inkml:ink>
 </file>
 
@@ -367,7 +366,7 @@
           <inkml:channelProperty channel="Y" name="resolution" value="1000" units="1/cm"/>
         </inkml:channelProperties>
       </inkml:inkSource>
-      <inkml:timestamp xml:id="ts0" timeString="2023-04-18T04:34:09.900"/>
+      <inkml:timestamp xml:id="ts0" timeString="2023-04-18T04:34:23.984"/>
     </inkml:context>
     <inkml:brush xml:id="br0">
       <inkml:brushProperty name="width" value="0.3" units="cm"/>
@@ -378,7 +377,7 @@
       <inkml:brushProperty name="ignorePressure" value="1"/>
     </inkml:brush>
   </inkml:definitions>
-  <inkml:trace contextRef="#ctx0" brushRef="#br0">3669 7538,'224'-338,"187"-222,933-1112,-1058 1325,-233 282</inkml:trace>
+  <inkml:trace contextRef="#ctx0" brushRef="#br0">5741 1855,'-46'26,"-1192"727</inkml:trace>
 </inkml:ink>
 </file>
 
@@ -396,7 +395,7 @@
           <inkml:channelProperty channel="Y" name="resolution" value="1000" units="1/cm"/>
         </inkml:channelProperties>
       </inkml:inkSource>
-      <inkml:timestamp xml:id="ts0" timeString="2023-04-18T04:34:09.902"/>
+      <inkml:timestamp xml:id="ts0" timeString="2023-04-18T04:34:23.983"/>
     </inkml:context>
     <inkml:brush xml:id="br0">
       <inkml:brushProperty name="width" value="0.3" units="cm"/>
@@ -407,7 +406,7 @@
       <inkml:brushProperty name="ignorePressure" value="1"/>
     </inkml:brush>
   </inkml:definitions>
-  <inkml:trace contextRef="#ctx0" brushRef="#br0">6160 3576,'-221'336,"-171"245,-1486 2464</inkml:trace>
+  <inkml:trace contextRef="#ctx0" brushRef="#br0">4433 2861,'1307'-858</inkml:trace>
 </inkml:ink>
 </file>
 
@@ -425,7 +424,7 @@
           <inkml:channelProperty channel="Y" name="resolution" value="1000" units="1/cm"/>
         </inkml:channelProperties>
       </inkml:inkSource>
-      <inkml:timestamp xml:id="ts0" timeString="2023-04-18T04:34:09.904"/>
+      <inkml:timestamp xml:id="ts0" timeString="2023-04-18T04:34:23.982"/>
     </inkml:context>
     <inkml:brush xml:id="br0">
       <inkml:brushProperty name="width" value="0.3" units="cm"/>
@@ -436,7 +435,7 @@
       <inkml:brushProperty name="ignorePressure" value="1"/>
     </inkml:brush>
   </inkml:definitions>
-  <inkml:trace contextRef="#ctx0" brushRef="#br0">6234 3464,'-68'104</inkml:trace>
+  <inkml:trace contextRef="#ctx0" brushRef="#br0">3706 3388,'-931'697,"837"-631,78-58,21-16,255-193,38-24,131-93,-380 283</inkml:trace>
 </inkml:ink>
 </file>
 
@@ -483,7 +482,7 @@
           <inkml:channelProperty channel="Y" name="resolution" value="1000" units="1/cm"/>
         </inkml:channelProperties>
       </inkml:inkSource>
-      <inkml:timestamp xml:id="ts0" timeString="2023-04-18T04:34:09.906"/>
+      <inkml:timestamp xml:id="ts0" timeString="2023-04-18T04:34:23.980"/>
     </inkml:context>
     <inkml:brush xml:id="br0">
       <inkml:brushProperty name="width" value="0.3" units="cm"/>
@@ -494,7 +493,7 @@
       <inkml:brushProperty name="ignorePressure" value="1"/>
     </inkml:brush>
   </inkml:definitions>
-  <inkml:trace contextRef="#ctx0" brushRef="#br0">3723 7538,'7'-11,"470"-765,-388 633,1675-2747,-1590 2592</inkml:trace>
+  <inkml:trace contextRef="#ctx0" brushRef="#br0">5741 1918,'-152'98,"-170"121,-80 65,-30 40</inkml:trace>
 </inkml:ink>
 </file>
 
@@ -512,7 +511,7 @@
           <inkml:channelProperty channel="Y" name="resolution" value="1000" units="1/cm"/>
         </inkml:channelProperties>
       </inkml:inkSource>
-      <inkml:timestamp xml:id="ts0" timeString="2023-04-18T04:34:09.908"/>
+      <inkml:timestamp xml:id="ts0" timeString="2023-04-18T04:34:23.979"/>
     </inkml:context>
     <inkml:brush xml:id="br0">
       <inkml:brushProperty name="width" value="0.3" units="cm"/>
@@ -523,7 +522,7 @@
       <inkml:brushProperty name="ignorePressure" value="1"/>
     </inkml:brush>
   </inkml:definitions>
-  <inkml:trace contextRef="#ctx0" brushRef="#br0">3069 7316,'335'-731,"1219"-2326,-1303 2592,-83 154,-75 131,-65 104,-51 82,-39 55,3 2,3 2,-47 72,-30 56,-33 83,-40 107,-22 88,-61 186,-177 616,380-980,16 2,68-270,13-50,-3 5,132-264,17 34,94-88,82-87,1001-1271,-1156 1472,-80 109,-76 103,-74 102,-87 129,-110 172,-106 186,-73 157,-745 1488</inkml:trace>
+  <inkml:trace contextRef="#ctx0" brushRef="#br0">4605 2314,'506'-259,"-102"77,-178 92</inkml:trace>
 </inkml:ink>
 </file>
 
@@ -541,7 +540,7 @@
           <inkml:channelProperty channel="Y" name="resolution" value="1000" units="1/cm"/>
         </inkml:channelProperties>
       </inkml:inkSource>
-      <inkml:timestamp xml:id="ts0" timeString="2023-04-18T04:34:09.910"/>
+      <inkml:timestamp xml:id="ts0" timeString="2023-04-18T04:34:23.978"/>
     </inkml:context>
     <inkml:brush xml:id="br0">
       <inkml:brushProperty name="width" value="0.3" units="cm"/>
@@ -552,7 +551,7 @@
       <inkml:brushProperty name="ignorePressure" value="1"/>
     </inkml:brush>
   </inkml:definitions>
-  <inkml:trace contextRef="#ctx0" brushRef="#br0">3437 7316,'3'-16,"2"-9,7-22,59-182,76-149,69-166,755-2007,-846 2184,-65 152,-53 137,-17 65,-16 35,-41 81,-44 100,-68 153,-71 182,-69 191,-672 1783</inkml:trace>
+  <inkml:trace contextRef="#ctx0" brushRef="#br0">2325 3586,'278'-177,"754"-422,-1010 588</inkml:trace>
 </inkml:ink>
 </file>
 
@@ -570,7 +569,7 @@
           <inkml:channelProperty channel="Y" name="resolution" value="1000" units="1/cm"/>
         </inkml:channelProperties>
       </inkml:inkSource>
-      <inkml:timestamp xml:id="ts0" timeString="2023-04-18T04:34:09.912"/>
+      <inkml:timestamp xml:id="ts0" timeString="2023-04-18T04:34:23.977"/>
     </inkml:context>
     <inkml:brush xml:id="br0">
       <inkml:brushProperty name="width" value="0.3" units="cm"/>
@@ -581,7 +580,7 @@
       <inkml:brushProperty name="ignorePressure" value="1"/>
     </inkml:brush>
   </inkml:definitions>
-  <inkml:trace contextRef="#ctx0" brushRef="#br0">3271 7316,'187'-346,"1457"-2694,-1429 2670,-188 352,-37 60,10-42,-207 550,103-279,-51 81,-1061 1991,1090-2127</inkml:trace>
+  <inkml:trace contextRef="#ctx0" brushRef="#br0">3657 2693,'-34'22,"-848"588,466-311</inkml:trace>
 </inkml:ink>
 </file>
 
@@ -599,7 +598,7 @@
           <inkml:channelProperty channel="Y" name="resolution" value="1000" units="1/cm"/>
         </inkml:channelProperties>
       </inkml:inkSource>
-      <inkml:timestamp xml:id="ts0" timeString="2023-04-18T04:34:23.993"/>
+      <inkml:timestamp xml:id="ts0" timeString="2023-04-18T04:34:23.976"/>
     </inkml:context>
     <inkml:brush xml:id="br0">
       <inkml:brushProperty name="width" value="0.3" units="cm"/>
@@ -610,7 +609,7 @@
       <inkml:brushProperty name="ignorePressure" value="1"/>
     </inkml:brush>
   </inkml:definitions>
-  <inkml:trace contextRef="#ctx0" brushRef="#br0">4089 3542,'-129'355,"-567"1519,580-1553,-87 282,191-579,13-57,69-231,-55 220,87-251,397-1168,-419 1207,4 6,-166 466,-17 45,-39 142,-39 162,-28 129,-9 190</inkml:trace>
+  <inkml:trace contextRef="#ctx0" brushRef="#br0">5342 1631,'-187'109,"-363"229</inkml:trace>
 </inkml:ink>
 </file>
 
@@ -628,7 +627,7 @@
           <inkml:channelProperty channel="Y" name="resolution" value="1000" units="1/cm"/>
         </inkml:channelProperties>
       </inkml:inkSource>
-      <inkml:timestamp xml:id="ts0" timeString="2023-04-18T04:34:23.992"/>
+      <inkml:timestamp xml:id="ts0" timeString="2023-04-18T04:34:23.975"/>
     </inkml:context>
     <inkml:brush xml:id="br0">
       <inkml:brushProperty name="width" value="0.3" units="cm"/>
@@ -639,7 +638,7 @@
       <inkml:brushProperty name="ignorePressure" value="1"/>
     </inkml:brush>
   </inkml:definitions>
-  <inkml:trace contextRef="#ctx0" brushRef="#br0">2720 7119,'99'-252,"199"-495,28-53,-23 60,-53 120,-77 178</inkml:trace>
+  <inkml:trace contextRef="#ctx0" brushRef="#br0">4605 1829,'469'-223</inkml:trace>
 </inkml:ink>
 </file>
 
@@ -657,7 +656,7 @@
           <inkml:channelProperty channel="Y" name="resolution" value="1000" units="1/cm"/>
         </inkml:channelProperties>
       </inkml:inkSource>
-      <inkml:timestamp xml:id="ts0" timeString="2023-04-18T04:34:09.916"/>
+      <inkml:timestamp xml:id="ts0" timeString="2023-04-18T04:34:19.321"/>
     </inkml:context>
     <inkml:brush xml:id="br0">
       <inkml:brushProperty name="width" value="0.3" units="cm"/>
@@ -668,7 +667,7 @@
       <inkml:brushProperty name="ignorePressure" value="1"/>
     </inkml:brush>
   </inkml:definitions>
-  <inkml:trace contextRef="#ctx0" brushRef="#br0">2461 6872,'3'-5,"173"-477,-15 14,481-1488,-561 1675,-39 99,-39 167,0 8,-1 1,0-1,0 0,-1 1,0-1,0 0,-1 0,0 0,0 0,0 0,-1 1,0-1,-1 0,1 0,-1 1,0-1,-1 1,0 0,-2-5,3 11,-1-1,1 0,0 1,-1-1,1 1,-1 0,1 0,-1 0,1 0,-1 0,1 1,0-1,-1 1,1-1,0 1,-1 0,1 0,0 0,0 0,0 0,-1 1,1-1,1 1,-1-1,0 1,0 0,1 0,-1 0,1 0,-1 0,1 0,0 0,0 0,0 0,-1 2,-11 17,1 1,1 1,2 0,0 1,1 0,1 0,-1 11,-41 160,-30 119,-34 157,-30 130,-277 1361</inkml:trace>
+  <inkml:trace contextRef="#ctx0" brushRef="#br0">2325 2997,'31'-22,"46"-28,38-16,-99 57,366-202,135-56,-224 128</inkml:trace>
 </inkml:ink>
 </file>
 
@@ -686,7 +685,7 @@
           <inkml:channelProperty channel="Y" name="resolution" value="1000" units="1/cm"/>
         </inkml:channelProperties>
       </inkml:inkSource>
-      <inkml:timestamp xml:id="ts0" timeString="2023-04-18T04:34:09.918"/>
+      <inkml:timestamp xml:id="ts0" timeString="2023-04-18T04:34:19.318"/>
     </inkml:context>
     <inkml:brush xml:id="br0">
       <inkml:brushProperty name="width" value="0.3" units="cm"/>
@@ -697,7 +696,7 @@
       <inkml:brushProperty name="ignorePressure" value="1"/>
     </inkml:brush>
   </inkml:definitions>
-  <inkml:trace contextRef="#ctx0" brushRef="#br0">2078 6018,'287'-1125,"-220"786,-64 277,-11 59,-21 152,1 195,15 1,17 72,-2-276,22 599</inkml:trace>
+  <inkml:trace contextRef="#ctx0" brushRef="#br0">3780 1891,'-1356'1043,"1257"-966</inkml:trace>
 </inkml:ink>
 </file>
 
@@ -715,7 +714,7 @@
           <inkml:channelProperty channel="Y" name="resolution" value="1000" units="1/cm"/>
         </inkml:channelProperties>
       </inkml:inkSource>
-      <inkml:timestamp xml:id="ts0" timeString="2023-04-18T04:34:09.920"/>
+      <inkml:timestamp xml:id="ts0" timeString="2023-04-18T04:34:19.320"/>
     </inkml:context>
     <inkml:brush xml:id="br0">
       <inkml:brushProperty name="width" value="0.3" units="cm"/>
@@ -726,7 +725,7 @@
       <inkml:brushProperty name="ignorePressure" value="1"/>
     </inkml:brush>
   </inkml:definitions>
-  <inkml:trace contextRef="#ctx0" brushRef="#br0">2076 5446,'-72'390</inkml:trace>
+  <inkml:trace contextRef="#ctx0" brushRef="#br0">3805 1872,'-7'6</inkml:trace>
 </inkml:ink>
 </file>
 
@@ -744,7 +743,7 @@
           <inkml:channelProperty channel="Y" name="resolution" value="1000" units="1/cm"/>
         </inkml:channelProperties>
       </inkml:inkSource>
-      <inkml:timestamp xml:id="ts0" timeString="2023-04-18T04:34:09.922"/>
+      <inkml:timestamp xml:id="ts0" timeString="2023-04-18T04:34:23.974"/>
     </inkml:context>
     <inkml:brush xml:id="br0">
       <inkml:brushProperty name="width" value="0.3" units="cm"/>
@@ -755,7 +754,7 @@
       <inkml:brushProperty name="ignorePressure" value="1"/>
     </inkml:brush>
   </inkml:definitions>
-  <inkml:trace contextRef="#ctx0" brushRef="#br0">2165 4960,'-63'345</inkml:trace>
+  <inkml:trace contextRef="#ctx0" brushRef="#br0">4440 1384,'-34'26</inkml:trace>
 </inkml:ink>
 </file>
 
@@ -802,7 +801,7 @@
           <inkml:channelProperty channel="Y" name="resolution" value="1000" units="1/cm"/>
         </inkml:channelProperties>
       </inkml:inkSource>
-      <inkml:timestamp xml:id="ts0" timeString="2023-04-18T04:34:09.924"/>
+      <inkml:timestamp xml:id="ts0" timeString="2023-04-18T04:34:23.974"/>
     </inkml:context>
     <inkml:brush xml:id="br0">
       <inkml:brushProperty name="width" value="0.3" units="cm"/>
@@ -813,7 +812,7 @@
       <inkml:brushProperty name="ignorePressure" value="1"/>
     </inkml:brush>
   </inkml:definitions>
-  <inkml:trace contextRef="#ctx0" brushRef="#br0">2226 4767,'75'-205,"-39"105,77-219,-13-4,7-98,-106 416,5-21,-1 1,-1-1,-1 0,-1-1,-1 1,-2 0,-1-9,2 33,1 1,-1-1,0 1,1-1,-1 1,0-1,0 0,0 1,0-1,-1 1,1-1,0 0,-1 1,1-1,-1 1,1-1,-1 1,0-1,0 1,0 0,1-1,-1 1,-1 0,1 0,0 0,0-1,0 1,0 0,-1 0,1 1,-1-1,1 0,0 0,-1 1,1-1,-1 1,0-1,1 1,-1 0,1 0,-1-1,0 1,1 0,-1 0,1 1,-1-1,0 0,1 1,-1-1,1 0,-1 1,1 0,-1-1,1 1,-1 0,1 0,0 0,0 0,-1 0,1 0,0 0,0 0,0 0,0 1,0-1,0 0,0 1,1-1,-1 1,0 0,-70 169,67-156,-54 194,-26 113,-18 105,41-95</inkml:trace>
+  <inkml:trace contextRef="#ctx0" brushRef="#br0">3854 1494,'-1554'511</inkml:trace>
 </inkml:ink>
 </file>
 
@@ -831,7 +830,7 @@
           <inkml:channelProperty channel="Y" name="resolution" value="1000" units="1/cm"/>
         </inkml:channelProperties>
       </inkml:inkSource>
-      <inkml:timestamp xml:id="ts0" timeString="2023-04-18T04:34:09.926"/>
+      <inkml:timestamp xml:id="ts0" timeString="2023-04-18T04:34:23.973"/>
     </inkml:context>
     <inkml:brush xml:id="br0">
       <inkml:brushProperty name="width" value="0.3" units="cm"/>
@@ -842,7 +841,7 @@
       <inkml:brushProperty name="ignorePressure" value="1"/>
     </inkml:brush>
   </inkml:definitions>
-  <inkml:trace contextRef="#ctx0" brushRef="#br0">2102 5161,'15'-59,"28"-83</inkml:trace>
+  <inkml:trace contextRef="#ctx0" brushRef="#br0">2300 1963,'332'-168,"964"-327</inkml:trace>
 </inkml:ink>
 </file>
 
@@ -860,7 +859,7 @@
           <inkml:channelProperty channel="Y" name="resolution" value="1000" units="1/cm"/>
         </inkml:channelProperties>
       </inkml:inkSource>
-      <inkml:timestamp xml:id="ts0" timeString="2023-04-18T04:34:09.928"/>
+      <inkml:timestamp xml:id="ts0" timeString="2023-04-18T04:34:23.972"/>
     </inkml:context>
     <inkml:brush xml:id="br0">
       <inkml:brushProperty name="width" value="0.3" units="cm"/>
@@ -871,7 +870,7 @@
       <inkml:brushProperty name="ignorePressure" value="1"/>
     </inkml:brush>
   </inkml:definitions>
-  <inkml:trace contextRef="#ctx0" brushRef="#br0">1977 5812,'2'-21,"3"-17,-4 19,34-194,-19 138</inkml:trace>
+  <inkml:trace contextRef="#ctx0" brushRef="#br0">3854 1527,'-3'2,"-7"3,-6 2,11-3,-117 74,-2-5,-3-6,-55 18,-598 232,602-243</inkml:trace>
 </inkml:ink>
 </file>
 
@@ -889,7 +888,7 @@
           <inkml:channelProperty channel="Y" name="resolution" value="1000" units="1/cm"/>
         </inkml:channelProperties>
       </inkml:inkSource>
-      <inkml:timestamp xml:id="ts0" timeString="2023-04-18T04:34:09.930"/>
+      <inkml:timestamp xml:id="ts0" timeString="2023-04-18T06:31:37.295"/>
     </inkml:context>
     <inkml:brush xml:id="br0">
       <inkml:brushProperty name="width" value="0.3" units="cm"/>
@@ -900,7 +899,7 @@
       <inkml:brushProperty name="ignorePressure" value="1"/>
     </inkml:brush>
   </inkml:definitions>
-  <inkml:trace contextRef="#ctx0" brushRef="#br0">2298 6354,'48'-228,"-2"10,458-2558,-493 2696,6-164,-18 245,1-1,-1 0,1 1,-1-1,1 0,-1 0,1 0,-1 1,1-1,-1 0,0 0,1 0,-1 0,1 0,-1 0,0 0,1 0,-1 0,1-1,-1 1,1 0,-1 0,1 0,-1-1,1 1,-1 0,1-1,-1 1,1 0,-1-1,1 1,-1 0,1-1,0 1,-1-1,1 1,0-1,-1 1,1-1,0 1,0-1,0 1,-1-1,1 0,0 1,0-1,0 1,0-1,0 1,0-1,0 0,0 1,0-1,0 1,0-1,1 1,-1-1,0 0,0 1,1-1,-1 1,0-1,0 1,1-1,-1 1,1 0,-1-1,0 1,1-1,-21 38,-62 207,15-6,-18 94,-394 1648,382-1673</inkml:trace>
+  <inkml:trace contextRef="#ctx0" brushRef="#br0">47 540,'252'-25,"357"26,-441-25,92 14,-42-21,2 21,-217 10,0-1,1 1,-1-1,0 0,0 0,1 0,-1 0,0-1,0 1,0-1,-1 0,1 0,0 0,-1 0,1 0,-1 0,1-1,-1 1,0-1,0 0,-1 0,1 0,0 0,-1 0,0 0,0 0,0 0,0 0,0-1,0 0,4-107,-6 91,-30-75,16 68,-41-42,42 62,-1 1,1 1,-1 0,0 1,0 1,0 0,-1 1,1 1,-1 0,1 1,0 1,-1 0,-9 3,-123 22,-189-27,105-45,87 67,-141 5,-70-27,335 1</inkml:trace>
 </inkml:ink>
 </file>
 
@@ -918,7 +917,7 @@
           <inkml:channelProperty channel="Y" name="resolution" value="1000" units="1/cm"/>
         </inkml:channelProperties>
       </inkml:inkSource>
-      <inkml:timestamp xml:id="ts0" timeString="2023-04-18T04:34:09.932"/>
+      <inkml:timestamp xml:id="ts0" timeString="2023-04-19T00:50:13.037"/>
     </inkml:context>
     <inkml:brush xml:id="br0">
       <inkml:brushProperty name="width" value="0.3" units="cm"/>
@@ -929,7 +928,7 @@
       <inkml:brushProperty name="ignorePressure" value="1"/>
     </inkml:brush>
   </inkml:definitions>
-  <inkml:trace contextRef="#ctx0" brushRef="#br0">2325 6560,'73'-204,"-34"65,-38 90,-35 109,0 25,3 1,17-40</inkml:trace>
+  <inkml:trace contextRef="#ctx0" brushRef="#br0">0 0,'0'0</inkml:trace>
 </inkml:ink>
 </file>
 
@@ -947,7 +946,7 @@
           <inkml:channelProperty channel="Y" name="resolution" value="1000" units="1/cm"/>
         </inkml:channelProperties>
       </inkml:inkSource>
-      <inkml:timestamp xml:id="ts0" timeString="2023-04-18T04:34:09.934"/>
+      <inkml:timestamp xml:id="ts0" timeString="2023-04-19T00:50:18.506"/>
     </inkml:context>
     <inkml:brush xml:id="br0">
       <inkml:brushProperty name="width" value="0.3" units="cm"/>
@@ -958,7 +957,7 @@
       <inkml:brushProperty name="ignorePressure" value="1"/>
     </inkml:brush>
   </inkml:definitions>
-  <inkml:trace contextRef="#ctx0" brushRef="#br0">2286 4213,'1337'-164,"-1059"145,40 6,-251 17,-45 3,-38 2,-142 3,-1052 31,1133-42,-35 3,0-5,0-5,-78-15,180 21,-1-1,1 0,6 1</inkml:trace>
+  <inkml:trace contextRef="#ctx0" brushRef="#br0">600 250,'-7'4,"0"-1,0 0,-1 0,1-1,-1 0,1 0,-1 0,0-1,0-1,0 1,1-1,-1-1,0 1,0-1,0-1,1 1,-1-1,0-1,1 1,0-1,-5-3,-3 1,0 0,0 1,0 0,-1 1,0 1,1 0,-1 1,0 1,0 1,0 0,1 1,-1 0,0 1,0 2,11-2,0-1,-1 1,1-1,0 0,-1-1,1 1,-1-1,1 0,-1 0,0-1,1 1,-1-1,0-1,0 1,1-1,-1 0,1 0,-1-1,1 1,-1-1,1-1,0 1,0-1,0 1,0-2,0 1,1 0,-1-1,1 0,0 0,0 0,1-1,-1 1,1-1,0 0,0 0,0 0,1 0,0-1,1 0,-1 0,1 0,1 0,-1 0,1 0,0 0,0 0,1 0,0 0,0 0,0 0,1 0,0 1,0-1,0 1,1-1,0 1,0 0,0-1,1 2,0-1,-1 0,2 1,-1 0,0 0,1 0,0 0,0 1,0 0,0 0,1 0,4-2,194-1,-117 9,72 21,49-23,-183-1</inkml:trace>
 </inkml:ink>
 </file>
 
@@ -976,7 +975,7 @@
           <inkml:channelProperty channel="Y" name="resolution" value="1000" units="1/cm"/>
         </inkml:channelProperties>
       </inkml:inkSource>
-      <inkml:timestamp xml:id="ts0" timeString="2023-04-18T04:34:09.936"/>
+      <inkml:timestamp xml:id="ts0" timeString="2023-04-19T00:50:54.144"/>
     </inkml:context>
     <inkml:brush xml:id="br0">
       <inkml:brushProperty name="width" value="0.3" units="cm"/>
@@ -987,7 +986,7 @@
       <inkml:brushProperty name="ignorePressure" value="1"/>
     </inkml:brush>
   </inkml:definitions>
-  <inkml:trace contextRef="#ctx0" brushRef="#br0">6012 4423,'-150'4,"-491"22,-158 10,-1397 24</inkml:trace>
+  <inkml:trace contextRef="#ctx0" brushRef="#br0">437 2299,'-216'44,"-5"-37,528-9,-109-14,-1-9,-1-9,20-13,-208 45,15-2,-1-1,0-2,0 0,0-1,-1-1,0-2,6-3,-26 13,1 1,0-1,-1 0,1 1,-1-1,0 0,1 0,-1 0,0 0,1 0,-1-1,0 1,0 0,0-1,0 1,0 0,0-1,0 1,-1-1,1 0,0 1,-1-1,1 1,-1-1,0 0,0 0,1 1,-1-1,0 0,-1 1,1-1,0 0,0 1,-1-1,1 0,-1 1,1-1,-1 1,0-1,1 0,-1 1,0 0,0-1,0 1,0 0,0-1,-1 1,1 0,0 0,-1 0,1 0,0 0,-1 0,1 0,-1 1,0-1,1 0,-1 1,1-1,-1 1,-1 0,-21-3,0 1,0 1,0 1,0 1,0 2,-23 4,-29 3,73-10,-10 2,1-1,-1 0,1 0,-1-1,1-1,0 0,-1-1,1 0,0-1,0-1,0 1,-8-5,16 3,1 0,0 0,0 0,0 0,1 0,0-1,0 1,0-1,0 1,1-1,0 0,1 0,-1 1,1-1,0 0,0 0,1 0,0 1,0-1,0 0,0 0,1 1,0-1,1 1,-1 0,3-4,3-11,1 2,1-1,1 1,0 1,2 0,-1 1,2 0,0 1,1 0,1 1,0 1,1 1,0 0,0 1,2 1,-1 0,1 2,1 0,-1 1,1 1,1 1,150-56,4-6,37-35,-196 93,-1-1,0-1,-1 0,0-1,-1 0,0-1,-1-1,0 0,-1 0,7-13,-16 21,1 0,-1 0,0 0,0 0,0 0,-1-1,0 1,0 0,-1-1,0 1,0 0,0-1,-1 1,0 0,0-1,-1 1,1 0,-2 0,1 0,0 0,-1 1,0-1,-1 1,-3-6,-16-40,-75-214,89 243,-2 0,0 0,-2 1,0 0,-1 1,-1 1,-11-11,18 21,-31-43,31 39,0 1,-2 0,1 0,-1 1,-1 0,0 1,-1 0,0 1,0 0,-6-2,-336-113,87 34,264 88,-28-15,0 2,-2 1,1 1,-2 1,-25-4,-109-54,98 33,56 32,-1 1,0 0,0 1,0 1,-1 0,1 1,-1 1,1 0,0 1,-14 3,12 0,6 1</inkml:trace>
 </inkml:ink>
 </file>
 
@@ -1005,7 +1004,7 @@
           <inkml:channelProperty channel="Y" name="resolution" value="1000" units="1/cm"/>
         </inkml:channelProperties>
       </inkml:inkSource>
-      <inkml:timestamp xml:id="ts0" timeString="2023-04-18T04:34:09.938"/>
+      <inkml:timestamp xml:id="ts0" timeString="2023-04-19T00:51:01.060"/>
     </inkml:context>
     <inkml:brush xml:id="br0">
       <inkml:brushProperty name="width" value="0.3" units="cm"/>
@@ -1016,7 +1015,7 @@
       <inkml:brushProperty name="ignorePressure" value="1"/>
     </inkml:brush>
   </inkml:definitions>
-  <inkml:trace contextRef="#ctx0" brushRef="#br0">6012 4407,'-742'560,"562"-434,157-128,43-27,163-101,-35 56,3 6,3 7,2 7,-48 24</inkml:trace>
+  <inkml:trace contextRef="#ctx0" brushRef="#br0">501 0,'-74'84,"-99"145,64-62,52-43,42-95,1 2,1 0,2 1,1 0,-6 31,35 71,-3-68,-6 32,-4-1,-7 93,-1-66,1-110,0-1,-1 0,-1 0,0 0,-1 0,0-1,-1 1,0-1,-1 0,-1-1,0 0,-2 3,35-40,0 1,2 1,1 1,0 2,2 1,0 1,27-11,23-16,14-10,3 5,2 3,65-19,165-12,-158 45,39-53,-167 64,125-16,-89 28,-76 9,0 0,0 0,0-1,-1 1,0-1,1 0,-1 1,0-2,0 1,0 0,-1-1,1 1,-1-1,0 1,0-1,0 0,-1 0,1 0,-1 0,0-1,0 1,0 0,-1 0,1-1,-1 1,0 0,-1-1,1 1,-1 0,1 0,-1-1,-1 1,1 0,0 0,-1 0,0 0,0 0,0 1,0-1,-1 1,0-1,1 1,-1 0,0 0,-1-1,-7-9,0-1,1 0,0-1,1 0,1-1,1 0,0 0,1 0,1-1,-1-7,6 23,1 0,0 0,0 0,0 0,0 1,0-1,0 0,0 1,0-1,0 1,0-1,0 1,1 0,-1-1,0 1,0 0,0 0,1 0,-1 0,0 0,0 0,0 0,1 0,-1 0,0 1,0-1,0 0,0 1,1-1,-1 1,0-1,0 1,0 0,0-1,0 1,0 0,-1 0,1 0,0 0,0 0,0-1,-1 2,1-1,-1 0,1 0,0 0,8 7,-3-3,0 0,0 0,0 0,0-1,1 0,0 0,-1 0,2-1,-1 0,0-1,0 0,1 0,0 0,2-1,384 0,-353-2,-29-1,0 1,0 1,0 0,0 1,0 0,0 1,0 1,-1-1,1 2,3 1,33 18,-2 3,-2 1,0 2,-1 2,2 6,-39-32,-1-3,0 1,-1 0,1 0,0 0,-1 0,0 1,0 0,0 0,0 0,0 0,-1 1,0-1,0 1,0 0,-1 0,1 0,-1 0,0 1,-1-1,1 0,-1 1,0-1,-1 1,1 0,-1-1,0 1,0-1,-1 1,0-1,0 1,0-1,0 1,-1-1,-2 4,-3 1,-2 0,1 0,-1-1,-1 0,1-1,-1 0,-1-1,0 0,0 0,0-1,-1-1,-9 4,-271 113,275-114,42-8,-14-1,415-27,217 29,-424 42,-15-16,-199-25,0 0,0 1,-1 0,1 0,-1 1,1-1,-1 1,-1 0,1 0,0 0,-1 0,0 1,0-1,0 1,-1 0,1 0,-1 1,34 46,82 120,-100-123,-23-59,0-1,-1 1,0 0,0 1,-1 0,-1 0,0 0,0 1,0 0,-1 0,0 1,-1 0,0 1,0 0,0 0,-1 1,-1 0,3-3,2 0,-1-1,1 0,0 0,1-1,0 0,0 0,1 0,1-1,0 1,0-1,1 0,0 0,1-1,0 1,1-1,0 1,1 0,0-1,1 1,1-1,-1 1,2-4,-2-20,17-173,-13 176,-2 1</inkml:trace>
 </inkml:ink>
 </file>
 
@@ -1034,7 +1033,7 @@
           <inkml:channelProperty channel="Y" name="resolution" value="1000" units="1/cm"/>
         </inkml:channelProperties>
       </inkml:inkSource>
-      <inkml:timestamp xml:id="ts0" timeString="2023-04-18T04:34:09.940"/>
+      <inkml:timestamp xml:id="ts0" timeString="2023-04-19T00:51:14.177"/>
     </inkml:context>
     <inkml:brush xml:id="br0">
       <inkml:brushProperty name="width" value="0.3" units="cm"/>
@@ -1045,7 +1044,7 @@
       <inkml:brushProperty name="ignorePressure" value="1"/>
     </inkml:brush>
   </inkml:definitions>
-  <inkml:trace contextRef="#ctx0" brushRef="#br0">6234 3287,'-369'333,"5"-6,87-67,216-195,62-65,-1 0,1 0,-1 0,1 1,-1-1,1 0,-1 0,1 0,-1 1,1-1,-1 0,0 0,1 1,-1-1,1 0,-1 1,0-1,1 1,-1-1,0 0,0 1,1-1,-1 1,0-1,0 1,1-1,-1 1,0-1,0 1,0-1,0 1,0-1,0 1,0-1,0 1,0-1,0 1,0-1,0 1,0-1,-1 1,1-1,0 1,0-1,0 1,-1-1,1 1,0-1,-1 0,1 1,0-1,-1 0,1 1,0-1,-1 0,1 1,-1-1,1 0,-1 1,1-1,-1 0,1 0,-1 0,1 0,-1 1,50-17,-45 14,599-240,-312 137</inkml:trace>
+  <inkml:trace contextRef="#ctx0" brushRef="#br0">684 1,'-169'53,"25"11,119-52,0 1,1 1,1 1,0 1,1 1,0 1,2 0,0 2,1 1,-2 3,-58 57,51-55,8-6</inkml:trace>
 </inkml:ink>
 </file>
 
@@ -1063,7 +1062,7 @@
           <inkml:channelProperty channel="Y" name="resolution" value="1000" units="1/cm"/>
         </inkml:channelProperties>
       </inkml:inkSource>
-      <inkml:timestamp xml:id="ts0" timeString="2023-04-18T04:34:09.942"/>
+      <inkml:timestamp xml:id="ts0" timeString="2023-04-19T00:51:14.687"/>
     </inkml:context>
     <inkml:brush xml:id="br0">
       <inkml:brushProperty name="width" value="0.3" units="cm"/>
@@ -1074,7 +1073,7 @@
       <inkml:brushProperty name="ignorePressure" value="1"/>
     </inkml:brush>
   </inkml:definitions>
-  <inkml:trace contextRef="#ctx0" brushRef="#br0">6086 2929,'-849'637,"638"-481,59-47,76-61,82-69,47-32,3 3,1 2,41-24,-87 65,317-224,11 15,8 15,-266 159</inkml:trace>
+  <inkml:trace contextRef="#ctx0" brushRef="#br0">0 0,'0'0</inkml:trace>
 </inkml:ink>
 </file>
 
@@ -1121,7 +1120,7 @@
           <inkml:channelProperty channel="Y" name="resolution" value="1000" units="1/cm"/>
         </inkml:channelProperties>
       </inkml:inkSource>
-      <inkml:timestamp xml:id="ts0" timeString="2023-04-18T04:34:09.944"/>
+      <inkml:timestamp xml:id="ts0" timeString="2023-04-19T00:51:19.043"/>
     </inkml:context>
     <inkml:brush xml:id="br0">
       <inkml:brushProperty name="width" value="0.3" units="cm"/>
@@ -1132,7 +1131,7 @@
       <inkml:brushProperty name="ignorePressure" value="1"/>
     </inkml:brush>
   </inkml:definitions>
-  <inkml:trace contextRef="#ctx0" brushRef="#br0">5913 2252,'-47'38,"-458"388,-2089 1875,2376-2107,141-117,148-109,165-124,168-125,152-113,1791-1238</inkml:trace>
+  <inkml:trace contextRef="#ctx0" brushRef="#br0">46 1850,'10'-302,"21"112,-3-60,47-106,-70 341,0 1,1 0,0 0,1 0,1 1,0 0,1 1,0 0,1 0,0 1,1 0,7-5,60-75,22-12,-93 96,1-1,-1 0,0 0,-1-1,0 0,-1 0,1 0,-2-1,1 0,-1 1,0-4,49-82,127-45,-41 108,-122 30,230-6,-244 10,0-1,-1 1,1 1,0-1,-1 0,0 1,1-1,-1 1,0-1,0 1,0 0,-1 0,1 0,-1 0,0 0,0 1,0-1,0 0,0 0,-1 1,1-1,-1 0,0 1,0-1,0 1,-1-1,1 0,-1 1,1-1,-1 0,0 0,-1 1,0 1,0 6,-78 419,51-195,27-203,-1 1,-2-1,-1 0,-1 0,-2-1,-2 0,0 0,-2-1,-4 3,-29 85,5 2,6 2,-9 61,-2 5,-26 131,62-293,-1 0,-1-1,-2-1,-1 0,0-1,-2 0,-13 13,-32 47,-197 280,42-140,165-180,30-30</inkml:trace>
 </inkml:ink>
 </file>
 
@@ -1150,7 +1149,7 @@
           <inkml:channelProperty channel="Y" name="resolution" value="1000" units="1/cm"/>
         </inkml:channelProperties>
       </inkml:inkSource>
-      <inkml:timestamp xml:id="ts0" timeString="2023-04-18T04:34:23.991"/>
+      <inkml:timestamp xml:id="ts0" timeString="2023-04-19T04:23:15.061"/>
     </inkml:context>
     <inkml:brush xml:id="br0">
       <inkml:brushProperty name="width" value="0.3" units="cm"/>
@@ -1161,239 +1160,7 @@
       <inkml:brushProperty name="ignorePressure" value="1"/>
     </inkml:brush>
   </inkml:definitions>
-  <inkml:trace contextRef="#ctx0" brushRef="#br0">4433 2832,'129'-82,"1074"-613</inkml:trace>
-</inkml:ink>
-</file>
-
-<file path=ppt/ink/ink42.xml><?xml version="1.0" encoding="utf-8"?>
-<inkml:ink xmlns:inkml="http://www.w3.org/2003/InkML">
-  <inkml:definitions>
-    <inkml:context xml:id="ctx0">
-      <inkml:inkSource xml:id="inkSrc0">
-        <inkml:traceFormat>
-          <inkml:channel name="X" type="integer" min="-2.14748E9" max="2.14748E9" units="cm"/>
-          <inkml:channel name="Y" type="integer" min="-2.14748E9" max="2.14748E9" units="cm"/>
-        </inkml:traceFormat>
-        <inkml:channelProperties>
-          <inkml:channelProperty channel="X" name="resolution" value="1000" units="1/cm"/>
-          <inkml:channelProperty channel="Y" name="resolution" value="1000" units="1/cm"/>
-        </inkml:channelProperties>
-      </inkml:inkSource>
-      <inkml:timestamp xml:id="ts0" timeString="2023-04-18T04:34:23.990"/>
-    </inkml:context>
-    <inkml:brush xml:id="br0">
-      <inkml:brushProperty name="width" value="0.3" units="cm"/>
-      <inkml:brushProperty name="height" value="0.6" units="cm"/>
-      <inkml:brushProperty name="color" value="#FFFC00"/>
-      <inkml:brushProperty name="tip" value="rectangle"/>
-      <inkml:brushProperty name="rasterOp" value="maskPen"/>
-      <inkml:brushProperty name="ignorePressure" value="1"/>
-    </inkml:brush>
-  </inkml:definitions>
-  <inkml:trace contextRef="#ctx0" brushRef="#br0">2286 4252,'67'-51,"310"-217,101-52,-4 17</inkml:trace>
-</inkml:ink>
-</file>
-
-<file path=ppt/ink/ink43.xml><?xml version="1.0" encoding="utf-8"?>
-<inkml:ink xmlns:inkml="http://www.w3.org/2003/InkML">
-  <inkml:definitions>
-    <inkml:context xml:id="ctx0">
-      <inkml:inkSource xml:id="inkSrc0">
-        <inkml:traceFormat>
-          <inkml:channel name="X" type="integer" min="-2.14748E9" max="2.14748E9" units="cm"/>
-          <inkml:channel name="Y" type="integer" min="-2.14748E9" max="2.14748E9" units="cm"/>
-        </inkml:traceFormat>
-        <inkml:channelProperties>
-          <inkml:channelProperty channel="X" name="resolution" value="1000" units="1/cm"/>
-          <inkml:channelProperty channel="Y" name="resolution" value="1000" units="1/cm"/>
-        </inkml:channelProperties>
-      </inkml:inkSource>
-      <inkml:timestamp xml:id="ts0" timeString="2023-04-18T04:34:09.948"/>
-    </inkml:context>
-    <inkml:brush xml:id="br0">
-      <inkml:brushProperty name="width" value="0.3" units="cm"/>
-      <inkml:brushProperty name="height" value="0.6" units="cm"/>
-      <inkml:brushProperty name="color" value="#FFFC00"/>
-      <inkml:brushProperty name="tip" value="rectangle"/>
-      <inkml:brushProperty name="rasterOp" value="maskPen"/>
-      <inkml:brushProperty name="ignorePressure" value="1"/>
-    </inkml:brush>
-  </inkml:definitions>
-  <inkml:trace contextRef="#ctx0" brushRef="#br0">2226 4297,'39'-29</inkml:trace>
-</inkml:ink>
-</file>
-
-<file path=ppt/ink/ink44.xml><?xml version="1.0" encoding="utf-8"?>
-<inkml:ink xmlns:inkml="http://www.w3.org/2003/InkML">
-  <inkml:definitions>
-    <inkml:context xml:id="ctx0">
-      <inkml:inkSource xml:id="inkSrc0">
-        <inkml:traceFormat>
-          <inkml:channel name="X" type="integer" min="-2.14748E9" max="2.14748E9" units="cm"/>
-          <inkml:channel name="Y" type="integer" min="-2.14748E9" max="2.14748E9" units="cm"/>
-        </inkml:traceFormat>
-        <inkml:channelProperties>
-          <inkml:channelProperty channel="X" name="resolution" value="1000" units="1/cm"/>
-          <inkml:channelProperty channel="Y" name="resolution" value="1000" units="1/cm"/>
-        </inkml:channelProperties>
-      </inkml:inkSource>
-      <inkml:timestamp xml:id="ts0" timeString="2023-04-18T04:34:23.989"/>
-    </inkml:context>
-    <inkml:brush xml:id="br0">
-      <inkml:brushProperty name="width" value="0.3" units="cm"/>
-      <inkml:brushProperty name="height" value="0.6" units="cm"/>
-      <inkml:brushProperty name="color" value="#FFFC00"/>
-      <inkml:brushProperty name="tip" value="rectangle"/>
-      <inkml:brushProperty name="rasterOp" value="maskPen"/>
-      <inkml:brushProperty name="ignorePressure" value="1"/>
-    </inkml:brush>
-  </inkml:definitions>
-  <inkml:trace contextRef="#ctx0" brushRef="#br0">3731 3494,'-175'120,"-1155"689</inkml:trace>
-</inkml:ink>
-</file>
-
-<file path=ppt/ink/ink45.xml><?xml version="1.0" encoding="utf-8"?>
-<inkml:ink xmlns:inkml="http://www.w3.org/2003/InkML">
-  <inkml:definitions>
-    <inkml:context xml:id="ctx0">
-      <inkml:inkSource xml:id="inkSrc0">
-        <inkml:traceFormat>
-          <inkml:channel name="X" type="integer" min="-2.14748E9" max="2.14748E9" units="cm"/>
-          <inkml:channel name="Y" type="integer" min="-2.14748E9" max="2.14748E9" units="cm"/>
-        </inkml:traceFormat>
-        <inkml:channelProperties>
-          <inkml:channelProperty channel="X" name="resolution" value="1000" units="1/cm"/>
-          <inkml:channelProperty channel="Y" name="resolution" value="1000" units="1/cm"/>
-        </inkml:channelProperties>
-      </inkml:inkSource>
-      <inkml:timestamp xml:id="ts0" timeString="2023-04-18T04:34:23.988"/>
-    </inkml:context>
-    <inkml:brush xml:id="br0">
-      <inkml:brushProperty name="width" value="0.3" units="cm"/>
-      <inkml:brushProperty name="height" value="0.6" units="cm"/>
-      <inkml:brushProperty name="color" value="#FFFC00"/>
-      <inkml:brushProperty name="tip" value="rectangle"/>
-      <inkml:brushProperty name="rasterOp" value="maskPen"/>
-      <inkml:brushProperty name="ignorePressure" value="1"/>
-    </inkml:brush>
-  </inkml:definitions>
-  <inkml:trace contextRef="#ctx0" brushRef="#br0">5765 2096,'-78'53,"-83"48,-72 56,-76 64,-85 60,237-174</inkml:trace>
-</inkml:ink>
-</file>
-
-<file path=ppt/ink/ink46.xml><?xml version="1.0" encoding="utf-8"?>
-<inkml:ink xmlns:inkml="http://www.w3.org/2003/InkML">
-  <inkml:definitions>
-    <inkml:context xml:id="ctx0">
-      <inkml:inkSource xml:id="inkSrc0">
-        <inkml:traceFormat>
-          <inkml:channel name="X" type="integer" min="-2.14748E9" max="2.14748E9" units="cm"/>
-          <inkml:channel name="Y" type="integer" min="-2.14748E9" max="2.14748E9" units="cm"/>
-        </inkml:traceFormat>
-        <inkml:channelProperties>
-          <inkml:channelProperty channel="X" name="resolution" value="1000" units="1/cm"/>
-          <inkml:channelProperty channel="Y" name="resolution" value="1000" units="1/cm"/>
-        </inkml:channelProperties>
-      </inkml:inkSource>
-      <inkml:timestamp xml:id="ts0" timeString="2023-04-18T04:34:23.987"/>
-    </inkml:context>
-    <inkml:brush xml:id="br0">
-      <inkml:brushProperty name="width" value="0.3" units="cm"/>
-      <inkml:brushProperty name="height" value="0.6" units="cm"/>
-      <inkml:brushProperty name="color" value="#FFFC00"/>
-      <inkml:brushProperty name="tip" value="rectangle"/>
-      <inkml:brushProperty name="rasterOp" value="maskPen"/>
-      <inkml:brushProperty name="ignorePressure" value="1"/>
-    </inkml:brush>
-  </inkml:definitions>
-  <inkml:trace contextRef="#ctx0" brushRef="#br0">4433 2732,'390'-217,"-23"34,-84 47,-91 52,-94 51,-99 33,1 1,0-1,0 0,0 1,0-1,-1 0,1 1,0-1,0 1,0-1,0 0,0 1,0-1,0 0,0 1,0-1,0 1,0-1,0 0,0 1,1-1,-1 0,0 1,0-1,0 0,0 1,1-1,-1 0,0 1,0-1,0 0,1 0,-1 1,0-1,1 0</inkml:trace>
-</inkml:ink>
-</file>
-
-<file path=ppt/ink/ink47.xml><?xml version="1.0" encoding="utf-8"?>
-<inkml:ink xmlns:inkml="http://www.w3.org/2003/InkML">
-  <inkml:definitions>
-    <inkml:context xml:id="ctx0">
-      <inkml:inkSource xml:id="inkSrc0">
-        <inkml:traceFormat>
-          <inkml:channel name="X" type="integer" min="-2.14748E9" max="2.14748E9" units="cm"/>
-          <inkml:channel name="Y" type="integer" min="-2.14748E9" max="2.14748E9" units="cm"/>
-        </inkml:traceFormat>
-        <inkml:channelProperties>
-          <inkml:channelProperty channel="X" name="resolution" value="1000" units="1/cm"/>
-          <inkml:channelProperty channel="Y" name="resolution" value="1000" units="1/cm"/>
-        </inkml:channelProperties>
-      </inkml:inkSource>
-      <inkml:timestamp xml:id="ts0" timeString="2023-04-18T04:34:23.986"/>
-    </inkml:context>
-    <inkml:brush xml:id="br0">
-      <inkml:brushProperty name="width" value="0.3" units="cm"/>
-      <inkml:brushProperty name="height" value="0.6" units="cm"/>
-      <inkml:brushProperty name="color" value="#FFFC00"/>
-      <inkml:brushProperty name="tip" value="rectangle"/>
-      <inkml:brushProperty name="rasterOp" value="maskPen"/>
-      <inkml:brushProperty name="ignorePressure" value="1"/>
-    </inkml:brush>
-  </inkml:definitions>
-  <inkml:trace contextRef="#ctx0" brushRef="#br0">2286 3975,'264'-173,"-7"19,75-37,-62 35,3 5</inkml:trace>
-</inkml:ink>
-</file>
-
-<file path=ppt/ink/ink48.xml><?xml version="1.0" encoding="utf-8"?>
-<inkml:ink xmlns:inkml="http://www.w3.org/2003/InkML">
-  <inkml:definitions>
-    <inkml:context xml:id="ctx0">
-      <inkml:inkSource xml:id="inkSrc0">
-        <inkml:traceFormat>
-          <inkml:channel name="X" type="integer" min="-2.14748E9" max="2.14748E9" units="cm"/>
-          <inkml:channel name="Y" type="integer" min="-2.14748E9" max="2.14748E9" units="cm"/>
-        </inkml:traceFormat>
-        <inkml:channelProperties>
-          <inkml:channelProperty channel="X" name="resolution" value="1000" units="1/cm"/>
-          <inkml:channelProperty channel="Y" name="resolution" value="1000" units="1/cm"/>
-        </inkml:channelProperties>
-      </inkml:inkSource>
-      <inkml:timestamp xml:id="ts0" timeString="2023-04-18T04:34:23.985"/>
-    </inkml:context>
-    <inkml:brush xml:id="br0">
-      <inkml:brushProperty name="width" value="0.3" units="cm"/>
-      <inkml:brushProperty name="height" value="0.6" units="cm"/>
-      <inkml:brushProperty name="color" value="#FFFC00"/>
-      <inkml:brushProperty name="tip" value="rectangle"/>
-      <inkml:brushProperty name="rasterOp" value="maskPen"/>
-      <inkml:brushProperty name="ignorePressure" value="1"/>
-    </inkml:brush>
-  </inkml:definitions>
-  <inkml:trace contextRef="#ctx0" brushRef="#br0">3657 3120,'-531'323,"127"-62,133-81,119-82,139-90</inkml:trace>
-</inkml:ink>
-</file>
-
-<file path=ppt/ink/ink49.xml><?xml version="1.0" encoding="utf-8"?>
-<inkml:ink xmlns:inkml="http://www.w3.org/2003/InkML">
-  <inkml:definitions>
-    <inkml:context xml:id="ctx0">
-      <inkml:inkSource xml:id="inkSrc0">
-        <inkml:traceFormat>
-          <inkml:channel name="X" type="integer" min="-2.14748E9" max="2.14748E9" units="cm"/>
-          <inkml:channel name="Y" type="integer" min="-2.14748E9" max="2.14748E9" units="cm"/>
-        </inkml:traceFormat>
-        <inkml:channelProperties>
-          <inkml:channelProperty channel="X" name="resolution" value="1000" units="1/cm"/>
-          <inkml:channelProperty channel="Y" name="resolution" value="1000" units="1/cm"/>
-        </inkml:channelProperties>
-      </inkml:inkSource>
-      <inkml:timestamp xml:id="ts0" timeString="2023-04-18T04:34:23.984"/>
-    </inkml:context>
-    <inkml:brush xml:id="br0">
-      <inkml:brushProperty name="width" value="0.3" units="cm"/>
-      <inkml:brushProperty name="height" value="0.6" units="cm"/>
-      <inkml:brushProperty name="color" value="#FFFC00"/>
-      <inkml:brushProperty name="tip" value="rectangle"/>
-      <inkml:brushProperty name="rasterOp" value="maskPen"/>
-      <inkml:brushProperty name="ignorePressure" value="1"/>
-    </inkml:brush>
-  </inkml:definitions>
-  <inkml:trace contextRef="#ctx0" brushRef="#br0">5741 1855,'-46'26,"-1192"727</inkml:trace>
+  <inkml:trace contextRef="#ctx0" brushRef="#br0">2883 71,'370'-1,"-196"-46,-133 38,-38 7,0 0,0 1,1-1,-1 1,1 0,-1-1,1 2,-1-1,1 0,0 1,-1 0,1-1,0 1,-1 1,1-1,0 1,-1-1,1 1,-1 0,1 0,-1 1,1-1,-1 1,0-1,1 1,-1 0,0 0,0 1,-1-1,1 1,0-1,-1 1,0 0,1 0,-1 0,0 0,0 0,1 4,1 13,0 1,-1-1,-2 1,0 0,-1-1,0 1,-3 10,0 36,3-63,1 1,0 0,0 0,-1 0,1 0,-1 0,0 0,0 1,-1-1,0 0,0 0,0 0,0 0,-1 0,0-1,0 1,0 0,0-1,-1 1,0-1,0 0,0 0,0 0,-1 0,1-1,-1 1,0-1,0 0,-1 0,1 0,0-1,-1 1,-4 0,-218-2,-216-1,245 25,-149 1,-582-27,-433 1,1341 0</inkml:trace>
 </inkml:ink>
 </file>
 
@@ -1426,296 +1193,6 @@
 </inkml:ink>
 </file>
 
-<file path=ppt/ink/ink50.xml><?xml version="1.0" encoding="utf-8"?>
-<inkml:ink xmlns:inkml="http://www.w3.org/2003/InkML">
-  <inkml:definitions>
-    <inkml:context xml:id="ctx0">
-      <inkml:inkSource xml:id="inkSrc0">
-        <inkml:traceFormat>
-          <inkml:channel name="X" type="integer" min="-2.14748E9" max="2.14748E9" units="cm"/>
-          <inkml:channel name="Y" type="integer" min="-2.14748E9" max="2.14748E9" units="cm"/>
-        </inkml:traceFormat>
-        <inkml:channelProperties>
-          <inkml:channelProperty channel="X" name="resolution" value="1000" units="1/cm"/>
-          <inkml:channelProperty channel="Y" name="resolution" value="1000" units="1/cm"/>
-        </inkml:channelProperties>
-      </inkml:inkSource>
-      <inkml:timestamp xml:id="ts0" timeString="2023-04-18T04:34:23.983"/>
-    </inkml:context>
-    <inkml:brush xml:id="br0">
-      <inkml:brushProperty name="width" value="0.3" units="cm"/>
-      <inkml:brushProperty name="height" value="0.6" units="cm"/>
-      <inkml:brushProperty name="color" value="#FFFC00"/>
-      <inkml:brushProperty name="tip" value="rectangle"/>
-      <inkml:brushProperty name="rasterOp" value="maskPen"/>
-      <inkml:brushProperty name="ignorePressure" value="1"/>
-    </inkml:brush>
-  </inkml:definitions>
-  <inkml:trace contextRef="#ctx0" brushRef="#br0">4433 2861,'1307'-858</inkml:trace>
-</inkml:ink>
-</file>
-
-<file path=ppt/ink/ink51.xml><?xml version="1.0" encoding="utf-8"?>
-<inkml:ink xmlns:inkml="http://www.w3.org/2003/InkML">
-  <inkml:definitions>
-    <inkml:context xml:id="ctx0">
-      <inkml:inkSource xml:id="inkSrc0">
-        <inkml:traceFormat>
-          <inkml:channel name="X" type="integer" min="-2.14748E9" max="2.14748E9" units="cm"/>
-          <inkml:channel name="Y" type="integer" min="-2.14748E9" max="2.14748E9" units="cm"/>
-        </inkml:traceFormat>
-        <inkml:channelProperties>
-          <inkml:channelProperty channel="X" name="resolution" value="1000" units="1/cm"/>
-          <inkml:channelProperty channel="Y" name="resolution" value="1000" units="1/cm"/>
-        </inkml:channelProperties>
-      </inkml:inkSource>
-      <inkml:timestamp xml:id="ts0" timeString="2023-04-18T04:34:23.982"/>
-    </inkml:context>
-    <inkml:brush xml:id="br0">
-      <inkml:brushProperty name="width" value="0.3" units="cm"/>
-      <inkml:brushProperty name="height" value="0.6" units="cm"/>
-      <inkml:brushProperty name="color" value="#FFFC00"/>
-      <inkml:brushProperty name="tip" value="rectangle"/>
-      <inkml:brushProperty name="rasterOp" value="maskPen"/>
-      <inkml:brushProperty name="ignorePressure" value="1"/>
-    </inkml:brush>
-  </inkml:definitions>
-  <inkml:trace contextRef="#ctx0" brushRef="#br0">3706 3388,'-931'697,"837"-631,78-58,21-16,255-193,38-24,131-93,-380 283</inkml:trace>
-</inkml:ink>
-</file>
-
-<file path=ppt/ink/ink52.xml><?xml version="1.0" encoding="utf-8"?>
-<inkml:ink xmlns:inkml="http://www.w3.org/2003/InkML">
-  <inkml:definitions>
-    <inkml:context xml:id="ctx0">
-      <inkml:inkSource xml:id="inkSrc0">
-        <inkml:traceFormat>
-          <inkml:channel name="X" type="integer" min="-2.14748E9" max="2.14748E9" units="cm"/>
-          <inkml:channel name="Y" type="integer" min="-2.14748E9" max="2.14748E9" units="cm"/>
-        </inkml:traceFormat>
-        <inkml:channelProperties>
-          <inkml:channelProperty channel="X" name="resolution" value="1000" units="1/cm"/>
-          <inkml:channelProperty channel="Y" name="resolution" value="1000" units="1/cm"/>
-        </inkml:channelProperties>
-      </inkml:inkSource>
-      <inkml:timestamp xml:id="ts0" timeString="2023-04-18T04:34:23.980"/>
-    </inkml:context>
-    <inkml:brush xml:id="br0">
-      <inkml:brushProperty name="width" value="0.3" units="cm"/>
-      <inkml:brushProperty name="height" value="0.6" units="cm"/>
-      <inkml:brushProperty name="color" value="#FFFC00"/>
-      <inkml:brushProperty name="tip" value="rectangle"/>
-      <inkml:brushProperty name="rasterOp" value="maskPen"/>
-      <inkml:brushProperty name="ignorePressure" value="1"/>
-    </inkml:brush>
-  </inkml:definitions>
-  <inkml:trace contextRef="#ctx0" brushRef="#br0">5741 1918,'-152'98,"-170"121,-80 65,-30 40</inkml:trace>
-</inkml:ink>
-</file>
-
-<file path=ppt/ink/ink53.xml><?xml version="1.0" encoding="utf-8"?>
-<inkml:ink xmlns:inkml="http://www.w3.org/2003/InkML">
-  <inkml:definitions>
-    <inkml:context xml:id="ctx0">
-      <inkml:inkSource xml:id="inkSrc0">
-        <inkml:traceFormat>
-          <inkml:channel name="X" type="integer" min="-2.14748E9" max="2.14748E9" units="cm"/>
-          <inkml:channel name="Y" type="integer" min="-2.14748E9" max="2.14748E9" units="cm"/>
-        </inkml:traceFormat>
-        <inkml:channelProperties>
-          <inkml:channelProperty channel="X" name="resolution" value="1000" units="1/cm"/>
-          <inkml:channelProperty channel="Y" name="resolution" value="1000" units="1/cm"/>
-        </inkml:channelProperties>
-      </inkml:inkSource>
-      <inkml:timestamp xml:id="ts0" timeString="2023-04-18T04:34:23.979"/>
-    </inkml:context>
-    <inkml:brush xml:id="br0">
-      <inkml:brushProperty name="width" value="0.3" units="cm"/>
-      <inkml:brushProperty name="height" value="0.6" units="cm"/>
-      <inkml:brushProperty name="color" value="#FFFC00"/>
-      <inkml:brushProperty name="tip" value="rectangle"/>
-      <inkml:brushProperty name="rasterOp" value="maskPen"/>
-      <inkml:brushProperty name="ignorePressure" value="1"/>
-    </inkml:brush>
-  </inkml:definitions>
-  <inkml:trace contextRef="#ctx0" brushRef="#br0">4605 2314,'506'-259,"-102"77,-178 92</inkml:trace>
-</inkml:ink>
-</file>
-
-<file path=ppt/ink/ink54.xml><?xml version="1.0" encoding="utf-8"?>
-<inkml:ink xmlns:inkml="http://www.w3.org/2003/InkML">
-  <inkml:definitions>
-    <inkml:context xml:id="ctx0">
-      <inkml:inkSource xml:id="inkSrc0">
-        <inkml:traceFormat>
-          <inkml:channel name="X" type="integer" min="-2.14748E9" max="2.14748E9" units="cm"/>
-          <inkml:channel name="Y" type="integer" min="-2.14748E9" max="2.14748E9" units="cm"/>
-        </inkml:traceFormat>
-        <inkml:channelProperties>
-          <inkml:channelProperty channel="X" name="resolution" value="1000" units="1/cm"/>
-          <inkml:channelProperty channel="Y" name="resolution" value="1000" units="1/cm"/>
-        </inkml:channelProperties>
-      </inkml:inkSource>
-      <inkml:timestamp xml:id="ts0" timeString="2023-04-18T04:34:23.978"/>
-    </inkml:context>
-    <inkml:brush xml:id="br0">
-      <inkml:brushProperty name="width" value="0.3" units="cm"/>
-      <inkml:brushProperty name="height" value="0.6" units="cm"/>
-      <inkml:brushProperty name="color" value="#FFFC00"/>
-      <inkml:brushProperty name="tip" value="rectangle"/>
-      <inkml:brushProperty name="rasterOp" value="maskPen"/>
-      <inkml:brushProperty name="ignorePressure" value="1"/>
-    </inkml:brush>
-  </inkml:definitions>
-  <inkml:trace contextRef="#ctx0" brushRef="#br0">2325 3586,'278'-177,"754"-422,-1010 588</inkml:trace>
-</inkml:ink>
-</file>
-
-<file path=ppt/ink/ink55.xml><?xml version="1.0" encoding="utf-8"?>
-<inkml:ink xmlns:inkml="http://www.w3.org/2003/InkML">
-  <inkml:definitions>
-    <inkml:context xml:id="ctx0">
-      <inkml:inkSource xml:id="inkSrc0">
-        <inkml:traceFormat>
-          <inkml:channel name="X" type="integer" min="-2.14748E9" max="2.14748E9" units="cm"/>
-          <inkml:channel name="Y" type="integer" min="-2.14748E9" max="2.14748E9" units="cm"/>
-        </inkml:traceFormat>
-        <inkml:channelProperties>
-          <inkml:channelProperty channel="X" name="resolution" value="1000" units="1/cm"/>
-          <inkml:channelProperty channel="Y" name="resolution" value="1000" units="1/cm"/>
-        </inkml:channelProperties>
-      </inkml:inkSource>
-      <inkml:timestamp xml:id="ts0" timeString="2023-04-18T04:34:23.977"/>
-    </inkml:context>
-    <inkml:brush xml:id="br0">
-      <inkml:brushProperty name="width" value="0.3" units="cm"/>
-      <inkml:brushProperty name="height" value="0.6" units="cm"/>
-      <inkml:brushProperty name="color" value="#FFFC00"/>
-      <inkml:brushProperty name="tip" value="rectangle"/>
-      <inkml:brushProperty name="rasterOp" value="maskPen"/>
-      <inkml:brushProperty name="ignorePressure" value="1"/>
-    </inkml:brush>
-  </inkml:definitions>
-  <inkml:trace contextRef="#ctx0" brushRef="#br0">3657 2693,'-34'22,"-848"588,466-311</inkml:trace>
-</inkml:ink>
-</file>
-
-<file path=ppt/ink/ink56.xml><?xml version="1.0" encoding="utf-8"?>
-<inkml:ink xmlns:inkml="http://www.w3.org/2003/InkML">
-  <inkml:definitions>
-    <inkml:context xml:id="ctx0">
-      <inkml:inkSource xml:id="inkSrc0">
-        <inkml:traceFormat>
-          <inkml:channel name="X" type="integer" min="-2.14748E9" max="2.14748E9" units="cm"/>
-          <inkml:channel name="Y" type="integer" min="-2.14748E9" max="2.14748E9" units="cm"/>
-        </inkml:traceFormat>
-        <inkml:channelProperties>
-          <inkml:channelProperty channel="X" name="resolution" value="1000" units="1/cm"/>
-          <inkml:channelProperty channel="Y" name="resolution" value="1000" units="1/cm"/>
-        </inkml:channelProperties>
-      </inkml:inkSource>
-      <inkml:timestamp xml:id="ts0" timeString="2023-04-18T04:34:23.976"/>
-    </inkml:context>
-    <inkml:brush xml:id="br0">
-      <inkml:brushProperty name="width" value="0.3" units="cm"/>
-      <inkml:brushProperty name="height" value="0.6" units="cm"/>
-      <inkml:brushProperty name="color" value="#FFFC00"/>
-      <inkml:brushProperty name="tip" value="rectangle"/>
-      <inkml:brushProperty name="rasterOp" value="maskPen"/>
-      <inkml:brushProperty name="ignorePressure" value="1"/>
-    </inkml:brush>
-  </inkml:definitions>
-  <inkml:trace contextRef="#ctx0" brushRef="#br0">5342 1631,'-187'109,"-363"229</inkml:trace>
-</inkml:ink>
-</file>
-
-<file path=ppt/ink/ink57.xml><?xml version="1.0" encoding="utf-8"?>
-<inkml:ink xmlns:inkml="http://www.w3.org/2003/InkML">
-  <inkml:definitions>
-    <inkml:context xml:id="ctx0">
-      <inkml:inkSource xml:id="inkSrc0">
-        <inkml:traceFormat>
-          <inkml:channel name="X" type="integer" min="-2.14748E9" max="2.14748E9" units="cm"/>
-          <inkml:channel name="Y" type="integer" min="-2.14748E9" max="2.14748E9" units="cm"/>
-        </inkml:traceFormat>
-        <inkml:channelProperties>
-          <inkml:channelProperty channel="X" name="resolution" value="1000" units="1/cm"/>
-          <inkml:channelProperty channel="Y" name="resolution" value="1000" units="1/cm"/>
-        </inkml:channelProperties>
-      </inkml:inkSource>
-      <inkml:timestamp xml:id="ts0" timeString="2023-04-18T04:34:23.975"/>
-    </inkml:context>
-    <inkml:brush xml:id="br0">
-      <inkml:brushProperty name="width" value="0.3" units="cm"/>
-      <inkml:brushProperty name="height" value="0.6" units="cm"/>
-      <inkml:brushProperty name="color" value="#FFFC00"/>
-      <inkml:brushProperty name="tip" value="rectangle"/>
-      <inkml:brushProperty name="rasterOp" value="maskPen"/>
-      <inkml:brushProperty name="ignorePressure" value="1"/>
-    </inkml:brush>
-  </inkml:definitions>
-  <inkml:trace contextRef="#ctx0" brushRef="#br0">4605 1829,'469'-223</inkml:trace>
-</inkml:ink>
-</file>
-
-<file path=ppt/ink/ink58.xml><?xml version="1.0" encoding="utf-8"?>
-<inkml:ink xmlns:inkml="http://www.w3.org/2003/InkML">
-  <inkml:definitions>
-    <inkml:context xml:id="ctx0">
-      <inkml:inkSource xml:id="inkSrc0">
-        <inkml:traceFormat>
-          <inkml:channel name="X" type="integer" min="-2.14748E9" max="2.14748E9" units="cm"/>
-          <inkml:channel name="Y" type="integer" min="-2.14748E9" max="2.14748E9" units="cm"/>
-        </inkml:traceFormat>
-        <inkml:channelProperties>
-          <inkml:channelProperty channel="X" name="resolution" value="1000" units="1/cm"/>
-          <inkml:channelProperty channel="Y" name="resolution" value="1000" units="1/cm"/>
-        </inkml:channelProperties>
-      </inkml:inkSource>
-      <inkml:timestamp xml:id="ts0" timeString="2023-04-18T04:34:19.321"/>
-    </inkml:context>
-    <inkml:brush xml:id="br0">
-      <inkml:brushProperty name="width" value="0.3" units="cm"/>
-      <inkml:brushProperty name="height" value="0.6" units="cm"/>
-      <inkml:brushProperty name="color" value="#FFFC00"/>
-      <inkml:brushProperty name="tip" value="rectangle"/>
-      <inkml:brushProperty name="rasterOp" value="maskPen"/>
-      <inkml:brushProperty name="ignorePressure" value="1"/>
-    </inkml:brush>
-  </inkml:definitions>
-  <inkml:trace contextRef="#ctx0" brushRef="#br0">2325 2997,'31'-22,"46"-28,38-16,-99 57,366-202,135-56,-224 128</inkml:trace>
-</inkml:ink>
-</file>
-
-<file path=ppt/ink/ink59.xml><?xml version="1.0" encoding="utf-8"?>
-<inkml:ink xmlns:inkml="http://www.w3.org/2003/InkML">
-  <inkml:definitions>
-    <inkml:context xml:id="ctx0">
-      <inkml:inkSource xml:id="inkSrc0">
-        <inkml:traceFormat>
-          <inkml:channel name="X" type="integer" min="-2.14748E9" max="2.14748E9" units="cm"/>
-          <inkml:channel name="Y" type="integer" min="-2.14748E9" max="2.14748E9" units="cm"/>
-        </inkml:traceFormat>
-        <inkml:channelProperties>
-          <inkml:channelProperty channel="X" name="resolution" value="1000" units="1/cm"/>
-          <inkml:channelProperty channel="Y" name="resolution" value="1000" units="1/cm"/>
-        </inkml:channelProperties>
-      </inkml:inkSource>
-      <inkml:timestamp xml:id="ts0" timeString="2023-04-18T04:34:19.318"/>
-    </inkml:context>
-    <inkml:brush xml:id="br0">
-      <inkml:brushProperty name="width" value="0.3" units="cm"/>
-      <inkml:brushProperty name="height" value="0.6" units="cm"/>
-      <inkml:brushProperty name="color" value="#FFFC00"/>
-      <inkml:brushProperty name="tip" value="rectangle"/>
-      <inkml:brushProperty name="rasterOp" value="maskPen"/>
-      <inkml:brushProperty name="ignorePressure" value="1"/>
-    </inkml:brush>
-  </inkml:definitions>
-  <inkml:trace contextRef="#ctx0" brushRef="#br0">3780 1891,'-1356'1043,"1257"-966</inkml:trace>
-</inkml:ink>
-</file>
-
 <file path=ppt/ink/ink6.xml><?xml version="1.0" encoding="utf-8"?>
 <inkml:ink xmlns:inkml="http://www.w3.org/2003/InkML">
   <inkml:definitions>
@@ -1745,296 +1222,6 @@
 </inkml:ink>
 </file>
 
-<file path=ppt/ink/ink60.xml><?xml version="1.0" encoding="utf-8"?>
-<inkml:ink xmlns:inkml="http://www.w3.org/2003/InkML">
-  <inkml:definitions>
-    <inkml:context xml:id="ctx0">
-      <inkml:inkSource xml:id="inkSrc0">
-        <inkml:traceFormat>
-          <inkml:channel name="X" type="integer" min="-2.14748E9" max="2.14748E9" units="cm"/>
-          <inkml:channel name="Y" type="integer" min="-2.14748E9" max="2.14748E9" units="cm"/>
-        </inkml:traceFormat>
-        <inkml:channelProperties>
-          <inkml:channelProperty channel="X" name="resolution" value="1000" units="1/cm"/>
-          <inkml:channelProperty channel="Y" name="resolution" value="1000" units="1/cm"/>
-        </inkml:channelProperties>
-      </inkml:inkSource>
-      <inkml:timestamp xml:id="ts0" timeString="2023-04-18T04:34:19.320"/>
-    </inkml:context>
-    <inkml:brush xml:id="br0">
-      <inkml:brushProperty name="width" value="0.3" units="cm"/>
-      <inkml:brushProperty name="height" value="0.6" units="cm"/>
-      <inkml:brushProperty name="color" value="#FFFC00"/>
-      <inkml:brushProperty name="tip" value="rectangle"/>
-      <inkml:brushProperty name="rasterOp" value="maskPen"/>
-      <inkml:brushProperty name="ignorePressure" value="1"/>
-    </inkml:brush>
-  </inkml:definitions>
-  <inkml:trace contextRef="#ctx0" brushRef="#br0">3805 1872,'-7'6</inkml:trace>
-</inkml:ink>
-</file>
-
-<file path=ppt/ink/ink61.xml><?xml version="1.0" encoding="utf-8"?>
-<inkml:ink xmlns:inkml="http://www.w3.org/2003/InkML">
-  <inkml:definitions>
-    <inkml:context xml:id="ctx0">
-      <inkml:inkSource xml:id="inkSrc0">
-        <inkml:traceFormat>
-          <inkml:channel name="X" type="integer" min="-2.14748E9" max="2.14748E9" units="cm"/>
-          <inkml:channel name="Y" type="integer" min="-2.14748E9" max="2.14748E9" units="cm"/>
-        </inkml:traceFormat>
-        <inkml:channelProperties>
-          <inkml:channelProperty channel="X" name="resolution" value="1000" units="1/cm"/>
-          <inkml:channelProperty channel="Y" name="resolution" value="1000" units="1/cm"/>
-        </inkml:channelProperties>
-      </inkml:inkSource>
-      <inkml:timestamp xml:id="ts0" timeString="2023-04-18T04:34:23.974"/>
-    </inkml:context>
-    <inkml:brush xml:id="br0">
-      <inkml:brushProperty name="width" value="0.3" units="cm"/>
-      <inkml:brushProperty name="height" value="0.6" units="cm"/>
-      <inkml:brushProperty name="color" value="#FFFC00"/>
-      <inkml:brushProperty name="tip" value="rectangle"/>
-      <inkml:brushProperty name="rasterOp" value="maskPen"/>
-      <inkml:brushProperty name="ignorePressure" value="1"/>
-    </inkml:brush>
-  </inkml:definitions>
-  <inkml:trace contextRef="#ctx0" brushRef="#br0">4440 1384,'-34'26</inkml:trace>
-</inkml:ink>
-</file>
-
-<file path=ppt/ink/ink62.xml><?xml version="1.0" encoding="utf-8"?>
-<inkml:ink xmlns:inkml="http://www.w3.org/2003/InkML">
-  <inkml:definitions>
-    <inkml:context xml:id="ctx0">
-      <inkml:inkSource xml:id="inkSrc0">
-        <inkml:traceFormat>
-          <inkml:channel name="X" type="integer" min="-2.14748E9" max="2.14748E9" units="cm"/>
-          <inkml:channel name="Y" type="integer" min="-2.14748E9" max="2.14748E9" units="cm"/>
-        </inkml:traceFormat>
-        <inkml:channelProperties>
-          <inkml:channelProperty channel="X" name="resolution" value="1000" units="1/cm"/>
-          <inkml:channelProperty channel="Y" name="resolution" value="1000" units="1/cm"/>
-        </inkml:channelProperties>
-      </inkml:inkSource>
-      <inkml:timestamp xml:id="ts0" timeString="2023-04-18T04:34:11.922"/>
-    </inkml:context>
-    <inkml:brush xml:id="br0">
-      <inkml:brushProperty name="width" value="0.3" units="cm"/>
-      <inkml:brushProperty name="height" value="0.6" units="cm"/>
-      <inkml:brushProperty name="color" value="#FFFC00"/>
-      <inkml:brushProperty name="tip" value="rectangle"/>
-      <inkml:brushProperty name="rasterOp" value="maskPen"/>
-      <inkml:brushProperty name="ignorePressure" value="1"/>
-    </inkml:brush>
-  </inkml:definitions>
-  <inkml:trace contextRef="#ctx0" brushRef="#br0">2300 1877,'273'-136,"887"-492</inkml:trace>
-</inkml:ink>
-</file>
-
-<file path=ppt/ink/ink63.xml><?xml version="1.0" encoding="utf-8"?>
-<inkml:ink xmlns:inkml="http://www.w3.org/2003/InkML">
-  <inkml:definitions>
-    <inkml:context xml:id="ctx0">
-      <inkml:inkSource xml:id="inkSrc0">
-        <inkml:traceFormat>
-          <inkml:channel name="X" type="integer" min="-2.14748E9" max="2.14748E9" units="cm"/>
-          <inkml:channel name="Y" type="integer" min="-2.14748E9" max="2.14748E9" units="cm"/>
-        </inkml:traceFormat>
-        <inkml:channelProperties>
-          <inkml:channelProperty channel="X" name="resolution" value="1000" units="1/cm"/>
-          <inkml:channelProperty channel="Y" name="resolution" value="1000" units="1/cm"/>
-        </inkml:channelProperties>
-      </inkml:inkSource>
-      <inkml:timestamp xml:id="ts0" timeString="2023-04-18T04:34:23.974"/>
-    </inkml:context>
-    <inkml:brush xml:id="br0">
-      <inkml:brushProperty name="width" value="0.3" units="cm"/>
-      <inkml:brushProperty name="height" value="0.6" units="cm"/>
-      <inkml:brushProperty name="color" value="#FFFC00"/>
-      <inkml:brushProperty name="tip" value="rectangle"/>
-      <inkml:brushProperty name="rasterOp" value="maskPen"/>
-      <inkml:brushProperty name="ignorePressure" value="1"/>
-    </inkml:brush>
-  </inkml:definitions>
-  <inkml:trace contextRef="#ctx0" brushRef="#br0">3854 1494,'-1554'511</inkml:trace>
-</inkml:ink>
-</file>
-
-<file path=ppt/ink/ink64.xml><?xml version="1.0" encoding="utf-8"?>
-<inkml:ink xmlns:inkml="http://www.w3.org/2003/InkML">
-  <inkml:definitions>
-    <inkml:context xml:id="ctx0">
-      <inkml:inkSource xml:id="inkSrc0">
-        <inkml:traceFormat>
-          <inkml:channel name="X" type="integer" min="-2.14748E9" max="2.14748E9" units="cm"/>
-          <inkml:channel name="Y" type="integer" min="-2.14748E9" max="2.14748E9" units="cm"/>
-        </inkml:traceFormat>
-        <inkml:channelProperties>
-          <inkml:channelProperty channel="X" name="resolution" value="1000" units="1/cm"/>
-          <inkml:channelProperty channel="Y" name="resolution" value="1000" units="1/cm"/>
-        </inkml:channelProperties>
-      </inkml:inkSource>
-      <inkml:timestamp xml:id="ts0" timeString="2023-04-18T04:34:23.973"/>
-    </inkml:context>
-    <inkml:brush xml:id="br0">
-      <inkml:brushProperty name="width" value="0.3" units="cm"/>
-      <inkml:brushProperty name="height" value="0.6" units="cm"/>
-      <inkml:brushProperty name="color" value="#FFFC00"/>
-      <inkml:brushProperty name="tip" value="rectangle"/>
-      <inkml:brushProperty name="rasterOp" value="maskPen"/>
-      <inkml:brushProperty name="ignorePressure" value="1"/>
-    </inkml:brush>
-  </inkml:definitions>
-  <inkml:trace contextRef="#ctx0" brushRef="#br0">2300 1963,'332'-168,"964"-327</inkml:trace>
-</inkml:ink>
-</file>
-
-<file path=ppt/ink/ink65.xml><?xml version="1.0" encoding="utf-8"?>
-<inkml:ink xmlns:inkml="http://www.w3.org/2003/InkML">
-  <inkml:definitions>
-    <inkml:context xml:id="ctx0">
-      <inkml:inkSource xml:id="inkSrc0">
-        <inkml:traceFormat>
-          <inkml:channel name="X" type="integer" min="-2.14748E9" max="2.14748E9" units="cm"/>
-          <inkml:channel name="Y" type="integer" min="-2.14748E9" max="2.14748E9" units="cm"/>
-        </inkml:traceFormat>
-        <inkml:channelProperties>
-          <inkml:channelProperty channel="X" name="resolution" value="1000" units="1/cm"/>
-          <inkml:channelProperty channel="Y" name="resolution" value="1000" units="1/cm"/>
-        </inkml:channelProperties>
-      </inkml:inkSource>
-      <inkml:timestamp xml:id="ts0" timeString="2023-04-18T04:34:23.972"/>
-    </inkml:context>
-    <inkml:brush xml:id="br0">
-      <inkml:brushProperty name="width" value="0.3" units="cm"/>
-      <inkml:brushProperty name="height" value="0.6" units="cm"/>
-      <inkml:brushProperty name="color" value="#FFFC00"/>
-      <inkml:brushProperty name="tip" value="rectangle"/>
-      <inkml:brushProperty name="rasterOp" value="maskPen"/>
-      <inkml:brushProperty name="ignorePressure" value="1"/>
-    </inkml:brush>
-  </inkml:definitions>
-  <inkml:trace contextRef="#ctx0" brushRef="#br0">3854 1527,'-3'2,"-7"3,-6 2,11-3,-117 74,-2-5,-3-6,-55 18,-598 232,602-243</inkml:trace>
-</inkml:ink>
-</file>
-
-<file path=ppt/ink/ink66.xml><?xml version="1.0" encoding="utf-8"?>
-<inkml:ink xmlns:inkml="http://www.w3.org/2003/InkML">
-  <inkml:definitions>
-    <inkml:context xml:id="ctx0">
-      <inkml:inkSource xml:id="inkSrc0">
-        <inkml:traceFormat>
-          <inkml:channel name="X" type="integer" min="-2.14748E9" max="2.14748E9" units="cm"/>
-          <inkml:channel name="Y" type="integer" min="-2.14748E9" max="2.14748E9" units="cm"/>
-        </inkml:traceFormat>
-        <inkml:channelProperties>
-          <inkml:channelProperty channel="X" name="resolution" value="1000" units="1/cm"/>
-          <inkml:channelProperty channel="Y" name="resolution" value="1000" units="1/cm"/>
-        </inkml:channelProperties>
-      </inkml:inkSource>
-      <inkml:timestamp xml:id="ts0" timeString="2023-04-18T04:34:23.971"/>
-    </inkml:context>
-    <inkml:brush xml:id="br0">
-      <inkml:brushProperty name="width" value="0.3" units="cm"/>
-      <inkml:brushProperty name="height" value="0.6" units="cm"/>
-      <inkml:brushProperty name="color" value="#FFFC00"/>
-      <inkml:brushProperty name="tip" value="rectangle"/>
-      <inkml:brushProperty name="rasterOp" value="maskPen"/>
-      <inkml:brushProperty name="ignorePressure" value="1"/>
-    </inkml:brush>
-  </inkml:definitions>
-  <inkml:trace contextRef="#ctx0" brushRef="#br0">2325 3554,'36'-65,"-31"53,0 0,-1-1,-1 1,0-1,-1 0,0 0,-1 0,0 0,-1 0,-1-1,0 1,-1-7,-1-25,3-305,1 338,2 0,0-1,0 1,1 0,0 1,1-1,1 1,0 0,0 0,4-4,2-4,70-156,-29-22,-53-298,6 462,1 0,1 1,2 0,1 0,2 1,1 1,1 0,2 1,4-5,-15 27,0 0,1 0,-1 1,1-1,1 2,-1-1,1 1,0 0,0 1,0-1,1 2,4-2,36-20,82-16,73 23,-76-33,-114 43,0 1,0 0,1 0,-1 2,1 0,1 0,-1 2,1-1,8 1,60-16,124-22,-46 9,-158 33</inkml:trace>
-</inkml:ink>
-</file>
-
-<file path=ppt/ink/ink67.xml><?xml version="1.0" encoding="utf-8"?>
-<inkml:ink xmlns:inkml="http://www.w3.org/2003/InkML">
-  <inkml:definitions>
-    <inkml:context xml:id="ctx0">
-      <inkml:inkSource xml:id="inkSrc0">
-        <inkml:traceFormat>
-          <inkml:channel name="X" type="integer" min="-2.14748E9" max="2.14748E9" units="cm"/>
-          <inkml:channel name="Y" type="integer" min="-2.14748E9" max="2.14748E9" units="cm"/>
-        </inkml:traceFormat>
-        <inkml:channelProperties>
-          <inkml:channelProperty channel="X" name="resolution" value="1000" units="1/cm"/>
-          <inkml:channelProperty channel="Y" name="resolution" value="1000" units="1/cm"/>
-        </inkml:channelProperties>
-      </inkml:inkSource>
-      <inkml:timestamp xml:id="ts0" timeString="2023-04-18T06:31:37.295"/>
-    </inkml:context>
-    <inkml:brush xml:id="br0">
-      <inkml:brushProperty name="width" value="0.3" units="cm"/>
-      <inkml:brushProperty name="height" value="0.6" units="cm"/>
-      <inkml:brushProperty name="color" value="#FFFC00"/>
-      <inkml:brushProperty name="tip" value="rectangle"/>
-      <inkml:brushProperty name="rasterOp" value="maskPen"/>
-      <inkml:brushProperty name="ignorePressure" value="1"/>
-    </inkml:brush>
-  </inkml:definitions>
-  <inkml:trace contextRef="#ctx0" brushRef="#br0">47 540,'252'-25,"357"26,-441-25,92 14,-42-21,2 21,-217 10,0-1,1 1,-1-1,0 0,0 0,1 0,-1 0,0-1,0 1,0-1,-1 0,1 0,0 0,-1 0,1 0,-1 0,1-1,-1 1,0-1,0 0,-1 0,1 0,0 0,-1 0,0 0,0 0,0 0,0 0,0-1,0 0,4-107,-6 91,-30-75,16 68,-41-42,42 62,-1 1,1 1,-1 0,0 1,0 1,0 0,-1 1,1 1,-1 0,1 1,0 1,-1 0,-9 3,-123 22,-189-27,105-45,87 67,-141 5,-70-27,335 1</inkml:trace>
-</inkml:ink>
-</file>
-
-<file path=ppt/ink/ink68.xml><?xml version="1.0" encoding="utf-8"?>
-<inkml:ink xmlns:inkml="http://www.w3.org/2003/InkML">
-  <inkml:definitions>
-    <inkml:context xml:id="ctx0">
-      <inkml:inkSource xml:id="inkSrc0">
-        <inkml:traceFormat>
-          <inkml:channel name="X" type="integer" min="-2.14748E9" max="2.14748E9" units="cm"/>
-          <inkml:channel name="Y" type="integer" min="-2.14748E9" max="2.14748E9" units="cm"/>
-        </inkml:traceFormat>
-        <inkml:channelProperties>
-          <inkml:channelProperty channel="X" name="resolution" value="1000" units="1/cm"/>
-          <inkml:channelProperty channel="Y" name="resolution" value="1000" units="1/cm"/>
-        </inkml:channelProperties>
-      </inkml:inkSource>
-      <inkml:timestamp xml:id="ts0" timeString="2023-04-18T06:31:47.092"/>
-    </inkml:context>
-    <inkml:brush xml:id="br0">
-      <inkml:brushProperty name="width" value="0.3" units="cm"/>
-      <inkml:brushProperty name="height" value="0.6" units="cm"/>
-      <inkml:brushProperty name="color" value="#FFFC00"/>
-      <inkml:brushProperty name="tip" value="rectangle"/>
-      <inkml:brushProperty name="rasterOp" value="maskPen"/>
-      <inkml:brushProperty name="ignorePressure" value="1"/>
-    </inkml:brush>
-  </inkml:definitions>
-  <inkml:trace contextRef="#ctx0" brushRef="#br0">1 50,'539'0,"-338"-25,-52 0,22 26,-170-1,1 0,-1 0,0 0,1-1,-1 1,1 1,-1-1,1 0,-1 0,0 0,1 1,-1-1,0 1,1-1,-1 1,0-1,0 1,1 0,-1 0,0-1,0 1,0 0,0 0,0 0,0 0,0 1,0-1,-1 0,1 0,0 0,-1 1,1-1,-1 0,1 1,-1-1,0 0,1 1,-1-1,0 1,0-1,0 0,0 1,0-1,0 1,-1-1,1 0,0 1,-1-1,1 0,-1 1,1-1,-1 0,0 0,1 1,-2-1,-51 70,49-67,-89 102,84-95,-1-1,0 0,-1-1,0 0,-1 0,1-1,-2-1,1 0,-1 0,0-2,0 1,-1-2,0 0,-13 3,8-1,-478 136,488-140,3 1,-1 0,1-1,-1 0,0-1,0 1,0-1,0-1,0 1,0-1,0 0,0-1,0 0,0 0,0 0,0-1,1 0,-1-1,1 1,-4-3,-52-46,61 50,0 0,-1 0,1 0,0 0,0 0,0 0,0-1,0 1,0 0,0-1,0 1,1-1,-1 1,0-1,1 1,0-1,-1 1,1-1,0 0,-1 1,1-1,0 0,0 1,1-1,-1 1,0-1,0 0,1 1,-1-1,1 1,-1-1,1 1,0-1,0 1,-1-1,1 1,0 0,0-1,0 1,1 0,-1 0,0 0,0 0,1 0,0-1,8-1,0 0,0 0,0 1,1 0,-1 0,0 1,1 1,-1 0,1 0,-1 1,8 2,15-1,106-1,-82-3,0 2,0 3,-1 3,0 2,35 10,-85-17,-1-1,0 1,1 1,-1-1,0 1,0 0,1 0,-1 0,-1 1,1 0,0 0,-1 0,1 0,-1 1,0 0,0 0,-1 0,1 0,-1 0,0 1,0 0,0-1,-1 1,1 0,-1 0,-1 1,1-1,-1 0,1 1,-2-1,1 0,0 1,-1-1,0 1,-1-1,1 1,-1-1,0 1,-1 3,-97 121,60-62,-78 107,97-152,19-20,-1 0,1 0,0 0,-1-1,0 1,1-1,-1 1,0-1,0 0,0 0,-1 0,1 0,-1 0,1 0,-1 0,1-1,-1 1,0-1,0 0,0 0,1 0,-1 0,0-1,0 1,-1-1,1 1,0-1,0 0,0-1,0 1,0 0,0-1,0 1,0-1,0 0,0 0,1 0,-1-1,0 1,-1-2,-62-56,65 60,-1-1,0 1,1-1,-1 1,0 0,1-1,-1 1,1 0,0 0,-1 0,1 1,0-1,-1 0,1 0,0 1,0-1,0 0,0 1,0-1,0 1,1 0,-1-1,0 1,1 0,-1-1,1 1,0 0,0-1,-1 1,1 0,0 0,0-1,1 1,-1 0,0 0,1 1,-3 11,-35 186,29-162,-2-1,-1-1,-2 0,-1 0,-6 7,11-17,26-27,23-30,-23 17,-1 1,2 0,-1 2,2 0,-1 1,2 0,-1 2,9-2,8 3,0 1,0 3,0 0,1 3,0 0,4 3,45 0,-44-1,-33 0,1-1,-1 0,0 0,1 0,-1-1,0-1,1 0,-1 0,0-1,1 0,-1 0,0-1,-1 0,1-1,-1 0,1 0,-1-1,0 0,-1 0,4-4,-6-1,-1-1,-1 0,1 0,-2 0,0 0,0 0,-1 0,0-1,-1 1,-1 0,1-1,-2 1,0-2,0-29,2 26,0-1,-1 1,-1-1,-1 1,0 0,-1-1,-1 1,0 1,-5-11,-13-47,13 74,-2 11</inkml:trace>
-</inkml:ink>
-</file>
-
-<file path=ppt/ink/ink69.xml><?xml version="1.0" encoding="utf-8"?>
-<inkml:ink xmlns:inkml="http://www.w3.org/2003/InkML">
-  <inkml:definitions>
-    <inkml:context xml:id="ctx0">
-      <inkml:inkSource xml:id="inkSrc0">
-        <inkml:traceFormat>
-          <inkml:channel name="X" type="integer" min="-2.14748E9" max="2.14748E9" units="cm"/>
-          <inkml:channel name="Y" type="integer" min="-2.14748E9" max="2.14748E9" units="cm"/>
-        </inkml:traceFormat>
-        <inkml:channelProperties>
-          <inkml:channelProperty channel="X" name="resolution" value="1000" units="1/cm"/>
-          <inkml:channelProperty channel="Y" name="resolution" value="1000" units="1/cm"/>
-        </inkml:channelProperties>
-      </inkml:inkSource>
-      <inkml:timestamp xml:id="ts0" timeString="2023-04-18T06:32:04.457"/>
-    </inkml:context>
-    <inkml:brush xml:id="br0">
-      <inkml:brushProperty name="width" value="0.3" units="cm"/>
-      <inkml:brushProperty name="height" value="0.6" units="cm"/>
-      <inkml:brushProperty name="color" value="#FFFC00"/>
-      <inkml:brushProperty name="tip" value="rectangle"/>
-      <inkml:brushProperty name="rasterOp" value="maskPen"/>
-      <inkml:brushProperty name="ignorePressure" value="1"/>
-    </inkml:brush>
-  </inkml:definitions>
-  <inkml:trace contextRef="#ctx0" brushRef="#br0">2493 71,'67'-29,"-38"21,0 2,1 1,-1 1,1 2,0 0,0 3,0 0,7 3,131 43,-42-5,40-6,-165-36,1 0,-1 0,1 0,-1 1,1-1,-1 0,1 1,-1-1,0 1,1-1,-1 1,0 0,1 0,-1-1,0 1,0 0,0 0,1 0,-1 0,0 1,-1-1,1 0,0 0,0 0,0 1,-1-1,1 1,-1-1,1 0,-1 1,1-1,-1 1,0-1,0 1,0-1,0 1,0-1,0 1,0-1,0 1,0-1,-1 1,1-1,-1 0,1 1,-1-1,1 1,-1-1,0 0,0 0,0 1,0-1,0 0,0 0,0 0,0 0,0 0,0 0,-1 0,1-1,0 1,-1 0,-20 3,0 0,0-2,0-1,-1 0,1-2,-1 0,1-2,0-1,0 0,-20-7,-521-112,493 113,52 8,-1 0,1-1,0 0,0-2,0 0,1-1,-1-1,-11-7,30 15,-1-1,1 1,0-1,-1 1,1-1,-1 0,1 1,0-1,-1 0,1 1,0-1,-1 0,1 0,0 1,0-1,-1 0,1 0,0 0,0 0,-1 0,1 0,0 0,0-1,-1 1,1 0,0 0,-1 0,1-1,0 1,-1 0,1-1,0 1,-1-1,1 1,0 0,-1-1,1 0,-1 1,1-1,-1 1,0-1,1 0,-1 1,1-1,-1 0,0 1,0-1,1 0,-1 1,0-1,0 0,0 0,0 1,0-1,0 0,0 0,0 1,0-1,0 0,0 0,0 1,-1-1,1 0,0 1,-1-1,329 105,-275-87,-2-2,-1 2,-1 3,-1 1,0 2,-2 3,43 30,-69-34,-2 1,0 0,-1 1,-2 0,0 2,-2 0,-1 0,-1 1,-1 1,-1 0,-2 0,-1 0,1 17,3-3,19 80,-6 0,-5 1,-5 1,-4 78,-10-26,1 219,22 71,21 184,-34 354,-9-989,0-14,5-21,9 0,0 0,2 0,0 2,1 0,1 1,0 1,2 0,0 2,0 0,1 1,1 1,4-1,-4 0,13-7,-3 3,-1-1,0-2,-2-1,0-1,-2-1,0-2,20-25,-41 44,0 0,1 0,-1 1,1 0,1 0,-1 0,1 1,-1 0,1 1,0-1,0 2,1-1,-1 1,1 0,-1 1,1 0,0 0,-1 1,1 0,6 1,93-18,-106 17,0 0,-1-1,1 1,0-1,-1 1,1-1,0 0,-1 0,1 0,-1 0,1 0,-1 0,0 0,0-1,1 1,-1 0,0-1,0 1,0-1,0 1,0-1,-1 1,1-1,0 0,-1 1,1-1,-1 0,0 1,1-1,-1 0,0 0,0 0,0 1,0-1,-1 0,1 0,0 1,-1-1,1 0,-1 1,0-1,1 0,-1 1,0-1,0 1,0-1,0 1,0-1,0 1,-1 0,1 0,0-1,-1 1,1 0,-1 0,1 1,-1-1,1 0,-1 0,-178-102,171 94,0-1,0 0,0-1,2 0,-1 0,1-1,1 0,0 0,1-1,0 1,1-1,1 0,0 0,-1-8,-4-8,-43-187,51 215,0-1,0 1,-1 0,1-1,0 1,-1 0,0-1,1 1,-1 0,1 0,-1 0,0 0,0 0,0 0,0 0,0 0,0 0,0 0,0 0,0 0,0 1,0-1,0 0,-1 1,1-1,0 1,0 0,-1-1,1 1,0 0,-1 0,1 0,0-1,-1 2,1-1,0 0,-1 0,1 0,0 0,-1 1,0 0,-49 35,-320 346,121-169,-10-11,-266 155,165-130,348-219,9-4,0-1,-1 0,1 0,0-1,-1 1,0-1,0 0,1 0,-1-1,0 1,0-1,-1 0,1-1,0 1,0-1,0 0,-1 0,-1-1,-28-77,28 68,-1 0,0 1,0 0,-1 0,-1 1,1 0,-1 1,0 0,-1 0,0 1,0 1,0 0,-1 0,1 1,-1 1,0 0,-12-2,-30-12,-158-73,69 3,65 49,50 27,1-2,0-1,1-1,0-2,1 0,1-2,1 0,-17-19,30 27,0 0,1 0,0-1,1 0,0-1,1 1,0-2,1 1,1-1,0 0,1 0,0 0,1 0,1-1,0 0,1-3,-5-146,-7 0,-7 1,-33-125,-42-121,31 70,38 10,-55-244,79 561,1 0,0 0,-2-1,1 1,-1 0,-1 0,0 0,-1 1,0-1,-1 1,0 0,-5-5,10 15,0-1,-1 1,1 0,-1-1,1 1,-1 0,1 0,-1 0,1 0,-1 1,0-1,0 0,1 1,-1-1,0 1,0 0,0-1,0 1,0 0,0 0,1 0,-1 0,0 1,0-1,0 1,0-1,1 1,-1-1,0 1,0 0,1 0,-1 0,1 0,-1 0,1 0,-1 0,1 0,-1 1,1-1,0 1,-47 64,46-63,-10 25,1 1,1-1,2 2,0-1,2 1,2 0,0 0,2 1,1-1,2 1,2 11,-5-18,0-1,-2 1,-1-1,-1 0,-1 0,-7 17,-8 26,-46 157,4-36,46-134,2 0,3 2,1-1,4 2,1-1,3 14,5 359,49-109,-9-67,-9-94,1 5,-20-113,-2 0,-3 0,-2 1,-2 21,44 392,-39-422,2 0,1-1,3 0,1-2,1 1,3-2,20 30,9 22,-42-73,2-1,0 1,1-2,0 1,1-1,1-1,1 0,0 0,0-2,1 0,7 5,31 16,187 143,-226-164,-6-7,0 0,-1 0,0 1,0 0,0 0,-1 1,0 0,0 0,0 0,-1 0,0 1,-1-1,0 1,0 0,-1 0,1 0,-2 1,1-1,-1 3,20 231,10-53,35-47,-50-107,2-1,1-1,2-1,1 0,13 12,-27-38,-1-1,1 0,0 0,0-1,1 0,0-1,-1 1,1-2,0 1,0-1,1-1,-1 0,6 0,47 12,-31-6,1-1,-1-1,1-1,0-2,27-3,79 8,154 35,-229-47,1-2,-1-3,-1-3,38-13,86-59,-117 48,-58 30,-1 0,0-1,-1 0,0 0,0-1,-1 0,0-1,0 0,-1 0,0-1,0-2,70-80,-2 30,37 9,129-95,-207 128,-4 5,-1-2,-1 0,0-2,-2-1,0-1,-2-2,13-15,7-99,113-238,-72 98,-75 256,1 1,2 1,0 0,1 0,1 1,17-16,-20 19,0 0,-1 0,0-1,-1 0,-1-1,-1 0,-1-1,0 1,-1-2,-1 1,-1 0,-1-2,0 11,6-46,-2 0,-3 0,-1-1,-4 1,-2-9,0-47,-12-251,5 19,-24 185,-71-427,96 166,5 401,-1 4</inkml:trace>
-</inkml:ink>
-</file>
-
 <file path=ppt/ink/ink7.xml><?xml version="1.0" encoding="utf-8"?>
 <inkml:ink xmlns:inkml="http://www.w3.org/2003/InkML">
   <inkml:definitions>
@@ -2049,7 +1236,7 @@
           <inkml:channelProperty channel="Y" name="resolution" value="1000" units="1/cm"/>
         </inkml:channelProperties>
       </inkml:inkSource>
-      <inkml:timestamp xml:id="ts0" timeString="2023-04-18T04:34:09.880"/>
+      <inkml:timestamp xml:id="ts0" timeString="2023-04-18T04:34:09.934"/>
     </inkml:context>
     <inkml:brush xml:id="br0">
       <inkml:brushProperty name="width" value="0.3" units="cm"/>
@@ -2060,65 +1247,7 @@
       <inkml:brushProperty name="ignorePressure" value="1"/>
     </inkml:brush>
   </inkml:definitions>
-  <inkml:trace contextRef="#ctx0" brushRef="#br0">5790 6615,'-58'18,"-3"5,1 2,1 2,-45 30,74-40,20-13,2 0,-1 1,0 0,1 0,0 1,0 1,0-1,1 1,0 0,0 1,1-1,-3 6,-2 17</inkml:trace>
-</inkml:ink>
-</file>
-
-<file path=ppt/ink/ink70.xml><?xml version="1.0" encoding="utf-8"?>
-<inkml:ink xmlns:inkml="http://www.w3.org/2003/InkML">
-  <inkml:definitions>
-    <inkml:context xml:id="ctx0">
-      <inkml:inkSource xml:id="inkSrc0">
-        <inkml:traceFormat>
-          <inkml:channel name="X" type="integer" min="-2.14748E9" max="2.14748E9" units="cm"/>
-          <inkml:channel name="Y" type="integer" min="-2.14748E9" max="2.14748E9" units="cm"/>
-        </inkml:traceFormat>
-        <inkml:channelProperties>
-          <inkml:channelProperty channel="X" name="resolution" value="1000" units="1/cm"/>
-          <inkml:channelProperty channel="Y" name="resolution" value="1000" units="1/cm"/>
-        </inkml:channelProperties>
-      </inkml:inkSource>
-      <inkml:timestamp xml:id="ts0" timeString="2023-04-18T06:36:13.406"/>
-    </inkml:context>
-    <inkml:brush xml:id="br0">
-      <inkml:brushProperty name="width" value="0.3" units="cm"/>
-      <inkml:brushProperty name="height" value="0.6" units="cm"/>
-      <inkml:brushProperty name="color" value="#FFFC00"/>
-      <inkml:brushProperty name="tip" value="rectangle"/>
-      <inkml:brushProperty name="rasterOp" value="maskPen"/>
-      <inkml:brushProperty name="ignorePressure" value="1"/>
-    </inkml:brush>
-  </inkml:definitions>
-  <inkml:trace contextRef="#ctx0" brushRef="#br0">151 218,'105'2,"183"-14,-284 12,0 0,1 0,-1 0,0-1,1 0,-1 0,0 0,1 0,-1-1,0 0,0 0,0 0,-1 0,1 0,0-1,-1 0,0 0,1 0,-1 0,0 0,-1-1,1 1,-1-1,1 0,-1 1,0-1,0 0,-1 0,1-1,-1 1,0 0,0 0,0-2,3-20,-3 24,0 0,0 0,0 0,-1 0,1 0,0 0,-1 0,1 0,-1 0,0 0,0-1,0 1,0 0,0 0,0 0,0 0,-1 0,1 0,-1 0,1 0,-1 0,0 0,0 0,0 0,0 0,0 0,0 1,-1-1,1 0,-1 1,1-1,-1 1,1 0,-1-1,0 1,0 0,0 0,1 0,-1 0,0 0,0 1,0-1,-2 0,-194 27,24 0,-75-27,311 1,29 2,-1-5,0-3,61-13,79-23,-228 41,0 1,0 0,1 0,-1 0,0 0,0 0,1 1,-1-1,0 1,0-1,0 1,1 0,-1 0,0 0,0 0,0 0,0 0,-1 0,1 1,0-1,-1 1,1 0,0-1,-1 1,0 0,1 0,-1 0,0 0,0 0,0 0,0 0,-1 0,1 0,0 0,-1 3,0 87,-3-62,3-26,0 0,0 1,-1-1,1 0,-1 0,0 0,-1 0,1 0,-1 0,1-1,-1 1,0 0,-1-1,1 1,0-1,-1 0,0 0,0 0,0 0,0 0,0-1,-1 0,1 1,-1-1,0 0,1-1,-1 1,0 0,0-1,-1 0,-25 8,1-2,-1 0,0-2,0-2,-1-1,1-1,0-1,-14-3,-24 2,33-4,31 0</inkml:trace>
-</inkml:ink>
-</file>
-
-<file path=ppt/ink/ink71.xml><?xml version="1.0" encoding="utf-8"?>
-<inkml:ink xmlns:inkml="http://www.w3.org/2003/InkML">
-  <inkml:definitions>
-    <inkml:context xml:id="ctx0">
-      <inkml:inkSource xml:id="inkSrc0">
-        <inkml:traceFormat>
-          <inkml:channel name="X" type="integer" min="-2.14748E9" max="2.14748E9" units="cm"/>
-          <inkml:channel name="Y" type="integer" min="-2.14748E9" max="2.14748E9" units="cm"/>
-        </inkml:traceFormat>
-        <inkml:channelProperties>
-          <inkml:channelProperty channel="X" name="resolution" value="1000" units="1/cm"/>
-          <inkml:channelProperty channel="Y" name="resolution" value="1000" units="1/cm"/>
-        </inkml:channelProperties>
-      </inkml:inkSource>
-      <inkml:timestamp xml:id="ts0" timeString="2023-04-18T06:36:32.756"/>
-    </inkml:context>
-    <inkml:brush xml:id="br0">
-      <inkml:brushProperty name="width" value="0.3" units="cm"/>
-      <inkml:brushProperty name="height" value="0.6" units="cm"/>
-      <inkml:brushProperty name="color" value="#FFFC00"/>
-      <inkml:brushProperty name="tip" value="rectangle"/>
-      <inkml:brushProperty name="rasterOp" value="maskPen"/>
-      <inkml:brushProperty name="ignorePressure" value="1"/>
-    </inkml:brush>
-  </inkml:definitions>
-  <inkml:trace contextRef="#ctx0" brushRef="#br0">38 28,'7'-4,"0"0,1 1,0 0,0 0,0 0,0 1,0 0,0 1,1 0,-1 0,0 1,1 0,-1 0,7 2,4-2,86-1,390 13,-482-11,-8-2,-1 1,1-1,0 1,-1 0,1 1,0-1,-1 1,1 0,-1 0,1 1,-1-1,1 1,-1 0,0 0,0 1,0-1,0 1,0 0,-1 0,1 0,-1 0,0 0,3 5,-7-4,-1 1,0-1,0 1,0-1,0 0,-1 0,0 0,0 0,0-1,0 1,0-1,-1 0,1 1,-1-2,0 1,0 0,0-1,-1 0,-1 1,1 1,-23 13,-1-1,-1-1,0-2,-1 0,-1-3,0 0,0-2,-1-1,1-2,-19 0,-175 36,212-39,0 0,-1 0,1-1,-1-1,1-1,0 0,-1-1,1 0,-6-3,-76-5,124 26,204-10,-192-15,-25 4</inkml:trace>
+  <inkml:trace contextRef="#ctx0" brushRef="#br0">2286 4213,'1337'-164,"-1059"145,40 6,-251 17,-45 3,-38 2,-142 3,-1052 31,1133-42,-35 3,0-5,0-5,-78-15,180 21,-1-1,1 0,6 1</inkml:trace>
 </inkml:ink>
 </file>
 
@@ -2136,7 +1265,7 @@
           <inkml:channelProperty channel="Y" name="resolution" value="1000" units="1/cm"/>
         </inkml:channelProperties>
       </inkml:inkSource>
-      <inkml:timestamp xml:id="ts0" timeString="2023-04-18T04:34:09.882"/>
+      <inkml:timestamp xml:id="ts0" timeString="2023-04-18T04:34:09.936"/>
     </inkml:context>
     <inkml:brush xml:id="br0">
       <inkml:brushProperty name="width" value="0.3" units="cm"/>
@@ -2147,7 +1276,7 @@
       <inkml:brushProperty name="ignorePressure" value="1"/>
     </inkml:brush>
   </inkml:definitions>
-  <inkml:trace contextRef="#ctx0" brushRef="#br0">5339 7020,'599'-884</inkml:trace>
+  <inkml:trace contextRef="#ctx0" brushRef="#br0">6012 4423,'-150'4,"-491"22,-158 10,-1397 24</inkml:trace>
 </inkml:ink>
 </file>
 
@@ -2165,7 +1294,7 @@
           <inkml:channelProperty channel="Y" name="resolution" value="1000" units="1/cm"/>
         </inkml:channelProperties>
       </inkml:inkSource>
-      <inkml:timestamp xml:id="ts0" timeString="2023-04-18T04:34:09.884"/>
+      <inkml:timestamp xml:id="ts0" timeString="2023-04-18T04:34:23.991"/>
     </inkml:context>
     <inkml:brush xml:id="br0">
       <inkml:brushProperty name="width" value="0.3" units="cm"/>
@@ -2176,7 +1305,7 @@
       <inkml:brushProperty name="ignorePressure" value="1"/>
     </inkml:brush>
   </inkml:definitions>
-  <inkml:trace contextRef="#ctx0" brushRef="#br0">5172 7267,'100'-148</inkml:trace>
+  <inkml:trace contextRef="#ctx0" brushRef="#br0">4433 2832,'129'-82,"1074"-613</inkml:trace>
 </inkml:ink>
 </file>
 
@@ -2262,7 +1391,7 @@
           <a:p>
             <a:fld id="{2990996B-5B3E-4730-9B55-A581D2B5E3C7}" type="datetimeFigureOut">
               <a:rPr kumimoji="1" lang="ja-JP" altLang="en-US" smtClean="0"/>
-              <a:t>2023/4/18</a:t>
+              <a:t>2023/4/19</a:t>
             </a:fld>
             <a:endParaRPr kumimoji="1" lang="ja-JP" altLang="en-US"/>
           </a:p>
@@ -2708,7 +1837,7 @@
           <a:p>
             <a:fld id="{EA89FD3E-0F01-4BFE-BB42-E527571D36AC}" type="datetimeFigureOut">
               <a:rPr kumimoji="1" lang="ja-JP" altLang="en-US" smtClean="0"/>
-              <a:t>2023/4/18</a:t>
+              <a:t>2023/4/19</a:t>
             </a:fld>
             <a:endParaRPr kumimoji="1" lang="ja-JP" altLang="en-US"/>
           </a:p>
@@ -2938,7 +2067,7 @@
           <a:p>
             <a:fld id="{EA89FD3E-0F01-4BFE-BB42-E527571D36AC}" type="datetimeFigureOut">
               <a:rPr kumimoji="1" lang="ja-JP" altLang="en-US" smtClean="0"/>
-              <a:t>2023/4/18</a:t>
+              <a:t>2023/4/19</a:t>
             </a:fld>
             <a:endParaRPr kumimoji="1" lang="ja-JP" altLang="en-US"/>
           </a:p>
@@ -3178,7 +2307,7 @@
           <a:p>
             <a:fld id="{EA89FD3E-0F01-4BFE-BB42-E527571D36AC}" type="datetimeFigureOut">
               <a:rPr kumimoji="1" lang="ja-JP" altLang="en-US" smtClean="0"/>
-              <a:t>2023/4/18</a:t>
+              <a:t>2023/4/19</a:t>
             </a:fld>
             <a:endParaRPr kumimoji="1" lang="ja-JP" altLang="en-US"/>
           </a:p>
@@ -3408,7 +2537,7 @@
           <a:p>
             <a:fld id="{EA89FD3E-0F01-4BFE-BB42-E527571D36AC}" type="datetimeFigureOut">
               <a:rPr kumimoji="1" lang="ja-JP" altLang="en-US" smtClean="0"/>
-              <a:t>2023/4/18</a:t>
+              <a:t>2023/4/19</a:t>
             </a:fld>
             <a:endParaRPr kumimoji="1" lang="ja-JP" altLang="en-US"/>
           </a:p>
@@ -3683,7 +2812,7 @@
           <a:p>
             <a:fld id="{EA89FD3E-0F01-4BFE-BB42-E527571D36AC}" type="datetimeFigureOut">
               <a:rPr kumimoji="1" lang="ja-JP" altLang="en-US" smtClean="0"/>
-              <a:t>2023/4/18</a:t>
+              <a:t>2023/4/19</a:t>
             </a:fld>
             <a:endParaRPr kumimoji="1" lang="ja-JP" altLang="en-US"/>
           </a:p>
@@ -4012,7 +3141,7 @@
           <a:p>
             <a:fld id="{EA89FD3E-0F01-4BFE-BB42-E527571D36AC}" type="datetimeFigureOut">
               <a:rPr kumimoji="1" lang="ja-JP" altLang="en-US" smtClean="0"/>
-              <a:t>2023/4/18</a:t>
+              <a:t>2023/4/19</a:t>
             </a:fld>
             <a:endParaRPr kumimoji="1" lang="ja-JP" altLang="en-US"/>
           </a:p>
@@ -4488,7 +3617,7 @@
           <a:p>
             <a:fld id="{EA89FD3E-0F01-4BFE-BB42-E527571D36AC}" type="datetimeFigureOut">
               <a:rPr kumimoji="1" lang="ja-JP" altLang="en-US" smtClean="0"/>
-              <a:t>2023/4/18</a:t>
+              <a:t>2023/4/19</a:t>
             </a:fld>
             <a:endParaRPr kumimoji="1" lang="ja-JP" altLang="en-US"/>
           </a:p>
@@ -4629,7 +3758,7 @@
           <a:p>
             <a:fld id="{EA89FD3E-0F01-4BFE-BB42-E527571D36AC}" type="datetimeFigureOut">
               <a:rPr kumimoji="1" lang="ja-JP" altLang="en-US" smtClean="0"/>
-              <a:t>2023/4/18</a:t>
+              <a:t>2023/4/19</a:t>
             </a:fld>
             <a:endParaRPr kumimoji="1" lang="ja-JP" altLang="en-US"/>
           </a:p>
@@ -4742,7 +3871,7 @@
           <a:p>
             <a:fld id="{EA89FD3E-0F01-4BFE-BB42-E527571D36AC}" type="datetimeFigureOut">
               <a:rPr kumimoji="1" lang="ja-JP" altLang="en-US" smtClean="0"/>
-              <a:t>2023/4/18</a:t>
+              <a:t>2023/4/19</a:t>
             </a:fld>
             <a:endParaRPr kumimoji="1" lang="ja-JP" altLang="en-US"/>
           </a:p>
@@ -5085,7 +4214,7 @@
           <a:p>
             <a:fld id="{EA89FD3E-0F01-4BFE-BB42-E527571D36AC}" type="datetimeFigureOut">
               <a:rPr kumimoji="1" lang="ja-JP" altLang="en-US" smtClean="0"/>
-              <a:t>2023/4/18</a:t>
+              <a:t>2023/4/19</a:t>
             </a:fld>
             <a:endParaRPr kumimoji="1" lang="ja-JP" altLang="en-US"/>
           </a:p>
@@ -5373,7 +4502,7 @@
           <a:p>
             <a:fld id="{EA89FD3E-0F01-4BFE-BB42-E527571D36AC}" type="datetimeFigureOut">
               <a:rPr kumimoji="1" lang="ja-JP" altLang="en-US" smtClean="0"/>
-              <a:t>2023/4/18</a:t>
+              <a:t>2023/4/19</a:t>
             </a:fld>
             <a:endParaRPr kumimoji="1" lang="ja-JP" altLang="en-US"/>
           </a:p>
@@ -5646,7 +4775,7 @@
           <a:p>
             <a:fld id="{EA89FD3E-0F01-4BFE-BB42-E527571D36AC}" type="datetimeFigureOut">
               <a:rPr kumimoji="1" lang="ja-JP" altLang="en-US" smtClean="0"/>
-              <a:t>2023/4/18</a:t>
+              <a:t>2023/4/19</a:t>
             </a:fld>
             <a:endParaRPr kumimoji="1" lang="ja-JP" altLang="en-US"/>
           </a:p>
@@ -6087,7 +5216,7 @@
         </p:spPr>
         <p:txBody>
           <a:bodyPr>
-            <a:normAutofit/>
+            <a:normAutofit fontScale="90000"/>
           </a:bodyPr>
           <a:lstStyle/>
           <a:p>
@@ -6104,14 +5233,16 @@
               <a:t>)</a:t>
             </a:r>
             <a:r>
-              <a:rPr lang="ja-JP" altLang="en-US" dirty="0"/>
-              <a:t>でーもん</a:t>
-            </a:r>
-            <a:r>
-              <a:rPr lang="en-US" altLang="ja-JP" dirty="0"/>
-              <a:t>Advance</a:t>
-            </a:r>
-            <a:endParaRPr kumimoji="1" lang="ja-JP" altLang="en-US" dirty="0"/>
+              <a:rPr kumimoji="1" lang="ja-JP" altLang="en-US" dirty="0"/>
+              <a:t>でーもんアドベンチャー</a:t>
+            </a:r>
+            <a:br>
+              <a:rPr kumimoji="1" lang="en-US" altLang="ja-JP" dirty="0"/>
+            </a:br>
+            <a:r>
+              <a:rPr kumimoji="1" lang="ja-JP" altLang="en-US" dirty="0"/>
+              <a:t>アクション</a:t>
+            </a:r>
           </a:p>
         </p:txBody>
       </p:sp>
@@ -6236,11 +5367,11 @@
           <a:p>
             <a:r>
               <a:rPr kumimoji="1" lang="ja-JP" altLang="en-US" dirty="0"/>
-              <a:t>力を取り戻している最中の魔王様に代わって</a:t>
+              <a:t>力を取り戻している最中の魔王に代わって</a:t>
             </a:r>
             <a:r>
               <a:rPr lang="ja-JP" altLang="en-US" dirty="0"/>
-              <a:t>、部下であるモンスターたちがすこしづつ拠点を取り戻していく物語</a:t>
+              <a:t>、部下であるモンスターたちがすこしづつ拠点を取り戻していく物語。</a:t>
             </a:r>
             <a:endParaRPr kumimoji="1" lang="en-US" altLang="ja-JP" dirty="0"/>
           </a:p>
@@ -6809,1434 +5940,6 @@
         <mc:Choice Requires="p14">
           <p:contentPart p14:bwMode="auto" r:id="rId18">
             <p14:nvContentPartPr>
-              <p14:cNvPr id="66" name="インク 65">
-                <a:extLst>
-                  <a:ext uri="{FF2B5EF4-FFF2-40B4-BE49-F238E27FC236}">
-                    <a16:creationId xmlns:a16="http://schemas.microsoft.com/office/drawing/2014/main" id="{4919A50A-42D1-456B-A1BD-6A7577AEFEBD}"/>
-                  </a:ext>
-                </a:extLst>
-              </p14:cNvPr>
-              <p14:cNvContentPartPr/>
-              <p14:nvPr/>
-            </p14:nvContentPartPr>
-            <p14:xfrm>
-              <a:off x="10977393" y="4374993"/>
-              <a:ext cx="175320" cy="101880"/>
-            </p14:xfrm>
-          </p:contentPart>
-        </mc:Choice>
-        <mc:Fallback xmlns="">
-          <p:pic>
-            <p:nvPicPr>
-              <p:cNvPr id="66" name="インク 65">
-                <a:extLst>
-                  <a:ext uri="{FF2B5EF4-FFF2-40B4-BE49-F238E27FC236}">
-                    <a16:creationId xmlns:a16="http://schemas.microsoft.com/office/drawing/2014/main" id="{4919A50A-42D1-456B-A1BD-6A7577AEFEBD}"/>
-                  </a:ext>
-                </a:extLst>
-              </p:cNvPr>
-              <p:cNvPicPr/>
-              <p:nvPr/>
-            </p:nvPicPr>
-            <p:blipFill>
-              <a:blip r:embed="rId19"/>
-              <a:stretch>
-                <a:fillRect/>
-              </a:stretch>
-            </p:blipFill>
-            <p:spPr>
-              <a:xfrm>
-                <a:off x="10923393" y="4267353"/>
-                <a:ext cx="282960" cy="317520"/>
-              </a:xfrm>
-              <a:prstGeom prst="rect">
-                <a:avLst/>
-              </a:prstGeom>
-            </p:spPr>
-          </p:pic>
-        </mc:Fallback>
-      </mc:AlternateContent>
-      <mc:AlternateContent xmlns:mc="http://schemas.openxmlformats.org/markup-compatibility/2006" xmlns:p14="http://schemas.microsoft.com/office/powerpoint/2010/main">
-        <mc:Choice Requires="p14">
-          <p:contentPart p14:bwMode="auto" r:id="rId20">
-            <p14:nvContentPartPr>
-              <p14:cNvPr id="65" name="インク 64">
-                <a:extLst>
-                  <a:ext uri="{FF2B5EF4-FFF2-40B4-BE49-F238E27FC236}">
-                    <a16:creationId xmlns:a16="http://schemas.microsoft.com/office/drawing/2014/main" id="{17FA8B78-5308-483C-AB73-5EB3DC0F2B96}"/>
-                  </a:ext>
-                </a:extLst>
-              </p14:cNvPr>
-              <p14:cNvContentPartPr/>
-              <p14:nvPr/>
-            </p14:nvContentPartPr>
-            <p14:xfrm>
-              <a:off x="10989993" y="4202553"/>
-              <a:ext cx="216000" cy="318960"/>
-            </p14:xfrm>
-          </p:contentPart>
-        </mc:Choice>
-        <mc:Fallback xmlns="">
-          <p:pic>
-            <p:nvPicPr>
-              <p:cNvPr id="65" name="インク 64">
-                <a:extLst>
-                  <a:ext uri="{FF2B5EF4-FFF2-40B4-BE49-F238E27FC236}">
-                    <a16:creationId xmlns:a16="http://schemas.microsoft.com/office/drawing/2014/main" id="{17FA8B78-5308-483C-AB73-5EB3DC0F2B96}"/>
-                  </a:ext>
-                </a:extLst>
-              </p:cNvPr>
-              <p:cNvPicPr/>
-              <p:nvPr/>
-            </p:nvPicPr>
-            <p:blipFill>
-              <a:blip r:embed="rId21"/>
-              <a:stretch>
-                <a:fillRect/>
-              </a:stretch>
-            </p:blipFill>
-            <p:spPr>
-              <a:xfrm>
-                <a:off x="10936353" y="4094913"/>
-                <a:ext cx="323640" cy="534600"/>
-              </a:xfrm>
-              <a:prstGeom prst="rect">
-                <a:avLst/>
-              </a:prstGeom>
-            </p:spPr>
-          </p:pic>
-        </mc:Fallback>
-      </mc:AlternateContent>
-      <mc:AlternateContent xmlns:mc="http://schemas.openxmlformats.org/markup-compatibility/2006" xmlns:p14="http://schemas.microsoft.com/office/powerpoint/2010/main">
-        <mc:Choice Requires="p14">
-          <p:contentPart p14:bwMode="auto" r:id="rId22">
-            <p14:nvContentPartPr>
-              <p14:cNvPr id="64" name="インク 63">
-                <a:extLst>
-                  <a:ext uri="{FF2B5EF4-FFF2-40B4-BE49-F238E27FC236}">
-                    <a16:creationId xmlns:a16="http://schemas.microsoft.com/office/drawing/2014/main" id="{3CA2038F-E37F-4F61-9D6D-31376FBE3F2F}"/>
-                  </a:ext>
-                </a:extLst>
-              </p14:cNvPr>
-              <p14:cNvContentPartPr/>
-              <p14:nvPr/>
-            </p14:nvContentPartPr>
-            <p14:xfrm>
-              <a:off x="10929873" y="4556793"/>
-              <a:ext cx="36360" cy="53640"/>
-            </p14:xfrm>
-          </p:contentPart>
-        </mc:Choice>
-        <mc:Fallback xmlns="">
-          <p:pic>
-            <p:nvPicPr>
-              <p:cNvPr id="64" name="インク 63">
-                <a:extLst>
-                  <a:ext uri="{FF2B5EF4-FFF2-40B4-BE49-F238E27FC236}">
-                    <a16:creationId xmlns:a16="http://schemas.microsoft.com/office/drawing/2014/main" id="{3CA2038F-E37F-4F61-9D6D-31376FBE3F2F}"/>
-                  </a:ext>
-                </a:extLst>
-              </p:cNvPr>
-              <p:cNvPicPr/>
-              <p:nvPr/>
-            </p:nvPicPr>
-            <p:blipFill>
-              <a:blip r:embed="rId23"/>
-              <a:stretch>
-                <a:fillRect/>
-              </a:stretch>
-            </p:blipFill>
-            <p:spPr>
-              <a:xfrm>
-                <a:off x="10876233" y="4448793"/>
-                <a:ext cx="144000" cy="269280"/>
-              </a:xfrm>
-              <a:prstGeom prst="rect">
-                <a:avLst/>
-              </a:prstGeom>
-            </p:spPr>
-          </p:pic>
-        </mc:Fallback>
-      </mc:AlternateContent>
-      <mc:AlternateContent xmlns:mc="http://schemas.openxmlformats.org/markup-compatibility/2006" xmlns:p14="http://schemas.microsoft.com/office/powerpoint/2010/main">
-        <mc:Choice Requires="p14">
-          <p:contentPart p14:bwMode="auto" r:id="rId24">
-            <p14:nvContentPartPr>
-              <p14:cNvPr id="63" name="インク 62">
-                <a:extLst>
-                  <a:ext uri="{FF2B5EF4-FFF2-40B4-BE49-F238E27FC236}">
-                    <a16:creationId xmlns:a16="http://schemas.microsoft.com/office/drawing/2014/main" id="{8861B0AF-F626-4311-B002-6CC2E1FDF970}"/>
-                  </a:ext>
-                </a:extLst>
-              </p14:cNvPr>
-              <p14:cNvContentPartPr/>
-              <p14:nvPr/>
-            </p14:nvContentPartPr>
-            <p14:xfrm>
-              <a:off x="10776153" y="3962433"/>
-              <a:ext cx="430200" cy="756360"/>
-            </p14:xfrm>
-          </p:contentPart>
-        </mc:Choice>
-        <mc:Fallback xmlns="">
-          <p:pic>
-            <p:nvPicPr>
-              <p:cNvPr id="63" name="インク 62">
-                <a:extLst>
-                  <a:ext uri="{FF2B5EF4-FFF2-40B4-BE49-F238E27FC236}">
-                    <a16:creationId xmlns:a16="http://schemas.microsoft.com/office/drawing/2014/main" id="{8861B0AF-F626-4311-B002-6CC2E1FDF970}"/>
-                  </a:ext>
-                </a:extLst>
-              </p:cNvPr>
-              <p:cNvPicPr/>
-              <p:nvPr/>
-            </p:nvPicPr>
-            <p:blipFill>
-              <a:blip r:embed="rId25"/>
-              <a:stretch>
-                <a:fillRect/>
-              </a:stretch>
-            </p:blipFill>
-            <p:spPr>
-              <a:xfrm>
-                <a:off x="10722153" y="3854793"/>
-                <a:ext cx="537840" cy="972000"/>
-              </a:xfrm>
-              <a:prstGeom prst="rect">
-                <a:avLst/>
-              </a:prstGeom>
-            </p:spPr>
-          </p:pic>
-        </mc:Fallback>
-      </mc:AlternateContent>
-      <mc:AlternateContent xmlns:mc="http://schemas.openxmlformats.org/markup-compatibility/2006" xmlns:p14="http://schemas.microsoft.com/office/powerpoint/2010/main">
-        <mc:Choice Requires="p14">
-          <p:contentPart p14:bwMode="auto" r:id="rId26">
-            <p14:nvContentPartPr>
-              <p14:cNvPr id="62" name="インク 61">
-                <a:extLst>
-                  <a:ext uri="{FF2B5EF4-FFF2-40B4-BE49-F238E27FC236}">
-                    <a16:creationId xmlns:a16="http://schemas.microsoft.com/office/drawing/2014/main" id="{76C6052F-0434-449A-A3B4-C273978F143F}"/>
-                  </a:ext>
-                </a:extLst>
-              </p14:cNvPr>
-              <p14:cNvContentPartPr/>
-              <p14:nvPr/>
-            </p14:nvContentPartPr>
-            <p14:xfrm>
-              <a:off x="10731153" y="3950193"/>
-              <a:ext cx="475200" cy="775080"/>
-            </p14:xfrm>
-          </p:contentPart>
-        </mc:Choice>
-        <mc:Fallback xmlns="">
-          <p:pic>
-            <p:nvPicPr>
-              <p:cNvPr id="62" name="インク 61">
-                <a:extLst>
-                  <a:ext uri="{FF2B5EF4-FFF2-40B4-BE49-F238E27FC236}">
-                    <a16:creationId xmlns:a16="http://schemas.microsoft.com/office/drawing/2014/main" id="{76C6052F-0434-449A-A3B4-C273978F143F}"/>
-                  </a:ext>
-                </a:extLst>
-              </p:cNvPr>
-              <p:cNvPicPr/>
-              <p:nvPr/>
-            </p:nvPicPr>
-            <p:blipFill>
-              <a:blip r:embed="rId27"/>
-              <a:stretch>
-                <a:fillRect/>
-              </a:stretch>
-            </p:blipFill>
-            <p:spPr>
-              <a:xfrm>
-                <a:off x="10677153" y="3842553"/>
-                <a:ext cx="582840" cy="990720"/>
-              </a:xfrm>
-              <a:prstGeom prst="rect">
-                <a:avLst/>
-              </a:prstGeom>
-            </p:spPr>
-          </p:pic>
-        </mc:Fallback>
-      </mc:AlternateContent>
-      <mc:AlternateContent xmlns:mc="http://schemas.openxmlformats.org/markup-compatibility/2006" xmlns:p14="http://schemas.microsoft.com/office/powerpoint/2010/main">
-        <mc:Choice Requires="p14">
-          <p:contentPart p14:bwMode="auto" r:id="rId28">
-            <p14:nvContentPartPr>
-              <p14:cNvPr id="61" name="インク 60">
-                <a:extLst>
-                  <a:ext uri="{FF2B5EF4-FFF2-40B4-BE49-F238E27FC236}">
-                    <a16:creationId xmlns:a16="http://schemas.microsoft.com/office/drawing/2014/main" id="{3813DA16-E7FF-432B-8220-AAF64B92BAB8}"/>
-                  </a:ext>
-                </a:extLst>
-              </p14:cNvPr>
-              <p14:cNvContentPartPr/>
-              <p14:nvPr/>
-            </p14:nvContentPartPr>
-            <p14:xfrm>
-              <a:off x="10695153" y="3793953"/>
-              <a:ext cx="510840" cy="931320"/>
-            </p14:xfrm>
-          </p:contentPart>
-        </mc:Choice>
-        <mc:Fallback xmlns="">
-          <p:pic>
-            <p:nvPicPr>
-              <p:cNvPr id="61" name="インク 60">
-                <a:extLst>
-                  <a:ext uri="{FF2B5EF4-FFF2-40B4-BE49-F238E27FC236}">
-                    <a16:creationId xmlns:a16="http://schemas.microsoft.com/office/drawing/2014/main" id="{3813DA16-E7FF-432B-8220-AAF64B92BAB8}"/>
-                  </a:ext>
-                </a:extLst>
-              </p:cNvPr>
-              <p:cNvPicPr/>
-              <p:nvPr/>
-            </p:nvPicPr>
-            <p:blipFill>
-              <a:blip r:embed="rId29"/>
-              <a:stretch>
-                <a:fillRect/>
-              </a:stretch>
-            </p:blipFill>
-            <p:spPr>
-              <a:xfrm>
-                <a:off x="10641513" y="3686313"/>
-                <a:ext cx="618480" cy="1146960"/>
-              </a:xfrm>
-              <a:prstGeom prst="rect">
-                <a:avLst/>
-              </a:prstGeom>
-            </p:spPr>
-          </p:pic>
-        </mc:Fallback>
-      </mc:AlternateContent>
-      <mc:AlternateContent xmlns:mc="http://schemas.openxmlformats.org/markup-compatibility/2006" xmlns:p14="http://schemas.microsoft.com/office/powerpoint/2010/main">
-        <mc:Choice Requires="p14">
-          <p:contentPart p14:bwMode="auto" r:id="rId30">
-            <p14:nvContentPartPr>
-              <p14:cNvPr id="60" name="インク 59">
-                <a:extLst>
-                  <a:ext uri="{FF2B5EF4-FFF2-40B4-BE49-F238E27FC236}">
-                    <a16:creationId xmlns:a16="http://schemas.microsoft.com/office/drawing/2014/main" id="{63E4536E-A70E-46B6-BD76-C2AF54B0BABE}"/>
-                  </a:ext>
-                </a:extLst>
-              </p14:cNvPr>
-              <p14:cNvContentPartPr/>
-              <p14:nvPr/>
-            </p14:nvContentPartPr>
-            <p14:xfrm>
-              <a:off x="11221473" y="3692793"/>
-              <a:ext cx="2160" cy="3240"/>
-            </p14:xfrm>
-          </p:contentPart>
-        </mc:Choice>
-        <mc:Fallback xmlns="">
-          <p:pic>
-            <p:nvPicPr>
-              <p:cNvPr id="60" name="インク 59">
-                <a:extLst>
-                  <a:ext uri="{FF2B5EF4-FFF2-40B4-BE49-F238E27FC236}">
-                    <a16:creationId xmlns:a16="http://schemas.microsoft.com/office/drawing/2014/main" id="{63E4536E-A70E-46B6-BD76-C2AF54B0BABE}"/>
-                  </a:ext>
-                </a:extLst>
-              </p:cNvPr>
-              <p:cNvPicPr/>
-              <p:nvPr/>
-            </p:nvPicPr>
-            <p:blipFill>
-              <a:blip r:embed="rId31"/>
-              <a:stretch>
-                <a:fillRect/>
-              </a:stretch>
-            </p:blipFill>
-            <p:spPr>
-              <a:xfrm>
-                <a:off x="11167833" y="3585153"/>
-                <a:ext cx="109800" cy="218880"/>
-              </a:xfrm>
-              <a:prstGeom prst="rect">
-                <a:avLst/>
-              </a:prstGeom>
-            </p:spPr>
-          </p:pic>
-        </mc:Fallback>
-      </mc:AlternateContent>
-      <mc:AlternateContent xmlns:mc="http://schemas.openxmlformats.org/markup-compatibility/2006" xmlns:p14="http://schemas.microsoft.com/office/powerpoint/2010/main">
-        <mc:Choice Requires="p14">
-          <p:contentPart p14:bwMode="auto" r:id="rId32">
-            <p14:nvContentPartPr>
-              <p14:cNvPr id="59" name="インク 58">
-                <a:extLst>
-                  <a:ext uri="{FF2B5EF4-FFF2-40B4-BE49-F238E27FC236}">
-                    <a16:creationId xmlns:a16="http://schemas.microsoft.com/office/drawing/2014/main" id="{27F12D7E-7FB6-460F-ADEE-86937897F853}"/>
-                  </a:ext>
-                </a:extLst>
-              </p14:cNvPr>
-              <p14:cNvContentPartPr/>
-              <p14:nvPr/>
-            </p14:nvContentPartPr>
-            <p14:xfrm>
-              <a:off x="10519833" y="3717633"/>
-              <a:ext cx="686520" cy="990360"/>
-            </p14:xfrm>
-          </p:contentPart>
-        </mc:Choice>
-        <mc:Fallback xmlns="">
-          <p:pic>
-            <p:nvPicPr>
-              <p:cNvPr id="59" name="インク 58">
-                <a:extLst>
-                  <a:ext uri="{FF2B5EF4-FFF2-40B4-BE49-F238E27FC236}">
-                    <a16:creationId xmlns:a16="http://schemas.microsoft.com/office/drawing/2014/main" id="{27F12D7E-7FB6-460F-ADEE-86937897F853}"/>
-                  </a:ext>
-                </a:extLst>
-              </p:cNvPr>
-              <p:cNvPicPr/>
-              <p:nvPr/>
-            </p:nvPicPr>
-            <p:blipFill>
-              <a:blip r:embed="rId33"/>
-              <a:stretch>
-                <a:fillRect/>
-              </a:stretch>
-            </p:blipFill>
-            <p:spPr>
-              <a:xfrm>
-                <a:off x="10465833" y="3609633"/>
-                <a:ext cx="794160" cy="1206000"/>
-              </a:xfrm>
-              <a:prstGeom prst="rect">
-                <a:avLst/>
-              </a:prstGeom>
-            </p:spPr>
-          </p:pic>
-        </mc:Fallback>
-      </mc:AlternateContent>
-      <mc:AlternateContent xmlns:mc="http://schemas.openxmlformats.org/markup-compatibility/2006" xmlns:p14="http://schemas.microsoft.com/office/powerpoint/2010/main">
-        <mc:Choice Requires="p14">
-          <p:contentPart p14:bwMode="auto" r:id="rId34">
-            <p14:nvContentPartPr>
-              <p14:cNvPr id="58" name="インク 57">
-                <a:extLst>
-                  <a:ext uri="{FF2B5EF4-FFF2-40B4-BE49-F238E27FC236}">
-                    <a16:creationId xmlns:a16="http://schemas.microsoft.com/office/drawing/2014/main" id="{27A56DBF-B62C-499B-B666-647B5785789F}"/>
-                  </a:ext>
-                </a:extLst>
-              </p14:cNvPr>
-              <p14:cNvContentPartPr/>
-              <p14:nvPr/>
-            </p14:nvContentPartPr>
-            <p14:xfrm>
-              <a:off x="10527393" y="3699993"/>
-              <a:ext cx="678960" cy="1007640"/>
-            </p14:xfrm>
-          </p:contentPart>
-        </mc:Choice>
-        <mc:Fallback xmlns="">
-          <p:pic>
-            <p:nvPicPr>
-              <p:cNvPr id="58" name="インク 57">
-                <a:extLst>
-                  <a:ext uri="{FF2B5EF4-FFF2-40B4-BE49-F238E27FC236}">
-                    <a16:creationId xmlns:a16="http://schemas.microsoft.com/office/drawing/2014/main" id="{27A56DBF-B62C-499B-B666-647B5785789F}"/>
-                  </a:ext>
-                </a:extLst>
-              </p:cNvPr>
-              <p:cNvPicPr/>
-              <p:nvPr/>
-            </p:nvPicPr>
-            <p:blipFill>
-              <a:blip r:embed="rId35"/>
-              <a:stretch>
-                <a:fillRect/>
-              </a:stretch>
-            </p:blipFill>
-            <p:spPr>
-              <a:xfrm>
-                <a:off x="10473393" y="3592353"/>
-                <a:ext cx="786600" cy="1223280"/>
-              </a:xfrm>
-              <a:prstGeom prst="rect">
-                <a:avLst/>
-              </a:prstGeom>
-            </p:spPr>
-          </p:pic>
-        </mc:Fallback>
-      </mc:AlternateContent>
-      <mc:AlternateContent xmlns:mc="http://schemas.openxmlformats.org/markup-compatibility/2006" xmlns:p14="http://schemas.microsoft.com/office/powerpoint/2010/main">
-        <mc:Choice Requires="p14">
-          <p:contentPart p14:bwMode="auto" r:id="rId36">
-            <p14:nvContentPartPr>
-              <p14:cNvPr id="57" name="インク 56">
-                <a:extLst>
-                  <a:ext uri="{FF2B5EF4-FFF2-40B4-BE49-F238E27FC236}">
-                    <a16:creationId xmlns:a16="http://schemas.microsoft.com/office/drawing/2014/main" id="{E1374F10-33AD-4CC3-8FC0-EF6578459229}"/>
-                  </a:ext>
-                </a:extLst>
-              </p14:cNvPr>
-              <p14:cNvContentPartPr/>
-              <p14:nvPr/>
-            </p14:nvContentPartPr>
-            <p14:xfrm>
-              <a:off x="11209233" y="3674073"/>
-              <a:ext cx="14760" cy="21600"/>
-            </p14:xfrm>
-          </p:contentPart>
-        </mc:Choice>
-        <mc:Fallback xmlns="">
-          <p:pic>
-            <p:nvPicPr>
-              <p:cNvPr id="57" name="インク 56">
-                <a:extLst>
-                  <a:ext uri="{FF2B5EF4-FFF2-40B4-BE49-F238E27FC236}">
-                    <a16:creationId xmlns:a16="http://schemas.microsoft.com/office/drawing/2014/main" id="{E1374F10-33AD-4CC3-8FC0-EF6578459229}"/>
-                  </a:ext>
-                </a:extLst>
-              </p:cNvPr>
-              <p:cNvPicPr/>
-              <p:nvPr/>
-            </p:nvPicPr>
-            <p:blipFill>
-              <a:blip r:embed="rId37"/>
-              <a:stretch>
-                <a:fillRect/>
-              </a:stretch>
-            </p:blipFill>
-            <p:spPr>
-              <a:xfrm>
-                <a:off x="11155233" y="3566433"/>
-                <a:ext cx="122400" cy="237240"/>
-              </a:xfrm>
-              <a:prstGeom prst="rect">
-                <a:avLst/>
-              </a:prstGeom>
-            </p:spPr>
-          </p:pic>
-        </mc:Fallback>
-      </mc:AlternateContent>
-      <mc:AlternateContent xmlns:mc="http://schemas.openxmlformats.org/markup-compatibility/2006" xmlns:p14="http://schemas.microsoft.com/office/powerpoint/2010/main">
-        <mc:Choice Requires="p14">
-          <p:contentPart p14:bwMode="auto" r:id="rId38">
-            <p14:nvContentPartPr>
-              <p14:cNvPr id="56" name="インク 55">
-                <a:extLst>
-                  <a:ext uri="{FF2B5EF4-FFF2-40B4-BE49-F238E27FC236}">
-                    <a16:creationId xmlns:a16="http://schemas.microsoft.com/office/drawing/2014/main" id="{FBC9A63A-87F4-44BE-AE45-6798EB797B93}"/>
-                  </a:ext>
-                </a:extLst>
-              </p14:cNvPr>
-              <p14:cNvContentPartPr/>
-              <p14:nvPr/>
-            </p14:nvContentPartPr>
-            <p14:xfrm>
-              <a:off x="10389153" y="3633753"/>
-              <a:ext cx="834840" cy="1073880"/>
-            </p14:xfrm>
-          </p:contentPart>
-        </mc:Choice>
-        <mc:Fallback xmlns="">
-          <p:pic>
-            <p:nvPicPr>
-              <p:cNvPr id="56" name="インク 55">
-                <a:extLst>
-                  <a:ext uri="{FF2B5EF4-FFF2-40B4-BE49-F238E27FC236}">
-                    <a16:creationId xmlns:a16="http://schemas.microsoft.com/office/drawing/2014/main" id="{FBC9A63A-87F4-44BE-AE45-6798EB797B93}"/>
-                  </a:ext>
-                </a:extLst>
-              </p:cNvPr>
-              <p:cNvPicPr/>
-              <p:nvPr/>
-            </p:nvPicPr>
-            <p:blipFill>
-              <a:blip r:embed="rId39"/>
-              <a:stretch>
-                <a:fillRect/>
-              </a:stretch>
-            </p:blipFill>
-            <p:spPr>
-              <a:xfrm>
-                <a:off x="10335153" y="3526113"/>
-                <a:ext cx="942480" cy="1289520"/>
-              </a:xfrm>
-              <a:prstGeom prst="rect">
-                <a:avLst/>
-              </a:prstGeom>
-            </p:spPr>
-          </p:pic>
-        </mc:Fallback>
-      </mc:AlternateContent>
-      <mc:AlternateContent xmlns:mc="http://schemas.openxmlformats.org/markup-compatibility/2006" xmlns:p14="http://schemas.microsoft.com/office/powerpoint/2010/main">
-        <mc:Choice Requires="p14">
-          <p:contentPart p14:bwMode="auto" r:id="rId40">
-            <p14:nvContentPartPr>
-              <p14:cNvPr id="55" name="インク 54">
-                <a:extLst>
-                  <a:ext uri="{FF2B5EF4-FFF2-40B4-BE49-F238E27FC236}">
-                    <a16:creationId xmlns:a16="http://schemas.microsoft.com/office/drawing/2014/main" id="{E14C420B-A087-490E-953A-82E5778155F3}"/>
-                  </a:ext>
-                </a:extLst>
-              </p14:cNvPr>
-              <p14:cNvContentPartPr/>
-              <p14:nvPr/>
-            </p14:nvContentPartPr>
-            <p14:xfrm>
-              <a:off x="10389153" y="3281313"/>
-              <a:ext cx="897120" cy="1426680"/>
-            </p14:xfrm>
-          </p:contentPart>
-        </mc:Choice>
-        <mc:Fallback xmlns="">
-          <p:pic>
-            <p:nvPicPr>
-              <p:cNvPr id="55" name="インク 54">
-                <a:extLst>
-                  <a:ext uri="{FF2B5EF4-FFF2-40B4-BE49-F238E27FC236}">
-                    <a16:creationId xmlns:a16="http://schemas.microsoft.com/office/drawing/2014/main" id="{E14C420B-A087-490E-953A-82E5778155F3}"/>
-                  </a:ext>
-                </a:extLst>
-              </p:cNvPr>
-              <p:cNvPicPr/>
-              <p:nvPr/>
-            </p:nvPicPr>
-            <p:blipFill>
-              <a:blip r:embed="rId41"/>
-              <a:stretch>
-                <a:fillRect/>
-              </a:stretch>
-            </p:blipFill>
-            <p:spPr>
-              <a:xfrm>
-                <a:off x="10335153" y="3173313"/>
-                <a:ext cx="1004760" cy="1642320"/>
-              </a:xfrm>
-              <a:prstGeom prst="rect">
-                <a:avLst/>
-              </a:prstGeom>
-            </p:spPr>
-          </p:pic>
-        </mc:Fallback>
-      </mc:AlternateContent>
-      <mc:AlternateContent xmlns:mc="http://schemas.openxmlformats.org/markup-compatibility/2006" xmlns:p14="http://schemas.microsoft.com/office/powerpoint/2010/main">
-        <mc:Choice Requires="p14">
-          <p:contentPart p14:bwMode="auto" r:id="rId42">
-            <p14:nvContentPartPr>
-              <p14:cNvPr id="54" name="インク 53">
-                <a:extLst>
-                  <a:ext uri="{FF2B5EF4-FFF2-40B4-BE49-F238E27FC236}">
-                    <a16:creationId xmlns:a16="http://schemas.microsoft.com/office/drawing/2014/main" id="{CEC980A0-47D0-4A42-A154-3EE3B763C83C}"/>
-                  </a:ext>
-                </a:extLst>
-              </p14:cNvPr>
-              <p14:cNvContentPartPr/>
-              <p14:nvPr/>
-            </p14:nvContentPartPr>
-            <p14:xfrm>
-              <a:off x="11287713" y="3240633"/>
-              <a:ext cx="24840" cy="37800"/>
-            </p14:xfrm>
-          </p:contentPart>
-        </mc:Choice>
-        <mc:Fallback xmlns="">
-          <p:pic>
-            <p:nvPicPr>
-              <p:cNvPr id="54" name="インク 53">
-                <a:extLst>
-                  <a:ext uri="{FF2B5EF4-FFF2-40B4-BE49-F238E27FC236}">
-                    <a16:creationId xmlns:a16="http://schemas.microsoft.com/office/drawing/2014/main" id="{CEC980A0-47D0-4A42-A154-3EE3B763C83C}"/>
-                  </a:ext>
-                </a:extLst>
-              </p:cNvPr>
-              <p:cNvPicPr/>
-              <p:nvPr/>
-            </p:nvPicPr>
-            <p:blipFill>
-              <a:blip r:embed="rId43"/>
-              <a:stretch>
-                <a:fillRect/>
-              </a:stretch>
-            </p:blipFill>
-            <p:spPr>
-              <a:xfrm>
-                <a:off x="11234073" y="3132993"/>
-                <a:ext cx="132480" cy="253440"/>
-              </a:xfrm>
-              <a:prstGeom prst="rect">
-                <a:avLst/>
-              </a:prstGeom>
-            </p:spPr>
-          </p:pic>
-        </mc:Fallback>
-      </mc:AlternateContent>
-      <mc:AlternateContent xmlns:mc="http://schemas.openxmlformats.org/markup-compatibility/2006" xmlns:p14="http://schemas.microsoft.com/office/powerpoint/2010/main">
-        <mc:Choice Requires="p14">
-          <p:contentPart p14:bwMode="auto" r:id="rId44">
-            <p14:nvContentPartPr>
-              <p14:cNvPr id="53" name="インク 52">
-                <a:extLst>
-                  <a:ext uri="{FF2B5EF4-FFF2-40B4-BE49-F238E27FC236}">
-                    <a16:creationId xmlns:a16="http://schemas.microsoft.com/office/drawing/2014/main" id="{0594B305-2026-4ED0-AB73-3B0131800E42}"/>
-                  </a:ext>
-                </a:extLst>
-              </p14:cNvPr>
-              <p14:cNvContentPartPr/>
-              <p14:nvPr/>
-            </p14:nvContentPartPr>
-            <p14:xfrm>
-              <a:off x="10408593" y="3225153"/>
-              <a:ext cx="903960" cy="1482840"/>
-            </p14:xfrm>
-          </p:contentPart>
-        </mc:Choice>
-        <mc:Fallback xmlns="">
-          <p:pic>
-            <p:nvPicPr>
-              <p:cNvPr id="53" name="インク 52">
-                <a:extLst>
-                  <a:ext uri="{FF2B5EF4-FFF2-40B4-BE49-F238E27FC236}">
-                    <a16:creationId xmlns:a16="http://schemas.microsoft.com/office/drawing/2014/main" id="{0594B305-2026-4ED0-AB73-3B0131800E42}"/>
-                  </a:ext>
-                </a:extLst>
-              </p:cNvPr>
-              <p:cNvPicPr/>
-              <p:nvPr/>
-            </p:nvPicPr>
-            <p:blipFill>
-              <a:blip r:embed="rId45"/>
-              <a:stretch>
-                <a:fillRect/>
-              </a:stretch>
-            </p:blipFill>
-            <p:spPr>
-              <a:xfrm>
-                <a:off x="10354593" y="3117153"/>
-                <a:ext cx="1011600" cy="1698480"/>
-              </a:xfrm>
-              <a:prstGeom prst="rect">
-                <a:avLst/>
-              </a:prstGeom>
-            </p:spPr>
-          </p:pic>
-        </mc:Fallback>
-      </mc:AlternateContent>
-      <mc:AlternateContent xmlns:mc="http://schemas.openxmlformats.org/markup-compatibility/2006" xmlns:p14="http://schemas.microsoft.com/office/powerpoint/2010/main">
-        <mc:Choice Requires="p14">
-          <p:contentPart p14:bwMode="auto" r:id="rId46">
-            <p14:nvContentPartPr>
-              <p14:cNvPr id="52" name="インク 51">
-                <a:extLst>
-                  <a:ext uri="{FF2B5EF4-FFF2-40B4-BE49-F238E27FC236}">
-                    <a16:creationId xmlns:a16="http://schemas.microsoft.com/office/drawing/2014/main" id="{4DBAB247-8D7F-4C32-99E0-71D9EE757B49}"/>
-                  </a:ext>
-                </a:extLst>
-              </p14:cNvPr>
-              <p14:cNvContentPartPr/>
-              <p14:nvPr/>
-            </p14:nvContentPartPr>
-            <p14:xfrm>
-              <a:off x="10173153" y="2892153"/>
-              <a:ext cx="1084680" cy="1815480"/>
-            </p14:xfrm>
-          </p:contentPart>
-        </mc:Choice>
-        <mc:Fallback xmlns="">
-          <p:pic>
-            <p:nvPicPr>
-              <p:cNvPr id="52" name="インク 51">
-                <a:extLst>
-                  <a:ext uri="{FF2B5EF4-FFF2-40B4-BE49-F238E27FC236}">
-                    <a16:creationId xmlns:a16="http://schemas.microsoft.com/office/drawing/2014/main" id="{4DBAB247-8D7F-4C32-99E0-71D9EE757B49}"/>
-                  </a:ext>
-                </a:extLst>
-              </p:cNvPr>
-              <p:cNvPicPr/>
-              <p:nvPr/>
-            </p:nvPicPr>
-            <p:blipFill>
-              <a:blip r:embed="rId47"/>
-              <a:stretch>
-                <a:fillRect/>
-              </a:stretch>
-            </p:blipFill>
-            <p:spPr>
-              <a:xfrm>
-                <a:off x="10119153" y="2784513"/>
-                <a:ext cx="1192320" cy="2031120"/>
-              </a:xfrm>
-              <a:prstGeom prst="rect">
-                <a:avLst/>
-              </a:prstGeom>
-            </p:spPr>
-          </p:pic>
-        </mc:Fallback>
-      </mc:AlternateContent>
-      <mc:AlternateContent xmlns:mc="http://schemas.openxmlformats.org/markup-compatibility/2006" xmlns:p14="http://schemas.microsoft.com/office/powerpoint/2010/main">
-        <mc:Choice Requires="p14">
-          <p:contentPart p14:bwMode="auto" r:id="rId48">
-            <p14:nvContentPartPr>
-              <p14:cNvPr id="51" name="インク 50">
-                <a:extLst>
-                  <a:ext uri="{FF2B5EF4-FFF2-40B4-BE49-F238E27FC236}">
-                    <a16:creationId xmlns:a16="http://schemas.microsoft.com/office/drawing/2014/main" id="{C9FF7923-4E5F-42A1-B35A-1452ACECB266}"/>
-                  </a:ext>
-                </a:extLst>
-              </p14:cNvPr>
-              <p14:cNvContentPartPr/>
-              <p14:nvPr/>
-            </p14:nvContentPartPr>
-            <p14:xfrm>
-              <a:off x="10184313" y="3020673"/>
-              <a:ext cx="703800" cy="1607040"/>
-            </p14:xfrm>
-          </p:contentPart>
-        </mc:Choice>
-        <mc:Fallback xmlns="">
-          <p:pic>
-            <p:nvPicPr>
-              <p:cNvPr id="51" name="インク 50">
-                <a:extLst>
-                  <a:ext uri="{FF2B5EF4-FFF2-40B4-BE49-F238E27FC236}">
-                    <a16:creationId xmlns:a16="http://schemas.microsoft.com/office/drawing/2014/main" id="{C9FF7923-4E5F-42A1-B35A-1452ACECB266}"/>
-                  </a:ext>
-                </a:extLst>
-              </p:cNvPr>
-              <p:cNvPicPr/>
-              <p:nvPr/>
-            </p:nvPicPr>
-            <p:blipFill>
-              <a:blip r:embed="rId49"/>
-              <a:stretch>
-                <a:fillRect/>
-              </a:stretch>
-            </p:blipFill>
-            <p:spPr>
-              <a:xfrm>
-                <a:off x="10130673" y="2913033"/>
-                <a:ext cx="811440" cy="1822680"/>
-              </a:xfrm>
-              <a:prstGeom prst="rect">
-                <a:avLst/>
-              </a:prstGeom>
-            </p:spPr>
-          </p:pic>
-        </mc:Fallback>
-      </mc:AlternateContent>
-      <mc:AlternateContent xmlns:mc="http://schemas.openxmlformats.org/markup-compatibility/2006" xmlns:p14="http://schemas.microsoft.com/office/powerpoint/2010/main">
-        <mc:Choice Requires="p14">
-          <p:contentPart p14:bwMode="auto" r:id="rId50">
-            <p14:nvContentPartPr>
-              <p14:cNvPr id="50" name="インク 49">
-                <a:extLst>
-                  <a:ext uri="{FF2B5EF4-FFF2-40B4-BE49-F238E27FC236}">
-                    <a16:creationId xmlns:a16="http://schemas.microsoft.com/office/drawing/2014/main" id="{93104239-7259-4069-9C62-886F139F2D08}"/>
-                  </a:ext>
-                </a:extLst>
-              </p14:cNvPr>
-              <p14:cNvContentPartPr/>
-              <p14:nvPr/>
-            </p14:nvContentPartPr>
-            <p14:xfrm>
-              <a:off x="10245873" y="3269073"/>
-              <a:ext cx="746280" cy="1359000"/>
-            </p14:xfrm>
-          </p:contentPart>
-        </mc:Choice>
-        <mc:Fallback xmlns="">
-          <p:pic>
-            <p:nvPicPr>
-              <p:cNvPr id="50" name="インク 49">
-                <a:extLst>
-                  <a:ext uri="{FF2B5EF4-FFF2-40B4-BE49-F238E27FC236}">
-                    <a16:creationId xmlns:a16="http://schemas.microsoft.com/office/drawing/2014/main" id="{93104239-7259-4069-9C62-886F139F2D08}"/>
-                  </a:ext>
-                </a:extLst>
-              </p:cNvPr>
-              <p:cNvPicPr/>
-              <p:nvPr/>
-            </p:nvPicPr>
-            <p:blipFill>
-              <a:blip r:embed="rId51"/>
-              <a:stretch>
-                <a:fillRect/>
-              </a:stretch>
-            </p:blipFill>
-            <p:spPr>
-              <a:xfrm>
-                <a:off x="10191873" y="3161073"/>
-                <a:ext cx="853920" cy="1574640"/>
-              </a:xfrm>
-              <a:prstGeom prst="rect">
-                <a:avLst/>
-              </a:prstGeom>
-            </p:spPr>
-          </p:pic>
-        </mc:Fallback>
-      </mc:AlternateContent>
-      <mc:AlternateContent xmlns:mc="http://schemas.openxmlformats.org/markup-compatibility/2006" xmlns:p14="http://schemas.microsoft.com/office/powerpoint/2010/main">
-        <mc:Choice Requires="p14">
-          <p:contentPart p14:bwMode="auto" r:id="rId52">
-            <p14:nvContentPartPr>
-              <p14:cNvPr id="116" name="インク 115">
-                <a:extLst>
-                  <a:ext uri="{FF2B5EF4-FFF2-40B4-BE49-F238E27FC236}">
-                    <a16:creationId xmlns:a16="http://schemas.microsoft.com/office/drawing/2014/main" id="{785AFAAC-5FC3-4CB8-8882-CC52804F5D74}"/>
-                  </a:ext>
-                </a:extLst>
-              </p14:cNvPr>
-              <p14:cNvContentPartPr/>
-              <p14:nvPr/>
-            </p14:nvContentPartPr>
-            <p14:xfrm>
-              <a:off x="10100793" y="3269073"/>
-              <a:ext cx="439560" cy="1294200"/>
-            </p14:xfrm>
-          </p:contentPart>
-        </mc:Choice>
-        <mc:Fallback xmlns="">
-          <p:pic>
-            <p:nvPicPr>
-              <p:cNvPr id="116" name="インク 115">
-                <a:extLst>
-                  <a:ext uri="{FF2B5EF4-FFF2-40B4-BE49-F238E27FC236}">
-                    <a16:creationId xmlns:a16="http://schemas.microsoft.com/office/drawing/2014/main" id="{785AFAAC-5FC3-4CB8-8882-CC52804F5D74}"/>
-                  </a:ext>
-                </a:extLst>
-              </p:cNvPr>
-              <p:cNvPicPr/>
-              <p:nvPr/>
-            </p:nvPicPr>
-            <p:blipFill>
-              <a:blip r:embed="rId53"/>
-              <a:stretch>
-                <a:fillRect/>
-              </a:stretch>
-            </p:blipFill>
-            <p:spPr>
-              <a:xfrm>
-                <a:off x="10047153" y="3161073"/>
-                <a:ext cx="547200" cy="1509840"/>
-              </a:xfrm>
-              <a:prstGeom prst="rect">
-                <a:avLst/>
-              </a:prstGeom>
-            </p:spPr>
-          </p:pic>
-        </mc:Fallback>
-      </mc:AlternateContent>
-      <mc:AlternateContent xmlns:mc="http://schemas.openxmlformats.org/markup-compatibility/2006" xmlns:p14="http://schemas.microsoft.com/office/powerpoint/2010/main">
-        <mc:Choice Requires="p14">
-          <p:contentPart p14:bwMode="auto" r:id="rId54">
-            <p14:nvContentPartPr>
-              <p14:cNvPr id="115" name="インク 114">
-                <a:extLst>
-                  <a:ext uri="{FF2B5EF4-FFF2-40B4-BE49-F238E27FC236}">
-                    <a16:creationId xmlns:a16="http://schemas.microsoft.com/office/drawing/2014/main" id="{5BC45033-B4AC-4341-868E-CE4753A61C46}"/>
-                  </a:ext>
-                </a:extLst>
-              </p14:cNvPr>
-              <p14:cNvContentPartPr/>
-              <p14:nvPr/>
-            </p14:nvContentPartPr>
-            <p14:xfrm>
-              <a:off x="10047513" y="3260433"/>
-              <a:ext cx="521640" cy="1296720"/>
-            </p14:xfrm>
-          </p:contentPart>
-        </mc:Choice>
-        <mc:Fallback xmlns="">
-          <p:pic>
-            <p:nvPicPr>
-              <p:cNvPr id="115" name="インク 114">
-                <a:extLst>
-                  <a:ext uri="{FF2B5EF4-FFF2-40B4-BE49-F238E27FC236}">
-                    <a16:creationId xmlns:a16="http://schemas.microsoft.com/office/drawing/2014/main" id="{5BC45033-B4AC-4341-868E-CE4753A61C46}"/>
-                  </a:ext>
-                </a:extLst>
-              </p:cNvPr>
-              <p:cNvPicPr/>
-              <p:nvPr/>
-            </p:nvPicPr>
-            <p:blipFill>
-              <a:blip r:embed="rId55"/>
-              <a:stretch>
-                <a:fillRect/>
-              </a:stretch>
-            </p:blipFill>
-            <p:spPr>
-              <a:xfrm>
-                <a:off x="9993513" y="3152433"/>
-                <a:ext cx="629280" cy="1512360"/>
-              </a:xfrm>
-              <a:prstGeom prst="rect">
-                <a:avLst/>
-              </a:prstGeom>
-            </p:spPr>
-          </p:pic>
-        </mc:Fallback>
-      </mc:AlternateContent>
-      <mc:AlternateContent xmlns:mc="http://schemas.openxmlformats.org/markup-compatibility/2006" xmlns:p14="http://schemas.microsoft.com/office/powerpoint/2010/main">
-        <mc:Choice Requires="p14">
-          <p:contentPart p14:bwMode="auto" r:id="rId56">
-            <p14:nvContentPartPr>
-              <p14:cNvPr id="48" name="インク 47">
-                <a:extLst>
-                  <a:ext uri="{FF2B5EF4-FFF2-40B4-BE49-F238E27FC236}">
-                    <a16:creationId xmlns:a16="http://schemas.microsoft.com/office/drawing/2014/main" id="{105F5A68-BDFD-45BD-8072-751EEAF199BE}"/>
-                  </a:ext>
-                </a:extLst>
-              </p14:cNvPr>
-              <p14:cNvContentPartPr/>
-              <p14:nvPr/>
-            </p14:nvContentPartPr>
-            <p14:xfrm>
-              <a:off x="9954273" y="3196713"/>
-              <a:ext cx="403560" cy="1360440"/>
-            </p14:xfrm>
-          </p:contentPart>
-        </mc:Choice>
-        <mc:Fallback xmlns="">
-          <p:pic>
-            <p:nvPicPr>
-              <p:cNvPr id="48" name="インク 47">
-                <a:extLst>
-                  <a:ext uri="{FF2B5EF4-FFF2-40B4-BE49-F238E27FC236}">
-                    <a16:creationId xmlns:a16="http://schemas.microsoft.com/office/drawing/2014/main" id="{105F5A68-BDFD-45BD-8072-751EEAF199BE}"/>
-                  </a:ext>
-                </a:extLst>
-              </p:cNvPr>
-              <p:cNvPicPr/>
-              <p:nvPr/>
-            </p:nvPicPr>
-            <p:blipFill>
-              <a:blip r:embed="rId57"/>
-              <a:stretch>
-                <a:fillRect/>
-              </a:stretch>
-            </p:blipFill>
-            <p:spPr>
-              <a:xfrm>
-                <a:off x="9900273" y="3089073"/>
-                <a:ext cx="511200" cy="1576080"/>
-              </a:xfrm>
-              <a:prstGeom prst="rect">
-                <a:avLst/>
-              </a:prstGeom>
-            </p:spPr>
-          </p:pic>
-        </mc:Fallback>
-      </mc:AlternateContent>
-      <mc:AlternateContent xmlns:mc="http://schemas.openxmlformats.org/markup-compatibility/2006" xmlns:p14="http://schemas.microsoft.com/office/powerpoint/2010/main">
-        <mc:Choice Requires="p14">
-          <p:contentPart p14:bwMode="auto" r:id="rId58">
-            <p14:nvContentPartPr>
-              <p14:cNvPr id="47" name="インク 46">
-                <a:extLst>
-                  <a:ext uri="{FF2B5EF4-FFF2-40B4-BE49-F238E27FC236}">
-                    <a16:creationId xmlns:a16="http://schemas.microsoft.com/office/drawing/2014/main" id="{6A969703-143C-4E10-BC90-D3BEFBA44CE1}"/>
-                  </a:ext>
-                </a:extLst>
-              </p14:cNvPr>
-              <p14:cNvContentPartPr/>
-              <p14:nvPr/>
-            </p14:nvContentPartPr>
-            <p14:xfrm>
-              <a:off x="9816393" y="3609633"/>
-              <a:ext cx="128880" cy="769320"/>
-            </p14:xfrm>
-          </p:contentPart>
-        </mc:Choice>
-        <mc:Fallback xmlns="">
-          <p:pic>
-            <p:nvPicPr>
-              <p:cNvPr id="47" name="インク 46">
-                <a:extLst>
-                  <a:ext uri="{FF2B5EF4-FFF2-40B4-BE49-F238E27FC236}">
-                    <a16:creationId xmlns:a16="http://schemas.microsoft.com/office/drawing/2014/main" id="{6A969703-143C-4E10-BC90-D3BEFBA44CE1}"/>
-                  </a:ext>
-                </a:extLst>
-              </p:cNvPr>
-              <p:cNvPicPr/>
-              <p:nvPr/>
-            </p:nvPicPr>
-            <p:blipFill>
-              <a:blip r:embed="rId59"/>
-              <a:stretch>
-                <a:fillRect/>
-              </a:stretch>
-            </p:blipFill>
-            <p:spPr>
-              <a:xfrm>
-                <a:off x="9762393" y="3501993"/>
-                <a:ext cx="236520" cy="984960"/>
-              </a:xfrm>
-              <a:prstGeom prst="rect">
-                <a:avLst/>
-              </a:prstGeom>
-            </p:spPr>
-          </p:pic>
-        </mc:Fallback>
-      </mc:AlternateContent>
-      <mc:AlternateContent xmlns:mc="http://schemas.openxmlformats.org/markup-compatibility/2006" xmlns:p14="http://schemas.microsoft.com/office/powerpoint/2010/main">
-        <mc:Choice Requires="p14">
-          <p:contentPart p14:bwMode="auto" r:id="rId60">
-            <p14:nvContentPartPr>
-              <p14:cNvPr id="46" name="インク 45">
-                <a:extLst>
-                  <a:ext uri="{FF2B5EF4-FFF2-40B4-BE49-F238E27FC236}">
-                    <a16:creationId xmlns:a16="http://schemas.microsoft.com/office/drawing/2014/main" id="{B05DBC30-C20A-4680-AB51-642626AE1EE9}"/>
-                  </a:ext>
-                </a:extLst>
-              </p14:cNvPr>
-              <p14:cNvContentPartPr/>
-              <p14:nvPr/>
-            </p14:nvContentPartPr>
-            <p14:xfrm>
-              <a:off x="9789753" y="3954153"/>
-              <a:ext cx="26280" cy="140760"/>
-            </p14:xfrm>
-          </p:contentPart>
-        </mc:Choice>
-        <mc:Fallback xmlns="">
-          <p:pic>
-            <p:nvPicPr>
-              <p:cNvPr id="46" name="インク 45">
-                <a:extLst>
-                  <a:ext uri="{FF2B5EF4-FFF2-40B4-BE49-F238E27FC236}">
-                    <a16:creationId xmlns:a16="http://schemas.microsoft.com/office/drawing/2014/main" id="{B05DBC30-C20A-4680-AB51-642626AE1EE9}"/>
-                  </a:ext>
-                </a:extLst>
-              </p:cNvPr>
-              <p:cNvPicPr/>
-              <p:nvPr/>
-            </p:nvPicPr>
-            <p:blipFill>
-              <a:blip r:embed="rId61"/>
-              <a:stretch>
-                <a:fillRect/>
-              </a:stretch>
-            </p:blipFill>
-            <p:spPr>
-              <a:xfrm>
-                <a:off x="9735753" y="3846513"/>
-                <a:ext cx="133920" cy="356400"/>
-              </a:xfrm>
-              <a:prstGeom prst="rect">
-                <a:avLst/>
-              </a:prstGeom>
-            </p:spPr>
-          </p:pic>
-        </mc:Fallback>
-      </mc:AlternateContent>
-      <mc:AlternateContent xmlns:mc="http://schemas.openxmlformats.org/markup-compatibility/2006" xmlns:p14="http://schemas.microsoft.com/office/powerpoint/2010/main">
-        <mc:Choice Requires="p14">
-          <p:contentPart p14:bwMode="auto" r:id="rId62">
-            <p14:nvContentPartPr>
-              <p14:cNvPr id="45" name="インク 44">
-                <a:extLst>
-                  <a:ext uri="{FF2B5EF4-FFF2-40B4-BE49-F238E27FC236}">
-                    <a16:creationId xmlns:a16="http://schemas.microsoft.com/office/drawing/2014/main" id="{09900F7F-F6B3-4A87-A1F2-73B43FF4107E}"/>
-                  </a:ext>
-                </a:extLst>
-              </p14:cNvPr>
-              <p14:cNvContentPartPr/>
-              <p14:nvPr/>
-            </p14:nvContentPartPr>
-            <p14:xfrm>
-              <a:off x="9824673" y="3779193"/>
-              <a:ext cx="23040" cy="124560"/>
-            </p14:xfrm>
-          </p:contentPart>
-        </mc:Choice>
-        <mc:Fallback xmlns="">
-          <p:pic>
-            <p:nvPicPr>
-              <p:cNvPr id="45" name="インク 44">
-                <a:extLst>
-                  <a:ext uri="{FF2B5EF4-FFF2-40B4-BE49-F238E27FC236}">
-                    <a16:creationId xmlns:a16="http://schemas.microsoft.com/office/drawing/2014/main" id="{09900F7F-F6B3-4A87-A1F2-73B43FF4107E}"/>
-                  </a:ext>
-                </a:extLst>
-              </p:cNvPr>
-              <p:cNvPicPr/>
-              <p:nvPr/>
-            </p:nvPicPr>
-            <p:blipFill>
-              <a:blip r:embed="rId63"/>
-              <a:stretch>
-                <a:fillRect/>
-              </a:stretch>
-            </p:blipFill>
-            <p:spPr>
-              <a:xfrm>
-                <a:off x="9771033" y="3671553"/>
-                <a:ext cx="130680" cy="340200"/>
-              </a:xfrm>
-              <a:prstGeom prst="rect">
-                <a:avLst/>
-              </a:prstGeom>
-            </p:spPr>
-          </p:pic>
-        </mc:Fallback>
-      </mc:AlternateContent>
-      <mc:AlternateContent xmlns:mc="http://schemas.openxmlformats.org/markup-compatibility/2006" xmlns:p14="http://schemas.microsoft.com/office/powerpoint/2010/main">
-        <mc:Choice Requires="p14">
-          <p:contentPart p14:bwMode="auto" r:id="rId64">
-            <p14:nvContentPartPr>
-              <p14:cNvPr id="44" name="インク 43">
-                <a:extLst>
-                  <a:ext uri="{FF2B5EF4-FFF2-40B4-BE49-F238E27FC236}">
-                    <a16:creationId xmlns:a16="http://schemas.microsoft.com/office/drawing/2014/main" id="{F46D7F7F-561F-473E-A257-6E3B84D98B17}"/>
-                  </a:ext>
-                </a:extLst>
-              </p14:cNvPr>
-              <p14:cNvContentPartPr/>
-              <p14:nvPr/>
-            </p14:nvContentPartPr>
-            <p14:xfrm>
-              <a:off x="9869313" y="3120033"/>
-              <a:ext cx="163440" cy="590400"/>
-            </p14:xfrm>
-          </p:contentPart>
-        </mc:Choice>
-        <mc:Fallback xmlns="">
-          <p:pic>
-            <p:nvPicPr>
-              <p:cNvPr id="44" name="インク 43">
-                <a:extLst>
-                  <a:ext uri="{FF2B5EF4-FFF2-40B4-BE49-F238E27FC236}">
-                    <a16:creationId xmlns:a16="http://schemas.microsoft.com/office/drawing/2014/main" id="{F46D7F7F-561F-473E-A257-6E3B84D98B17}"/>
-                  </a:ext>
-                </a:extLst>
-              </p:cNvPr>
-              <p:cNvPicPr/>
-              <p:nvPr/>
-            </p:nvPicPr>
-            <p:blipFill>
-              <a:blip r:embed="rId65"/>
-              <a:stretch>
-                <a:fillRect/>
-              </a:stretch>
-            </p:blipFill>
-            <p:spPr>
-              <a:xfrm>
-                <a:off x="9815673" y="3012033"/>
-                <a:ext cx="271080" cy="806040"/>
-              </a:xfrm>
-              <a:prstGeom prst="rect">
-                <a:avLst/>
-              </a:prstGeom>
-            </p:spPr>
-          </p:pic>
-        </mc:Fallback>
-      </mc:AlternateContent>
-      <mc:AlternateContent xmlns:mc="http://schemas.openxmlformats.org/markup-compatibility/2006" xmlns:p14="http://schemas.microsoft.com/office/powerpoint/2010/main">
-        <mc:Choice Requires="p14">
-          <p:contentPart p14:bwMode="auto" r:id="rId66">
-            <p14:nvContentPartPr>
-              <p14:cNvPr id="43" name="インク 42">
-                <a:extLst>
-                  <a:ext uri="{FF2B5EF4-FFF2-40B4-BE49-F238E27FC236}">
-                    <a16:creationId xmlns:a16="http://schemas.microsoft.com/office/drawing/2014/main" id="{E919C48B-61DB-4929-943D-8EA3CF22817B}"/>
-                  </a:ext>
-                </a:extLst>
-              </p14:cNvPr>
-              <p14:cNvContentPartPr/>
-              <p14:nvPr/>
-            </p14:nvContentPartPr>
-            <p14:xfrm>
-              <a:off x="9824673" y="3779553"/>
-              <a:ext cx="21240" cy="72720"/>
-            </p14:xfrm>
-          </p:contentPart>
-        </mc:Choice>
-        <mc:Fallback xmlns="">
-          <p:pic>
-            <p:nvPicPr>
-              <p:cNvPr id="43" name="インク 42">
-                <a:extLst>
-                  <a:ext uri="{FF2B5EF4-FFF2-40B4-BE49-F238E27FC236}">
-                    <a16:creationId xmlns:a16="http://schemas.microsoft.com/office/drawing/2014/main" id="{E919C48B-61DB-4929-943D-8EA3CF22817B}"/>
-                  </a:ext>
-                </a:extLst>
-              </p:cNvPr>
-              <p:cNvPicPr/>
-              <p:nvPr/>
-            </p:nvPicPr>
-            <p:blipFill>
-              <a:blip r:embed="rId67"/>
-              <a:stretch>
-                <a:fillRect/>
-              </a:stretch>
-            </p:blipFill>
-            <p:spPr>
-              <a:xfrm>
-                <a:off x="9771033" y="3671553"/>
-                <a:ext cx="128880" cy="288360"/>
-              </a:xfrm>
-              <a:prstGeom prst="rect">
-                <a:avLst/>
-              </a:prstGeom>
-            </p:spPr>
-          </p:pic>
-        </mc:Fallback>
-      </mc:AlternateContent>
-      <mc:AlternateContent xmlns:mc="http://schemas.openxmlformats.org/markup-compatibility/2006" xmlns:p14="http://schemas.microsoft.com/office/powerpoint/2010/main">
-        <mc:Choice Requires="p14">
-          <p:contentPart p14:bwMode="auto" r:id="rId68">
-            <p14:nvContentPartPr>
-              <p14:cNvPr id="42" name="インク 41">
-                <a:extLst>
-                  <a:ext uri="{FF2B5EF4-FFF2-40B4-BE49-F238E27FC236}">
-                    <a16:creationId xmlns:a16="http://schemas.microsoft.com/office/drawing/2014/main" id="{23CC0C39-36CB-4BB0-9127-DDAB4BFB736E}"/>
-                  </a:ext>
-                </a:extLst>
-              </p14:cNvPr>
-              <p14:cNvContentPartPr/>
-              <p14:nvPr/>
-            </p14:nvContentPartPr>
-            <p14:xfrm>
-              <a:off x="9780033" y="3954153"/>
-              <a:ext cx="21600" cy="132120"/>
-            </p14:xfrm>
-          </p:contentPart>
-        </mc:Choice>
-        <mc:Fallback xmlns="">
-          <p:pic>
-            <p:nvPicPr>
-              <p:cNvPr id="42" name="インク 41">
-                <a:extLst>
-                  <a:ext uri="{FF2B5EF4-FFF2-40B4-BE49-F238E27FC236}">
-                    <a16:creationId xmlns:a16="http://schemas.microsoft.com/office/drawing/2014/main" id="{23CC0C39-36CB-4BB0-9127-DDAB4BFB736E}"/>
-                  </a:ext>
-                </a:extLst>
-              </p:cNvPr>
-              <p:cNvPicPr/>
-              <p:nvPr/>
-            </p:nvPicPr>
-            <p:blipFill>
-              <a:blip r:embed="rId69"/>
-              <a:stretch>
-                <a:fillRect/>
-              </a:stretch>
-            </p:blipFill>
-            <p:spPr>
-              <a:xfrm>
-                <a:off x="9726033" y="3846513"/>
-                <a:ext cx="129240" cy="347760"/>
-              </a:xfrm>
-              <a:prstGeom prst="rect">
-                <a:avLst/>
-              </a:prstGeom>
-            </p:spPr>
-          </p:pic>
-        </mc:Fallback>
-      </mc:AlternateContent>
-      <mc:AlternateContent xmlns:mc="http://schemas.openxmlformats.org/markup-compatibility/2006" xmlns:p14="http://schemas.microsoft.com/office/powerpoint/2010/main">
-        <mc:Choice Requires="p14">
-          <p:contentPart p14:bwMode="auto" r:id="rId70">
-            <p14:nvContentPartPr>
-              <p14:cNvPr id="41" name="インク 40">
-                <a:extLst>
-                  <a:ext uri="{FF2B5EF4-FFF2-40B4-BE49-F238E27FC236}">
-                    <a16:creationId xmlns:a16="http://schemas.microsoft.com/office/drawing/2014/main" id="{3B4452AC-C5E3-4639-B06C-D2B18391341B}"/>
-                  </a:ext>
-                </a:extLst>
-              </p14:cNvPr>
-              <p14:cNvContentPartPr/>
-              <p14:nvPr/>
-            </p14:nvContentPartPr>
-            <p14:xfrm>
-              <a:off x="9816033" y="2997273"/>
-              <a:ext cx="304920" cy="1284480"/>
-            </p14:xfrm>
-          </p:contentPart>
-        </mc:Choice>
-        <mc:Fallback xmlns="">
-          <p:pic>
-            <p:nvPicPr>
-              <p:cNvPr id="41" name="インク 40">
-                <a:extLst>
-                  <a:ext uri="{FF2B5EF4-FFF2-40B4-BE49-F238E27FC236}">
-                    <a16:creationId xmlns:a16="http://schemas.microsoft.com/office/drawing/2014/main" id="{3B4452AC-C5E3-4639-B06C-D2B18391341B}"/>
-                  </a:ext>
-                </a:extLst>
-              </p:cNvPr>
-              <p:cNvPicPr/>
-              <p:nvPr/>
-            </p:nvPicPr>
-            <p:blipFill>
-              <a:blip r:embed="rId71"/>
-              <a:stretch>
-                <a:fillRect/>
-              </a:stretch>
-            </p:blipFill>
-            <p:spPr>
-              <a:xfrm>
-                <a:off x="9762393" y="2889273"/>
-                <a:ext cx="412560" cy="1500120"/>
-              </a:xfrm>
-              <a:prstGeom prst="rect">
-                <a:avLst/>
-              </a:prstGeom>
-            </p:spPr>
-          </p:pic>
-        </mc:Fallback>
-      </mc:AlternateContent>
-      <mc:AlternateContent xmlns:mc="http://schemas.openxmlformats.org/markup-compatibility/2006" xmlns:p14="http://schemas.microsoft.com/office/powerpoint/2010/main">
-        <mc:Choice Requires="p14">
-          <p:contentPart p14:bwMode="auto" r:id="rId72">
-            <p14:nvContentPartPr>
-              <p14:cNvPr id="40" name="インク 39">
-                <a:extLst>
-                  <a:ext uri="{FF2B5EF4-FFF2-40B4-BE49-F238E27FC236}">
-                    <a16:creationId xmlns:a16="http://schemas.microsoft.com/office/drawing/2014/main" id="{DB0671FB-AED4-4653-939B-198EC2D9E392}"/>
-                  </a:ext>
-                </a:extLst>
-              </p14:cNvPr>
-              <p14:cNvContentPartPr/>
-              <p14:nvPr/>
-            </p14:nvContentPartPr>
-            <p14:xfrm>
-              <a:off x="9904953" y="4214073"/>
-              <a:ext cx="41400" cy="141840"/>
-            </p14:xfrm>
-          </p:contentPart>
-        </mc:Choice>
-        <mc:Fallback xmlns="">
-          <p:pic>
-            <p:nvPicPr>
-              <p:cNvPr id="40" name="インク 39">
-                <a:extLst>
-                  <a:ext uri="{FF2B5EF4-FFF2-40B4-BE49-F238E27FC236}">
-                    <a16:creationId xmlns:a16="http://schemas.microsoft.com/office/drawing/2014/main" id="{DB0671FB-AED4-4653-939B-198EC2D9E392}"/>
-                  </a:ext>
-                </a:extLst>
-              </p:cNvPr>
-              <p:cNvPicPr/>
-              <p:nvPr/>
-            </p:nvPicPr>
-            <p:blipFill>
-              <a:blip r:embed="rId73"/>
-              <a:stretch>
-                <a:fillRect/>
-              </a:stretch>
-            </p:blipFill>
-            <p:spPr>
-              <a:xfrm>
-                <a:off x="9851313" y="4106433"/>
-                <a:ext cx="149040" cy="357480"/>
-              </a:xfrm>
-              <a:prstGeom prst="rect">
-                <a:avLst/>
-              </a:prstGeom>
-            </p:spPr>
-          </p:pic>
-        </mc:Fallback>
-      </mc:AlternateContent>
-      <mc:AlternateContent xmlns:mc="http://schemas.openxmlformats.org/markup-compatibility/2006" xmlns:p14="http://schemas.microsoft.com/office/powerpoint/2010/main">
-        <mc:Choice Requires="p14">
-          <p:contentPart p14:bwMode="auto" r:id="rId74">
-            <p14:nvContentPartPr>
               <p14:cNvPr id="39" name="インク 38">
                 <a:extLst>
                   <a:ext uri="{FF2B5EF4-FFF2-40B4-BE49-F238E27FC236}">
@@ -8338,210 +6041,6 @@
       <mc:AlternateContent xmlns:mc="http://schemas.openxmlformats.org/markup-compatibility/2006" xmlns:p14="http://schemas.microsoft.com/office/powerpoint/2010/main">
         <mc:Choice Requires="p14">
           <p:contentPart p14:bwMode="auto" r:id="rId78">
-            <p14:nvContentPartPr>
-              <p14:cNvPr id="37" name="インク 36">
-                <a:extLst>
-                  <a:ext uri="{FF2B5EF4-FFF2-40B4-BE49-F238E27FC236}">
-                    <a16:creationId xmlns:a16="http://schemas.microsoft.com/office/drawing/2014/main" id="{63A2FFD3-F4CB-48AC-9398-16EA560DB350}"/>
-                  </a:ext>
-                </a:extLst>
-              </p14:cNvPr>
-              <p14:cNvContentPartPr/>
-              <p14:nvPr/>
-            </p14:nvContentPartPr>
-            <p14:xfrm>
-              <a:off x="10892433" y="3580113"/>
-              <a:ext cx="340560" cy="247320"/>
-            </p14:xfrm>
-          </p:contentPart>
-        </mc:Choice>
-        <mc:Fallback xmlns="">
-          <p:pic>
-            <p:nvPicPr>
-              <p:cNvPr id="37" name="インク 36">
-                <a:extLst>
-                  <a:ext uri="{FF2B5EF4-FFF2-40B4-BE49-F238E27FC236}">
-                    <a16:creationId xmlns:a16="http://schemas.microsoft.com/office/drawing/2014/main" id="{63A2FFD3-F4CB-48AC-9398-16EA560DB350}"/>
-                  </a:ext>
-                </a:extLst>
-              </p:cNvPr>
-              <p:cNvPicPr/>
-              <p:nvPr/>
-            </p:nvPicPr>
-            <p:blipFill>
-              <a:blip r:embed="rId79"/>
-              <a:stretch>
-                <a:fillRect/>
-              </a:stretch>
-            </p:blipFill>
-            <p:spPr>
-              <a:xfrm>
-                <a:off x="10838433" y="3472473"/>
-                <a:ext cx="448200" cy="462960"/>
-              </a:xfrm>
-              <a:prstGeom prst="rect">
-                <a:avLst/>
-              </a:prstGeom>
-            </p:spPr>
-          </p:pic>
-        </mc:Fallback>
-      </mc:AlternateContent>
-      <mc:AlternateContent xmlns:mc="http://schemas.openxmlformats.org/markup-compatibility/2006" xmlns:p14="http://schemas.microsoft.com/office/powerpoint/2010/main">
-        <mc:Choice Requires="p14">
-          <p:contentPart p14:bwMode="auto" r:id="rId80">
-            <p14:nvContentPartPr>
-              <p14:cNvPr id="36" name="インク 35">
-                <a:extLst>
-                  <a:ext uri="{FF2B5EF4-FFF2-40B4-BE49-F238E27FC236}">
-                    <a16:creationId xmlns:a16="http://schemas.microsoft.com/office/drawing/2014/main" id="{CBECB6F7-D6D3-4E5B-A7E6-236703494713}"/>
-                  </a:ext>
-                </a:extLst>
-              </p14:cNvPr>
-              <p14:cNvContentPartPr/>
-              <p14:nvPr/>
-            </p14:nvContentPartPr>
-            <p14:xfrm>
-              <a:off x="10926993" y="3176913"/>
-              <a:ext cx="385920" cy="363600"/>
-            </p14:xfrm>
-          </p:contentPart>
-        </mc:Choice>
-        <mc:Fallback xmlns="">
-          <p:pic>
-            <p:nvPicPr>
-              <p:cNvPr id="36" name="インク 35">
-                <a:extLst>
-                  <a:ext uri="{FF2B5EF4-FFF2-40B4-BE49-F238E27FC236}">
-                    <a16:creationId xmlns:a16="http://schemas.microsoft.com/office/drawing/2014/main" id="{CBECB6F7-D6D3-4E5B-A7E6-236703494713}"/>
-                  </a:ext>
-                </a:extLst>
-              </p:cNvPr>
-              <p:cNvPicPr/>
-              <p:nvPr/>
-            </p:nvPicPr>
-            <p:blipFill>
-              <a:blip r:embed="rId81"/>
-              <a:stretch>
-                <a:fillRect/>
-              </a:stretch>
-            </p:blipFill>
-            <p:spPr>
-              <a:xfrm>
-                <a:off x="10872993" y="3069273"/>
-                <a:ext cx="493560" cy="579240"/>
-              </a:xfrm>
-              <a:prstGeom prst="rect">
-                <a:avLst/>
-              </a:prstGeom>
-            </p:spPr>
-          </p:pic>
-        </mc:Fallback>
-      </mc:AlternateContent>
-      <mc:AlternateContent xmlns:mc="http://schemas.openxmlformats.org/markup-compatibility/2006" xmlns:p14="http://schemas.microsoft.com/office/powerpoint/2010/main">
-        <mc:Choice Requires="p14">
-          <p:contentPart p14:bwMode="auto" r:id="rId82">
-            <p14:nvContentPartPr>
-              <p14:cNvPr id="35" name="インク 34">
-                <a:extLst>
-                  <a:ext uri="{FF2B5EF4-FFF2-40B4-BE49-F238E27FC236}">
-                    <a16:creationId xmlns:a16="http://schemas.microsoft.com/office/drawing/2014/main" id="{3754EB03-2B27-4B33-9B86-3BCECD5F8683}"/>
-                  </a:ext>
-                </a:extLst>
-              </p14:cNvPr>
-              <p14:cNvContentPartPr/>
-              <p14:nvPr/>
-            </p14:nvContentPartPr>
-            <p14:xfrm>
-              <a:off x="10795233" y="3048033"/>
-              <a:ext cx="496080" cy="342720"/>
-            </p14:xfrm>
-          </p:contentPart>
-        </mc:Choice>
-        <mc:Fallback xmlns="">
-          <p:pic>
-            <p:nvPicPr>
-              <p:cNvPr id="35" name="インク 34">
-                <a:extLst>
-                  <a:ext uri="{FF2B5EF4-FFF2-40B4-BE49-F238E27FC236}">
-                    <a16:creationId xmlns:a16="http://schemas.microsoft.com/office/drawing/2014/main" id="{3754EB03-2B27-4B33-9B86-3BCECD5F8683}"/>
-                  </a:ext>
-                </a:extLst>
-              </p:cNvPr>
-              <p:cNvPicPr/>
-              <p:nvPr/>
-            </p:nvPicPr>
-            <p:blipFill>
-              <a:blip r:embed="rId83"/>
-              <a:stretch>
-                <a:fillRect/>
-              </a:stretch>
-            </p:blipFill>
-            <p:spPr>
-              <a:xfrm>
-                <a:off x="10741593" y="2940393"/>
-                <a:ext cx="603720" cy="558360"/>
-              </a:xfrm>
-              <a:prstGeom prst="rect">
-                <a:avLst/>
-              </a:prstGeom>
-            </p:spPr>
-          </p:pic>
-        </mc:Fallback>
-      </mc:AlternateContent>
-      <mc:AlternateContent xmlns:mc="http://schemas.openxmlformats.org/markup-compatibility/2006" xmlns:p14="http://schemas.microsoft.com/office/powerpoint/2010/main">
-        <mc:Choice Requires="p14">
-          <p:contentPart p14:bwMode="auto" r:id="rId84">
-            <p14:nvContentPartPr>
-              <p14:cNvPr id="34" name="インク 33">
-                <a:extLst>
-                  <a:ext uri="{FF2B5EF4-FFF2-40B4-BE49-F238E27FC236}">
-                    <a16:creationId xmlns:a16="http://schemas.microsoft.com/office/drawing/2014/main" id="{F2E6FA7F-9E19-403E-AB46-9C0E0A5C2754}"/>
-                  </a:ext>
-                </a:extLst>
-              </p14:cNvPr>
-              <p14:cNvContentPartPr/>
-              <p14:nvPr/>
-            </p14:nvContentPartPr>
-            <p14:xfrm>
-              <a:off x="9957873" y="2804313"/>
-              <a:ext cx="1301400" cy="1093320"/>
-            </p14:xfrm>
-          </p:contentPart>
-        </mc:Choice>
-        <mc:Fallback xmlns="">
-          <p:pic>
-            <p:nvPicPr>
-              <p:cNvPr id="34" name="インク 33">
-                <a:extLst>
-                  <a:ext uri="{FF2B5EF4-FFF2-40B4-BE49-F238E27FC236}">
-                    <a16:creationId xmlns:a16="http://schemas.microsoft.com/office/drawing/2014/main" id="{F2E6FA7F-9E19-403E-AB46-9C0E0A5C2754}"/>
-                  </a:ext>
-                </a:extLst>
-              </p:cNvPr>
-              <p:cNvPicPr/>
-              <p:nvPr/>
-            </p:nvPicPr>
-            <p:blipFill>
-              <a:blip r:embed="rId85"/>
-              <a:stretch>
-                <a:fillRect/>
-              </a:stretch>
-            </p:blipFill>
-            <p:spPr>
-              <a:xfrm>
-                <a:off x="9904233" y="2696673"/>
-                <a:ext cx="1409040" cy="1308960"/>
-              </a:xfrm>
-              <a:prstGeom prst="rect">
-                <a:avLst/>
-              </a:prstGeom>
-            </p:spPr>
-          </p:pic>
-        </mc:Fallback>
-      </mc:AlternateContent>
-      <mc:AlternateContent xmlns:mc="http://schemas.openxmlformats.org/markup-compatibility/2006" xmlns:p14="http://schemas.microsoft.com/office/powerpoint/2010/main">
-        <mc:Choice Requires="p14">
-          <p:contentPart p14:bwMode="auto" r:id="rId86">
             <p14:nvContentPartPr>
               <p14:cNvPr id="114" name="インク 113">
                 <a:extLst>
@@ -9614,57 +7113,6 @@
         <mc:Choice Requires="p14">
           <p:contentPart p14:bwMode="auto" r:id="rId128">
             <p14:nvContentPartPr>
-              <p14:cNvPr id="69" name="インク 68">
-                <a:extLst>
-                  <a:ext uri="{FF2B5EF4-FFF2-40B4-BE49-F238E27FC236}">
-                    <a16:creationId xmlns:a16="http://schemas.microsoft.com/office/drawing/2014/main" id="{B3D3A2B8-1AE1-4F64-B8AB-372EED20D465}"/>
-                  </a:ext>
-                </a:extLst>
-              </p14:cNvPr>
-              <p14:cNvContentPartPr/>
-              <p14:nvPr/>
-            </p14:nvContentPartPr>
-            <p14:xfrm>
-              <a:off x="9895953" y="2394633"/>
-              <a:ext cx="516600" cy="275400"/>
-            </p14:xfrm>
-          </p:contentPart>
-        </mc:Choice>
-        <mc:Fallback xmlns="">
-          <p:pic>
-            <p:nvPicPr>
-              <p:cNvPr id="69" name="インク 68">
-                <a:extLst>
-                  <a:ext uri="{FF2B5EF4-FFF2-40B4-BE49-F238E27FC236}">
-                    <a16:creationId xmlns:a16="http://schemas.microsoft.com/office/drawing/2014/main" id="{B3D3A2B8-1AE1-4F64-B8AB-372EED20D465}"/>
-                  </a:ext>
-                </a:extLst>
-              </p:cNvPr>
-              <p:cNvPicPr/>
-              <p:nvPr/>
-            </p:nvPicPr>
-            <p:blipFill>
-              <a:blip r:embed="rId129"/>
-              <a:stretch>
-                <a:fillRect/>
-              </a:stretch>
-            </p:blipFill>
-            <p:spPr>
-              <a:xfrm>
-                <a:off x="9842313" y="2286633"/>
-                <a:ext cx="624240" cy="491040"/>
-              </a:xfrm>
-              <a:prstGeom prst="rect">
-                <a:avLst/>
-              </a:prstGeom>
-            </p:spPr>
-          </p:pic>
-        </mc:Fallback>
-      </mc:AlternateContent>
-      <mc:AlternateContent xmlns:mc="http://schemas.openxmlformats.org/markup-compatibility/2006" xmlns:p14="http://schemas.microsoft.com/office/powerpoint/2010/main">
-        <mc:Choice Requires="p14">
-          <p:contentPart p14:bwMode="auto" r:id="rId130">
-            <p14:nvContentPartPr>
               <p14:cNvPr id="97" name="インク 96">
                 <a:extLst>
                   <a:ext uri="{FF2B5EF4-FFF2-40B4-BE49-F238E27FC236}">
@@ -9818,57 +7266,6 @@
         <mc:Choice Requires="p14">
           <p:contentPart p14:bwMode="auto" r:id="rId136">
             <p14:nvContentPartPr>
-              <p14:cNvPr id="94" name="インク 93">
-                <a:extLst>
-                  <a:ext uri="{FF2B5EF4-FFF2-40B4-BE49-F238E27FC236}">
-                    <a16:creationId xmlns:a16="http://schemas.microsoft.com/office/drawing/2014/main" id="{03ABCB51-7D88-401F-98FD-AC4EA7550B91}"/>
-                  </a:ext>
-                </a:extLst>
-              </p14:cNvPr>
-              <p14:cNvContentPartPr/>
-              <p14:nvPr/>
-            </p14:nvContentPartPr>
-            <p14:xfrm>
-              <a:off x="9905313" y="2437473"/>
-              <a:ext cx="577440" cy="835920"/>
-            </p14:xfrm>
-          </p:contentPart>
-        </mc:Choice>
-        <mc:Fallback xmlns="">
-          <p:pic>
-            <p:nvPicPr>
-              <p:cNvPr id="94" name="インク 93">
-                <a:extLst>
-                  <a:ext uri="{FF2B5EF4-FFF2-40B4-BE49-F238E27FC236}">
-                    <a16:creationId xmlns:a16="http://schemas.microsoft.com/office/drawing/2014/main" id="{03ABCB51-7D88-401F-98FD-AC4EA7550B91}"/>
-                  </a:ext>
-                </a:extLst>
-              </p:cNvPr>
-              <p:cNvPicPr/>
-              <p:nvPr/>
-            </p:nvPicPr>
-            <p:blipFill>
-              <a:blip r:embed="rId137"/>
-              <a:stretch>
-                <a:fillRect/>
-              </a:stretch>
-            </p:blipFill>
-            <p:spPr>
-              <a:xfrm>
-                <a:off x="9851313" y="2329833"/>
-                <a:ext cx="685080" cy="1051560"/>
-              </a:xfrm>
-              <a:prstGeom prst="rect">
-                <a:avLst/>
-              </a:prstGeom>
-            </p:spPr>
-          </p:pic>
-        </mc:Fallback>
-      </mc:AlternateContent>
-      <mc:AlternateContent xmlns:mc="http://schemas.openxmlformats.org/markup-compatibility/2006">
-        <mc:Choice xmlns:p14="http://schemas.microsoft.com/office/powerpoint/2010/main" Requires="p14">
-          <p:contentPart p14:bwMode="auto" r:id="rId138">
-            <p14:nvContentPartPr>
               <p14:cNvPr id="3" name="インク 2">
                 <a:extLst>
                   <a:ext uri="{FF2B5EF4-FFF2-40B4-BE49-F238E27FC236}">
@@ -9885,7 +7282,7 @@
             </p14:xfrm>
           </p:contentPart>
         </mc:Choice>
-        <mc:Fallback>
+        <mc:Fallback xmlns="">
           <p:pic>
             <p:nvPicPr>
               <p:cNvPr id="3" name="インク 2">
@@ -9916,108 +7313,6 @@
           </p:pic>
         </mc:Fallback>
       </mc:AlternateContent>
-      <mc:AlternateContent xmlns:mc="http://schemas.openxmlformats.org/markup-compatibility/2006">
-        <mc:Choice xmlns:p14="http://schemas.microsoft.com/office/powerpoint/2010/main" Requires="p14">
-          <p:contentPart p14:bwMode="auto" r:id="rId140">
-            <p14:nvContentPartPr>
-              <p14:cNvPr id="4" name="インク 3">
-                <a:extLst>
-                  <a:ext uri="{FF2B5EF4-FFF2-40B4-BE49-F238E27FC236}">
-                    <a16:creationId xmlns:a16="http://schemas.microsoft.com/office/drawing/2014/main" id="{3152B62D-D68B-4F46-99EC-7739EE928F35}"/>
-                  </a:ext>
-                </a:extLst>
-              </p14:cNvPr>
-              <p14:cNvContentPartPr/>
-              <p14:nvPr/>
-            </p14:nvContentPartPr>
-            <p14:xfrm>
-              <a:off x="5645793" y="3373113"/>
-              <a:ext cx="396360" cy="523440"/>
-            </p14:xfrm>
-          </p:contentPart>
-        </mc:Choice>
-        <mc:Fallback>
-          <p:pic>
-            <p:nvPicPr>
-              <p:cNvPr id="4" name="インク 3">
-                <a:extLst>
-                  <a:ext uri="{FF2B5EF4-FFF2-40B4-BE49-F238E27FC236}">
-                    <a16:creationId xmlns:a16="http://schemas.microsoft.com/office/drawing/2014/main" id="{3152B62D-D68B-4F46-99EC-7739EE928F35}"/>
-                  </a:ext>
-                </a:extLst>
-              </p:cNvPr>
-              <p:cNvPicPr/>
-              <p:nvPr/>
-            </p:nvPicPr>
-            <p:blipFill>
-              <a:blip r:embed="rId141"/>
-              <a:stretch>
-                <a:fillRect/>
-              </a:stretch>
-            </p:blipFill>
-            <p:spPr>
-              <a:xfrm>
-                <a:off x="5592153" y="3265113"/>
-                <a:ext cx="504000" cy="739080"/>
-              </a:xfrm>
-              <a:prstGeom prst="rect">
-                <a:avLst/>
-              </a:prstGeom>
-            </p:spPr>
-          </p:pic>
-        </mc:Fallback>
-      </mc:AlternateContent>
-      <mc:AlternateContent xmlns:mc="http://schemas.openxmlformats.org/markup-compatibility/2006">
-        <mc:Choice xmlns:p14="http://schemas.microsoft.com/office/powerpoint/2010/main" Requires="p14">
-          <p:contentPart p14:bwMode="auto" r:id="rId142">
-            <p14:nvContentPartPr>
-              <p14:cNvPr id="5" name="インク 4">
-                <a:extLst>
-                  <a:ext uri="{FF2B5EF4-FFF2-40B4-BE49-F238E27FC236}">
-                    <a16:creationId xmlns:a16="http://schemas.microsoft.com/office/drawing/2014/main" id="{2754704C-EFC0-42C2-8A69-137D5B5B46DC}"/>
-                  </a:ext>
-                </a:extLst>
-              </p14:cNvPr>
-              <p14:cNvContentPartPr/>
-              <p14:nvPr/>
-            </p14:nvContentPartPr>
-            <p14:xfrm>
-              <a:off x="9808833" y="2486793"/>
-              <a:ext cx="1530720" cy="2316600"/>
-            </p14:xfrm>
-          </p:contentPart>
-        </mc:Choice>
-        <mc:Fallback>
-          <p:pic>
-            <p:nvPicPr>
-              <p:cNvPr id="5" name="インク 4">
-                <a:extLst>
-                  <a:ext uri="{FF2B5EF4-FFF2-40B4-BE49-F238E27FC236}">
-                    <a16:creationId xmlns:a16="http://schemas.microsoft.com/office/drawing/2014/main" id="{2754704C-EFC0-42C2-8A69-137D5B5B46DC}"/>
-                  </a:ext>
-                </a:extLst>
-              </p:cNvPr>
-              <p:cNvPicPr/>
-              <p:nvPr/>
-            </p:nvPicPr>
-            <p:blipFill>
-              <a:blip r:embed="rId143"/>
-              <a:stretch>
-                <a:fillRect/>
-              </a:stretch>
-            </p:blipFill>
-            <p:spPr>
-              <a:xfrm>
-                <a:off x="9755193" y="2379153"/>
-                <a:ext cx="1638360" cy="2532240"/>
-              </a:xfrm>
-              <a:prstGeom prst="rect">
-                <a:avLst/>
-              </a:prstGeom>
-            </p:spPr>
-          </p:pic>
-        </mc:Fallback>
-      </mc:AlternateContent>
       <p:sp>
         <p:nvSpPr>
           <p:cNvPr id="9" name="テキスト ボックス 8">
@@ -10033,7 +7328,7 @@
         <p:spPr>
           <a:xfrm>
             <a:off x="459564" y="935250"/>
-            <a:ext cx="8480249" cy="923330"/>
+            <a:ext cx="8684436" cy="923330"/>
           </a:xfrm>
           <a:prstGeom prst="rect">
             <a:avLst/>
@@ -10086,31 +7381,23 @@
           <a:p>
             <a:r>
               <a:rPr kumimoji="1" lang="en-US" altLang="ja-JP" dirty="0"/>
-              <a:t>ENTER</a:t>
+              <a:t>F</a:t>
             </a:r>
             <a:r>
               <a:rPr kumimoji="1" lang="ja-JP" altLang="en-US" dirty="0"/>
-              <a:t>　決定　　</a:t>
-            </a:r>
-            <a:r>
-              <a:rPr kumimoji="1" lang="en-US" altLang="ja-JP" dirty="0"/>
-              <a:t>F</a:t>
-            </a:r>
-            <a:r>
-              <a:rPr kumimoji="1" lang="ja-JP" altLang="en-US" dirty="0"/>
-              <a:t>　回避行動　　マウス左　弱攻撃　　マウス右　特殊攻撃</a:t>
+              <a:t>　回避行動　　マウス左　弱攻撃　　マウス右　特殊攻撃　　マウスで視点操作</a:t>
             </a:r>
           </a:p>
         </p:txBody>
       </p:sp>
-      <mc:AlternateContent xmlns:mc="http://schemas.openxmlformats.org/markup-compatibility/2006">
-        <mc:Choice xmlns:p14="http://schemas.microsoft.com/office/powerpoint/2010/main" Requires="p14">
-          <p:contentPart p14:bwMode="auto" r:id="rId144">
+      <mc:AlternateContent xmlns:mc="http://schemas.openxmlformats.org/markup-compatibility/2006" xmlns:p14="http://schemas.microsoft.com/office/powerpoint/2010/main">
+        <mc:Choice Requires="p14">
+          <p:contentPart p14:bwMode="auto" r:id="rId140">
             <p14:nvContentPartPr>
-              <p14:cNvPr id="11" name="インク 10">
+              <p14:cNvPr id="6" name="インク 5">
                 <a:extLst>
                   <a:ext uri="{FF2B5EF4-FFF2-40B4-BE49-F238E27FC236}">
-                    <a16:creationId xmlns:a16="http://schemas.microsoft.com/office/drawing/2014/main" id="{3E37CBFB-2411-4C0F-A607-62C63D0E1DF0}"/>
+                    <a16:creationId xmlns:a16="http://schemas.microsoft.com/office/drawing/2014/main" id="{8100818A-6D61-4279-901D-59F5D552536E}"/>
                   </a:ext>
                 </a:extLst>
               </p14:cNvPr>
@@ -10118,18 +7405,120 @@
               <p14:nvPr/>
             </p14:nvContentPartPr>
             <p14:xfrm>
-              <a:off x="2528553" y="3747513"/>
-              <a:ext cx="279000" cy="107280"/>
+              <a:off x="1730789" y="3453033"/>
+              <a:ext cx="360" cy="360"/>
             </p14:xfrm>
           </p:contentPart>
         </mc:Choice>
-        <mc:Fallback>
+        <mc:Fallback xmlns="">
+          <p:pic>
+            <p:nvPicPr>
+              <p:cNvPr id="6" name="インク 5">
+                <a:extLst>
+                  <a:ext uri="{FF2B5EF4-FFF2-40B4-BE49-F238E27FC236}">
+                    <a16:creationId xmlns:a16="http://schemas.microsoft.com/office/drawing/2014/main" id="{8100818A-6D61-4279-901D-59F5D552536E}"/>
+                  </a:ext>
+                </a:extLst>
+              </p:cNvPr>
+              <p:cNvPicPr/>
+              <p:nvPr/>
+            </p:nvPicPr>
+            <p:blipFill>
+              <a:blip r:embed="rId141"/>
+              <a:stretch>
+                <a:fillRect/>
+              </a:stretch>
+            </p:blipFill>
+            <p:spPr>
+              <a:xfrm>
+                <a:off x="1676789" y="3345033"/>
+                <a:ext cx="108000" cy="216000"/>
+              </a:xfrm>
+              <a:prstGeom prst="rect">
+                <a:avLst/>
+              </a:prstGeom>
+            </p:spPr>
+          </p:pic>
+        </mc:Fallback>
+      </mc:AlternateContent>
+      <mc:AlternateContent xmlns:mc="http://schemas.openxmlformats.org/markup-compatibility/2006" xmlns:p14="http://schemas.microsoft.com/office/powerpoint/2010/main">
+        <mc:Choice Requires="p14">
+          <p:contentPart p14:bwMode="auto" r:id="rId142">
+            <p14:nvContentPartPr>
+              <p14:cNvPr id="11" name="インク 10">
+                <a:extLst>
+                  <a:ext uri="{FF2B5EF4-FFF2-40B4-BE49-F238E27FC236}">
+                    <a16:creationId xmlns:a16="http://schemas.microsoft.com/office/drawing/2014/main" id="{5471345C-FFB0-4C2E-A994-446D6E63833F}"/>
+                  </a:ext>
+                </a:extLst>
+              </p14:cNvPr>
+              <p14:cNvContentPartPr/>
+              <p14:nvPr/>
+            </p14:nvContentPartPr>
+            <p14:xfrm>
+              <a:off x="1461509" y="3416313"/>
+              <a:ext cx="278280" cy="98280"/>
+            </p14:xfrm>
+          </p:contentPart>
+        </mc:Choice>
+        <mc:Fallback xmlns="">
           <p:pic>
             <p:nvPicPr>
               <p:cNvPr id="11" name="インク 10">
                 <a:extLst>
                   <a:ext uri="{FF2B5EF4-FFF2-40B4-BE49-F238E27FC236}">
-                    <a16:creationId xmlns:a16="http://schemas.microsoft.com/office/drawing/2014/main" id="{3E37CBFB-2411-4C0F-A607-62C63D0E1DF0}"/>
+                    <a16:creationId xmlns:a16="http://schemas.microsoft.com/office/drawing/2014/main" id="{5471345C-FFB0-4C2E-A994-446D6E63833F}"/>
+                  </a:ext>
+                </a:extLst>
+              </p:cNvPr>
+              <p:cNvPicPr/>
+              <p:nvPr/>
+            </p:nvPicPr>
+            <p:blipFill>
+              <a:blip r:embed="rId143"/>
+              <a:stretch>
+                <a:fillRect/>
+              </a:stretch>
+            </p:blipFill>
+            <p:spPr>
+              <a:xfrm>
+                <a:off x="1407509" y="3308673"/>
+                <a:ext cx="385920" cy="313920"/>
+              </a:xfrm>
+              <a:prstGeom prst="rect">
+                <a:avLst/>
+              </a:prstGeom>
+            </p:spPr>
+          </p:pic>
+        </mc:Fallback>
+      </mc:AlternateContent>
+      <mc:AlternateContent xmlns:mc="http://schemas.openxmlformats.org/markup-compatibility/2006" xmlns:p14="http://schemas.microsoft.com/office/powerpoint/2010/main">
+        <mc:Choice Requires="p14">
+          <p:contentPart p14:bwMode="auto" r:id="rId144">
+            <p14:nvContentPartPr>
+              <p14:cNvPr id="15" name="インク 14">
+                <a:extLst>
+                  <a:ext uri="{FF2B5EF4-FFF2-40B4-BE49-F238E27FC236}">
+                    <a16:creationId xmlns:a16="http://schemas.microsoft.com/office/drawing/2014/main" id="{4B2C644D-0629-4B70-808B-9302D18CEB75}"/>
+                  </a:ext>
+                </a:extLst>
+              </p14:cNvPr>
+              <p14:cNvContentPartPr/>
+              <p14:nvPr/>
+            </p14:nvContentPartPr>
+            <p14:xfrm>
+              <a:off x="10530989" y="2474553"/>
+              <a:ext cx="687960" cy="846000"/>
+            </p14:xfrm>
+          </p:contentPart>
+        </mc:Choice>
+        <mc:Fallback xmlns="">
+          <p:pic>
+            <p:nvPicPr>
+              <p:cNvPr id="15" name="インク 14">
+                <a:extLst>
+                  <a:ext uri="{FF2B5EF4-FFF2-40B4-BE49-F238E27FC236}">
+                    <a16:creationId xmlns:a16="http://schemas.microsoft.com/office/drawing/2014/main" id="{4B2C644D-0629-4B70-808B-9302D18CEB75}"/>
                   </a:ext>
                 </a:extLst>
               </p:cNvPr>
@@ -10144,8 +7533,8 @@
             </p:blipFill>
             <p:spPr>
               <a:xfrm>
-                <a:off x="2474553" y="3639873"/>
-                <a:ext cx="386640" cy="322920"/>
+                <a:off x="10476989" y="2366913"/>
+                <a:ext cx="795600" cy="1061640"/>
               </a:xfrm>
               <a:prstGeom prst="rect">
                 <a:avLst/>
@@ -10154,14 +7543,14 @@
           </p:pic>
         </mc:Fallback>
       </mc:AlternateContent>
-      <mc:AlternateContent xmlns:mc="http://schemas.openxmlformats.org/markup-compatibility/2006">
-        <mc:Choice xmlns:p14="http://schemas.microsoft.com/office/powerpoint/2010/main" Requires="p14">
+      <mc:AlternateContent xmlns:mc="http://schemas.openxmlformats.org/markup-compatibility/2006" xmlns:p14="http://schemas.microsoft.com/office/powerpoint/2010/main">
+        <mc:Choice Requires="p14">
           <p:contentPart p14:bwMode="auto" r:id="rId146">
             <p14:nvContentPartPr>
-              <p14:cNvPr id="12" name="インク 11">
+              <p14:cNvPr id="17" name="インク 16">
                 <a:extLst>
                   <a:ext uri="{FF2B5EF4-FFF2-40B4-BE49-F238E27FC236}">
-                    <a16:creationId xmlns:a16="http://schemas.microsoft.com/office/drawing/2014/main" id="{FFDF1EBE-1B32-4532-87AB-83B649A461BA}"/>
+                    <a16:creationId xmlns:a16="http://schemas.microsoft.com/office/drawing/2014/main" id="{15A6F3E5-9CA1-48EB-80D4-BB8F588774CF}"/>
                   </a:ext>
                 </a:extLst>
               </p14:cNvPr>
@@ -10169,18 +7558,18 @@
               <p14:nvPr/>
             </p14:nvContentPartPr>
             <p14:xfrm>
-              <a:off x="2178993" y="3425313"/>
-              <a:ext cx="324000" cy="108000"/>
+              <a:off x="9824669" y="2982513"/>
+              <a:ext cx="1485720" cy="610560"/>
             </p14:xfrm>
           </p:contentPart>
         </mc:Choice>
-        <mc:Fallback>
+        <mc:Fallback xmlns="">
           <p:pic>
             <p:nvPicPr>
-              <p:cNvPr id="12" name="インク 11">
+              <p:cNvPr id="17" name="インク 16">
                 <a:extLst>
                   <a:ext uri="{FF2B5EF4-FFF2-40B4-BE49-F238E27FC236}">
-                    <a16:creationId xmlns:a16="http://schemas.microsoft.com/office/drawing/2014/main" id="{FFDF1EBE-1B32-4532-87AB-83B649A461BA}"/>
+                    <a16:creationId xmlns:a16="http://schemas.microsoft.com/office/drawing/2014/main" id="{15A6F3E5-9CA1-48EB-80D4-BB8F588774CF}"/>
                   </a:ext>
                 </a:extLst>
               </p:cNvPr>
@@ -10195,8 +7584,212 @@
             </p:blipFill>
             <p:spPr>
               <a:xfrm>
-                <a:off x="2125353" y="3317673"/>
-                <a:ext cx="431640" cy="323640"/>
+                <a:off x="9770669" y="2874513"/>
+                <a:ext cx="1593360" cy="826200"/>
+              </a:xfrm>
+              <a:prstGeom prst="rect">
+                <a:avLst/>
+              </a:prstGeom>
+            </p:spPr>
+          </p:pic>
+        </mc:Fallback>
+      </mc:AlternateContent>
+      <mc:AlternateContent xmlns:mc="http://schemas.openxmlformats.org/markup-compatibility/2006" xmlns:p14="http://schemas.microsoft.com/office/powerpoint/2010/main">
+        <mc:Choice Requires="p14">
+          <p:contentPart p14:bwMode="auto" r:id="rId148">
+            <p14:nvContentPartPr>
+              <p14:cNvPr id="18" name="インク 17">
+                <a:extLst>
+                  <a:ext uri="{FF2B5EF4-FFF2-40B4-BE49-F238E27FC236}">
+                    <a16:creationId xmlns:a16="http://schemas.microsoft.com/office/drawing/2014/main" id="{54F7B583-9D75-4990-BD07-7F83E1EAA936}"/>
+                  </a:ext>
+                </a:extLst>
+              </p14:cNvPr>
+              <p14:cNvContentPartPr/>
+              <p14:nvPr/>
+            </p14:nvContentPartPr>
+            <p14:xfrm>
+              <a:off x="11037149" y="3168993"/>
+              <a:ext cx="246600" cy="156240"/>
+            </p14:xfrm>
+          </p:contentPart>
+        </mc:Choice>
+        <mc:Fallback xmlns="">
+          <p:pic>
+            <p:nvPicPr>
+              <p:cNvPr id="18" name="インク 17">
+                <a:extLst>
+                  <a:ext uri="{FF2B5EF4-FFF2-40B4-BE49-F238E27FC236}">
+                    <a16:creationId xmlns:a16="http://schemas.microsoft.com/office/drawing/2014/main" id="{54F7B583-9D75-4990-BD07-7F83E1EAA936}"/>
+                  </a:ext>
+                </a:extLst>
+              </p:cNvPr>
+              <p:cNvPicPr/>
+              <p:nvPr/>
+            </p:nvPicPr>
+            <p:blipFill>
+              <a:blip r:embed="rId149"/>
+              <a:stretch>
+                <a:fillRect/>
+              </a:stretch>
+            </p:blipFill>
+            <p:spPr>
+              <a:xfrm>
+                <a:off x="10983149" y="3061353"/>
+                <a:ext cx="354240" cy="371880"/>
+              </a:xfrm>
+              <a:prstGeom prst="rect">
+                <a:avLst/>
+              </a:prstGeom>
+            </p:spPr>
+          </p:pic>
+        </mc:Fallback>
+      </mc:AlternateContent>
+      <mc:AlternateContent xmlns:mc="http://schemas.openxmlformats.org/markup-compatibility/2006" xmlns:p14="http://schemas.microsoft.com/office/powerpoint/2010/main">
+        <mc:Choice Requires="p14">
+          <p:contentPart p14:bwMode="auto" r:id="rId150">
+            <p14:nvContentPartPr>
+              <p14:cNvPr id="19" name="インク 18">
+                <a:extLst>
+                  <a:ext uri="{FF2B5EF4-FFF2-40B4-BE49-F238E27FC236}">
+                    <a16:creationId xmlns:a16="http://schemas.microsoft.com/office/drawing/2014/main" id="{A36D6C5D-B9EB-4730-A685-CEA8BC66B592}"/>
+                  </a:ext>
+                </a:extLst>
+              </p14:cNvPr>
+              <p14:cNvContentPartPr/>
+              <p14:nvPr/>
+            </p14:nvContentPartPr>
+            <p14:xfrm>
+              <a:off x="11034629" y="3328833"/>
+              <a:ext cx="360" cy="360"/>
+            </p14:xfrm>
+          </p:contentPart>
+        </mc:Choice>
+        <mc:Fallback xmlns="">
+          <p:pic>
+            <p:nvPicPr>
+              <p:cNvPr id="19" name="インク 18">
+                <a:extLst>
+                  <a:ext uri="{FF2B5EF4-FFF2-40B4-BE49-F238E27FC236}">
+                    <a16:creationId xmlns:a16="http://schemas.microsoft.com/office/drawing/2014/main" id="{A36D6C5D-B9EB-4730-A685-CEA8BC66B592}"/>
+                  </a:ext>
+                </a:extLst>
+              </p:cNvPr>
+              <p:cNvPicPr/>
+              <p:nvPr/>
+            </p:nvPicPr>
+            <p:blipFill>
+              <a:blip r:embed="rId141"/>
+              <a:stretch>
+                <a:fillRect/>
+              </a:stretch>
+            </p:blipFill>
+            <p:spPr>
+              <a:xfrm>
+                <a:off x="10980629" y="3220833"/>
+                <a:ext cx="108000" cy="216000"/>
+              </a:xfrm>
+              <a:prstGeom prst="rect">
+                <a:avLst/>
+              </a:prstGeom>
+            </p:spPr>
+          </p:pic>
+        </mc:Fallback>
+      </mc:AlternateContent>
+      <mc:AlternateContent xmlns:mc="http://schemas.openxmlformats.org/markup-compatibility/2006" xmlns:p14="http://schemas.microsoft.com/office/powerpoint/2010/main">
+        <mc:Choice Requires="p14">
+          <p:contentPart p14:bwMode="auto" r:id="rId151">
+            <p14:nvContentPartPr>
+              <p14:cNvPr id="20" name="インク 19">
+                <a:extLst>
+                  <a:ext uri="{FF2B5EF4-FFF2-40B4-BE49-F238E27FC236}">
+                    <a16:creationId xmlns:a16="http://schemas.microsoft.com/office/drawing/2014/main" id="{DA687E94-17B1-4539-8820-4E35D88577EC}"/>
+                  </a:ext>
+                </a:extLst>
+              </p14:cNvPr>
+              <p14:cNvContentPartPr/>
+              <p14:nvPr/>
+            </p14:nvContentPartPr>
+            <p14:xfrm>
+              <a:off x="9846269" y="2529633"/>
+              <a:ext cx="440640" cy="1108080"/>
+            </p14:xfrm>
+          </p:contentPart>
+        </mc:Choice>
+        <mc:Fallback xmlns="">
+          <p:pic>
+            <p:nvPicPr>
+              <p:cNvPr id="20" name="インク 19">
+                <a:extLst>
+                  <a:ext uri="{FF2B5EF4-FFF2-40B4-BE49-F238E27FC236}">
+                    <a16:creationId xmlns:a16="http://schemas.microsoft.com/office/drawing/2014/main" id="{DA687E94-17B1-4539-8820-4E35D88577EC}"/>
+                  </a:ext>
+                </a:extLst>
+              </p:cNvPr>
+              <p:cNvPicPr/>
+              <p:nvPr/>
+            </p:nvPicPr>
+            <p:blipFill>
+              <a:blip r:embed="rId152"/>
+              <a:stretch>
+                <a:fillRect/>
+              </a:stretch>
+            </p:blipFill>
+            <p:spPr>
+              <a:xfrm>
+                <a:off x="9792629" y="2421993"/>
+                <a:ext cx="548280" cy="1323720"/>
+              </a:xfrm>
+              <a:prstGeom prst="rect">
+                <a:avLst/>
+              </a:prstGeom>
+            </p:spPr>
+          </p:pic>
+        </mc:Fallback>
+      </mc:AlternateContent>
+      <mc:AlternateContent xmlns:mc="http://schemas.openxmlformats.org/markup-compatibility/2006" xmlns:p14="http://schemas.microsoft.com/office/powerpoint/2010/main">
+        <mc:Choice Requires="p14">
+          <p:contentPart p14:bwMode="auto" r:id="rId153">
+            <p14:nvContentPartPr>
+              <p14:cNvPr id="4" name="インク 3">
+                <a:extLst>
+                  <a:ext uri="{FF2B5EF4-FFF2-40B4-BE49-F238E27FC236}">
+                    <a16:creationId xmlns:a16="http://schemas.microsoft.com/office/drawing/2014/main" id="{0E2BBE57-B765-4E4D-893A-CE94EAA7B7E1}"/>
+                  </a:ext>
+                </a:extLst>
+              </p14:cNvPr>
+              <p14:cNvContentPartPr/>
+              <p14:nvPr/>
+            </p14:nvContentPartPr>
+            <p14:xfrm>
+              <a:off x="1518749" y="3720873"/>
+              <a:ext cx="1298160" cy="176760"/>
+            </p14:xfrm>
+          </p:contentPart>
+        </mc:Choice>
+        <mc:Fallback xmlns="">
+          <p:pic>
+            <p:nvPicPr>
+              <p:cNvPr id="4" name="インク 3">
+                <a:extLst>
+                  <a:ext uri="{FF2B5EF4-FFF2-40B4-BE49-F238E27FC236}">
+                    <a16:creationId xmlns:a16="http://schemas.microsoft.com/office/drawing/2014/main" id="{0E2BBE57-B765-4E4D-893A-CE94EAA7B7E1}"/>
+                  </a:ext>
+                </a:extLst>
+              </p:cNvPr>
+              <p:cNvPicPr/>
+              <p:nvPr/>
+            </p:nvPicPr>
+            <p:blipFill>
+              <a:blip r:embed="rId154"/>
+              <a:stretch>
+                <a:fillRect/>
+              </a:stretch>
+            </p:blipFill>
+            <p:spPr>
+              <a:xfrm>
+                <a:off x="1464749" y="3612873"/>
+                <a:ext cx="1405800" cy="392400"/>
               </a:xfrm>
               <a:prstGeom prst="rect">
                 <a:avLst/>
@@ -10240,7 +7833,7 @@
           <p:cNvPr id="2" name="タイトル 1">
             <a:extLst>
               <a:ext uri="{FF2B5EF4-FFF2-40B4-BE49-F238E27FC236}">
-                <a16:creationId xmlns:a16="http://schemas.microsoft.com/office/drawing/2014/main" id="{09DD5D70-F0B3-4C5C-A7EF-EE1D155C2022}"/>
+                <a16:creationId xmlns:a16="http://schemas.microsoft.com/office/drawing/2014/main" id="{78893C16-4CBC-4C09-944D-9E12F5ED2862}"/>
               </a:ext>
             </a:extLst>
           </p:cNvPr>
@@ -10253,8 +7846,8 @@
         </p:nvSpPr>
         <p:spPr>
           <a:xfrm>
-            <a:off x="225641" y="231960"/>
-            <a:ext cx="10515600" cy="602541"/>
+            <a:off x="261151" y="276350"/>
+            <a:ext cx="10515600" cy="469376"/>
           </a:xfrm>
         </p:spPr>
         <p:txBody>
@@ -10268,7 +7861,7 @@
               <a:t>ゲームシステム</a:t>
             </a:r>
             <a:r>
-              <a:rPr kumimoji="1" lang="en-US" altLang="ja-JP" dirty="0"/>
+              <a:rPr lang="en-US" altLang="ja-JP" dirty="0"/>
               <a:t>1</a:t>
             </a:r>
             <a:endParaRPr kumimoji="1" lang="ja-JP" altLang="en-US" dirty="0"/>
@@ -10280,7 +7873,7 @@
           <p:cNvPr id="3" name="コンテンツ プレースホルダー 2">
             <a:extLst>
               <a:ext uri="{FF2B5EF4-FFF2-40B4-BE49-F238E27FC236}">
-                <a16:creationId xmlns:a16="http://schemas.microsoft.com/office/drawing/2014/main" id="{C7FAFC51-123D-47EB-A09F-275F18249E74}"/>
+                <a16:creationId xmlns:a16="http://schemas.microsoft.com/office/drawing/2014/main" id="{50A17134-0AFF-4D23-A254-DB2F6FE75698}"/>
               </a:ext>
             </a:extLst>
           </p:cNvPr>
@@ -10293,7 +7886,7 @@
         </p:nvSpPr>
         <p:spPr>
           <a:xfrm>
-            <a:off x="225641" y="834501"/>
+            <a:off x="261151" y="804695"/>
             <a:ext cx="10515600" cy="4351338"/>
           </a:xfrm>
         </p:spPr>
@@ -10303,19 +7896,59 @@
           <a:p>
             <a:r>
               <a:rPr kumimoji="1" lang="ja-JP" altLang="en-US" dirty="0"/>
-              <a:t>ステージを選択して、敵を倒しながら進んでゴール地点を目指すゲーム。</a:t>
+              <a:t>敵の攻撃</a:t>
+            </a:r>
+            <a:r>
+              <a:rPr lang="ja-JP" altLang="en-US" dirty="0"/>
+              <a:t>や</a:t>
+            </a:r>
+            <a:r>
+              <a:rPr kumimoji="1" lang="ja-JP" altLang="en-US" dirty="0"/>
+              <a:t>、ステージ外に落ちるとダメージを受ける。</a:t>
             </a:r>
             <a:endParaRPr kumimoji="1" lang="en-US" altLang="ja-JP" dirty="0"/>
           </a:p>
           <a:p>
-            <a:endParaRPr kumimoji="1" lang="ja-JP" altLang="en-US" dirty="0"/>
+            <a:r>
+              <a:rPr lang="ja-JP" altLang="en-US" dirty="0"/>
+              <a:t>ステージ内には、プレイヤーを強化する様々なアイテムがある。</a:t>
+            </a:r>
+            <a:endParaRPr lang="en-US" altLang="ja-JP" dirty="0"/>
+          </a:p>
+          <a:p>
+            <a:r>
+              <a:rPr lang="ja-JP" altLang="en-US" dirty="0"/>
+              <a:t>プレイヤーは回数制限、クールタイム付きの特殊技や、回避行動をとれるので、場面を見ながら戦おう！</a:t>
+            </a:r>
+            <a:endParaRPr lang="en-US" altLang="ja-JP" dirty="0"/>
+          </a:p>
+          <a:p>
+            <a:r>
+              <a:rPr lang="en-US" altLang="ja-JP" dirty="0"/>
+              <a:t>HP</a:t>
+            </a:r>
+            <a:r>
+              <a:rPr lang="ja-JP" altLang="en-US" dirty="0"/>
+              <a:t>が無くなったり、時間切でゲームオーバー。</a:t>
+            </a:r>
+            <a:endParaRPr lang="en-US" altLang="ja-JP" dirty="0"/>
+          </a:p>
+          <a:p>
+            <a:r>
+              <a:rPr lang="ja-JP" altLang="en-US" dirty="0"/>
+              <a:t>敵の攻撃力は少し高めの設定。</a:t>
+            </a:r>
+            <a:endParaRPr lang="en-US" altLang="ja-JP" dirty="0"/>
+          </a:p>
+          <a:p>
+            <a:endParaRPr lang="en-US" altLang="ja-JP" dirty="0"/>
           </a:p>
         </p:txBody>
       </p:sp>
     </p:spTree>
     <p:extLst>
       <p:ext uri="{BB962C8B-B14F-4D97-AF65-F5344CB8AC3E}">
-        <p14:creationId xmlns:p14="http://schemas.microsoft.com/office/powerpoint/2010/main" val="1054650129"/>
+        <p14:creationId xmlns:p14="http://schemas.microsoft.com/office/powerpoint/2010/main" val="1350682829"/>
       </p:ext>
     </p:extLst>
   </p:cSld>
@@ -10347,7 +7980,7 @@
           <p:cNvPr id="2" name="タイトル 1">
             <a:extLst>
               <a:ext uri="{FF2B5EF4-FFF2-40B4-BE49-F238E27FC236}">
-                <a16:creationId xmlns:a16="http://schemas.microsoft.com/office/drawing/2014/main" id="{78893C16-4CBC-4C09-944D-9E12F5ED2862}"/>
+                <a16:creationId xmlns:a16="http://schemas.microsoft.com/office/drawing/2014/main" id="{09DD5D70-F0B3-4C5C-A7EF-EE1D155C2022}"/>
               </a:ext>
             </a:extLst>
           </p:cNvPr>
@@ -10360,8 +7993,8 @@
         </p:nvSpPr>
         <p:spPr>
           <a:xfrm>
-            <a:off x="261151" y="276350"/>
-            <a:ext cx="10515600" cy="469376"/>
+            <a:off x="225641" y="231960"/>
+            <a:ext cx="10515600" cy="602541"/>
           </a:xfrm>
         </p:spPr>
         <p:txBody>
@@ -10387,7 +8020,7 @@
           <p:cNvPr id="3" name="コンテンツ プレースホルダー 2">
             <a:extLst>
               <a:ext uri="{FF2B5EF4-FFF2-40B4-BE49-F238E27FC236}">
-                <a16:creationId xmlns:a16="http://schemas.microsoft.com/office/drawing/2014/main" id="{50A17134-0AFF-4D23-A254-DB2F6FE75698}"/>
+                <a16:creationId xmlns:a16="http://schemas.microsoft.com/office/drawing/2014/main" id="{C7FAFC51-123D-47EB-A09F-275F18249E74}"/>
               </a:ext>
             </a:extLst>
           </p:cNvPr>
@@ -10400,7 +8033,7 @@
         </p:nvSpPr>
         <p:spPr>
           <a:xfrm>
-            <a:off x="261151" y="804695"/>
+            <a:off x="225641" y="834501"/>
             <a:ext cx="10515600" cy="4351338"/>
           </a:xfrm>
         </p:spPr>
@@ -10410,140 +8043,46 @@
           <a:p>
             <a:r>
               <a:rPr kumimoji="1" lang="ja-JP" altLang="en-US" dirty="0"/>
-              <a:t>敵の攻撃を受けると、ダメージを受ける。</a:t>
+              <a:t>ステージ制</a:t>
             </a:r>
             <a:endParaRPr kumimoji="1" lang="en-US" altLang="ja-JP" dirty="0"/>
           </a:p>
           <a:p>
             <a:r>
+              <a:rPr kumimoji="1" lang="ja-JP" altLang="en-US" dirty="0"/>
+              <a:t>ステージを選択して、敵を倒しながら進んでゴール地点を目指すゲーム。</a:t>
+            </a:r>
+            <a:endParaRPr kumimoji="1" lang="en-US" altLang="ja-JP" dirty="0"/>
+          </a:p>
+          <a:p>
+            <a:r>
+              <a:rPr lang="en-US" altLang="ja-JP" dirty="0"/>
+              <a:t>3</a:t>
+            </a:r>
+            <a:r>
               <a:rPr lang="ja-JP" altLang="en-US" dirty="0"/>
-              <a:t>ステージ内には、プレイヤーを強化する様々なアイテムがある。</a:t>
-            </a:r>
-            <a:endParaRPr lang="en-US" altLang="ja-JP" dirty="0"/>
-          </a:p>
-          <a:p>
-            <a:r>
-              <a:rPr lang="en-US" altLang="ja-JP" dirty="0"/>
-              <a:t>HP</a:t>
-            </a:r>
+              <a:t>つ程のステージを予定</a:t>
+            </a:r>
+            <a:endParaRPr kumimoji="1" lang="en-US" altLang="ja-JP" dirty="0"/>
+          </a:p>
+          <a:p>
             <a:r>
               <a:rPr lang="ja-JP" altLang="en-US" dirty="0"/>
-              <a:t>がすべて無くなると、ゲームオーバー。</a:t>
-            </a:r>
-            <a:endParaRPr lang="en-US" altLang="ja-JP" dirty="0"/>
-          </a:p>
-          <a:p>
-            <a:endParaRPr lang="en-US" altLang="ja-JP" dirty="0"/>
+              <a:t>各ステージの勇者を倒して、かつての魔族の拠点を取り戻そう！</a:t>
+            </a:r>
+          </a:p>
+          <a:p>
+            <a:endParaRPr kumimoji="1" lang="en-US" altLang="ja-JP" dirty="0"/>
+          </a:p>
+          <a:p>
+            <a:endParaRPr kumimoji="1" lang="ja-JP" altLang="en-US" dirty="0"/>
           </a:p>
         </p:txBody>
       </p:sp>
     </p:spTree>
     <p:extLst>
       <p:ext uri="{BB962C8B-B14F-4D97-AF65-F5344CB8AC3E}">
-        <p14:creationId xmlns:p14="http://schemas.microsoft.com/office/powerpoint/2010/main" val="1350682829"/>
-      </p:ext>
-    </p:extLst>
-  </p:cSld>
-  <p:clrMapOvr>
-    <a:masterClrMapping/>
-  </p:clrMapOvr>
-</p:sld>
-</file>
-
-<file path=ppt/slides/slide7.xml><?xml version="1.0" encoding="utf-8"?>
-<p:sld xmlns:a="http://schemas.openxmlformats.org/drawingml/2006/main" xmlns:r="http://schemas.openxmlformats.org/officeDocument/2006/relationships" xmlns:p="http://schemas.openxmlformats.org/presentationml/2006/main">
-  <p:cSld>
-    <p:spTree>
-      <p:nvGrpSpPr>
-        <p:cNvPr id="1" name=""/>
-        <p:cNvGrpSpPr/>
-        <p:nvPr/>
-      </p:nvGrpSpPr>
-      <p:grpSpPr>
-        <a:xfrm>
-          <a:off x="0" y="0"/>
-          <a:ext cx="0" cy="0"/>
-          <a:chOff x="0" y="0"/>
-          <a:chExt cx="0" cy="0"/>
-        </a:xfrm>
-      </p:grpSpPr>
-      <p:sp>
-        <p:nvSpPr>
-          <p:cNvPr id="2" name="タイトル 1">
-            <a:extLst>
-              <a:ext uri="{FF2B5EF4-FFF2-40B4-BE49-F238E27FC236}">
-                <a16:creationId xmlns:a16="http://schemas.microsoft.com/office/drawing/2014/main" id="{F2EA8252-6F74-44AA-8DC8-71E7C64651DB}"/>
-              </a:ext>
-            </a:extLst>
-          </p:cNvPr>
-          <p:cNvSpPr>
-            <a:spLocks noGrp="1"/>
-          </p:cNvSpPr>
-          <p:nvPr>
-            <p:ph type="title"/>
-          </p:nvPr>
-        </p:nvSpPr>
-        <p:spPr>
-          <a:xfrm>
-            <a:off x="181252" y="178695"/>
-            <a:ext cx="10515600" cy="584786"/>
-          </a:xfrm>
-        </p:spPr>
-        <p:txBody>
-          <a:bodyPr>
-            <a:normAutofit fontScale="90000"/>
-          </a:bodyPr>
-          <a:lstStyle/>
-          <a:p>
-            <a:r>
-              <a:rPr kumimoji="1" lang="ja-JP" altLang="en-US" dirty="0"/>
-              <a:t>ゲームシステム</a:t>
-            </a:r>
-            <a:r>
-              <a:rPr kumimoji="1" lang="en-US" altLang="ja-JP" dirty="0"/>
-              <a:t>3</a:t>
-            </a:r>
-            <a:endParaRPr kumimoji="1" lang="ja-JP" altLang="en-US" dirty="0"/>
-          </a:p>
-        </p:txBody>
-      </p:sp>
-      <p:sp>
-        <p:nvSpPr>
-          <p:cNvPr id="3" name="コンテンツ プレースホルダー 2">
-            <a:extLst>
-              <a:ext uri="{FF2B5EF4-FFF2-40B4-BE49-F238E27FC236}">
-                <a16:creationId xmlns:a16="http://schemas.microsoft.com/office/drawing/2014/main" id="{F038D0DE-105C-4674-B8E9-68ED06CBB31A}"/>
-              </a:ext>
-            </a:extLst>
-          </p:cNvPr>
-          <p:cNvSpPr>
-            <a:spLocks noGrp="1"/>
-          </p:cNvSpPr>
-          <p:nvPr>
-            <p:ph idx="1"/>
-          </p:nvPr>
-        </p:nvSpPr>
-        <p:spPr>
-          <a:xfrm>
-            <a:off x="181252" y="795817"/>
-            <a:ext cx="11066756" cy="4351338"/>
-          </a:xfrm>
-        </p:spPr>
-        <p:txBody>
-          <a:bodyPr/>
-          <a:lstStyle/>
-          <a:p>
-            <a:r>
-              <a:rPr kumimoji="1" lang="ja-JP" altLang="en-US" dirty="0"/>
-              <a:t>各ステージの勇者を倒して、かつての魔族の拠点を取り戻そう！</a:t>
-            </a:r>
-          </a:p>
-        </p:txBody>
-      </p:sp>
-    </p:spTree>
-    <p:extLst>
-      <p:ext uri="{BB962C8B-B14F-4D97-AF65-F5344CB8AC3E}">
-        <p14:creationId xmlns:p14="http://schemas.microsoft.com/office/powerpoint/2010/main" val="2686566993"/>
+        <p14:creationId xmlns:p14="http://schemas.microsoft.com/office/powerpoint/2010/main" val="1054650129"/>
       </p:ext>
     </p:extLst>
   </p:cSld>
